--- a/Project 1.pptx
+++ b/Project 1.pptx
@@ -2,17 +2,19 @@
 <file path=ppt/presentation.xml><?xml version="1.0" encoding="utf-8"?>
 <p:presentation xmlns:a="http://schemas.openxmlformats.org/drawingml/2006/main" xmlns:r="http://schemas.openxmlformats.org/officeDocument/2006/relationships" xmlns:p="http://schemas.openxmlformats.org/presentationml/2006/main" autoCompressPictures="0">
   <p:sldMasterIdLst>
-    <p:sldMasterId id="2147483648" r:id="rId1"/>
+    <p:sldMasterId id="2147483686" r:id="rId1"/>
   </p:sldMasterIdLst>
   <p:sldIdLst>
     <p:sldId id="256" r:id="rId2"/>
     <p:sldId id="257" r:id="rId3"/>
     <p:sldId id="258" r:id="rId4"/>
-    <p:sldId id="259" r:id="rId5"/>
-    <p:sldId id="260" r:id="rId6"/>
-    <p:sldId id="261" r:id="rId7"/>
-    <p:sldId id="265" r:id="rId8"/>
-    <p:sldId id="263" r:id="rId9"/>
+    <p:sldId id="266" r:id="rId5"/>
+    <p:sldId id="267" r:id="rId6"/>
+    <p:sldId id="275" r:id="rId7"/>
+    <p:sldId id="270" r:id="rId8"/>
+    <p:sldId id="274" r:id="rId9"/>
+    <p:sldId id="263" r:id="rId10"/>
+    <p:sldId id="273" r:id="rId11"/>
   </p:sldIdLst>
   <p:sldSz cx="12192000" cy="6858000"/>
   <p:notesSz cx="6858000" cy="9144000"/>
@@ -114,12 +116,12 @@
   <p:extLst>
     <p:ext uri="{EFAFB233-063F-42B5-8137-9DF3F51BA10A}">
       <p15:sldGuideLst xmlns:p15="http://schemas.microsoft.com/office/powerpoint/2012/main">
-        <p15:guide id="1" orient="horz" pos="384" userDrawn="1">
+        <p15:guide id="1" orient="horz" pos="1152" userDrawn="1">
           <p15:clr>
             <a:srgbClr val="A4A3A4"/>
           </p15:clr>
         </p15:guide>
-        <p15:guide id="2" pos="384" userDrawn="1">
+        <p15:guide id="2" pos="3840" userDrawn="1">
           <p15:clr>
             <a:srgbClr val="A4A3A4"/>
           </p15:clr>
@@ -220,20 +222,9 @@
             <a:lvl1pPr marL="0" indent="0" algn="ctr">
               <a:buNone/>
               <a:defRPr sz="2100">
-                <a:gradFill flip="none" rotWithShape="1">
-                  <a:gsLst>
-                    <a:gs pos="0">
-                      <a:schemeClr val="tx1"/>
-                    </a:gs>
-                    <a:gs pos="100000">
-                      <a:schemeClr val="tx1">
-                        <a:lumMod val="75000"/>
-                      </a:schemeClr>
-                    </a:gs>
-                  </a:gsLst>
-                  <a:lin ang="5400000" scaled="0"/>
-                  <a:tileRect/>
-                </a:gradFill>
+                <a:solidFill>
+                  <a:schemeClr val="tx1"/>
+                </a:solidFill>
               </a:defRPr>
             </a:lvl1pPr>
             <a:lvl2pPr marL="457200" indent="0" algn="ctr">
@@ -342,9 +333,9 @@
           <a:lstStyle/>
           <a:p>
             <a:fld id="{B61BEF0D-F0BB-DE4B-95CE-6DB70DBA9567}" type="datetimeFigureOut">
-              <a:rPr lang="en-US" dirty="0"/>
+              <a:rPr lang="en-US" smtClean="0"/>
               <a:pPr/>
-              <a:t>3/8/19</a:t>
+              <a:t>3/11/19</a:t>
             </a:fld>
             <a:endParaRPr lang="en-US" dirty="0"/>
           </a:p>
@@ -385,7 +376,7 @@
           <a:lstStyle/>
           <a:p>
             <a:fld id="{D57F1E4F-1CFF-5643-939E-217C01CDF565}" type="slidenum">
-              <a:rPr lang="en-US" dirty="0"/>
+              <a:rPr lang="en-US" smtClean="0"/>
               <a:pPr/>
               <a:t>‹#›</a:t>
             </a:fld>
@@ -394,6 +385,11 @@
         </p:txBody>
       </p:sp>
     </p:spTree>
+    <p:extLst>
+      <p:ext uri="{BB962C8B-B14F-4D97-AF65-F5344CB8AC3E}">
+        <p14:creationId xmlns:p14="http://schemas.microsoft.com/office/powerpoint/2010/main" val="3281352869"/>
+      </p:ext>
+    </p:extLst>
   </p:cSld>
   <p:clrMapOvr>
     <a:masterClrMapping/>
@@ -630,9 +626,9 @@
           <a:lstStyle/>
           <a:p>
             <a:fld id="{B61BEF0D-F0BB-DE4B-95CE-6DB70DBA9567}" type="datetimeFigureOut">
-              <a:rPr lang="en-US" dirty="0"/>
+              <a:rPr lang="en-US" smtClean="0"/>
               <a:pPr/>
-              <a:t>3/8/19</a:t>
+              <a:t>3/11/19</a:t>
             </a:fld>
             <a:endParaRPr lang="en-US" dirty="0"/>
           </a:p>
@@ -673,7 +669,7 @@
           <a:lstStyle/>
           <a:p>
             <a:fld id="{D57F1E4F-1CFF-5643-939E-217C01CDF565}" type="slidenum">
-              <a:rPr lang="en-US" dirty="0"/>
+              <a:rPr lang="en-US" smtClean="0"/>
               <a:pPr/>
               <a:t>‹#›</a:t>
             </a:fld>
@@ -682,6 +678,11 @@
         </p:txBody>
       </p:sp>
     </p:spTree>
+    <p:extLst>
+      <p:ext uri="{BB962C8B-B14F-4D97-AF65-F5344CB8AC3E}">
+        <p14:creationId xmlns:p14="http://schemas.microsoft.com/office/powerpoint/2010/main" val="3770038003"/>
+      </p:ext>
+    </p:extLst>
   </p:cSld>
   <p:clrMapOvr>
     <a:masterClrMapping/>
@@ -764,20 +765,9 @@
             <a:lvl1pPr marL="0" indent="0" algn="l">
               <a:buNone/>
               <a:defRPr sz="2000">
-                <a:gradFill flip="none" rotWithShape="1">
-                  <a:gsLst>
-                    <a:gs pos="0">
-                      <a:schemeClr val="tx1"/>
-                    </a:gs>
-                    <a:gs pos="100000">
-                      <a:schemeClr val="tx1">
-                        <a:lumMod val="75000"/>
-                      </a:schemeClr>
-                    </a:gs>
-                  </a:gsLst>
-                  <a:lin ang="5400000" scaled="0"/>
-                  <a:tileRect/>
-                </a:gradFill>
+                <a:solidFill>
+                  <a:schemeClr val="tx1"/>
+                </a:solidFill>
               </a:defRPr>
             </a:lvl1pPr>
             <a:lvl2pPr marL="457200" indent="0">
@@ -886,9 +876,9 @@
           <a:lstStyle/>
           <a:p>
             <a:fld id="{B61BEF0D-F0BB-DE4B-95CE-6DB70DBA9567}" type="datetimeFigureOut">
-              <a:rPr lang="en-US" dirty="0"/>
+              <a:rPr lang="en-US" smtClean="0"/>
               <a:pPr/>
-              <a:t>3/8/19</a:t>
+              <a:t>3/11/19</a:t>
             </a:fld>
             <a:endParaRPr lang="en-US" dirty="0"/>
           </a:p>
@@ -929,7 +919,7 @@
           <a:lstStyle/>
           <a:p>
             <a:fld id="{D57F1E4F-1CFF-5643-939E-217C01CDF565}" type="slidenum">
-              <a:rPr lang="en-US" dirty="0"/>
+              <a:rPr lang="en-US" smtClean="0"/>
               <a:pPr/>
               <a:t>‹#›</a:t>
             </a:fld>
@@ -938,6 +928,11 @@
         </p:txBody>
       </p:sp>
     </p:spTree>
+    <p:extLst>
+      <p:ext uri="{BB962C8B-B14F-4D97-AF65-F5344CB8AC3E}">
+        <p14:creationId xmlns:p14="http://schemas.microsoft.com/office/powerpoint/2010/main" val="3497117681"/>
+      </p:ext>
+    </p:extLst>
   </p:cSld>
   <p:clrMapOvr>
     <a:masterClrMapping/>
@@ -1301,34 +1296,101 @@
           </a:xfrm>
         </p:spPr>
         <p:txBody>
-          <a:bodyPr vert="horz" lIns="91440" tIns="45720" rIns="91440" bIns="45720" rtlCol="0" anchor="ctr">
+          <a:bodyPr anchor="ctr">
             <a:normAutofit/>
           </a:bodyPr>
           <a:lstStyle>
-            <a:lvl1pPr>
-              <a:buNone/>
-              <a:defRPr lang="en-US" sz="2000">
-                <a:gradFill flip="none" rotWithShape="1">
-                  <a:gsLst>
-                    <a:gs pos="0">
-                      <a:schemeClr val="tx1"/>
-                    </a:gs>
-                    <a:gs pos="100000">
-                      <a:schemeClr val="tx1">
-                        <a:lumMod val="75000"/>
-                      </a:schemeClr>
-                    </a:gs>
-                  </a:gsLst>
-                  <a:lin ang="5400000" scaled="0"/>
-                  <a:tileRect/>
-                </a:gradFill>
+            <a:lvl1pPr marL="0" indent="0" algn="l">
+              <a:buNone/>
+              <a:defRPr sz="2000">
+                <a:solidFill>
+                  <a:schemeClr val="tx1"/>
+                </a:solidFill>
               </a:defRPr>
             </a:lvl1pPr>
+            <a:lvl2pPr marL="457200" indent="0">
+              <a:buNone/>
+              <a:defRPr sz="1800">
+                <a:solidFill>
+                  <a:schemeClr val="tx1">
+                    <a:tint val="75000"/>
+                  </a:schemeClr>
+                </a:solidFill>
+              </a:defRPr>
+            </a:lvl2pPr>
+            <a:lvl3pPr marL="914400" indent="0">
+              <a:buNone/>
+              <a:defRPr sz="1600">
+                <a:solidFill>
+                  <a:schemeClr val="tx1">
+                    <a:tint val="75000"/>
+                  </a:schemeClr>
+                </a:solidFill>
+              </a:defRPr>
+            </a:lvl3pPr>
+            <a:lvl4pPr marL="1371600" indent="0">
+              <a:buNone/>
+              <a:defRPr sz="1400">
+                <a:solidFill>
+                  <a:schemeClr val="tx1">
+                    <a:tint val="75000"/>
+                  </a:schemeClr>
+                </a:solidFill>
+              </a:defRPr>
+            </a:lvl4pPr>
+            <a:lvl5pPr marL="1828800" indent="0">
+              <a:buNone/>
+              <a:defRPr sz="1400">
+                <a:solidFill>
+                  <a:schemeClr val="tx1">
+                    <a:tint val="75000"/>
+                  </a:schemeClr>
+                </a:solidFill>
+              </a:defRPr>
+            </a:lvl5pPr>
+            <a:lvl6pPr marL="2286000" indent="0">
+              <a:buNone/>
+              <a:defRPr sz="1400">
+                <a:solidFill>
+                  <a:schemeClr val="tx1">
+                    <a:tint val="75000"/>
+                  </a:schemeClr>
+                </a:solidFill>
+              </a:defRPr>
+            </a:lvl6pPr>
+            <a:lvl7pPr marL="2743200" indent="0">
+              <a:buNone/>
+              <a:defRPr sz="1400">
+                <a:solidFill>
+                  <a:schemeClr val="tx1">
+                    <a:tint val="75000"/>
+                  </a:schemeClr>
+                </a:solidFill>
+              </a:defRPr>
+            </a:lvl7pPr>
+            <a:lvl8pPr marL="3200400" indent="0">
+              <a:buNone/>
+              <a:defRPr sz="1400">
+                <a:solidFill>
+                  <a:schemeClr val="tx1">
+                    <a:tint val="75000"/>
+                  </a:schemeClr>
+                </a:solidFill>
+              </a:defRPr>
+            </a:lvl8pPr>
+            <a:lvl9pPr marL="3657600" indent="0">
+              <a:buNone/>
+              <a:defRPr sz="1400">
+                <a:solidFill>
+                  <a:schemeClr val="tx1">
+                    <a:tint val="75000"/>
+                  </a:schemeClr>
+                </a:solidFill>
+              </a:defRPr>
+            </a:lvl9pPr>
           </a:lstStyle>
           <a:p>
-            <a:pPr marL="0" lvl="0" indent="0">
-              <a:buNone/>
-            </a:pPr>
+            <a:pPr lvl="0"/>
             <a:r>
               <a:rPr lang="en-US"/>
               <a:t>Click to edit Master text styles</a:t>
@@ -1352,9 +1414,9 @@
           <a:lstStyle/>
           <a:p>
             <a:fld id="{B61BEF0D-F0BB-DE4B-95CE-6DB70DBA9567}" type="datetimeFigureOut">
-              <a:rPr lang="en-US" dirty="0"/>
+              <a:rPr lang="en-US" smtClean="0"/>
               <a:pPr/>
-              <a:t>3/8/19</a:t>
+              <a:t>3/11/19</a:t>
             </a:fld>
             <a:endParaRPr lang="en-US" dirty="0"/>
           </a:p>
@@ -1395,7 +1457,7 @@
           <a:lstStyle/>
           <a:p>
             <a:fld id="{D57F1E4F-1CFF-5643-939E-217C01CDF565}" type="slidenum">
-              <a:rPr lang="en-US" dirty="0"/>
+              <a:rPr lang="en-US" smtClean="0"/>
               <a:pPr/>
               <a:t>‹#›</a:t>
             </a:fld>
@@ -1404,6 +1466,11 @@
         </p:txBody>
       </p:sp>
     </p:spTree>
+    <p:extLst>
+      <p:ext uri="{BB962C8B-B14F-4D97-AF65-F5344CB8AC3E}">
+        <p14:creationId xmlns:p14="http://schemas.microsoft.com/office/powerpoint/2010/main" val="1811457462"/>
+      </p:ext>
+    </p:extLst>
   </p:cSld>
   <p:clrMapOvr>
     <a:masterClrMapping/>
@@ -1479,33 +1546,101 @@
           </a:xfrm>
         </p:spPr>
         <p:txBody>
-          <a:bodyPr vert="horz" lIns="91440" tIns="45720" rIns="91440" bIns="45720" rtlCol="0" anchor="t">
+          <a:bodyPr anchor="t">
             <a:normAutofit/>
           </a:bodyPr>
           <a:lstStyle>
-            <a:lvl1pPr>
-              <a:defRPr lang="en-US" sz="2000">
-                <a:gradFill flip="none" rotWithShape="1">
-                  <a:gsLst>
-                    <a:gs pos="0">
-                      <a:schemeClr val="tx1"/>
-                    </a:gs>
-                    <a:gs pos="100000">
-                      <a:schemeClr val="tx1">
-                        <a:lumMod val="75000"/>
-                      </a:schemeClr>
-                    </a:gs>
-                  </a:gsLst>
-                  <a:lin ang="5400000" scaled="0"/>
-                  <a:tileRect/>
-                </a:gradFill>
+            <a:lvl1pPr marL="0" indent="0" algn="l">
+              <a:buNone/>
+              <a:defRPr sz="2000">
+                <a:solidFill>
+                  <a:schemeClr val="tx1"/>
+                </a:solidFill>
               </a:defRPr>
             </a:lvl1pPr>
+            <a:lvl2pPr marL="457200" indent="0">
+              <a:buNone/>
+              <a:defRPr sz="1800">
+                <a:solidFill>
+                  <a:schemeClr val="tx1">
+                    <a:tint val="75000"/>
+                  </a:schemeClr>
+                </a:solidFill>
+              </a:defRPr>
+            </a:lvl2pPr>
+            <a:lvl3pPr marL="914400" indent="0">
+              <a:buNone/>
+              <a:defRPr sz="1600">
+                <a:solidFill>
+                  <a:schemeClr val="tx1">
+                    <a:tint val="75000"/>
+                  </a:schemeClr>
+                </a:solidFill>
+              </a:defRPr>
+            </a:lvl3pPr>
+            <a:lvl4pPr marL="1371600" indent="0">
+              <a:buNone/>
+              <a:defRPr sz="1400">
+                <a:solidFill>
+                  <a:schemeClr val="tx1">
+                    <a:tint val="75000"/>
+                  </a:schemeClr>
+                </a:solidFill>
+              </a:defRPr>
+            </a:lvl4pPr>
+            <a:lvl5pPr marL="1828800" indent="0">
+              <a:buNone/>
+              <a:defRPr sz="1400">
+                <a:solidFill>
+                  <a:schemeClr val="tx1">
+                    <a:tint val="75000"/>
+                  </a:schemeClr>
+                </a:solidFill>
+              </a:defRPr>
+            </a:lvl5pPr>
+            <a:lvl6pPr marL="2286000" indent="0">
+              <a:buNone/>
+              <a:defRPr sz="1400">
+                <a:solidFill>
+                  <a:schemeClr val="tx1">
+                    <a:tint val="75000"/>
+                  </a:schemeClr>
+                </a:solidFill>
+              </a:defRPr>
+            </a:lvl6pPr>
+            <a:lvl7pPr marL="2743200" indent="0">
+              <a:buNone/>
+              <a:defRPr sz="1400">
+                <a:solidFill>
+                  <a:schemeClr val="tx1">
+                    <a:tint val="75000"/>
+                  </a:schemeClr>
+                </a:solidFill>
+              </a:defRPr>
+            </a:lvl7pPr>
+            <a:lvl8pPr marL="3200400" indent="0">
+              <a:buNone/>
+              <a:defRPr sz="1400">
+                <a:solidFill>
+                  <a:schemeClr val="tx1">
+                    <a:tint val="75000"/>
+                  </a:schemeClr>
+                </a:solidFill>
+              </a:defRPr>
+            </a:lvl8pPr>
+            <a:lvl9pPr marL="3657600" indent="0">
+              <a:buNone/>
+              <a:defRPr sz="1400">
+                <a:solidFill>
+                  <a:schemeClr val="tx1">
+                    <a:tint val="75000"/>
+                  </a:schemeClr>
+                </a:solidFill>
+              </a:defRPr>
+            </a:lvl9pPr>
           </a:lstStyle>
           <a:p>
-            <a:pPr marL="0" lvl="0" indent="0">
-              <a:buNone/>
-            </a:pPr>
+            <a:pPr lvl="0"/>
             <a:r>
               <a:rPr lang="en-US"/>
               <a:t>Click to edit Master text styles</a:t>
@@ -1529,9 +1664,9 @@
           <a:lstStyle/>
           <a:p>
             <a:fld id="{B61BEF0D-F0BB-DE4B-95CE-6DB70DBA9567}" type="datetimeFigureOut">
-              <a:rPr lang="en-US" dirty="0"/>
+              <a:rPr lang="en-US" smtClean="0"/>
               <a:pPr/>
-              <a:t>3/8/19</a:t>
+              <a:t>3/11/19</a:t>
             </a:fld>
             <a:endParaRPr lang="en-US" dirty="0"/>
           </a:p>
@@ -1572,7 +1707,7 @@
           <a:lstStyle/>
           <a:p>
             <a:fld id="{D57F1E4F-1CFF-5643-939E-217C01CDF565}" type="slidenum">
-              <a:rPr lang="en-US" dirty="0"/>
+              <a:rPr lang="en-US" smtClean="0"/>
               <a:pPr/>
               <a:t>‹#›</a:t>
             </a:fld>
@@ -1581,6 +1716,11 @@
         </p:txBody>
       </p:sp>
     </p:spTree>
+    <p:extLst>
+      <p:ext uri="{BB962C8B-B14F-4D97-AF65-F5344CB8AC3E}">
+        <p14:creationId xmlns:p14="http://schemas.microsoft.com/office/powerpoint/2010/main" val="391637744"/>
+      </p:ext>
+    </p:extLst>
   </p:cSld>
   <p:clrMapOvr>
     <a:masterClrMapping/>
@@ -1858,20 +1998,9 @@
           <a:lstStyle>
             <a:lvl1pPr algn="l">
               <a:defRPr sz="3200" b="0" cap="all">
-                <a:gradFill flip="none" rotWithShape="1">
-                  <a:gsLst>
-                    <a:gs pos="0">
-                      <a:schemeClr val="tx1"/>
-                    </a:gs>
-                    <a:gs pos="100000">
-                      <a:schemeClr val="tx1">
-                        <a:lumMod val="75000"/>
-                      </a:schemeClr>
-                    </a:gs>
-                  </a:gsLst>
-                  <a:lin ang="5400000" scaled="0"/>
-                  <a:tileRect/>
-                </a:gradFill>
+                <a:solidFill>
+                  <a:schemeClr val="tx1"/>
+                </a:solidFill>
               </a:defRPr>
             </a:lvl1pPr>
           </a:lstStyle>
@@ -1911,20 +2040,9 @@
                 <a:ln w="3175" cmpd="sng">
                   <a:noFill/>
                 </a:ln>
-                <a:gradFill flip="none" rotWithShape="1">
-                  <a:gsLst>
-                    <a:gs pos="0">
-                      <a:schemeClr val="tx1"/>
-                    </a:gs>
-                    <a:gs pos="100000">
-                      <a:schemeClr val="tx1">
-                        <a:lumMod val="75000"/>
-                      </a:schemeClr>
-                    </a:gs>
-                  </a:gsLst>
-                  <a:lin ang="5400000" scaled="0"/>
-                  <a:tileRect/>
-                </a:gradFill>
+                <a:solidFill>
+                  <a:schemeClr val="accent1"/>
+                </a:solidFill>
                 <a:effectLst>
                   <a:glow rad="38100">
                     <a:schemeClr val="bg1">
@@ -1980,20 +2098,9 @@
             <a:lvl1pPr marL="0" indent="0" algn="l">
               <a:buNone/>
               <a:defRPr sz="1800">
-                <a:gradFill flip="none" rotWithShape="1">
-                  <a:gsLst>
-                    <a:gs pos="0">
-                      <a:schemeClr val="tx1"/>
-                    </a:gs>
-                    <a:gs pos="100000">
-                      <a:schemeClr val="tx1">
-                        <a:lumMod val="75000"/>
-                      </a:schemeClr>
-                    </a:gs>
-                  </a:gsLst>
-                  <a:lin ang="5400000" scaled="0"/>
-                  <a:tileRect/>
-                </a:gradFill>
+                <a:solidFill>
+                  <a:schemeClr val="tx1"/>
+                </a:solidFill>
               </a:defRPr>
             </a:lvl1pPr>
             <a:lvl2pPr marL="457200" indent="0">
@@ -2102,9 +2209,9 @@
           <a:lstStyle/>
           <a:p>
             <a:fld id="{B61BEF0D-F0BB-DE4B-95CE-6DB70DBA9567}" type="datetimeFigureOut">
-              <a:rPr lang="en-US" dirty="0"/>
+              <a:rPr lang="en-US" smtClean="0"/>
               <a:pPr/>
-              <a:t>3/8/19</a:t>
+              <a:t>3/11/19</a:t>
             </a:fld>
             <a:endParaRPr lang="en-US" dirty="0"/>
           </a:p>
@@ -2145,7 +2252,7 @@
           <a:lstStyle/>
           <a:p>
             <a:fld id="{D57F1E4F-1CFF-5643-939E-217C01CDF565}" type="slidenum">
-              <a:rPr lang="en-US" dirty="0"/>
+              <a:rPr lang="en-US" smtClean="0"/>
               <a:pPr/>
               <a:t>‹#›</a:t>
             </a:fld>
@@ -2154,6 +2261,11 @@
         </p:txBody>
       </p:sp>
     </p:spTree>
+    <p:extLst>
+      <p:ext uri="{BB962C8B-B14F-4D97-AF65-F5344CB8AC3E}">
+        <p14:creationId xmlns:p14="http://schemas.microsoft.com/office/powerpoint/2010/main" val="2233091564"/>
+      </p:ext>
+    </p:extLst>
   </p:cSld>
   <p:clrMapOvr>
     <a:masterClrMapping/>
@@ -2240,20 +2352,9 @@
                 <a:ln w="3175" cmpd="sng">
                   <a:noFill/>
                 </a:ln>
-                <a:gradFill flip="none" rotWithShape="1">
-                  <a:gsLst>
-                    <a:gs pos="0">
-                      <a:schemeClr val="tx1"/>
-                    </a:gs>
-                    <a:gs pos="100000">
-                      <a:schemeClr val="tx1">
-                        <a:lumMod val="75000"/>
-                      </a:schemeClr>
-                    </a:gs>
-                  </a:gsLst>
-                  <a:lin ang="5400000" scaled="0"/>
-                  <a:tileRect/>
-                </a:gradFill>
+                <a:solidFill>
+                  <a:schemeClr val="tx1"/>
+                </a:solidFill>
                 <a:effectLst>
                   <a:glow rad="38100">
                     <a:schemeClr val="bg1">
@@ -2309,20 +2410,9 @@
             <a:lvl1pPr marL="0" indent="0" algn="l">
               <a:buNone/>
               <a:defRPr sz="1800">
-                <a:gradFill flip="none" rotWithShape="1">
-                  <a:gsLst>
-                    <a:gs pos="0">
-                      <a:schemeClr val="tx1"/>
-                    </a:gs>
-                    <a:gs pos="100000">
-                      <a:schemeClr val="tx1">
-                        <a:lumMod val="75000"/>
-                      </a:schemeClr>
-                    </a:gs>
-                  </a:gsLst>
-                  <a:lin ang="5400000" scaled="0"/>
-                  <a:tileRect/>
-                </a:gradFill>
+                <a:solidFill>
+                  <a:schemeClr val="tx1"/>
+                </a:solidFill>
               </a:defRPr>
             </a:lvl1pPr>
             <a:lvl2pPr marL="457200" indent="0">
@@ -2431,9 +2521,9 @@
           <a:lstStyle/>
           <a:p>
             <a:fld id="{B61BEF0D-F0BB-DE4B-95CE-6DB70DBA9567}" type="datetimeFigureOut">
-              <a:rPr lang="en-US" dirty="0"/>
+              <a:rPr lang="en-US" smtClean="0"/>
               <a:pPr/>
-              <a:t>3/8/19</a:t>
+              <a:t>3/11/19</a:t>
             </a:fld>
             <a:endParaRPr lang="en-US" dirty="0"/>
           </a:p>
@@ -2474,7 +2564,7 @@
           <a:lstStyle/>
           <a:p>
             <a:fld id="{D57F1E4F-1CFF-5643-939E-217C01CDF565}" type="slidenum">
-              <a:rPr lang="en-US" dirty="0"/>
+              <a:rPr lang="en-US" smtClean="0"/>
               <a:pPr/>
               <a:t>‹#›</a:t>
             </a:fld>
@@ -2483,6 +2573,11 @@
         </p:txBody>
       </p:sp>
     </p:spTree>
+    <p:extLst>
+      <p:ext uri="{BB962C8B-B14F-4D97-AF65-F5344CB8AC3E}">
+        <p14:creationId xmlns:p14="http://schemas.microsoft.com/office/powerpoint/2010/main" val="1965787244"/>
+      </p:ext>
+    </p:extLst>
   </p:cSld>
   <p:clrMapOvr>
     <a:masterClrMapping/>
@@ -2603,9 +2698,9 @@
           <a:lstStyle/>
           <a:p>
             <a:fld id="{B61BEF0D-F0BB-DE4B-95CE-6DB70DBA9567}" type="datetimeFigureOut">
-              <a:rPr lang="en-US" dirty="0"/>
+              <a:rPr lang="en-US" smtClean="0"/>
               <a:pPr/>
-              <a:t>3/8/19</a:t>
+              <a:t>3/11/19</a:t>
             </a:fld>
             <a:endParaRPr lang="en-US" dirty="0"/>
           </a:p>
@@ -2646,7 +2741,7 @@
           <a:lstStyle/>
           <a:p>
             <a:fld id="{D57F1E4F-1CFF-5643-939E-217C01CDF565}" type="slidenum">
-              <a:rPr lang="en-US" dirty="0"/>
+              <a:rPr lang="en-US" smtClean="0"/>
               <a:pPr/>
               <a:t>‹#›</a:t>
             </a:fld>
@@ -2655,6 +2750,11 @@
         </p:txBody>
       </p:sp>
     </p:spTree>
+    <p:extLst>
+      <p:ext uri="{BB962C8B-B14F-4D97-AF65-F5344CB8AC3E}">
+        <p14:creationId xmlns:p14="http://schemas.microsoft.com/office/powerpoint/2010/main" val="868153066"/>
+      </p:ext>
+    </p:extLst>
   </p:cSld>
   <p:clrMapOvr>
     <a:masterClrMapping/>
@@ -2780,9 +2880,9 @@
           <a:lstStyle/>
           <a:p>
             <a:fld id="{B61BEF0D-F0BB-DE4B-95CE-6DB70DBA9567}" type="datetimeFigureOut">
-              <a:rPr lang="en-US" dirty="0"/>
+              <a:rPr lang="en-US" smtClean="0"/>
               <a:pPr/>
-              <a:t>3/8/19</a:t>
+              <a:t>3/11/19</a:t>
             </a:fld>
             <a:endParaRPr lang="en-US" dirty="0"/>
           </a:p>
@@ -2823,7 +2923,7 @@
           <a:lstStyle/>
           <a:p>
             <a:fld id="{D57F1E4F-1CFF-5643-939E-217C01CDF565}" type="slidenum">
-              <a:rPr lang="en-US" dirty="0"/>
+              <a:rPr lang="en-US" smtClean="0"/>
               <a:pPr/>
               <a:t>‹#›</a:t>
             </a:fld>
@@ -2832,6 +2932,11 @@
         </p:txBody>
       </p:sp>
     </p:spTree>
+    <p:extLst>
+      <p:ext uri="{BB962C8B-B14F-4D97-AF65-F5344CB8AC3E}">
+        <p14:creationId xmlns:p14="http://schemas.microsoft.com/office/powerpoint/2010/main" val="3971579899"/>
+      </p:ext>
+    </p:extLst>
   </p:cSld>
   <p:clrMapOvr>
     <a:masterClrMapping/>
@@ -2947,9 +3052,9 @@
           <a:lstStyle/>
           <a:p>
             <a:fld id="{B61BEF0D-F0BB-DE4B-95CE-6DB70DBA9567}" type="datetimeFigureOut">
-              <a:rPr lang="en-US" dirty="0"/>
+              <a:rPr lang="en-US" smtClean="0"/>
               <a:pPr/>
-              <a:t>3/8/19</a:t>
+              <a:t>3/11/19</a:t>
             </a:fld>
             <a:endParaRPr lang="en-US" dirty="0"/>
           </a:p>
@@ -2990,7 +3095,7 @@
           <a:lstStyle/>
           <a:p>
             <a:fld id="{D57F1E4F-1CFF-5643-939E-217C01CDF565}" type="slidenum">
-              <a:rPr lang="en-US" dirty="0"/>
+              <a:rPr lang="en-US" smtClean="0"/>
               <a:pPr/>
               <a:t>‹#›</a:t>
             </a:fld>
@@ -2999,6 +3104,11 @@
         </p:txBody>
       </p:sp>
     </p:spTree>
+    <p:extLst>
+      <p:ext uri="{BB962C8B-B14F-4D97-AF65-F5344CB8AC3E}">
+        <p14:creationId xmlns:p14="http://schemas.microsoft.com/office/powerpoint/2010/main" val="1982317811"/>
+      </p:ext>
+    </p:extLst>
   </p:cSld>
   <p:clrMapOvr>
     <a:masterClrMapping/>
@@ -3079,20 +3189,9 @@
             <a:lvl1pPr marL="0" indent="0" algn="r">
               <a:buNone/>
               <a:defRPr sz="2000">
-                <a:gradFill flip="none" rotWithShape="1">
-                  <a:gsLst>
-                    <a:gs pos="0">
-                      <a:schemeClr val="tx1"/>
-                    </a:gs>
-                    <a:gs pos="100000">
-                      <a:schemeClr val="tx1">
-                        <a:lumMod val="75000"/>
-                      </a:schemeClr>
-                    </a:gs>
-                  </a:gsLst>
-                  <a:lin ang="5400000" scaled="0"/>
-                  <a:tileRect/>
-                </a:gradFill>
+                <a:solidFill>
+                  <a:schemeClr val="tx1"/>
+                </a:solidFill>
               </a:defRPr>
             </a:lvl1pPr>
             <a:lvl2pPr marL="457200" indent="0">
@@ -3201,9 +3300,9 @@
           <a:lstStyle/>
           <a:p>
             <a:fld id="{B61BEF0D-F0BB-DE4B-95CE-6DB70DBA9567}" type="datetimeFigureOut">
-              <a:rPr lang="en-US" dirty="0"/>
+              <a:rPr lang="en-US" smtClean="0"/>
               <a:pPr/>
-              <a:t>3/8/19</a:t>
+              <a:t>3/11/19</a:t>
             </a:fld>
             <a:endParaRPr lang="en-US" dirty="0"/>
           </a:p>
@@ -3244,7 +3343,7 @@
           <a:lstStyle/>
           <a:p>
             <a:fld id="{D57F1E4F-1CFF-5643-939E-217C01CDF565}" type="slidenum">
-              <a:rPr lang="en-US" dirty="0"/>
+              <a:rPr lang="en-US" smtClean="0"/>
               <a:pPr/>
               <a:t>‹#›</a:t>
             </a:fld>
@@ -3253,6 +3352,11 @@
         </p:txBody>
       </p:sp>
     </p:spTree>
+    <p:extLst>
+      <p:ext uri="{BB962C8B-B14F-4D97-AF65-F5344CB8AC3E}">
+        <p14:creationId xmlns:p14="http://schemas.microsoft.com/office/powerpoint/2010/main" val="1433463545"/>
+      </p:ext>
+    </p:extLst>
   </p:cSld>
   <p:clrMapOvr>
     <a:masterClrMapping/>
@@ -3490,9 +3594,9 @@
           <a:lstStyle/>
           <a:p>
             <a:fld id="{B61BEF0D-F0BB-DE4B-95CE-6DB70DBA9567}" type="datetimeFigureOut">
-              <a:rPr lang="en-US" dirty="0"/>
+              <a:rPr lang="en-US" smtClean="0"/>
               <a:pPr/>
-              <a:t>3/8/19</a:t>
+              <a:t>3/11/19</a:t>
             </a:fld>
             <a:endParaRPr lang="en-US" dirty="0"/>
           </a:p>
@@ -3533,7 +3637,7 @@
           <a:lstStyle/>
           <a:p>
             <a:fld id="{D57F1E4F-1CFF-5643-939E-217C01CDF565}" type="slidenum">
-              <a:rPr lang="en-US" dirty="0"/>
+              <a:rPr lang="en-US" smtClean="0"/>
               <a:pPr/>
               <a:t>‹#›</a:t>
             </a:fld>
@@ -3542,6 +3646,11 @@
         </p:txBody>
       </p:sp>
     </p:spTree>
+    <p:extLst>
+      <p:ext uri="{BB962C8B-B14F-4D97-AF65-F5344CB8AC3E}">
+        <p14:creationId xmlns:p14="http://schemas.microsoft.com/office/powerpoint/2010/main" val="312746508"/>
+      </p:ext>
+    </p:extLst>
   </p:cSld>
   <p:clrMapOvr>
     <a:masterClrMapping/>
@@ -3917,9 +4026,9 @@
           <a:lstStyle/>
           <a:p>
             <a:fld id="{B61BEF0D-F0BB-DE4B-95CE-6DB70DBA9567}" type="datetimeFigureOut">
-              <a:rPr lang="en-US" dirty="0"/>
+              <a:rPr lang="en-US" smtClean="0"/>
               <a:pPr/>
-              <a:t>3/8/19</a:t>
+              <a:t>3/11/19</a:t>
             </a:fld>
             <a:endParaRPr lang="en-US" dirty="0"/>
           </a:p>
@@ -3960,7 +4069,7 @@
           <a:lstStyle/>
           <a:p>
             <a:fld id="{D57F1E4F-1CFF-5643-939E-217C01CDF565}" type="slidenum">
-              <a:rPr lang="en-US" dirty="0"/>
+              <a:rPr lang="en-US" smtClean="0"/>
               <a:pPr/>
               <a:t>‹#›</a:t>
             </a:fld>
@@ -3969,6 +4078,11 @@
         </p:txBody>
       </p:sp>
     </p:spTree>
+    <p:extLst>
+      <p:ext uri="{BB962C8B-B14F-4D97-AF65-F5344CB8AC3E}">
+        <p14:creationId xmlns:p14="http://schemas.microsoft.com/office/powerpoint/2010/main" val="338560332"/>
+      </p:ext>
+    </p:extLst>
   </p:cSld>
   <p:clrMapOvr>
     <a:masterClrMapping/>
@@ -3979,6 +4093,11 @@
 <file path=ppt/slideLayouts/slideLayout6.xml><?xml version="1.0" encoding="utf-8"?>
 <p:sldLayout xmlns:a="http://schemas.openxmlformats.org/drawingml/2006/main" xmlns:r="http://schemas.openxmlformats.org/officeDocument/2006/relationships" xmlns:p="http://schemas.openxmlformats.org/presentationml/2006/main" type="titleOnly" preserve="1">
   <p:cSld name="Title Only">
+    <p:bg>
+      <p:bgRef idx="1003">
+        <a:schemeClr val="bg2"/>
+      </p:bgRef>
+    </p:bg>
     <p:spTree>
       <p:nvGrpSpPr>
         <p:cNvPr id="1" name=""/>
@@ -4032,9 +4151,9 @@
           <a:lstStyle/>
           <a:p>
             <a:fld id="{B61BEF0D-F0BB-DE4B-95CE-6DB70DBA9567}" type="datetimeFigureOut">
-              <a:rPr lang="en-US" dirty="0"/>
+              <a:rPr lang="en-US" smtClean="0"/>
               <a:pPr/>
-              <a:t>3/8/19</a:t>
+              <a:t>3/11/19</a:t>
             </a:fld>
             <a:endParaRPr lang="en-US" dirty="0"/>
           </a:p>
@@ -4075,7 +4194,7 @@
           <a:lstStyle/>
           <a:p>
             <a:fld id="{D57F1E4F-1CFF-5643-939E-217C01CDF565}" type="slidenum">
-              <a:rPr lang="en-US" dirty="0"/>
+              <a:rPr lang="en-US" smtClean="0"/>
               <a:pPr/>
               <a:t>‹#›</a:t>
             </a:fld>
@@ -4084,9 +4203,14 @@
         </p:txBody>
       </p:sp>
     </p:spTree>
+    <p:extLst>
+      <p:ext uri="{BB962C8B-B14F-4D97-AF65-F5344CB8AC3E}">
+        <p14:creationId xmlns:p14="http://schemas.microsoft.com/office/powerpoint/2010/main" val="2095173095"/>
+      </p:ext>
+    </p:extLst>
   </p:cSld>
   <p:clrMapOvr>
-    <a:masterClrMapping/>
+    <a:overrideClrMapping bg1="dk1" tx1="lt1" bg2="dk2" tx2="lt2" accent1="accent1" accent2="accent2" accent3="accent3" accent4="accent4" accent5="accent5" accent6="accent6" hlink="hlink" folHlink="folHlink"/>
   </p:clrMapOvr>
 </p:sldLayout>
 </file>
@@ -4124,9 +4248,9 @@
           <a:lstStyle/>
           <a:p>
             <a:fld id="{B61BEF0D-F0BB-DE4B-95CE-6DB70DBA9567}" type="datetimeFigureOut">
-              <a:rPr lang="en-US" dirty="0"/>
+              <a:rPr lang="en-US" smtClean="0"/>
               <a:pPr/>
-              <a:t>3/8/19</a:t>
+              <a:t>3/11/19</a:t>
             </a:fld>
             <a:endParaRPr lang="en-US" dirty="0"/>
           </a:p>
@@ -4167,7 +4291,7 @@
           <a:lstStyle/>
           <a:p>
             <a:fld id="{D57F1E4F-1CFF-5643-939E-217C01CDF565}" type="slidenum">
-              <a:rPr lang="en-US" dirty="0"/>
+              <a:rPr lang="en-US" smtClean="0"/>
               <a:pPr/>
               <a:t>‹#›</a:t>
             </a:fld>
@@ -4176,6 +4300,11 @@
         </p:txBody>
       </p:sp>
     </p:spTree>
+    <p:extLst>
+      <p:ext uri="{BB962C8B-B14F-4D97-AF65-F5344CB8AC3E}">
+        <p14:creationId xmlns:p14="http://schemas.microsoft.com/office/powerpoint/2010/main" val="3597469614"/>
+      </p:ext>
+    </p:extLst>
   </p:cSld>
   <p:clrMapOvr>
     <a:masterClrMapping/>
@@ -4404,9 +4533,9 @@
           <a:lstStyle/>
           <a:p>
             <a:fld id="{B61BEF0D-F0BB-DE4B-95CE-6DB70DBA9567}" type="datetimeFigureOut">
-              <a:rPr lang="en-US" dirty="0"/>
+              <a:rPr lang="en-US" smtClean="0"/>
               <a:pPr/>
-              <a:t>3/8/19</a:t>
+              <a:t>3/11/19</a:t>
             </a:fld>
             <a:endParaRPr lang="en-US" dirty="0"/>
           </a:p>
@@ -4447,7 +4576,7 @@
           <a:lstStyle/>
           <a:p>
             <a:fld id="{D57F1E4F-1CFF-5643-939E-217C01CDF565}" type="slidenum">
-              <a:rPr lang="en-US" dirty="0"/>
+              <a:rPr lang="en-US" smtClean="0"/>
               <a:pPr/>
               <a:t>‹#›</a:t>
             </a:fld>
@@ -4456,6 +4585,11 @@
         </p:txBody>
       </p:sp>
     </p:spTree>
+    <p:extLst>
+      <p:ext uri="{BB962C8B-B14F-4D97-AF65-F5344CB8AC3E}">
+        <p14:creationId xmlns:p14="http://schemas.microsoft.com/office/powerpoint/2010/main" val="504598317"/>
+      </p:ext>
+    </p:extLst>
   </p:cSld>
   <p:clrMapOvr>
     <a:masterClrMapping/>
@@ -4692,9 +4826,9 @@
           <a:lstStyle/>
           <a:p>
             <a:fld id="{B61BEF0D-F0BB-DE4B-95CE-6DB70DBA9567}" type="datetimeFigureOut">
-              <a:rPr lang="en-US" dirty="0"/>
+              <a:rPr lang="en-US" smtClean="0"/>
               <a:pPr/>
-              <a:t>3/8/19</a:t>
+              <a:t>3/11/19</a:t>
             </a:fld>
             <a:endParaRPr lang="en-US" dirty="0"/>
           </a:p>
@@ -4745,7 +4879,7 @@
           <a:lstStyle/>
           <a:p>
             <a:fld id="{D57F1E4F-1CFF-5643-939E-217C01CDF565}" type="slidenum">
-              <a:rPr lang="en-US" dirty="0"/>
+              <a:rPr lang="en-US" smtClean="0"/>
               <a:pPr/>
               <a:t>‹#›</a:t>
             </a:fld>
@@ -4754,6 +4888,11 @@
         </p:txBody>
       </p:sp>
     </p:spTree>
+    <p:extLst>
+      <p:ext uri="{BB962C8B-B14F-4D97-AF65-F5344CB8AC3E}">
+        <p14:creationId xmlns:p14="http://schemas.microsoft.com/office/powerpoint/2010/main" val="1506121813"/>
+      </p:ext>
+    </p:extLst>
   </p:cSld>
   <p:clrMapOvr>
     <a:masterClrMapping/>
@@ -4920,9 +5059,9 @@
           </a:lstStyle>
           <a:p>
             <a:fld id="{B61BEF0D-F0BB-DE4B-95CE-6DB70DBA9567}" type="datetimeFigureOut">
-              <a:rPr lang="en-US" dirty="0"/>
+              <a:rPr lang="en-US" smtClean="0"/>
               <a:pPr/>
-              <a:t>3/8/19</a:t>
+              <a:t>3/11/19</a:t>
             </a:fld>
             <a:endParaRPr lang="en-US" dirty="0"/>
           </a:p>
@@ -5015,7 +5154,7 @@
           </a:lstStyle>
           <a:p>
             <a:fld id="{D57F1E4F-1CFF-5643-939E-217C01CDF565}" type="slidenum">
-              <a:rPr lang="en-US" dirty="0"/>
+              <a:rPr lang="en-US" smtClean="0"/>
               <a:pPr/>
               <a:t>‹#›</a:t>
             </a:fld>
@@ -5024,26 +5163,31 @@
         </p:txBody>
       </p:sp>
     </p:spTree>
+    <p:extLst>
+      <p:ext uri="{BB962C8B-B14F-4D97-AF65-F5344CB8AC3E}">
+        <p14:creationId xmlns:p14="http://schemas.microsoft.com/office/powerpoint/2010/main" val="774895229"/>
+      </p:ext>
+    </p:extLst>
   </p:cSld>
   <p:clrMap bg1="dk1" tx1="lt1" bg2="dk2" tx2="lt2" accent1="accent1" accent2="accent2" accent3="accent3" accent4="accent4" accent5="accent5" accent6="accent6" hlink="hlink" folHlink="folHlink"/>
   <p:sldLayoutIdLst>
-    <p:sldLayoutId id="2147483649" r:id="rId1"/>
-    <p:sldLayoutId id="2147483650" r:id="rId2"/>
-    <p:sldLayoutId id="2147483651" r:id="rId3"/>
-    <p:sldLayoutId id="2147483652" r:id="rId4"/>
-    <p:sldLayoutId id="2147483653" r:id="rId5"/>
-    <p:sldLayoutId id="2147483654" r:id="rId6"/>
-    <p:sldLayoutId id="2147483655" r:id="rId7"/>
-    <p:sldLayoutId id="2147483656" r:id="rId8"/>
-    <p:sldLayoutId id="2147483661" r:id="rId9"/>
-    <p:sldLayoutId id="2147483657" r:id="rId10"/>
-    <p:sldLayoutId id="2147483663" r:id="rId11"/>
-    <p:sldLayoutId id="2147483664" r:id="rId12"/>
-    <p:sldLayoutId id="2147483665" r:id="rId13"/>
-    <p:sldLayoutId id="2147483666" r:id="rId14"/>
-    <p:sldLayoutId id="2147483667" r:id="rId15"/>
-    <p:sldLayoutId id="2147483658" r:id="rId16"/>
-    <p:sldLayoutId id="2147483659" r:id="rId17"/>
+    <p:sldLayoutId id="2147483687" r:id="rId1"/>
+    <p:sldLayoutId id="2147483688" r:id="rId2"/>
+    <p:sldLayoutId id="2147483689" r:id="rId3"/>
+    <p:sldLayoutId id="2147483690" r:id="rId4"/>
+    <p:sldLayoutId id="2147483691" r:id="rId5"/>
+    <p:sldLayoutId id="2147483692" r:id="rId6"/>
+    <p:sldLayoutId id="2147483693" r:id="rId7"/>
+    <p:sldLayoutId id="2147483694" r:id="rId8"/>
+    <p:sldLayoutId id="2147483695" r:id="rId9"/>
+    <p:sldLayoutId id="2147483696" r:id="rId10"/>
+    <p:sldLayoutId id="2147483697" r:id="rId11"/>
+    <p:sldLayoutId id="2147483698" r:id="rId12"/>
+    <p:sldLayoutId id="2147483699" r:id="rId13"/>
+    <p:sldLayoutId id="2147483700" r:id="rId14"/>
+    <p:sldLayoutId id="2147483701" r:id="rId15"/>
+    <p:sldLayoutId id="2147483702" r:id="rId16"/>
+    <p:sldLayoutId id="2147483703" r:id="rId17"/>
   </p:sldLayoutIdLst>
   <p:txStyles>
     <p:titleStyle>
@@ -5056,20 +5200,9 @@
           <a:ln w="3175" cmpd="sng">
             <a:noFill/>
           </a:ln>
-          <a:gradFill flip="none" rotWithShape="1">
-            <a:gsLst>
-              <a:gs pos="0">
-                <a:schemeClr val="tx1"/>
-              </a:gs>
-              <a:gs pos="100000">
-                <a:schemeClr val="tx1">
-                  <a:lumMod val="65000"/>
-                </a:schemeClr>
-              </a:gs>
-            </a:gsLst>
-            <a:lin ang="5580000" scaled="0"/>
-            <a:tileRect/>
-          </a:gradFill>
+          <a:solidFill>
+            <a:schemeClr val="accent1"/>
+          </a:solidFill>
           <a:effectLst>
             <a:glow rad="38100">
               <a:schemeClr val="bg1">
@@ -5155,26 +5288,15 @@
           <a:spcPts val="600"/>
         </a:spcAft>
         <a:buClr>
-          <a:schemeClr val="tx1"/>
+          <a:schemeClr val="accent1"/>
         </a:buClr>
         <a:buSzPct val="100000"/>
         <a:buFont typeface="Arial"/>
         <a:buChar char="•"/>
         <a:defRPr sz="2000" kern="1200" cap="small">
-          <a:gradFill flip="none" rotWithShape="1">
-            <a:gsLst>
-              <a:gs pos="0">
-                <a:schemeClr val="tx1"/>
-              </a:gs>
-              <a:gs pos="100000">
-                <a:schemeClr val="tx1">
-                  <a:lumMod val="75000"/>
-                </a:schemeClr>
-              </a:gs>
-            </a:gsLst>
-            <a:lin ang="5580000" scaled="0"/>
-            <a:tileRect/>
-          </a:gradFill>
+          <a:solidFill>
+            <a:schemeClr val="tx1"/>
+          </a:solidFill>
           <a:effectLst>
             <a:glow rad="38100">
               <a:schemeClr val="bg1">
@@ -5202,26 +5324,15 @@
           <a:spcPts val="600"/>
         </a:spcAft>
         <a:buClr>
-          <a:schemeClr val="tx1"/>
+          <a:schemeClr val="accent1"/>
         </a:buClr>
         <a:buSzPct val="100000"/>
         <a:buFont typeface="Arial"/>
         <a:buChar char="•"/>
         <a:defRPr sz="1800" kern="1200" cap="small">
-          <a:gradFill flip="none" rotWithShape="1">
-            <a:gsLst>
-              <a:gs pos="0">
-                <a:schemeClr val="tx1"/>
-              </a:gs>
-              <a:gs pos="100000">
-                <a:schemeClr val="tx1">
-                  <a:lumMod val="75000"/>
-                </a:schemeClr>
-              </a:gs>
-            </a:gsLst>
-            <a:lin ang="5580000" scaled="0"/>
-            <a:tileRect/>
-          </a:gradFill>
+          <a:solidFill>
+            <a:schemeClr val="tx1"/>
+          </a:solidFill>
           <a:effectLst>
             <a:glow rad="38100">
               <a:schemeClr val="bg1">
@@ -5249,26 +5360,15 @@
           <a:spcPts val="600"/>
         </a:spcAft>
         <a:buClr>
-          <a:schemeClr val="tx1"/>
+          <a:schemeClr val="accent1"/>
         </a:buClr>
         <a:buSzPct val="100000"/>
         <a:buFont typeface="Arial"/>
         <a:buChar char="•"/>
         <a:defRPr sz="1600" kern="1200" cap="small">
-          <a:gradFill flip="none" rotWithShape="1">
-            <a:gsLst>
-              <a:gs pos="0">
-                <a:schemeClr val="tx1"/>
-              </a:gs>
-              <a:gs pos="100000">
-                <a:schemeClr val="tx1">
-                  <a:lumMod val="75000"/>
-                </a:schemeClr>
-              </a:gs>
-            </a:gsLst>
-            <a:lin ang="5580000" scaled="0"/>
-            <a:tileRect/>
-          </a:gradFill>
+          <a:solidFill>
+            <a:schemeClr val="tx1"/>
+          </a:solidFill>
           <a:effectLst>
             <a:glow rad="38100">
               <a:schemeClr val="bg1">
@@ -5296,26 +5396,15 @@
           <a:spcPts val="600"/>
         </a:spcAft>
         <a:buClr>
-          <a:schemeClr val="tx1"/>
+          <a:schemeClr val="accent1"/>
         </a:buClr>
         <a:buSzPct val="100000"/>
         <a:buFont typeface="Arial"/>
         <a:buChar char="•"/>
         <a:defRPr sz="1400" kern="1200" cap="small">
-          <a:gradFill flip="none" rotWithShape="1">
-            <a:gsLst>
-              <a:gs pos="0">
-                <a:schemeClr val="tx1"/>
-              </a:gs>
-              <a:gs pos="100000">
-                <a:schemeClr val="tx1">
-                  <a:lumMod val="75000"/>
-                </a:schemeClr>
-              </a:gs>
-            </a:gsLst>
-            <a:lin ang="5580000" scaled="0"/>
-            <a:tileRect/>
-          </a:gradFill>
+          <a:solidFill>
+            <a:schemeClr val="tx1"/>
+          </a:solidFill>
           <a:effectLst>
             <a:glow rad="38100">
               <a:schemeClr val="bg1">
@@ -5343,26 +5432,15 @@
           <a:spcPts val="600"/>
         </a:spcAft>
         <a:buClr>
-          <a:schemeClr val="tx1"/>
+          <a:schemeClr val="accent1"/>
         </a:buClr>
         <a:buSzPct val="100000"/>
         <a:buFont typeface="Arial"/>
         <a:buChar char="•"/>
         <a:defRPr sz="1400" kern="1200" cap="small">
-          <a:gradFill flip="none" rotWithShape="1">
-            <a:gsLst>
-              <a:gs pos="0">
-                <a:schemeClr val="tx1"/>
-              </a:gs>
-              <a:gs pos="100000">
-                <a:schemeClr val="tx1">
-                  <a:lumMod val="75000"/>
-                </a:schemeClr>
-              </a:gs>
-            </a:gsLst>
-            <a:lin ang="5580000" scaled="0"/>
-            <a:tileRect/>
-          </a:gradFill>
+          <a:solidFill>
+            <a:schemeClr val="tx1"/>
+          </a:solidFill>
           <a:effectLst>
             <a:glow rad="38100">
               <a:schemeClr val="bg1">
@@ -5390,26 +5468,15 @@
           <a:spcPts val="600"/>
         </a:spcAft>
         <a:buClr>
-          <a:schemeClr val="tx1"/>
+          <a:schemeClr val="accent1"/>
         </a:buClr>
         <a:buSzPct val="100000"/>
         <a:buFont typeface="Arial"/>
         <a:buChar char="•"/>
         <a:defRPr sz="1200" kern="1200" cap="small">
-          <a:gradFill flip="none" rotWithShape="1">
-            <a:gsLst>
-              <a:gs pos="0">
-                <a:schemeClr val="tx1"/>
-              </a:gs>
-              <a:gs pos="100000">
-                <a:schemeClr val="tx1">
-                  <a:lumMod val="75000"/>
-                </a:schemeClr>
-              </a:gs>
-            </a:gsLst>
-            <a:lin ang="5580000" scaled="0"/>
-            <a:tileRect/>
-          </a:gradFill>
+          <a:solidFill>
+            <a:schemeClr val="tx1"/>
+          </a:solidFill>
           <a:effectLst>
             <a:glow rad="38100">
               <a:schemeClr val="bg1">
@@ -5437,26 +5504,15 @@
           <a:spcPts val="600"/>
         </a:spcAft>
         <a:buClr>
-          <a:schemeClr val="tx1"/>
+          <a:schemeClr val="accent1"/>
         </a:buClr>
         <a:buSzPct val="100000"/>
         <a:buFont typeface="Arial"/>
         <a:buChar char="•"/>
         <a:defRPr sz="1200" kern="1200" cap="small">
-          <a:gradFill flip="none" rotWithShape="1">
-            <a:gsLst>
-              <a:gs pos="0">
-                <a:schemeClr val="tx1"/>
-              </a:gs>
-              <a:gs pos="100000">
-                <a:schemeClr val="tx1">
-                  <a:lumMod val="75000"/>
-                </a:schemeClr>
-              </a:gs>
-            </a:gsLst>
-            <a:lin ang="5580000" scaled="0"/>
-            <a:tileRect/>
-          </a:gradFill>
+          <a:solidFill>
+            <a:schemeClr val="tx1"/>
+          </a:solidFill>
           <a:effectLst>
             <a:glow rad="38100">
               <a:schemeClr val="bg1">
@@ -5484,26 +5540,15 @@
           <a:spcPts val="600"/>
         </a:spcAft>
         <a:buClr>
-          <a:schemeClr val="tx1"/>
+          <a:schemeClr val="accent1"/>
         </a:buClr>
         <a:buSzPct val="100000"/>
         <a:buFont typeface="Arial"/>
         <a:buChar char="•"/>
         <a:defRPr sz="1200" kern="1200" cap="small">
-          <a:gradFill flip="none" rotWithShape="1">
-            <a:gsLst>
-              <a:gs pos="0">
-                <a:schemeClr val="tx1"/>
-              </a:gs>
-              <a:gs pos="100000">
-                <a:schemeClr val="tx1">
-                  <a:lumMod val="75000"/>
-                </a:schemeClr>
-              </a:gs>
-            </a:gsLst>
-            <a:lin ang="5580000" scaled="0"/>
-            <a:tileRect/>
-          </a:gradFill>
+          <a:solidFill>
+            <a:schemeClr val="tx1"/>
+          </a:solidFill>
           <a:effectLst>
             <a:glow rad="38100">
               <a:schemeClr val="bg1">
@@ -5531,26 +5576,15 @@
           <a:spcPts val="600"/>
         </a:spcAft>
         <a:buClr>
-          <a:schemeClr val="tx1"/>
+          <a:schemeClr val="accent1"/>
         </a:buClr>
         <a:buSzPct val="100000"/>
         <a:buFont typeface="Arial"/>
         <a:buChar char="•"/>
         <a:defRPr sz="1200" kern="1200" cap="small">
-          <a:gradFill flip="none" rotWithShape="1">
-            <a:gsLst>
-              <a:gs pos="0">
-                <a:schemeClr val="tx1"/>
-              </a:gs>
-              <a:gs pos="100000">
-                <a:schemeClr val="tx1">
-                  <a:lumMod val="75000"/>
-                </a:schemeClr>
-              </a:gs>
-            </a:gsLst>
-            <a:lin ang="5580000" scaled="0"/>
-            <a:tileRect/>
-          </a:gradFill>
+          <a:solidFill>
+            <a:schemeClr val="tx1"/>
+          </a:solidFill>
           <a:effectLst>
             <a:glow rad="38100">
               <a:schemeClr val="bg1">
@@ -5710,15 +5744,7 @@
           <a:p>
             <a:r>
               <a:rPr lang="en-US" dirty="0"/>
-              <a:t>Where should I become a </a:t>
-            </a:r>
-            <a:r>
-              <a:rPr lang="en-US" dirty="0" err="1"/>
-              <a:t>rideHAILING</a:t>
-            </a:r>
-            <a:r>
-              <a:rPr lang="en-US" dirty="0"/>
-              <a:t> driver</a:t>
+              <a:t>Where should I become a ride HAILING driver</a:t>
             </a:r>
           </a:p>
         </p:txBody>
@@ -5779,6 +5805,92 @@
     <p:extLst>
       <p:ext uri="{BB962C8B-B14F-4D97-AF65-F5344CB8AC3E}">
         <p14:creationId xmlns:p14="http://schemas.microsoft.com/office/powerpoint/2010/main" val="2262744691"/>
+      </p:ext>
+    </p:extLst>
+  </p:cSld>
+  <p:clrMapOvr>
+    <a:masterClrMapping/>
+  </p:clrMapOvr>
+</p:sld>
+</file>
+
+<file path=ppt/slides/slide10.xml><?xml version="1.0" encoding="utf-8"?>
+<p:sld xmlns:a="http://schemas.openxmlformats.org/drawingml/2006/main" xmlns:r="http://schemas.openxmlformats.org/officeDocument/2006/relationships" xmlns:p="http://schemas.openxmlformats.org/presentationml/2006/main">
+  <p:cSld>
+    <p:spTree>
+      <p:nvGrpSpPr>
+        <p:cNvPr id="1" name=""/>
+        <p:cNvGrpSpPr/>
+        <p:nvPr/>
+      </p:nvGrpSpPr>
+      <p:grpSpPr>
+        <a:xfrm>
+          <a:off x="0" y="0"/>
+          <a:ext cx="0" cy="0"/>
+          <a:chOff x="0" y="0"/>
+          <a:chExt cx="0" cy="0"/>
+        </a:xfrm>
+      </p:grpSpPr>
+      <p:sp>
+        <p:nvSpPr>
+          <p:cNvPr id="2" name="Title 1">
+            <a:extLst>
+              <a:ext uri="{FF2B5EF4-FFF2-40B4-BE49-F238E27FC236}">
+                <a16:creationId xmlns:a16="http://schemas.microsoft.com/office/drawing/2014/main" id="{D1C2A00E-7D49-6B47-B595-C08AE0AE6343}"/>
+              </a:ext>
+            </a:extLst>
+          </p:cNvPr>
+          <p:cNvSpPr>
+            <a:spLocks noGrp="1"/>
+          </p:cNvSpPr>
+          <p:nvPr>
+            <p:ph type="ctrTitle"/>
+          </p:nvPr>
+        </p:nvSpPr>
+        <p:spPr/>
+        <p:txBody>
+          <a:bodyPr/>
+          <a:lstStyle/>
+          <a:p>
+            <a:r>
+              <a:rPr lang="en-US" dirty="0"/>
+              <a:t>questions</a:t>
+            </a:r>
+          </a:p>
+        </p:txBody>
+      </p:sp>
+      <p:sp>
+        <p:nvSpPr>
+          <p:cNvPr id="3" name="Subtitle 2">
+            <a:extLst>
+              <a:ext uri="{FF2B5EF4-FFF2-40B4-BE49-F238E27FC236}">
+                <a16:creationId xmlns:a16="http://schemas.microsoft.com/office/drawing/2014/main" id="{8DCD2628-1140-4D4D-BFA3-7558EF647A8F}"/>
+              </a:ext>
+            </a:extLst>
+          </p:cNvPr>
+          <p:cNvSpPr>
+            <a:spLocks noGrp="1"/>
+          </p:cNvSpPr>
+          <p:nvPr>
+            <p:ph type="subTitle" idx="1"/>
+          </p:nvPr>
+        </p:nvSpPr>
+        <p:spPr/>
+        <p:txBody>
+          <a:bodyPr/>
+          <a:lstStyle/>
+          <a:p>
+            <a:r>
+              <a:rPr lang="en-US" dirty="0"/>
+              <a:t>Thank you for your time!</a:t>
+            </a:r>
+          </a:p>
+        </p:txBody>
+      </p:sp>
+    </p:spTree>
+    <p:extLst>
+      <p:ext uri="{BB962C8B-B14F-4D97-AF65-F5344CB8AC3E}">
+        <p14:creationId xmlns:p14="http://schemas.microsoft.com/office/powerpoint/2010/main" val="418373945"/>
       </p:ext>
     </p:extLst>
   </p:cSld>
@@ -5861,8 +5973,16 @@
           </a:xfrm>
         </p:spPr>
         <p:txBody>
-          <a:bodyPr/>
+          <a:bodyPr>
+            <a:normAutofit fontScale="92500" lnSpcReduction="10000"/>
+          </a:bodyPr>
           <a:lstStyle/>
+          <a:p>
+            <a:r>
+              <a:rPr lang="en-US" dirty="0"/>
+              <a:t>Questions Asked</a:t>
+            </a:r>
+          </a:p>
           <a:p>
             <a:r>
               <a:rPr lang="en-US" dirty="0"/>
@@ -5896,7 +6016,122 @@
           <a:p>
             <a:r>
               <a:rPr lang="en-US" dirty="0"/>
+              <a:t>New York City</a:t>
+            </a:r>
+          </a:p>
+          <a:p>
+            <a:r>
+              <a:rPr lang="en-US" dirty="0"/>
               <a:t>Conclusion</a:t>
+            </a:r>
+          </a:p>
+        </p:txBody>
+      </p:sp>
+      <p:sp>
+        <p:nvSpPr>
+          <p:cNvPr id="4" name="TextBox 3">
+            <a:extLst>
+              <a:ext uri="{FF2B5EF4-FFF2-40B4-BE49-F238E27FC236}">
+                <a16:creationId xmlns:a16="http://schemas.microsoft.com/office/drawing/2014/main" id="{510C1F49-CD3F-1847-A5BA-66AFC2D08078}"/>
+              </a:ext>
+            </a:extLst>
+          </p:cNvPr>
+          <p:cNvSpPr txBox="1"/>
+          <p:nvPr/>
+        </p:nvSpPr>
+        <p:spPr>
+          <a:xfrm>
+            <a:off x="1143000" y="5642920"/>
+            <a:ext cx="9905997" cy="830997"/>
+          </a:xfrm>
+          <a:prstGeom prst="rect">
+            <a:avLst/>
+          </a:prstGeom>
+          <a:noFill/>
+          <a:ln>
+            <a:noFill/>
+          </a:ln>
+        </p:spPr>
+        <p:txBody>
+          <a:bodyPr wrap="square" rtlCol="0">
+            <a:spAutoFit/>
+          </a:bodyPr>
+          <a:lstStyle/>
+          <a:p>
+            <a:r>
+              <a:rPr lang="en-US" sz="1600" cap="small" dirty="0">
+                <a:effectLst>
+                  <a:glow rad="38100">
+                    <a:schemeClr val="bg1">
+                      <a:lumMod val="50000"/>
+                      <a:lumOff val="50000"/>
+                      <a:alpha val="20000"/>
+                    </a:schemeClr>
+                  </a:glow>
+                  <a:outerShdw blurRad="44450" dist="12700" dir="13860000" algn="tl" rotWithShape="0">
+                    <a:srgbClr val="000000">
+                      <a:alpha val="20000"/>
+                    </a:srgbClr>
+                  </a:outerShdw>
+                </a:effectLst>
+              </a:rPr>
+              <a:t>Terminology used in this presentation</a:t>
+            </a:r>
+          </a:p>
+          <a:p>
+            <a:pPr marL="285750" indent="-285750">
+              <a:buClr>
+                <a:schemeClr val="accent1"/>
+              </a:buClr>
+              <a:buFont typeface="Arial" panose="020B0604020202020204" pitchFamily="34" charset="0"/>
+              <a:buChar char="•"/>
+            </a:pPr>
+            <a:r>
+              <a:rPr lang="en-US" sz="1600" cap="small" dirty="0">
+                <a:effectLst>
+                  <a:glow rad="38100">
+                    <a:schemeClr val="bg1">
+                      <a:lumMod val="50000"/>
+                      <a:lumOff val="50000"/>
+                      <a:alpha val="20000"/>
+                    </a:schemeClr>
+                  </a:glow>
+                  <a:outerShdw blurRad="44450" dist="12700" dir="13860000" algn="tl" rotWithShape="0">
+                    <a:srgbClr val="000000">
+                      <a:alpha val="20000"/>
+                    </a:srgbClr>
+                  </a:outerShdw>
+                </a:effectLst>
+              </a:rPr>
+              <a:t>Ride hailing – terminology used to group taxi and limousine services</a:t>
+            </a:r>
+          </a:p>
+          <a:p>
+            <a:pPr marL="285750" indent="-285750">
+              <a:buClr>
+                <a:schemeClr val="accent1"/>
+              </a:buClr>
+              <a:buFont typeface="Arial" panose="020B0604020202020204" pitchFamily="34" charset="0"/>
+              <a:buChar char="•"/>
+            </a:pPr>
+            <a:r>
+              <a:rPr lang="en-US" sz="1600" cap="small" dirty="0">
+                <a:effectLst>
+                  <a:glow rad="38100">
+                    <a:schemeClr val="bg1">
+                      <a:lumMod val="50000"/>
+                      <a:lumOff val="50000"/>
+                      <a:alpha val="20000"/>
+                    </a:schemeClr>
+                  </a:glow>
+                  <a:outerShdw blurRad="44450" dist="12700" dir="13860000" algn="tl" rotWithShape="0">
+                    <a:srgbClr val="000000">
+                      <a:alpha val="20000"/>
+                    </a:srgbClr>
+                  </a:outerShdw>
+                </a:effectLst>
+              </a:rPr>
+              <a:t>Ride sharing – Terminology used to group Uber, lift, etc. services</a:t>
             </a:r>
           </a:p>
         </p:txBody>
@@ -5917,6 +6152,30 @@
 <file path=ppt/slides/slide3.xml><?xml version="1.0" encoding="utf-8"?>
 <p:sld xmlns:a="http://schemas.openxmlformats.org/drawingml/2006/main" xmlns:r="http://schemas.openxmlformats.org/officeDocument/2006/relationships" xmlns:p="http://schemas.openxmlformats.org/presentationml/2006/main">
   <p:cSld>
+    <p:bg>
+      <p:bgPr>
+        <a:blipFill rotWithShape="1">
+          <a:blip r:embed="rId2">
+            <a:duotone>
+              <a:schemeClr val="bg2">
+                <a:shade val="28000"/>
+                <a:satMod val="94000"/>
+                <a:lumMod val="20000"/>
+              </a:schemeClr>
+              <a:schemeClr val="bg2">
+                <a:tint val="94000"/>
+                <a:shade val="84000"/>
+                <a:satMod val="148000"/>
+                <a:lumMod val="114000"/>
+              </a:schemeClr>
+            </a:duotone>
+            <a:extLst/>
+          </a:blip>
+          <a:stretch/>
+        </a:blipFill>
+        <a:effectLst/>
+      </p:bgPr>
+    </p:bg>
     <p:spTree>
       <p:nvGrpSpPr>
         <p:cNvPr id="1" name=""/>
@@ -5949,68 +6208,369 @@
         </p:nvSpPr>
         <p:spPr>
           <a:xfrm>
-            <a:off x="609600" y="609600"/>
-            <a:ext cx="9905998" cy="918882"/>
+            <a:off x="974179" y="714375"/>
+            <a:ext cx="3332955" cy="5076826"/>
           </a:xfrm>
         </p:spPr>
         <p:txBody>
-          <a:bodyPr/>
+          <a:bodyPr anchor="ctr">
+            <a:normAutofit/>
+          </a:bodyPr>
           <a:lstStyle/>
           <a:p>
             <a:r>
-              <a:rPr lang="en-US" dirty="0"/>
-              <a:t>Demographics</a:t>
-            </a:r>
-          </a:p>
-        </p:txBody>
-      </p:sp>
-      <p:sp>
-        <p:nvSpPr>
-          <p:cNvPr id="4" name="Content Placeholder 3">
+              <a:rPr lang="en-US" sz="4000"/>
+              <a:t>Questions Asked</a:t>
+            </a:r>
+          </a:p>
+        </p:txBody>
+      </p:sp>
+      <p:sp>
+        <p:nvSpPr>
+          <p:cNvPr id="8" name="Rectangle 7">
             <a:extLst>
               <a:ext uri="{FF2B5EF4-FFF2-40B4-BE49-F238E27FC236}">
-                <a16:creationId xmlns:a16="http://schemas.microsoft.com/office/drawing/2014/main" id="{E746DCD3-DF3C-6A4F-A80D-46942662E5AB}"/>
+                <a16:creationId xmlns:a16="http://schemas.microsoft.com/office/drawing/2014/main" id="{375136A9-49F9-4DA0-A741-F065B0FA091D}"/>
+              </a:ext>
+              <a:ext uri="{C183D7F6-B498-43B3-948B-1728B52AA6E4}">
+                <adec:decorative xmlns:adec="http://schemas.microsoft.com/office/drawing/2017/decorative" val="1"/>
               </a:ext>
             </a:extLst>
           </p:cNvPr>
           <p:cNvSpPr>
-            <a:spLocks noGrp="1"/>
-          </p:cNvSpPr>
-          <p:nvPr>
-            <p:ph sz="half" idx="1"/>
-          </p:nvPr>
-        </p:nvSpPr>
-        <p:spPr/>
-        <p:txBody>
-          <a:bodyPr/>
+            <a:spLocks noGrp="1" noRot="1" noChangeAspect="1" noMove="1" noResize="1" noEditPoints="1" noAdjustHandles="1" noChangeArrowheads="1" noChangeShapeType="1" noTextEdit="1"/>
+          </p:cNvSpPr>
+          <p:nvPr>
+            <p:extLst>
+              <p:ext uri="{386F3935-93C4-4BCD-93E2-E3B085C9AB24}">
+                <p16:designElem xmlns:p16="http://schemas.microsoft.com/office/powerpoint/2015/main" val="1"/>
+              </p:ext>
+            </p:extLst>
+          </p:nvPr>
+        </p:nvSpPr>
+        <p:spPr>
+          <a:xfrm>
+            <a:off x="4633356" y="0"/>
+            <a:ext cx="7558643" cy="6858000"/>
+          </a:xfrm>
+          <a:prstGeom prst="rect">
+            <a:avLst/>
+          </a:prstGeom>
+          <a:solidFill>
+            <a:schemeClr val="bg2"/>
+          </a:solidFill>
+          <a:ln>
+            <a:noFill/>
+          </a:ln>
+          <a:effectLst>
+            <a:innerShdw blurRad="63500" dist="50800" dir="10800000">
+              <a:prstClr val="black">
+                <a:alpha val="50000"/>
+              </a:prstClr>
+            </a:innerShdw>
+          </a:effectLst>
+        </p:spPr>
+        <p:style>
+          <a:lnRef idx="2">
+            <a:schemeClr val="accent1">
+              <a:shade val="50000"/>
+            </a:schemeClr>
+          </a:lnRef>
+          <a:fillRef idx="1">
+            <a:schemeClr val="accent1"/>
+          </a:fillRef>
+          <a:effectRef idx="0">
+            <a:schemeClr val="accent1"/>
+          </a:effectRef>
+          <a:fontRef idx="minor">
+            <a:schemeClr val="lt1"/>
+          </a:fontRef>
+        </p:style>
+        <p:txBody>
+          <a:bodyPr rtlCol="0" anchor="ctr"/>
           <a:lstStyle/>
           <a:p>
-            <a:endParaRPr lang="en-US"/>
-          </a:p>
-        </p:txBody>
-      </p:sp>
-      <p:sp>
-        <p:nvSpPr>
-          <p:cNvPr id="5" name="Content Placeholder 4">
+            <a:pPr algn="ctr"/>
+            <a:endParaRPr lang="en-US" dirty="0"/>
+          </a:p>
+        </p:txBody>
+      </p:sp>
+      <p:sp>
+        <p:nvSpPr>
+          <p:cNvPr id="10" name="Rectangle 9">
             <a:extLst>
               <a:ext uri="{FF2B5EF4-FFF2-40B4-BE49-F238E27FC236}">
-                <a16:creationId xmlns:a16="http://schemas.microsoft.com/office/drawing/2014/main" id="{79D48452-5040-1949-B309-75CE7DE9C086}"/>
+                <a16:creationId xmlns:a16="http://schemas.microsoft.com/office/drawing/2014/main" id="{B912F6C7-0423-4B6F-AECE-710C848918FD}"/>
+              </a:ext>
+              <a:ext uri="{C183D7F6-B498-43B3-948B-1728B52AA6E4}">
+                <adec:decorative xmlns:adec="http://schemas.microsoft.com/office/drawing/2017/decorative" val="1"/>
               </a:ext>
             </a:extLst>
           </p:cNvPr>
           <p:cNvSpPr>
-            <a:spLocks noGrp="1"/>
-          </p:cNvSpPr>
-          <p:nvPr>
-            <p:ph sz="half" idx="2"/>
-          </p:nvPr>
-        </p:nvSpPr>
-        <p:spPr/>
-        <p:txBody>
-          <a:bodyPr/>
+            <a:spLocks noGrp="1" noRot="1" noChangeAspect="1" noMove="1" noResize="1" noEditPoints="1" noAdjustHandles="1" noChangeArrowheads="1" noChangeShapeType="1" noTextEdit="1"/>
+          </p:cNvSpPr>
+          <p:nvPr>
+            <p:extLst>
+              <p:ext uri="{386F3935-93C4-4BCD-93E2-E3B085C9AB24}">
+                <p16:designElem xmlns:p16="http://schemas.microsoft.com/office/powerpoint/2015/main" val="1"/>
+              </p:ext>
+            </p:extLst>
+          </p:nvPr>
+        </p:nvSpPr>
+        <p:spPr>
+          <a:xfrm rot="5400000" flipH="1">
+            <a:off x="1446539" y="3195797"/>
+            <a:ext cx="6858000" cy="466406"/>
+          </a:xfrm>
+          <a:prstGeom prst="rect">
+            <a:avLst/>
+          </a:prstGeom>
+          <a:gradFill>
+            <a:gsLst>
+              <a:gs pos="0">
+                <a:srgbClr val="363D46">
+                  <a:alpha val="0"/>
+                </a:srgbClr>
+              </a:gs>
+              <a:gs pos="100000">
+                <a:srgbClr val="363D46">
+                  <a:lumMod val="75000"/>
+                </a:srgbClr>
+              </a:gs>
+            </a:gsLst>
+            <a:lin ang="5400000" scaled="0"/>
+          </a:gradFill>
+          <a:ln>
+            <a:noFill/>
+          </a:ln>
+          <a:effectLst/>
+        </p:spPr>
+        <p:style>
+          <a:lnRef idx="2">
+            <a:schemeClr val="accent1">
+              <a:shade val="50000"/>
+            </a:schemeClr>
+          </a:lnRef>
+          <a:fillRef idx="1">
+            <a:schemeClr val="accent1"/>
+          </a:fillRef>
+          <a:effectRef idx="0">
+            <a:schemeClr val="accent1"/>
+          </a:effectRef>
+          <a:fontRef idx="minor">
+            <a:schemeClr val="lt1"/>
+          </a:fontRef>
+        </p:style>
+        <p:txBody>
+          <a:bodyPr rot="0" spcFirstLastPara="0" vertOverflow="overflow" horzOverflow="overflow" vert="horz" wrap="square" lIns="91440" tIns="45720" rIns="91440" bIns="45720" numCol="1" spcCol="0" rtlCol="0" fromWordArt="0" anchor="ctr" anchorCtr="0" forceAA="0" compatLnSpc="1">
+            <a:prstTxWarp prst="textNoShape">
+              <a:avLst/>
+            </a:prstTxWarp>
+            <a:noAutofit/>
+          </a:bodyPr>
           <a:lstStyle/>
           <a:p>
+            <a:pPr algn="ctr"/>
             <a:endParaRPr lang="en-US"/>
+          </a:p>
+        </p:txBody>
+      </p:sp>
+      <p:cxnSp>
+        <p:nvCxnSpPr>
+          <p:cNvPr id="12" name="Straight Connector 11">
+            <a:extLst>
+              <a:ext uri="{FF2B5EF4-FFF2-40B4-BE49-F238E27FC236}">
+                <a16:creationId xmlns:a16="http://schemas.microsoft.com/office/drawing/2014/main" id="{A7208205-03EE-4EC8-9C34-59270C1880D8}"/>
+              </a:ext>
+              <a:ext uri="{C183D7F6-B498-43B3-948B-1728B52AA6E4}">
+                <adec:decorative xmlns:adec="http://schemas.microsoft.com/office/drawing/2017/decorative" val="1"/>
+              </a:ext>
+            </a:extLst>
+          </p:cNvPr>
+          <p:cNvCxnSpPr>
+            <a:cxnSpLocks noGrp="1" noRot="1" noChangeAspect="1" noMove="1" noResize="1" noEditPoints="1" noAdjustHandles="1" noChangeArrowheads="1" noChangeShapeType="1"/>
+          </p:cNvCxnSpPr>
+          <p:nvPr>
+            <p:extLst>
+              <p:ext uri="{386F3935-93C4-4BCD-93E2-E3B085C9AB24}">
+                <p16:designElem xmlns:p16="http://schemas.microsoft.com/office/powerpoint/2015/main" val="1"/>
+              </p:ext>
+            </p:extLst>
+          </p:nvPr>
+        </p:nvCxnSpPr>
+        <p:spPr>
+          <a:xfrm>
+            <a:off x="4642336" y="0"/>
+            <a:ext cx="0" cy="6858000"/>
+          </a:xfrm>
+          <a:prstGeom prst="line">
+            <a:avLst/>
+          </a:prstGeom>
+          <a:solidFill>
+            <a:srgbClr val="FFFFFF"/>
+          </a:solidFill>
+          <a:ln w="38100" cap="flat">
+            <a:gradFill flip="none" rotWithShape="1">
+              <a:gsLst>
+                <a:gs pos="0">
+                  <a:srgbClr val="363D46"/>
+                </a:gs>
+                <a:gs pos="100000">
+                  <a:srgbClr val="363D46">
+                    <a:lumMod val="75000"/>
+                  </a:srgbClr>
+                </a:gs>
+              </a:gsLst>
+              <a:lin ang="5400000" scaled="0"/>
+              <a:tileRect/>
+            </a:gradFill>
+            <a:miter lim="800000"/>
+          </a:ln>
+          <a:effectLst>
+            <a:innerShdw blurRad="57150" dist="38100" dir="14460000">
+              <a:srgbClr val="000000">
+                <a:alpha val="70000"/>
+              </a:srgbClr>
+            </a:innerShdw>
+          </a:effectLst>
+        </p:spPr>
+        <p:style>
+          <a:lnRef idx="2">
+            <a:schemeClr val="accent1">
+              <a:shade val="50000"/>
+            </a:schemeClr>
+          </a:lnRef>
+          <a:fillRef idx="1">
+            <a:schemeClr val="accent1"/>
+          </a:fillRef>
+          <a:effectRef idx="0">
+            <a:schemeClr val="accent1"/>
+          </a:effectRef>
+          <a:fontRef idx="minor">
+            <a:schemeClr val="lt1"/>
+          </a:fontRef>
+        </p:style>
+      </p:cxnSp>
+      <p:sp>
+        <p:nvSpPr>
+          <p:cNvPr id="3" name="Content Placeholder 2">
+            <a:extLst>
+              <a:ext uri="{FF2B5EF4-FFF2-40B4-BE49-F238E27FC236}">
+                <a16:creationId xmlns:a16="http://schemas.microsoft.com/office/drawing/2014/main" id="{74AD94F0-FB9B-1C48-B649-F95FF966C3D2}"/>
+              </a:ext>
+            </a:extLst>
+          </p:cNvPr>
+          <p:cNvSpPr>
+            <a:spLocks noGrp="1"/>
+          </p:cNvSpPr>
+          <p:nvPr>
+            <p:ph idx="1"/>
+          </p:nvPr>
+        </p:nvSpPr>
+        <p:spPr>
+          <a:xfrm>
+            <a:off x="4973046" y="714375"/>
+            <a:ext cx="6253751" cy="5076825"/>
+          </a:xfrm>
+        </p:spPr>
+        <p:txBody>
+          <a:bodyPr>
+            <a:normAutofit fontScale="85000" lnSpcReduction="10000"/>
+          </a:bodyPr>
+          <a:lstStyle/>
+          <a:p>
+            <a:pPr marL="0" indent="0">
+              <a:buNone/>
+            </a:pPr>
+            <a:r>
+              <a:rPr lang="en-US" dirty="0">
+                <a:effectLst/>
+              </a:rPr>
+              <a:t>Main Objective:</a:t>
+            </a:r>
+          </a:p>
+          <a:p>
+            <a:r>
+              <a:rPr lang="en-US" dirty="0">
+                <a:effectLst/>
+              </a:rPr>
+              <a:t>Should we start a taxi/rideshare service in San Diego, CA or Dallas, TX? The recommendation is based in terms of demand, competition, expected wage and safety.</a:t>
+            </a:r>
+          </a:p>
+          <a:p>
+            <a:pPr marL="0" indent="0">
+              <a:buNone/>
+            </a:pPr>
+            <a:r>
+              <a:rPr lang="en-US" dirty="0">
+                <a:effectLst/>
+              </a:rPr>
+              <a:t>Additional questions:</a:t>
+            </a:r>
+          </a:p>
+          <a:p>
+            <a:r>
+              <a:rPr lang="en-US" dirty="0">
+                <a:effectLst/>
+              </a:rPr>
+              <a:t>Where should I start a rideshare company? in San Diego or Dallas Counties.</a:t>
+            </a:r>
+          </a:p>
+          <a:p>
+            <a:pPr lvl="1"/>
+            <a:r>
+              <a:rPr lang="en-US" dirty="0">
+                <a:effectLst/>
+              </a:rPr>
+              <a:t>What is the age of passengers?</a:t>
+            </a:r>
+          </a:p>
+          <a:p>
+            <a:pPr lvl="1"/>
+            <a:r>
+              <a:rPr lang="en-US" dirty="0">
+                <a:effectLst/>
+              </a:rPr>
+              <a:t>How much money will someone make as a taxi/limo driver</a:t>
+            </a:r>
+          </a:p>
+          <a:p>
+            <a:r>
+              <a:rPr lang="en-US" dirty="0">
+                <a:effectLst/>
+              </a:rPr>
+              <a:t>Have safe is it to drive a car in San Diego or Dallas?</a:t>
+            </a:r>
+          </a:p>
+          <a:p>
+            <a:r>
+              <a:rPr lang="en-US" dirty="0">
+                <a:effectLst/>
+              </a:rPr>
+              <a:t>New York City  is the modern birthplace of ride hailing services in the United States. </a:t>
+            </a:r>
+          </a:p>
+          <a:p>
+            <a:pPr lvl="1"/>
+            <a:r>
+              <a:rPr lang="en-US" dirty="0">
+                <a:effectLst/>
+              </a:rPr>
+              <a:t>Why did we include this slide / data?</a:t>
+            </a:r>
+          </a:p>
+          <a:p>
+            <a:pPr lvl="1"/>
+            <a:r>
+              <a:rPr lang="en-US" dirty="0">
+                <a:effectLst/>
+              </a:rPr>
+              <a:t>What does the data show on taxi usage?</a:t>
+            </a:r>
+          </a:p>
+          <a:p>
+            <a:endParaRPr lang="en-US" dirty="0"/>
           </a:p>
         </p:txBody>
       </p:sp>
@@ -6030,6 +6590,30 @@
 <file path=ppt/slides/slide4.xml><?xml version="1.0" encoding="utf-8"?>
 <p:sld xmlns:a="http://schemas.openxmlformats.org/drawingml/2006/main" xmlns:r="http://schemas.openxmlformats.org/officeDocument/2006/relationships" xmlns:p="http://schemas.openxmlformats.org/presentationml/2006/main">
   <p:cSld>
+    <p:bg>
+      <p:bgPr>
+        <a:blipFill rotWithShape="1">
+          <a:blip r:embed="rId2">
+            <a:duotone>
+              <a:schemeClr val="bg2">
+                <a:shade val="28000"/>
+                <a:satMod val="94000"/>
+                <a:lumMod val="20000"/>
+              </a:schemeClr>
+              <a:schemeClr val="bg2">
+                <a:tint val="94000"/>
+                <a:shade val="84000"/>
+                <a:satMod val="148000"/>
+                <a:lumMod val="114000"/>
+              </a:schemeClr>
+            </a:duotone>
+            <a:extLst/>
+          </a:blip>
+          <a:stretch/>
+        </a:blipFill>
+        <a:effectLst/>
+      </p:bgPr>
+    </p:bg>
     <p:spTree>
       <p:nvGrpSpPr>
         <p:cNvPr id="1" name=""/>
@@ -6049,7 +6633,7 @@
           <p:cNvPr id="2" name="Title 1">
             <a:extLst>
               <a:ext uri="{FF2B5EF4-FFF2-40B4-BE49-F238E27FC236}">
-                <a16:creationId xmlns:a16="http://schemas.microsoft.com/office/drawing/2014/main" id="{D3E34A23-77B2-9C48-AD78-EB5BA1C2EBCA}"/>
+                <a16:creationId xmlns:a16="http://schemas.microsoft.com/office/drawing/2014/main" id="{D1C2A00E-7D49-6B47-B595-C08AE0AE6343}"/>
               </a:ext>
             </a:extLst>
           </p:cNvPr>
@@ -6062,27 +6646,29 @@
         </p:nvSpPr>
         <p:spPr>
           <a:xfrm>
-            <a:off x="609600" y="607359"/>
-            <a:ext cx="9905998" cy="918882"/>
+            <a:off x="7467601" y="921774"/>
+            <a:ext cx="4709984" cy="907026"/>
           </a:xfrm>
         </p:spPr>
         <p:txBody>
-          <a:bodyPr/>
+          <a:bodyPr vert="horz" lIns="91440" tIns="45720" rIns="91440" bIns="45720" rtlCol="0" anchor="ctr">
+            <a:normAutofit/>
+          </a:bodyPr>
           <a:lstStyle/>
           <a:p>
             <a:r>
-              <a:rPr lang="en-US" dirty="0"/>
-              <a:t>Establishments</a:t>
-            </a:r>
-          </a:p>
-        </p:txBody>
-      </p:sp>
-      <p:sp>
-        <p:nvSpPr>
-          <p:cNvPr id="5" name="Content Placeholder 4">
+              <a:rPr lang="en-US" sz="4400" dirty="0"/>
+              <a:t>Demographics</a:t>
+            </a:r>
+          </a:p>
+        </p:txBody>
+      </p:sp>
+      <p:sp>
+        <p:nvSpPr>
+          <p:cNvPr id="4" name="Content Placeholder 3">
             <a:extLst>
               <a:ext uri="{FF2B5EF4-FFF2-40B4-BE49-F238E27FC236}">
-                <a16:creationId xmlns:a16="http://schemas.microsoft.com/office/drawing/2014/main" id="{D803272E-6EFF-5D4A-AB7B-EA889E9BE7E8}"/>
+                <a16:creationId xmlns:a16="http://schemas.microsoft.com/office/drawing/2014/main" id="{E746DCD3-DF3C-6A4F-A80D-46942662E5AB}"/>
               </a:ext>
             </a:extLst>
           </p:cNvPr>
@@ -6093,44 +6679,170 @@
             <p:ph sz="half" idx="1"/>
           </p:nvPr>
         </p:nvSpPr>
-        <p:spPr/>
-        <p:txBody>
-          <a:bodyPr/>
+        <p:spPr>
+          <a:xfrm>
+            <a:off x="7467600" y="1828800"/>
+            <a:ext cx="4709984" cy="4572000"/>
+          </a:xfrm>
+        </p:spPr>
+        <p:txBody>
+          <a:bodyPr vert="horz" lIns="91440" tIns="45720" rIns="91440" bIns="45720" rtlCol="0" anchor="t">
+            <a:normAutofit/>
+          </a:bodyPr>
           <a:lstStyle/>
           <a:p>
+            <a:pPr marL="0" indent="0">
+              <a:buNone/>
+            </a:pPr>
+            <a:r>
+              <a:rPr lang="en-US" dirty="0"/>
+              <a:t>Questions Asked:</a:t>
+            </a:r>
+          </a:p>
+          <a:p>
+            <a:r>
+              <a:rPr lang="en-US" dirty="0"/>
+              <a:t>Why we choose San Diego and Dallas?</a:t>
+            </a:r>
+          </a:p>
+          <a:p>
+            <a:r>
+              <a:rPr lang="en-US" dirty="0"/>
+              <a:t>What is the average age of the rider?</a:t>
+            </a:r>
+          </a:p>
+          <a:p>
             <a:endParaRPr lang="en-US" dirty="0"/>
           </a:p>
-        </p:txBody>
-      </p:sp>
-      <p:sp>
-        <p:nvSpPr>
-          <p:cNvPr id="6" name="Content Placeholder 5">
+          <a:p>
+            <a:pPr marL="0" indent="0">
+              <a:buNone/>
+            </a:pPr>
+            <a:r>
+              <a:rPr lang="en-US" dirty="0"/>
+              <a:t>Insight</a:t>
+            </a:r>
+          </a:p>
+          <a:p>
+            <a:r>
+              <a:rPr lang="en-US" i="1" dirty="0">
+                <a:effectLst/>
+              </a:rPr>
+              <a:t>The median ages and Population of San Diego and Dallas counties, are very similar . Good for our main question.</a:t>
+            </a:r>
+            <a:endParaRPr lang="en-US" dirty="0">
+              <a:effectLst/>
+            </a:endParaRPr>
+          </a:p>
+          <a:p>
+            <a:endParaRPr lang="en-US" dirty="0"/>
+          </a:p>
+        </p:txBody>
+      </p:sp>
+      <p:sp>
+        <p:nvSpPr>
+          <p:cNvPr id="8" name="TextBox 7">
             <a:extLst>
               <a:ext uri="{FF2B5EF4-FFF2-40B4-BE49-F238E27FC236}">
-                <a16:creationId xmlns:a16="http://schemas.microsoft.com/office/drawing/2014/main" id="{3C7BE1D5-FF7B-414F-8A97-D27867A76D3A}"/>
+                <a16:creationId xmlns:a16="http://schemas.microsoft.com/office/drawing/2014/main" id="{B4DBECE5-A0FC-664C-B268-ACD1BFD6A0AB}"/>
               </a:ext>
             </a:extLst>
           </p:cNvPr>
-          <p:cNvSpPr>
-            <a:spLocks noGrp="1"/>
-          </p:cNvSpPr>
-          <p:nvPr>
-            <p:ph sz="half" idx="2"/>
-          </p:nvPr>
-        </p:nvSpPr>
-        <p:spPr/>
-        <p:txBody>
-          <a:bodyPr/>
+          <p:cNvSpPr txBox="1"/>
+          <p:nvPr/>
+        </p:nvSpPr>
+        <p:spPr>
+          <a:xfrm>
+            <a:off x="7405816" y="6414071"/>
+            <a:ext cx="4709984" cy="276999"/>
+          </a:xfrm>
+          <a:prstGeom prst="rect">
+            <a:avLst/>
+          </a:prstGeom>
+          <a:noFill/>
+        </p:spPr>
+        <p:txBody>
+          <a:bodyPr wrap="square" rtlCol="0">
+            <a:spAutoFit/>
+          </a:bodyPr>
           <a:lstStyle/>
           <a:p>
-            <a:endParaRPr lang="en-US" dirty="0"/>
-          </a:p>
-        </p:txBody>
-      </p:sp>
+            <a:r>
+              <a:rPr lang="en-US" sz="1200" i="1" dirty="0"/>
+              <a:t>source:   https://</a:t>
+            </a:r>
+            <a:r>
+              <a:rPr lang="en-US" sz="1200" i="1" dirty="0" err="1"/>
+              <a:t>suburbanstats.org</a:t>
+            </a:r>
+            <a:endParaRPr lang="en-US" sz="1200" i="1" dirty="0"/>
+          </a:p>
+        </p:txBody>
+      </p:sp>
+      <p:pic>
+        <p:nvPicPr>
+          <p:cNvPr id="5" name="Picture 4" descr="A screenshot of a cell phone&#10;&#10;Description automatically generated">
+            <a:extLst>
+              <a:ext uri="{FF2B5EF4-FFF2-40B4-BE49-F238E27FC236}">
+                <a16:creationId xmlns:a16="http://schemas.microsoft.com/office/drawing/2014/main" id="{B906DF4C-F799-534E-B649-4BE332536632}"/>
+              </a:ext>
+            </a:extLst>
+          </p:cNvPr>
+          <p:cNvPicPr>
+            <a:picLocks noChangeAspect="1"/>
+          </p:cNvPicPr>
+          <p:nvPr/>
+        </p:nvPicPr>
+        <p:blipFill>
+          <a:blip r:embed="rId3"/>
+          <a:stretch>
+            <a:fillRect/>
+          </a:stretch>
+        </p:blipFill>
+        <p:spPr>
+          <a:xfrm>
+            <a:off x="245901" y="3594099"/>
+            <a:ext cx="5850100" cy="1379741"/>
+          </a:xfrm>
+          <a:prstGeom prst="rect">
+            <a:avLst/>
+          </a:prstGeom>
+        </p:spPr>
+      </p:pic>
+      <p:pic>
+        <p:nvPicPr>
+          <p:cNvPr id="12" name="Picture 11" descr="A screenshot of a cell phone&#10;&#10;Description automatically generated">
+            <a:extLst>
+              <a:ext uri="{FF2B5EF4-FFF2-40B4-BE49-F238E27FC236}">
+                <a16:creationId xmlns:a16="http://schemas.microsoft.com/office/drawing/2014/main" id="{0DA527E1-035D-5248-91CF-0343011322A9}"/>
+              </a:ext>
+            </a:extLst>
+          </p:cNvPr>
+          <p:cNvPicPr>
+            <a:picLocks noChangeAspect="1"/>
+          </p:cNvPicPr>
+          <p:nvPr/>
+        </p:nvPicPr>
+        <p:blipFill>
+          <a:blip r:embed="rId4"/>
+          <a:stretch>
+            <a:fillRect/>
+          </a:stretch>
+        </p:blipFill>
+        <p:spPr>
+          <a:xfrm>
+            <a:off x="245899" y="1828799"/>
+            <a:ext cx="5865165" cy="1285875"/>
+          </a:xfrm>
+          <a:prstGeom prst="rect">
+            <a:avLst/>
+          </a:prstGeom>
+        </p:spPr>
+      </p:pic>
     </p:spTree>
     <p:extLst>
       <p:ext uri="{BB962C8B-B14F-4D97-AF65-F5344CB8AC3E}">
-        <p14:creationId xmlns:p14="http://schemas.microsoft.com/office/powerpoint/2010/main" val="3129810909"/>
+        <p14:creationId xmlns:p14="http://schemas.microsoft.com/office/powerpoint/2010/main" val="1742857253"/>
       </p:ext>
     </p:extLst>
   </p:cSld>
@@ -6141,6 +6853,2761 @@
 </file>
 
 <file path=ppt/slides/slide5.xml><?xml version="1.0" encoding="utf-8"?>
+<p:sld xmlns:a="http://schemas.openxmlformats.org/drawingml/2006/main" xmlns:r="http://schemas.openxmlformats.org/officeDocument/2006/relationships" xmlns:p="http://schemas.openxmlformats.org/presentationml/2006/main">
+  <p:cSld>
+    <p:bg>
+      <p:bgPr>
+        <a:blipFill rotWithShape="1">
+          <a:blip r:embed="rId2">
+            <a:duotone>
+              <a:schemeClr val="bg2">
+                <a:shade val="28000"/>
+                <a:satMod val="94000"/>
+                <a:lumMod val="20000"/>
+              </a:schemeClr>
+              <a:schemeClr val="bg2">
+                <a:tint val="94000"/>
+                <a:shade val="84000"/>
+                <a:satMod val="148000"/>
+                <a:lumMod val="114000"/>
+              </a:schemeClr>
+            </a:duotone>
+            <a:extLst/>
+          </a:blip>
+          <a:stretch/>
+        </a:blipFill>
+        <a:effectLst/>
+      </p:bgPr>
+    </p:bg>
+    <p:spTree>
+      <p:nvGrpSpPr>
+        <p:cNvPr id="1" name=""/>
+        <p:cNvGrpSpPr/>
+        <p:nvPr/>
+      </p:nvGrpSpPr>
+      <p:grpSpPr>
+        <a:xfrm>
+          <a:off x="0" y="0"/>
+          <a:ext cx="0" cy="0"/>
+          <a:chOff x="0" y="0"/>
+          <a:chExt cx="0" cy="0"/>
+        </a:xfrm>
+      </p:grpSpPr>
+      <p:sp>
+        <p:nvSpPr>
+          <p:cNvPr id="2" name="Title 1">
+            <a:extLst>
+              <a:ext uri="{FF2B5EF4-FFF2-40B4-BE49-F238E27FC236}">
+                <a16:creationId xmlns:a16="http://schemas.microsoft.com/office/drawing/2014/main" id="{D1C2A00E-7D49-6B47-B595-C08AE0AE6343}"/>
+              </a:ext>
+            </a:extLst>
+          </p:cNvPr>
+          <p:cNvSpPr>
+            <a:spLocks noGrp="1"/>
+          </p:cNvSpPr>
+          <p:nvPr>
+            <p:ph type="title"/>
+          </p:nvPr>
+        </p:nvSpPr>
+        <p:spPr>
+          <a:xfrm>
+            <a:off x="7467600" y="916458"/>
+            <a:ext cx="4724400" cy="912342"/>
+          </a:xfrm>
+        </p:spPr>
+        <p:txBody>
+          <a:bodyPr vert="horz" lIns="91440" tIns="45720" rIns="91440" bIns="45720" rtlCol="0" anchor="b">
+            <a:normAutofit/>
+          </a:bodyPr>
+          <a:lstStyle/>
+          <a:p>
+            <a:pPr algn="ctr"/>
+            <a:r>
+              <a:rPr lang="en-US" sz="4400" dirty="0">
+                <a:effectLst>
+                  <a:glow rad="38100">
+                    <a:schemeClr val="bg1">
+                      <a:lumMod val="65000"/>
+                      <a:lumOff val="35000"/>
+                      <a:alpha val="50000"/>
+                    </a:schemeClr>
+                  </a:glow>
+                  <a:outerShdw blurRad="28575" dist="31750" dir="13200000" algn="tl" rotWithShape="0">
+                    <a:srgbClr val="000000">
+                      <a:alpha val="25000"/>
+                    </a:srgbClr>
+                  </a:outerShdw>
+                </a:effectLst>
+              </a:rPr>
+              <a:t>Establishments</a:t>
+            </a:r>
+            <a:endParaRPr lang="en-US" dirty="0">
+              <a:effectLst>
+                <a:glow rad="38100">
+                  <a:schemeClr val="bg1">
+                    <a:lumMod val="65000"/>
+                    <a:lumOff val="35000"/>
+                    <a:alpha val="50000"/>
+                  </a:schemeClr>
+                </a:glow>
+                <a:outerShdw blurRad="28575" dist="31750" dir="13200000" algn="tl" rotWithShape="0">
+                  <a:srgbClr val="000000">
+                    <a:alpha val="25000"/>
+                  </a:srgbClr>
+                </a:outerShdw>
+              </a:effectLst>
+            </a:endParaRPr>
+          </a:p>
+        </p:txBody>
+      </p:sp>
+      <p:sp>
+        <p:nvSpPr>
+          <p:cNvPr id="5" name="Content Placeholder 3">
+            <a:extLst>
+              <a:ext uri="{FF2B5EF4-FFF2-40B4-BE49-F238E27FC236}">
+                <a16:creationId xmlns:a16="http://schemas.microsoft.com/office/drawing/2014/main" id="{AC1CAF84-DBFB-AB4A-AC26-FBCDE61A1DB3}"/>
+              </a:ext>
+            </a:extLst>
+          </p:cNvPr>
+          <p:cNvSpPr txBox="1">
+            <a:spLocks/>
+          </p:cNvSpPr>
+          <p:nvPr/>
+        </p:nvSpPr>
+        <p:spPr>
+          <a:xfrm>
+            <a:off x="7467600" y="1906765"/>
+            <a:ext cx="4233259" cy="4572000"/>
+          </a:xfrm>
+          <a:prstGeom prst="rect">
+            <a:avLst/>
+          </a:prstGeom>
+        </p:spPr>
+        <p:txBody>
+          <a:bodyPr vert="horz" lIns="91440" tIns="45720" rIns="91440" bIns="45720" rtlCol="0" anchor="t">
+            <a:normAutofit/>
+          </a:bodyPr>
+          <a:lstStyle>
+            <a:lvl1pPr marL="285750" indent="-285750" algn="l" defTabSz="457200" rtl="0" eaLnBrk="1" latinLnBrk="0" hangingPunct="1">
+              <a:spcBef>
+                <a:spcPct val="20000"/>
+              </a:spcBef>
+              <a:spcAft>
+                <a:spcPts val="600"/>
+              </a:spcAft>
+              <a:buClr>
+                <a:schemeClr val="accent1"/>
+              </a:buClr>
+              <a:buSzPct val="100000"/>
+              <a:buFont typeface="Arial"/>
+              <a:buChar char="•"/>
+              <a:defRPr sz="1800" kern="1200" cap="small">
+                <a:solidFill>
+                  <a:schemeClr val="tx1"/>
+                </a:solidFill>
+                <a:effectLst>
+                  <a:glow rad="38100">
+                    <a:schemeClr val="bg1">
+                      <a:lumMod val="50000"/>
+                      <a:lumOff val="50000"/>
+                      <a:alpha val="20000"/>
+                    </a:schemeClr>
+                  </a:glow>
+                  <a:outerShdw blurRad="44450" dist="12700" dir="13860000" algn="tl" rotWithShape="0">
+                    <a:srgbClr val="000000">
+                      <a:alpha val="20000"/>
+                    </a:srgbClr>
+                  </a:outerShdw>
+                </a:effectLst>
+                <a:latin typeface="+mn-lt"/>
+                <a:ea typeface="+mn-ea"/>
+                <a:cs typeface="+mn-cs"/>
+              </a:defRPr>
+            </a:lvl1pPr>
+            <a:lvl2pPr marL="742950" indent="-285750" algn="l" defTabSz="457200" rtl="0" eaLnBrk="1" latinLnBrk="0" hangingPunct="1">
+              <a:spcBef>
+                <a:spcPct val="20000"/>
+              </a:spcBef>
+              <a:spcAft>
+                <a:spcPts val="600"/>
+              </a:spcAft>
+              <a:buClr>
+                <a:schemeClr val="accent1"/>
+              </a:buClr>
+              <a:buSzPct val="100000"/>
+              <a:buFont typeface="Arial"/>
+              <a:buChar char="•"/>
+              <a:defRPr sz="1600" kern="1200" cap="small">
+                <a:solidFill>
+                  <a:schemeClr val="tx1"/>
+                </a:solidFill>
+                <a:effectLst>
+                  <a:glow rad="38100">
+                    <a:schemeClr val="bg1">
+                      <a:lumMod val="50000"/>
+                      <a:lumOff val="50000"/>
+                      <a:alpha val="20000"/>
+                    </a:schemeClr>
+                  </a:glow>
+                  <a:outerShdw blurRad="44450" dist="12700" dir="13860000" algn="tl" rotWithShape="0">
+                    <a:srgbClr val="000000">
+                      <a:alpha val="20000"/>
+                    </a:srgbClr>
+                  </a:outerShdw>
+                </a:effectLst>
+                <a:latin typeface="+mn-lt"/>
+                <a:ea typeface="+mn-ea"/>
+                <a:cs typeface="+mn-cs"/>
+              </a:defRPr>
+            </a:lvl2pPr>
+            <a:lvl3pPr marL="1200150" indent="-285750" algn="l" defTabSz="457200" rtl="0" eaLnBrk="1" latinLnBrk="0" hangingPunct="1">
+              <a:spcBef>
+                <a:spcPct val="20000"/>
+              </a:spcBef>
+              <a:spcAft>
+                <a:spcPts val="600"/>
+              </a:spcAft>
+              <a:buClr>
+                <a:schemeClr val="accent1"/>
+              </a:buClr>
+              <a:buSzPct val="100000"/>
+              <a:buFont typeface="Arial"/>
+              <a:buChar char="•"/>
+              <a:defRPr sz="1400" kern="1200" cap="small">
+                <a:solidFill>
+                  <a:schemeClr val="tx1"/>
+                </a:solidFill>
+                <a:effectLst>
+                  <a:glow rad="38100">
+                    <a:schemeClr val="bg1">
+                      <a:lumMod val="50000"/>
+                      <a:lumOff val="50000"/>
+                      <a:alpha val="20000"/>
+                    </a:schemeClr>
+                  </a:glow>
+                  <a:outerShdw blurRad="44450" dist="12700" dir="13860000" algn="tl" rotWithShape="0">
+                    <a:srgbClr val="000000">
+                      <a:alpha val="20000"/>
+                    </a:srgbClr>
+                  </a:outerShdw>
+                </a:effectLst>
+                <a:latin typeface="+mn-lt"/>
+                <a:ea typeface="+mn-ea"/>
+                <a:cs typeface="+mn-cs"/>
+              </a:defRPr>
+            </a:lvl3pPr>
+            <a:lvl4pPr marL="1543050" indent="-171450" algn="l" defTabSz="457200" rtl="0" eaLnBrk="1" latinLnBrk="0" hangingPunct="1">
+              <a:spcBef>
+                <a:spcPct val="20000"/>
+              </a:spcBef>
+              <a:spcAft>
+                <a:spcPts val="600"/>
+              </a:spcAft>
+              <a:buClr>
+                <a:schemeClr val="accent1"/>
+              </a:buClr>
+              <a:buSzPct val="100000"/>
+              <a:buFont typeface="Arial"/>
+              <a:buChar char="•"/>
+              <a:defRPr sz="1200" kern="1200" cap="small">
+                <a:solidFill>
+                  <a:schemeClr val="tx1"/>
+                </a:solidFill>
+                <a:effectLst>
+                  <a:glow rad="38100">
+                    <a:schemeClr val="bg1">
+                      <a:lumMod val="50000"/>
+                      <a:lumOff val="50000"/>
+                      <a:alpha val="20000"/>
+                    </a:schemeClr>
+                  </a:glow>
+                  <a:outerShdw blurRad="44450" dist="12700" dir="13860000" algn="tl" rotWithShape="0">
+                    <a:srgbClr val="000000">
+                      <a:alpha val="20000"/>
+                    </a:srgbClr>
+                  </a:outerShdw>
+                </a:effectLst>
+                <a:latin typeface="+mn-lt"/>
+                <a:ea typeface="+mn-ea"/>
+                <a:cs typeface="+mn-cs"/>
+              </a:defRPr>
+            </a:lvl4pPr>
+            <a:lvl5pPr marL="2000250" indent="-171450" algn="l" defTabSz="457200" rtl="0" eaLnBrk="1" latinLnBrk="0" hangingPunct="1">
+              <a:spcBef>
+                <a:spcPct val="20000"/>
+              </a:spcBef>
+              <a:spcAft>
+                <a:spcPts val="600"/>
+              </a:spcAft>
+              <a:buClr>
+                <a:schemeClr val="accent1"/>
+              </a:buClr>
+              <a:buSzPct val="100000"/>
+              <a:buFont typeface="Arial"/>
+              <a:buChar char="•"/>
+              <a:defRPr sz="1200" kern="1200" cap="small">
+                <a:solidFill>
+                  <a:schemeClr val="tx1"/>
+                </a:solidFill>
+                <a:effectLst>
+                  <a:glow rad="38100">
+                    <a:schemeClr val="bg1">
+                      <a:lumMod val="50000"/>
+                      <a:lumOff val="50000"/>
+                      <a:alpha val="20000"/>
+                    </a:schemeClr>
+                  </a:glow>
+                  <a:outerShdw blurRad="44450" dist="12700" dir="13860000" algn="tl" rotWithShape="0">
+                    <a:srgbClr val="000000">
+                      <a:alpha val="20000"/>
+                    </a:srgbClr>
+                  </a:outerShdw>
+                </a:effectLst>
+                <a:latin typeface="+mn-lt"/>
+                <a:ea typeface="+mn-ea"/>
+                <a:cs typeface="+mn-cs"/>
+              </a:defRPr>
+            </a:lvl5pPr>
+            <a:lvl6pPr marL="2514600" indent="-228600" algn="l" defTabSz="457200" rtl="0" eaLnBrk="1" latinLnBrk="0" hangingPunct="1">
+              <a:spcBef>
+                <a:spcPct val="20000"/>
+              </a:spcBef>
+              <a:spcAft>
+                <a:spcPts val="600"/>
+              </a:spcAft>
+              <a:buClr>
+                <a:schemeClr val="accent1"/>
+              </a:buClr>
+              <a:buSzPct val="100000"/>
+              <a:buFont typeface="Arial"/>
+              <a:buChar char="•"/>
+              <a:defRPr sz="1200" kern="1200" cap="small">
+                <a:solidFill>
+                  <a:schemeClr val="tx1"/>
+                </a:solidFill>
+                <a:effectLst>
+                  <a:glow rad="38100">
+                    <a:schemeClr val="bg1">
+                      <a:lumMod val="50000"/>
+                      <a:lumOff val="50000"/>
+                      <a:alpha val="20000"/>
+                    </a:schemeClr>
+                  </a:glow>
+                  <a:outerShdw blurRad="44450" dist="12700" dir="13860000" algn="tl" rotWithShape="0">
+                    <a:srgbClr val="000000">
+                      <a:alpha val="20000"/>
+                    </a:srgbClr>
+                  </a:outerShdw>
+                </a:effectLst>
+                <a:latin typeface="+mn-lt"/>
+                <a:ea typeface="+mn-ea"/>
+                <a:cs typeface="+mn-cs"/>
+              </a:defRPr>
+            </a:lvl6pPr>
+            <a:lvl7pPr marL="2971800" indent="-228600" algn="l" defTabSz="457200" rtl="0" eaLnBrk="1" latinLnBrk="0" hangingPunct="1">
+              <a:spcBef>
+                <a:spcPct val="20000"/>
+              </a:spcBef>
+              <a:spcAft>
+                <a:spcPts val="600"/>
+              </a:spcAft>
+              <a:buClr>
+                <a:schemeClr val="accent1"/>
+              </a:buClr>
+              <a:buSzPct val="100000"/>
+              <a:buFont typeface="Arial"/>
+              <a:buChar char="•"/>
+              <a:defRPr sz="1200" kern="1200" cap="small">
+                <a:solidFill>
+                  <a:schemeClr val="tx1"/>
+                </a:solidFill>
+                <a:effectLst>
+                  <a:glow rad="38100">
+                    <a:schemeClr val="bg1">
+                      <a:lumMod val="50000"/>
+                      <a:lumOff val="50000"/>
+                      <a:alpha val="20000"/>
+                    </a:schemeClr>
+                  </a:glow>
+                  <a:outerShdw blurRad="44450" dist="12700" dir="13860000" algn="tl" rotWithShape="0">
+                    <a:srgbClr val="000000">
+                      <a:alpha val="20000"/>
+                    </a:srgbClr>
+                  </a:outerShdw>
+                </a:effectLst>
+                <a:latin typeface="+mn-lt"/>
+                <a:ea typeface="+mn-ea"/>
+                <a:cs typeface="+mn-cs"/>
+              </a:defRPr>
+            </a:lvl7pPr>
+            <a:lvl8pPr marL="3429000" indent="-228600" algn="l" defTabSz="457200" rtl="0" eaLnBrk="1" latinLnBrk="0" hangingPunct="1">
+              <a:spcBef>
+                <a:spcPct val="20000"/>
+              </a:spcBef>
+              <a:spcAft>
+                <a:spcPts val="600"/>
+              </a:spcAft>
+              <a:buClr>
+                <a:schemeClr val="accent1"/>
+              </a:buClr>
+              <a:buSzPct val="100000"/>
+              <a:buFont typeface="Arial"/>
+              <a:buChar char="•"/>
+              <a:defRPr sz="1200" kern="1200" cap="small">
+                <a:solidFill>
+                  <a:schemeClr val="tx1"/>
+                </a:solidFill>
+                <a:effectLst>
+                  <a:glow rad="38100">
+                    <a:schemeClr val="bg1">
+                      <a:lumMod val="50000"/>
+                      <a:lumOff val="50000"/>
+                      <a:alpha val="20000"/>
+                    </a:schemeClr>
+                  </a:glow>
+                  <a:outerShdw blurRad="44450" dist="12700" dir="13860000" algn="tl" rotWithShape="0">
+                    <a:srgbClr val="000000">
+                      <a:alpha val="20000"/>
+                    </a:srgbClr>
+                  </a:outerShdw>
+                </a:effectLst>
+                <a:latin typeface="+mn-lt"/>
+                <a:ea typeface="+mn-ea"/>
+                <a:cs typeface="+mn-cs"/>
+              </a:defRPr>
+            </a:lvl8pPr>
+            <a:lvl9pPr marL="3886200" indent="-228600" algn="l" defTabSz="457200" rtl="0" eaLnBrk="1" latinLnBrk="0" hangingPunct="1">
+              <a:spcBef>
+                <a:spcPct val="20000"/>
+              </a:spcBef>
+              <a:spcAft>
+                <a:spcPts val="600"/>
+              </a:spcAft>
+              <a:buClr>
+                <a:schemeClr val="accent1"/>
+              </a:buClr>
+              <a:buSzPct val="100000"/>
+              <a:buFont typeface="Arial"/>
+              <a:buChar char="•"/>
+              <a:defRPr sz="1200" kern="1200" cap="small">
+                <a:solidFill>
+                  <a:schemeClr val="tx1"/>
+                </a:solidFill>
+                <a:effectLst>
+                  <a:glow rad="38100">
+                    <a:schemeClr val="bg1">
+                      <a:lumMod val="50000"/>
+                      <a:lumOff val="50000"/>
+                      <a:alpha val="20000"/>
+                    </a:schemeClr>
+                  </a:glow>
+                  <a:outerShdw blurRad="44450" dist="12700" dir="13860000" algn="tl" rotWithShape="0">
+                    <a:srgbClr val="000000">
+                      <a:alpha val="20000"/>
+                    </a:srgbClr>
+                  </a:outerShdw>
+                </a:effectLst>
+                <a:latin typeface="+mn-lt"/>
+                <a:ea typeface="+mn-ea"/>
+                <a:cs typeface="+mn-cs"/>
+              </a:defRPr>
+            </a:lvl9pPr>
+          </a:lstStyle>
+          <a:p>
+            <a:pPr marL="0" indent="0">
+              <a:buFont typeface="Arial"/>
+              <a:buNone/>
+            </a:pPr>
+            <a:r>
+              <a:rPr lang="en-US" dirty="0"/>
+              <a:t>Questions Asked:</a:t>
+            </a:r>
+          </a:p>
+          <a:p>
+            <a:r>
+              <a:rPr lang="en-US" dirty="0"/>
+              <a:t>How many companies are involved in Ride handling?</a:t>
+            </a:r>
+          </a:p>
+          <a:p>
+            <a:endParaRPr lang="en-US" dirty="0"/>
+          </a:p>
+          <a:p>
+            <a:pPr marL="0" indent="0">
+              <a:buFont typeface="Arial"/>
+              <a:buNone/>
+            </a:pPr>
+            <a:r>
+              <a:rPr lang="en-US" dirty="0"/>
+              <a:t>Insight</a:t>
+            </a:r>
+          </a:p>
+          <a:p>
+            <a:r>
+              <a:rPr lang="en-US" i="1" dirty="0">
+                <a:effectLst/>
+              </a:rPr>
+              <a:t>Both counties have seen a decline in the number of establishments</a:t>
+            </a:r>
+            <a:endParaRPr lang="en-US" dirty="0">
+              <a:effectLst/>
+            </a:endParaRPr>
+          </a:p>
+          <a:p>
+            <a:endParaRPr lang="en-US" dirty="0"/>
+          </a:p>
+        </p:txBody>
+      </p:sp>
+      <p:sp>
+        <p:nvSpPr>
+          <p:cNvPr id="8" name="TextBox 7">
+            <a:extLst>
+              <a:ext uri="{FF2B5EF4-FFF2-40B4-BE49-F238E27FC236}">
+                <a16:creationId xmlns:a16="http://schemas.microsoft.com/office/drawing/2014/main" id="{217510DE-64A2-4C41-9B92-375416397A5A}"/>
+              </a:ext>
+            </a:extLst>
+          </p:cNvPr>
+          <p:cNvSpPr txBox="1"/>
+          <p:nvPr/>
+        </p:nvSpPr>
+        <p:spPr>
+          <a:xfrm>
+            <a:off x="7467600" y="6414071"/>
+            <a:ext cx="4648200" cy="276999"/>
+          </a:xfrm>
+          <a:prstGeom prst="rect">
+            <a:avLst/>
+          </a:prstGeom>
+          <a:noFill/>
+        </p:spPr>
+        <p:txBody>
+          <a:bodyPr wrap="square" rtlCol="0">
+            <a:spAutoFit/>
+          </a:bodyPr>
+          <a:lstStyle/>
+          <a:p>
+            <a:r>
+              <a:rPr lang="en-US" sz="1200" i="1" dirty="0"/>
+              <a:t>source:   https://</a:t>
+            </a:r>
+            <a:r>
+              <a:rPr lang="en-US" sz="1200" i="1" dirty="0" err="1"/>
+              <a:t>www.bls.gov</a:t>
+            </a:r>
+            <a:endParaRPr lang="en-US" sz="1200" i="1" dirty="0"/>
+          </a:p>
+        </p:txBody>
+      </p:sp>
+      <p:pic>
+        <p:nvPicPr>
+          <p:cNvPr id="4" name="Picture 3" descr="A close up of a map&#10;&#10;Description automatically generated">
+            <a:extLst>
+              <a:ext uri="{FF2B5EF4-FFF2-40B4-BE49-F238E27FC236}">
+                <a16:creationId xmlns:a16="http://schemas.microsoft.com/office/drawing/2014/main" id="{1FAE42E0-7FA1-4E40-A05F-3DB7C96A5D26}"/>
+              </a:ext>
+            </a:extLst>
+          </p:cNvPr>
+          <p:cNvPicPr>
+            <a:picLocks noChangeAspect="1"/>
+          </p:cNvPicPr>
+          <p:nvPr/>
+        </p:nvPicPr>
+        <p:blipFill>
+          <a:blip r:embed="rId3"/>
+          <a:stretch>
+            <a:fillRect/>
+          </a:stretch>
+        </p:blipFill>
+        <p:spPr>
+          <a:xfrm>
+            <a:off x="377588" y="1828800"/>
+            <a:ext cx="5486400" cy="3657600"/>
+          </a:xfrm>
+          <a:prstGeom prst="rect">
+            <a:avLst/>
+          </a:prstGeom>
+        </p:spPr>
+      </p:pic>
+    </p:spTree>
+    <p:extLst>
+      <p:ext uri="{BB962C8B-B14F-4D97-AF65-F5344CB8AC3E}">
+        <p14:creationId xmlns:p14="http://schemas.microsoft.com/office/powerpoint/2010/main" val="159405912"/>
+      </p:ext>
+    </p:extLst>
+  </p:cSld>
+  <p:clrMapOvr>
+    <a:masterClrMapping/>
+  </p:clrMapOvr>
+</p:sld>
+</file>
+
+<file path=ppt/slides/slide6.xml><?xml version="1.0" encoding="utf-8"?>
+<p:sld xmlns:a="http://schemas.openxmlformats.org/drawingml/2006/main" xmlns:r="http://schemas.openxmlformats.org/officeDocument/2006/relationships" xmlns:p="http://schemas.openxmlformats.org/presentationml/2006/main">
+  <p:cSld>
+    <p:bg>
+      <p:bgPr>
+        <a:blipFill rotWithShape="1">
+          <a:blip r:embed="rId2">
+            <a:duotone>
+              <a:schemeClr val="bg2">
+                <a:shade val="28000"/>
+                <a:satMod val="94000"/>
+                <a:lumMod val="20000"/>
+              </a:schemeClr>
+              <a:schemeClr val="bg2">
+                <a:tint val="94000"/>
+                <a:shade val="84000"/>
+                <a:satMod val="148000"/>
+                <a:lumMod val="114000"/>
+              </a:schemeClr>
+            </a:duotone>
+            <a:extLst/>
+          </a:blip>
+          <a:stretch/>
+        </a:blipFill>
+        <a:effectLst/>
+      </p:bgPr>
+    </p:bg>
+    <p:spTree>
+      <p:nvGrpSpPr>
+        <p:cNvPr id="1" name=""/>
+        <p:cNvGrpSpPr/>
+        <p:nvPr/>
+      </p:nvGrpSpPr>
+      <p:grpSpPr>
+        <a:xfrm>
+          <a:off x="0" y="0"/>
+          <a:ext cx="0" cy="0"/>
+          <a:chOff x="0" y="0"/>
+          <a:chExt cx="0" cy="0"/>
+        </a:xfrm>
+      </p:grpSpPr>
+      <p:sp>
+        <p:nvSpPr>
+          <p:cNvPr id="2" name="Title 1">
+            <a:extLst>
+              <a:ext uri="{FF2B5EF4-FFF2-40B4-BE49-F238E27FC236}">
+                <a16:creationId xmlns:a16="http://schemas.microsoft.com/office/drawing/2014/main" id="{D1C2A00E-7D49-6B47-B595-C08AE0AE6343}"/>
+              </a:ext>
+            </a:extLst>
+          </p:cNvPr>
+          <p:cNvSpPr>
+            <a:spLocks noGrp="1"/>
+          </p:cNvSpPr>
+          <p:nvPr>
+            <p:ph type="title"/>
+          </p:nvPr>
+        </p:nvSpPr>
+        <p:spPr>
+          <a:xfrm>
+            <a:off x="988630" y="4363271"/>
+            <a:ext cx="10200986" cy="1066801"/>
+          </a:xfrm>
+        </p:spPr>
+        <p:txBody>
+          <a:bodyPr vert="horz" lIns="91440" tIns="45720" rIns="91440" bIns="45720" rtlCol="0" anchor="b">
+            <a:normAutofit/>
+          </a:bodyPr>
+          <a:lstStyle/>
+          <a:p>
+            <a:pPr algn="ctr"/>
+            <a:r>
+              <a:rPr lang="en-US" sz="4800" dirty="0">
+                <a:effectLst>
+                  <a:glow rad="38100">
+                    <a:schemeClr val="bg1">
+                      <a:lumMod val="65000"/>
+                      <a:lumOff val="35000"/>
+                      <a:alpha val="50000"/>
+                    </a:schemeClr>
+                  </a:glow>
+                  <a:outerShdw blurRad="28575" dist="31750" dir="13200000" algn="tl" rotWithShape="0">
+                    <a:srgbClr val="000000">
+                      <a:alpha val="25000"/>
+                    </a:srgbClr>
+                  </a:outerShdw>
+                </a:effectLst>
+              </a:rPr>
+              <a:t>Employees  and wages</a:t>
+            </a:r>
+          </a:p>
+        </p:txBody>
+      </p:sp>
+      <p:pic>
+        <p:nvPicPr>
+          <p:cNvPr id="10" name="Picture 9">
+            <a:extLst>
+              <a:ext uri="{FF2B5EF4-FFF2-40B4-BE49-F238E27FC236}">
+                <a16:creationId xmlns:a16="http://schemas.microsoft.com/office/drawing/2014/main" id="{79C23C12-7C11-FE46-9F41-F8B52BA376B4}"/>
+              </a:ext>
+            </a:extLst>
+          </p:cNvPr>
+          <p:cNvPicPr/>
+          <p:nvPr/>
+        </p:nvPicPr>
+        <p:blipFill>
+          <a:blip r:embed="rId3"/>
+          <a:stretch>
+            <a:fillRect/>
+          </a:stretch>
+        </p:blipFill>
+        <p:spPr>
+          <a:xfrm>
+            <a:off x="495501" y="750570"/>
+            <a:ext cx="5257108" cy="3646474"/>
+          </a:xfrm>
+          <a:prstGeom prst="rect">
+            <a:avLst/>
+          </a:prstGeom>
+        </p:spPr>
+      </p:pic>
+      <p:pic>
+        <p:nvPicPr>
+          <p:cNvPr id="11" name="Picture 10">
+            <a:extLst>
+              <a:ext uri="{FF2B5EF4-FFF2-40B4-BE49-F238E27FC236}">
+                <a16:creationId xmlns:a16="http://schemas.microsoft.com/office/drawing/2014/main" id="{6E4EEEA5-5282-064F-B778-449FC344665B}"/>
+              </a:ext>
+            </a:extLst>
+          </p:cNvPr>
+          <p:cNvPicPr/>
+          <p:nvPr/>
+        </p:nvPicPr>
+        <p:blipFill>
+          <a:blip r:embed="rId4"/>
+          <a:stretch>
+            <a:fillRect/>
+          </a:stretch>
+        </p:blipFill>
+        <p:spPr>
+          <a:xfrm>
+            <a:off x="6439392" y="750570"/>
+            <a:ext cx="4770475" cy="3646473"/>
+          </a:xfrm>
+          <a:prstGeom prst="rect">
+            <a:avLst/>
+          </a:prstGeom>
+        </p:spPr>
+      </p:pic>
+      <p:sp>
+        <p:nvSpPr>
+          <p:cNvPr id="14" name="Content Placeholder 3">
+            <a:extLst>
+              <a:ext uri="{FF2B5EF4-FFF2-40B4-BE49-F238E27FC236}">
+                <a16:creationId xmlns:a16="http://schemas.microsoft.com/office/drawing/2014/main" id="{E2712C58-A5DC-DD40-B3DA-A2DA195624F9}"/>
+              </a:ext>
+            </a:extLst>
+          </p:cNvPr>
+          <p:cNvSpPr txBox="1">
+            <a:spLocks/>
+          </p:cNvSpPr>
+          <p:nvPr/>
+        </p:nvSpPr>
+        <p:spPr>
+          <a:xfrm>
+            <a:off x="700348" y="5430071"/>
+            <a:ext cx="5274425" cy="1066801"/>
+          </a:xfrm>
+          <a:prstGeom prst="rect">
+            <a:avLst/>
+          </a:prstGeom>
+        </p:spPr>
+        <p:txBody>
+          <a:bodyPr vert="horz" lIns="91440" tIns="45720" rIns="91440" bIns="45720" rtlCol="0" anchor="t">
+            <a:normAutofit fontScale="47500" lnSpcReduction="20000"/>
+          </a:bodyPr>
+          <a:lstStyle>
+            <a:lvl1pPr marL="285750" indent="-285750" algn="l" defTabSz="457200" rtl="0" eaLnBrk="1" latinLnBrk="0" hangingPunct="1">
+              <a:spcBef>
+                <a:spcPct val="20000"/>
+              </a:spcBef>
+              <a:spcAft>
+                <a:spcPts val="600"/>
+              </a:spcAft>
+              <a:buClr>
+                <a:schemeClr val="accent1"/>
+              </a:buClr>
+              <a:buSzPct val="100000"/>
+              <a:buFont typeface="Arial"/>
+              <a:buChar char="•"/>
+              <a:defRPr sz="1800" kern="1200" cap="small">
+                <a:solidFill>
+                  <a:schemeClr val="tx1"/>
+                </a:solidFill>
+                <a:effectLst>
+                  <a:glow rad="38100">
+                    <a:schemeClr val="bg1">
+                      <a:lumMod val="50000"/>
+                      <a:lumOff val="50000"/>
+                      <a:alpha val="20000"/>
+                    </a:schemeClr>
+                  </a:glow>
+                  <a:outerShdw blurRad="44450" dist="12700" dir="13860000" algn="tl" rotWithShape="0">
+                    <a:srgbClr val="000000">
+                      <a:alpha val="20000"/>
+                    </a:srgbClr>
+                  </a:outerShdw>
+                </a:effectLst>
+                <a:latin typeface="+mn-lt"/>
+                <a:ea typeface="+mn-ea"/>
+                <a:cs typeface="+mn-cs"/>
+              </a:defRPr>
+            </a:lvl1pPr>
+            <a:lvl2pPr marL="742950" indent="-285750" algn="l" defTabSz="457200" rtl="0" eaLnBrk="1" latinLnBrk="0" hangingPunct="1">
+              <a:spcBef>
+                <a:spcPct val="20000"/>
+              </a:spcBef>
+              <a:spcAft>
+                <a:spcPts val="600"/>
+              </a:spcAft>
+              <a:buClr>
+                <a:schemeClr val="accent1"/>
+              </a:buClr>
+              <a:buSzPct val="100000"/>
+              <a:buFont typeface="Arial"/>
+              <a:buChar char="•"/>
+              <a:defRPr sz="1600" kern="1200" cap="small">
+                <a:solidFill>
+                  <a:schemeClr val="tx1"/>
+                </a:solidFill>
+                <a:effectLst>
+                  <a:glow rad="38100">
+                    <a:schemeClr val="bg1">
+                      <a:lumMod val="50000"/>
+                      <a:lumOff val="50000"/>
+                      <a:alpha val="20000"/>
+                    </a:schemeClr>
+                  </a:glow>
+                  <a:outerShdw blurRad="44450" dist="12700" dir="13860000" algn="tl" rotWithShape="0">
+                    <a:srgbClr val="000000">
+                      <a:alpha val="20000"/>
+                    </a:srgbClr>
+                  </a:outerShdw>
+                </a:effectLst>
+                <a:latin typeface="+mn-lt"/>
+                <a:ea typeface="+mn-ea"/>
+                <a:cs typeface="+mn-cs"/>
+              </a:defRPr>
+            </a:lvl2pPr>
+            <a:lvl3pPr marL="1200150" indent="-285750" algn="l" defTabSz="457200" rtl="0" eaLnBrk="1" latinLnBrk="0" hangingPunct="1">
+              <a:spcBef>
+                <a:spcPct val="20000"/>
+              </a:spcBef>
+              <a:spcAft>
+                <a:spcPts val="600"/>
+              </a:spcAft>
+              <a:buClr>
+                <a:schemeClr val="accent1"/>
+              </a:buClr>
+              <a:buSzPct val="100000"/>
+              <a:buFont typeface="Arial"/>
+              <a:buChar char="•"/>
+              <a:defRPr sz="1400" kern="1200" cap="small">
+                <a:solidFill>
+                  <a:schemeClr val="tx1"/>
+                </a:solidFill>
+                <a:effectLst>
+                  <a:glow rad="38100">
+                    <a:schemeClr val="bg1">
+                      <a:lumMod val="50000"/>
+                      <a:lumOff val="50000"/>
+                      <a:alpha val="20000"/>
+                    </a:schemeClr>
+                  </a:glow>
+                  <a:outerShdw blurRad="44450" dist="12700" dir="13860000" algn="tl" rotWithShape="0">
+                    <a:srgbClr val="000000">
+                      <a:alpha val="20000"/>
+                    </a:srgbClr>
+                  </a:outerShdw>
+                </a:effectLst>
+                <a:latin typeface="+mn-lt"/>
+                <a:ea typeface="+mn-ea"/>
+                <a:cs typeface="+mn-cs"/>
+              </a:defRPr>
+            </a:lvl3pPr>
+            <a:lvl4pPr marL="1543050" indent="-171450" algn="l" defTabSz="457200" rtl="0" eaLnBrk="1" latinLnBrk="0" hangingPunct="1">
+              <a:spcBef>
+                <a:spcPct val="20000"/>
+              </a:spcBef>
+              <a:spcAft>
+                <a:spcPts val="600"/>
+              </a:spcAft>
+              <a:buClr>
+                <a:schemeClr val="accent1"/>
+              </a:buClr>
+              <a:buSzPct val="100000"/>
+              <a:buFont typeface="Arial"/>
+              <a:buChar char="•"/>
+              <a:defRPr sz="1200" kern="1200" cap="small">
+                <a:solidFill>
+                  <a:schemeClr val="tx1"/>
+                </a:solidFill>
+                <a:effectLst>
+                  <a:glow rad="38100">
+                    <a:schemeClr val="bg1">
+                      <a:lumMod val="50000"/>
+                      <a:lumOff val="50000"/>
+                      <a:alpha val="20000"/>
+                    </a:schemeClr>
+                  </a:glow>
+                  <a:outerShdw blurRad="44450" dist="12700" dir="13860000" algn="tl" rotWithShape="0">
+                    <a:srgbClr val="000000">
+                      <a:alpha val="20000"/>
+                    </a:srgbClr>
+                  </a:outerShdw>
+                </a:effectLst>
+                <a:latin typeface="+mn-lt"/>
+                <a:ea typeface="+mn-ea"/>
+                <a:cs typeface="+mn-cs"/>
+              </a:defRPr>
+            </a:lvl4pPr>
+            <a:lvl5pPr marL="2000250" indent="-171450" algn="l" defTabSz="457200" rtl="0" eaLnBrk="1" latinLnBrk="0" hangingPunct="1">
+              <a:spcBef>
+                <a:spcPct val="20000"/>
+              </a:spcBef>
+              <a:spcAft>
+                <a:spcPts val="600"/>
+              </a:spcAft>
+              <a:buClr>
+                <a:schemeClr val="accent1"/>
+              </a:buClr>
+              <a:buSzPct val="100000"/>
+              <a:buFont typeface="Arial"/>
+              <a:buChar char="•"/>
+              <a:defRPr sz="1200" kern="1200" cap="small">
+                <a:solidFill>
+                  <a:schemeClr val="tx1"/>
+                </a:solidFill>
+                <a:effectLst>
+                  <a:glow rad="38100">
+                    <a:schemeClr val="bg1">
+                      <a:lumMod val="50000"/>
+                      <a:lumOff val="50000"/>
+                      <a:alpha val="20000"/>
+                    </a:schemeClr>
+                  </a:glow>
+                  <a:outerShdw blurRad="44450" dist="12700" dir="13860000" algn="tl" rotWithShape="0">
+                    <a:srgbClr val="000000">
+                      <a:alpha val="20000"/>
+                    </a:srgbClr>
+                  </a:outerShdw>
+                </a:effectLst>
+                <a:latin typeface="+mn-lt"/>
+                <a:ea typeface="+mn-ea"/>
+                <a:cs typeface="+mn-cs"/>
+              </a:defRPr>
+            </a:lvl5pPr>
+            <a:lvl6pPr marL="2514600" indent="-228600" algn="l" defTabSz="457200" rtl="0" eaLnBrk="1" latinLnBrk="0" hangingPunct="1">
+              <a:spcBef>
+                <a:spcPct val="20000"/>
+              </a:spcBef>
+              <a:spcAft>
+                <a:spcPts val="600"/>
+              </a:spcAft>
+              <a:buClr>
+                <a:schemeClr val="accent1"/>
+              </a:buClr>
+              <a:buSzPct val="100000"/>
+              <a:buFont typeface="Arial"/>
+              <a:buChar char="•"/>
+              <a:defRPr sz="1200" kern="1200" cap="small">
+                <a:solidFill>
+                  <a:schemeClr val="tx1"/>
+                </a:solidFill>
+                <a:effectLst>
+                  <a:glow rad="38100">
+                    <a:schemeClr val="bg1">
+                      <a:lumMod val="50000"/>
+                      <a:lumOff val="50000"/>
+                      <a:alpha val="20000"/>
+                    </a:schemeClr>
+                  </a:glow>
+                  <a:outerShdw blurRad="44450" dist="12700" dir="13860000" algn="tl" rotWithShape="0">
+                    <a:srgbClr val="000000">
+                      <a:alpha val="20000"/>
+                    </a:srgbClr>
+                  </a:outerShdw>
+                </a:effectLst>
+                <a:latin typeface="+mn-lt"/>
+                <a:ea typeface="+mn-ea"/>
+                <a:cs typeface="+mn-cs"/>
+              </a:defRPr>
+            </a:lvl6pPr>
+            <a:lvl7pPr marL="2971800" indent="-228600" algn="l" defTabSz="457200" rtl="0" eaLnBrk="1" latinLnBrk="0" hangingPunct="1">
+              <a:spcBef>
+                <a:spcPct val="20000"/>
+              </a:spcBef>
+              <a:spcAft>
+                <a:spcPts val="600"/>
+              </a:spcAft>
+              <a:buClr>
+                <a:schemeClr val="accent1"/>
+              </a:buClr>
+              <a:buSzPct val="100000"/>
+              <a:buFont typeface="Arial"/>
+              <a:buChar char="•"/>
+              <a:defRPr sz="1200" kern="1200" cap="small">
+                <a:solidFill>
+                  <a:schemeClr val="tx1"/>
+                </a:solidFill>
+                <a:effectLst>
+                  <a:glow rad="38100">
+                    <a:schemeClr val="bg1">
+                      <a:lumMod val="50000"/>
+                      <a:lumOff val="50000"/>
+                      <a:alpha val="20000"/>
+                    </a:schemeClr>
+                  </a:glow>
+                  <a:outerShdw blurRad="44450" dist="12700" dir="13860000" algn="tl" rotWithShape="0">
+                    <a:srgbClr val="000000">
+                      <a:alpha val="20000"/>
+                    </a:srgbClr>
+                  </a:outerShdw>
+                </a:effectLst>
+                <a:latin typeface="+mn-lt"/>
+                <a:ea typeface="+mn-ea"/>
+                <a:cs typeface="+mn-cs"/>
+              </a:defRPr>
+            </a:lvl7pPr>
+            <a:lvl8pPr marL="3429000" indent="-228600" algn="l" defTabSz="457200" rtl="0" eaLnBrk="1" latinLnBrk="0" hangingPunct="1">
+              <a:spcBef>
+                <a:spcPct val="20000"/>
+              </a:spcBef>
+              <a:spcAft>
+                <a:spcPts val="600"/>
+              </a:spcAft>
+              <a:buClr>
+                <a:schemeClr val="accent1"/>
+              </a:buClr>
+              <a:buSzPct val="100000"/>
+              <a:buFont typeface="Arial"/>
+              <a:buChar char="•"/>
+              <a:defRPr sz="1200" kern="1200" cap="small">
+                <a:solidFill>
+                  <a:schemeClr val="tx1"/>
+                </a:solidFill>
+                <a:effectLst>
+                  <a:glow rad="38100">
+                    <a:schemeClr val="bg1">
+                      <a:lumMod val="50000"/>
+                      <a:lumOff val="50000"/>
+                      <a:alpha val="20000"/>
+                    </a:schemeClr>
+                  </a:glow>
+                  <a:outerShdw blurRad="44450" dist="12700" dir="13860000" algn="tl" rotWithShape="0">
+                    <a:srgbClr val="000000">
+                      <a:alpha val="20000"/>
+                    </a:srgbClr>
+                  </a:outerShdw>
+                </a:effectLst>
+                <a:latin typeface="+mn-lt"/>
+                <a:ea typeface="+mn-ea"/>
+                <a:cs typeface="+mn-cs"/>
+              </a:defRPr>
+            </a:lvl8pPr>
+            <a:lvl9pPr marL="3886200" indent="-228600" algn="l" defTabSz="457200" rtl="0" eaLnBrk="1" latinLnBrk="0" hangingPunct="1">
+              <a:spcBef>
+                <a:spcPct val="20000"/>
+              </a:spcBef>
+              <a:spcAft>
+                <a:spcPts val="600"/>
+              </a:spcAft>
+              <a:buClr>
+                <a:schemeClr val="accent1"/>
+              </a:buClr>
+              <a:buSzPct val="100000"/>
+              <a:buFont typeface="Arial"/>
+              <a:buChar char="•"/>
+              <a:defRPr sz="1200" kern="1200" cap="small">
+                <a:solidFill>
+                  <a:schemeClr val="tx1"/>
+                </a:solidFill>
+                <a:effectLst>
+                  <a:glow rad="38100">
+                    <a:schemeClr val="bg1">
+                      <a:lumMod val="50000"/>
+                      <a:lumOff val="50000"/>
+                      <a:alpha val="20000"/>
+                    </a:schemeClr>
+                  </a:glow>
+                  <a:outerShdw blurRad="44450" dist="12700" dir="13860000" algn="tl" rotWithShape="0">
+                    <a:srgbClr val="000000">
+                      <a:alpha val="20000"/>
+                    </a:srgbClr>
+                  </a:outerShdw>
+                </a:effectLst>
+                <a:latin typeface="+mn-lt"/>
+                <a:ea typeface="+mn-ea"/>
+                <a:cs typeface="+mn-cs"/>
+              </a:defRPr>
+            </a:lvl9pPr>
+          </a:lstStyle>
+          <a:p>
+            <a:pPr marL="0" indent="0">
+              <a:buFont typeface="Arial"/>
+              <a:buNone/>
+            </a:pPr>
+            <a:r>
+              <a:rPr lang="en-US" sz="2900" dirty="0"/>
+              <a:t>Questions Asked:</a:t>
+            </a:r>
+          </a:p>
+          <a:p>
+            <a:r>
+              <a:rPr lang="en-US" sz="2900" dirty="0"/>
+              <a:t>How  many employees work for these establishments?</a:t>
+            </a:r>
+          </a:p>
+          <a:p>
+            <a:r>
+              <a:rPr lang="en-US" sz="2900" dirty="0"/>
+              <a:t>How much money can you make Annually?</a:t>
+            </a:r>
+          </a:p>
+          <a:p>
+            <a:endParaRPr lang="en-US" dirty="0"/>
+          </a:p>
+        </p:txBody>
+      </p:sp>
+      <p:sp>
+        <p:nvSpPr>
+          <p:cNvPr id="15" name="Content Placeholder 3">
+            <a:extLst>
+              <a:ext uri="{FF2B5EF4-FFF2-40B4-BE49-F238E27FC236}">
+                <a16:creationId xmlns:a16="http://schemas.microsoft.com/office/drawing/2014/main" id="{EB6E3117-CF79-374A-91F5-BBF8FE64EB26}"/>
+              </a:ext>
+            </a:extLst>
+          </p:cNvPr>
+          <p:cNvSpPr txBox="1">
+            <a:spLocks/>
+          </p:cNvSpPr>
+          <p:nvPr/>
+        </p:nvSpPr>
+        <p:spPr>
+          <a:xfrm>
+            <a:off x="6703859" y="5430072"/>
+            <a:ext cx="4787793" cy="945573"/>
+          </a:xfrm>
+          <a:prstGeom prst="rect">
+            <a:avLst/>
+          </a:prstGeom>
+        </p:spPr>
+        <p:txBody>
+          <a:bodyPr vert="horz" lIns="91440" tIns="45720" rIns="91440" bIns="45720" rtlCol="0" anchor="t">
+            <a:normAutofit lnSpcReduction="10000"/>
+          </a:bodyPr>
+          <a:lstStyle>
+            <a:lvl1pPr marL="285750" indent="-285750" algn="l" defTabSz="457200" rtl="0" eaLnBrk="1" latinLnBrk="0" hangingPunct="1">
+              <a:spcBef>
+                <a:spcPct val="20000"/>
+              </a:spcBef>
+              <a:spcAft>
+                <a:spcPts val="600"/>
+              </a:spcAft>
+              <a:buClr>
+                <a:schemeClr val="accent1"/>
+              </a:buClr>
+              <a:buSzPct val="100000"/>
+              <a:buFont typeface="Arial"/>
+              <a:buChar char="•"/>
+              <a:defRPr sz="1800" kern="1200" cap="small">
+                <a:solidFill>
+                  <a:schemeClr val="tx1"/>
+                </a:solidFill>
+                <a:effectLst>
+                  <a:glow rad="38100">
+                    <a:schemeClr val="bg1">
+                      <a:lumMod val="50000"/>
+                      <a:lumOff val="50000"/>
+                      <a:alpha val="20000"/>
+                    </a:schemeClr>
+                  </a:glow>
+                  <a:outerShdw blurRad="44450" dist="12700" dir="13860000" algn="tl" rotWithShape="0">
+                    <a:srgbClr val="000000">
+                      <a:alpha val="20000"/>
+                    </a:srgbClr>
+                  </a:outerShdw>
+                </a:effectLst>
+                <a:latin typeface="+mn-lt"/>
+                <a:ea typeface="+mn-ea"/>
+                <a:cs typeface="+mn-cs"/>
+              </a:defRPr>
+            </a:lvl1pPr>
+            <a:lvl2pPr marL="742950" indent="-285750" algn="l" defTabSz="457200" rtl="0" eaLnBrk="1" latinLnBrk="0" hangingPunct="1">
+              <a:spcBef>
+                <a:spcPct val="20000"/>
+              </a:spcBef>
+              <a:spcAft>
+                <a:spcPts val="600"/>
+              </a:spcAft>
+              <a:buClr>
+                <a:schemeClr val="accent1"/>
+              </a:buClr>
+              <a:buSzPct val="100000"/>
+              <a:buFont typeface="Arial"/>
+              <a:buChar char="•"/>
+              <a:defRPr sz="1600" kern="1200" cap="small">
+                <a:solidFill>
+                  <a:schemeClr val="tx1"/>
+                </a:solidFill>
+                <a:effectLst>
+                  <a:glow rad="38100">
+                    <a:schemeClr val="bg1">
+                      <a:lumMod val="50000"/>
+                      <a:lumOff val="50000"/>
+                      <a:alpha val="20000"/>
+                    </a:schemeClr>
+                  </a:glow>
+                  <a:outerShdw blurRad="44450" dist="12700" dir="13860000" algn="tl" rotWithShape="0">
+                    <a:srgbClr val="000000">
+                      <a:alpha val="20000"/>
+                    </a:srgbClr>
+                  </a:outerShdw>
+                </a:effectLst>
+                <a:latin typeface="+mn-lt"/>
+                <a:ea typeface="+mn-ea"/>
+                <a:cs typeface="+mn-cs"/>
+              </a:defRPr>
+            </a:lvl2pPr>
+            <a:lvl3pPr marL="1200150" indent="-285750" algn="l" defTabSz="457200" rtl="0" eaLnBrk="1" latinLnBrk="0" hangingPunct="1">
+              <a:spcBef>
+                <a:spcPct val="20000"/>
+              </a:spcBef>
+              <a:spcAft>
+                <a:spcPts val="600"/>
+              </a:spcAft>
+              <a:buClr>
+                <a:schemeClr val="accent1"/>
+              </a:buClr>
+              <a:buSzPct val="100000"/>
+              <a:buFont typeface="Arial"/>
+              <a:buChar char="•"/>
+              <a:defRPr sz="1400" kern="1200" cap="small">
+                <a:solidFill>
+                  <a:schemeClr val="tx1"/>
+                </a:solidFill>
+                <a:effectLst>
+                  <a:glow rad="38100">
+                    <a:schemeClr val="bg1">
+                      <a:lumMod val="50000"/>
+                      <a:lumOff val="50000"/>
+                      <a:alpha val="20000"/>
+                    </a:schemeClr>
+                  </a:glow>
+                  <a:outerShdw blurRad="44450" dist="12700" dir="13860000" algn="tl" rotWithShape="0">
+                    <a:srgbClr val="000000">
+                      <a:alpha val="20000"/>
+                    </a:srgbClr>
+                  </a:outerShdw>
+                </a:effectLst>
+                <a:latin typeface="+mn-lt"/>
+                <a:ea typeface="+mn-ea"/>
+                <a:cs typeface="+mn-cs"/>
+              </a:defRPr>
+            </a:lvl3pPr>
+            <a:lvl4pPr marL="1543050" indent="-171450" algn="l" defTabSz="457200" rtl="0" eaLnBrk="1" latinLnBrk="0" hangingPunct="1">
+              <a:spcBef>
+                <a:spcPct val="20000"/>
+              </a:spcBef>
+              <a:spcAft>
+                <a:spcPts val="600"/>
+              </a:spcAft>
+              <a:buClr>
+                <a:schemeClr val="accent1"/>
+              </a:buClr>
+              <a:buSzPct val="100000"/>
+              <a:buFont typeface="Arial"/>
+              <a:buChar char="•"/>
+              <a:defRPr sz="1200" kern="1200" cap="small">
+                <a:solidFill>
+                  <a:schemeClr val="tx1"/>
+                </a:solidFill>
+                <a:effectLst>
+                  <a:glow rad="38100">
+                    <a:schemeClr val="bg1">
+                      <a:lumMod val="50000"/>
+                      <a:lumOff val="50000"/>
+                      <a:alpha val="20000"/>
+                    </a:schemeClr>
+                  </a:glow>
+                  <a:outerShdw blurRad="44450" dist="12700" dir="13860000" algn="tl" rotWithShape="0">
+                    <a:srgbClr val="000000">
+                      <a:alpha val="20000"/>
+                    </a:srgbClr>
+                  </a:outerShdw>
+                </a:effectLst>
+                <a:latin typeface="+mn-lt"/>
+                <a:ea typeface="+mn-ea"/>
+                <a:cs typeface="+mn-cs"/>
+              </a:defRPr>
+            </a:lvl4pPr>
+            <a:lvl5pPr marL="2000250" indent="-171450" algn="l" defTabSz="457200" rtl="0" eaLnBrk="1" latinLnBrk="0" hangingPunct="1">
+              <a:spcBef>
+                <a:spcPct val="20000"/>
+              </a:spcBef>
+              <a:spcAft>
+                <a:spcPts val="600"/>
+              </a:spcAft>
+              <a:buClr>
+                <a:schemeClr val="accent1"/>
+              </a:buClr>
+              <a:buSzPct val="100000"/>
+              <a:buFont typeface="Arial"/>
+              <a:buChar char="•"/>
+              <a:defRPr sz="1200" kern="1200" cap="small">
+                <a:solidFill>
+                  <a:schemeClr val="tx1"/>
+                </a:solidFill>
+                <a:effectLst>
+                  <a:glow rad="38100">
+                    <a:schemeClr val="bg1">
+                      <a:lumMod val="50000"/>
+                      <a:lumOff val="50000"/>
+                      <a:alpha val="20000"/>
+                    </a:schemeClr>
+                  </a:glow>
+                  <a:outerShdw blurRad="44450" dist="12700" dir="13860000" algn="tl" rotWithShape="0">
+                    <a:srgbClr val="000000">
+                      <a:alpha val="20000"/>
+                    </a:srgbClr>
+                  </a:outerShdw>
+                </a:effectLst>
+                <a:latin typeface="+mn-lt"/>
+                <a:ea typeface="+mn-ea"/>
+                <a:cs typeface="+mn-cs"/>
+              </a:defRPr>
+            </a:lvl5pPr>
+            <a:lvl6pPr marL="2514600" indent="-228600" algn="l" defTabSz="457200" rtl="0" eaLnBrk="1" latinLnBrk="0" hangingPunct="1">
+              <a:spcBef>
+                <a:spcPct val="20000"/>
+              </a:spcBef>
+              <a:spcAft>
+                <a:spcPts val="600"/>
+              </a:spcAft>
+              <a:buClr>
+                <a:schemeClr val="accent1"/>
+              </a:buClr>
+              <a:buSzPct val="100000"/>
+              <a:buFont typeface="Arial"/>
+              <a:buChar char="•"/>
+              <a:defRPr sz="1200" kern="1200" cap="small">
+                <a:solidFill>
+                  <a:schemeClr val="tx1"/>
+                </a:solidFill>
+                <a:effectLst>
+                  <a:glow rad="38100">
+                    <a:schemeClr val="bg1">
+                      <a:lumMod val="50000"/>
+                      <a:lumOff val="50000"/>
+                      <a:alpha val="20000"/>
+                    </a:schemeClr>
+                  </a:glow>
+                  <a:outerShdw blurRad="44450" dist="12700" dir="13860000" algn="tl" rotWithShape="0">
+                    <a:srgbClr val="000000">
+                      <a:alpha val="20000"/>
+                    </a:srgbClr>
+                  </a:outerShdw>
+                </a:effectLst>
+                <a:latin typeface="+mn-lt"/>
+                <a:ea typeface="+mn-ea"/>
+                <a:cs typeface="+mn-cs"/>
+              </a:defRPr>
+            </a:lvl6pPr>
+            <a:lvl7pPr marL="2971800" indent="-228600" algn="l" defTabSz="457200" rtl="0" eaLnBrk="1" latinLnBrk="0" hangingPunct="1">
+              <a:spcBef>
+                <a:spcPct val="20000"/>
+              </a:spcBef>
+              <a:spcAft>
+                <a:spcPts val="600"/>
+              </a:spcAft>
+              <a:buClr>
+                <a:schemeClr val="accent1"/>
+              </a:buClr>
+              <a:buSzPct val="100000"/>
+              <a:buFont typeface="Arial"/>
+              <a:buChar char="•"/>
+              <a:defRPr sz="1200" kern="1200" cap="small">
+                <a:solidFill>
+                  <a:schemeClr val="tx1"/>
+                </a:solidFill>
+                <a:effectLst>
+                  <a:glow rad="38100">
+                    <a:schemeClr val="bg1">
+                      <a:lumMod val="50000"/>
+                      <a:lumOff val="50000"/>
+                      <a:alpha val="20000"/>
+                    </a:schemeClr>
+                  </a:glow>
+                  <a:outerShdw blurRad="44450" dist="12700" dir="13860000" algn="tl" rotWithShape="0">
+                    <a:srgbClr val="000000">
+                      <a:alpha val="20000"/>
+                    </a:srgbClr>
+                  </a:outerShdw>
+                </a:effectLst>
+                <a:latin typeface="+mn-lt"/>
+                <a:ea typeface="+mn-ea"/>
+                <a:cs typeface="+mn-cs"/>
+              </a:defRPr>
+            </a:lvl7pPr>
+            <a:lvl8pPr marL="3429000" indent="-228600" algn="l" defTabSz="457200" rtl="0" eaLnBrk="1" latinLnBrk="0" hangingPunct="1">
+              <a:spcBef>
+                <a:spcPct val="20000"/>
+              </a:spcBef>
+              <a:spcAft>
+                <a:spcPts val="600"/>
+              </a:spcAft>
+              <a:buClr>
+                <a:schemeClr val="accent1"/>
+              </a:buClr>
+              <a:buSzPct val="100000"/>
+              <a:buFont typeface="Arial"/>
+              <a:buChar char="•"/>
+              <a:defRPr sz="1200" kern="1200" cap="small">
+                <a:solidFill>
+                  <a:schemeClr val="tx1"/>
+                </a:solidFill>
+                <a:effectLst>
+                  <a:glow rad="38100">
+                    <a:schemeClr val="bg1">
+                      <a:lumMod val="50000"/>
+                      <a:lumOff val="50000"/>
+                      <a:alpha val="20000"/>
+                    </a:schemeClr>
+                  </a:glow>
+                  <a:outerShdw blurRad="44450" dist="12700" dir="13860000" algn="tl" rotWithShape="0">
+                    <a:srgbClr val="000000">
+                      <a:alpha val="20000"/>
+                    </a:srgbClr>
+                  </a:outerShdw>
+                </a:effectLst>
+                <a:latin typeface="+mn-lt"/>
+                <a:ea typeface="+mn-ea"/>
+                <a:cs typeface="+mn-cs"/>
+              </a:defRPr>
+            </a:lvl8pPr>
+            <a:lvl9pPr marL="3886200" indent="-228600" algn="l" defTabSz="457200" rtl="0" eaLnBrk="1" latinLnBrk="0" hangingPunct="1">
+              <a:spcBef>
+                <a:spcPct val="20000"/>
+              </a:spcBef>
+              <a:spcAft>
+                <a:spcPts val="600"/>
+              </a:spcAft>
+              <a:buClr>
+                <a:schemeClr val="accent1"/>
+              </a:buClr>
+              <a:buSzPct val="100000"/>
+              <a:buFont typeface="Arial"/>
+              <a:buChar char="•"/>
+              <a:defRPr sz="1200" kern="1200" cap="small">
+                <a:solidFill>
+                  <a:schemeClr val="tx1"/>
+                </a:solidFill>
+                <a:effectLst>
+                  <a:glow rad="38100">
+                    <a:schemeClr val="bg1">
+                      <a:lumMod val="50000"/>
+                      <a:lumOff val="50000"/>
+                      <a:alpha val="20000"/>
+                    </a:schemeClr>
+                  </a:glow>
+                  <a:outerShdw blurRad="44450" dist="12700" dir="13860000" algn="tl" rotWithShape="0">
+                    <a:srgbClr val="000000">
+                      <a:alpha val="20000"/>
+                    </a:srgbClr>
+                  </a:outerShdw>
+                </a:effectLst>
+                <a:latin typeface="+mn-lt"/>
+                <a:ea typeface="+mn-ea"/>
+                <a:cs typeface="+mn-cs"/>
+              </a:defRPr>
+            </a:lvl9pPr>
+          </a:lstStyle>
+          <a:p>
+            <a:pPr marL="0" indent="0">
+              <a:buFont typeface="Arial"/>
+              <a:buNone/>
+            </a:pPr>
+            <a:r>
+              <a:rPr lang="en-US" sz="1500" dirty="0"/>
+              <a:t>Insight:</a:t>
+            </a:r>
+          </a:p>
+          <a:p>
+            <a:r>
+              <a:rPr lang="en-US" sz="1500" dirty="0"/>
+              <a:t>Above data suggests less competition with better wages in Dallas over San Diego.</a:t>
+            </a:r>
+          </a:p>
+          <a:p>
+            <a:endParaRPr lang="en-US" dirty="0"/>
+          </a:p>
+        </p:txBody>
+      </p:sp>
+      <p:sp>
+        <p:nvSpPr>
+          <p:cNvPr id="17" name="TextBox 16">
+            <a:extLst>
+              <a:ext uri="{FF2B5EF4-FFF2-40B4-BE49-F238E27FC236}">
+                <a16:creationId xmlns:a16="http://schemas.microsoft.com/office/drawing/2014/main" id="{E4C72FDC-8A2E-524A-847E-28DC25695F20}"/>
+              </a:ext>
+            </a:extLst>
+          </p:cNvPr>
+          <p:cNvSpPr txBox="1"/>
+          <p:nvPr/>
+        </p:nvSpPr>
+        <p:spPr>
+          <a:xfrm>
+            <a:off x="7405816" y="6414071"/>
+            <a:ext cx="4709984" cy="276999"/>
+          </a:xfrm>
+          <a:prstGeom prst="rect">
+            <a:avLst/>
+          </a:prstGeom>
+          <a:noFill/>
+        </p:spPr>
+        <p:txBody>
+          <a:bodyPr wrap="square" rtlCol="0">
+            <a:spAutoFit/>
+          </a:bodyPr>
+          <a:lstStyle/>
+          <a:p>
+            <a:r>
+              <a:rPr lang="en-US" sz="1200" i="1" dirty="0"/>
+              <a:t>source:   https://</a:t>
+            </a:r>
+            <a:r>
+              <a:rPr lang="en-US" sz="1200" i="1" dirty="0" err="1"/>
+              <a:t>crashviewer.nhtsa.dot.gov</a:t>
+            </a:r>
+            <a:endParaRPr lang="en-US" sz="1200" i="1" dirty="0"/>
+          </a:p>
+        </p:txBody>
+      </p:sp>
+    </p:spTree>
+    <p:extLst>
+      <p:ext uri="{BB962C8B-B14F-4D97-AF65-F5344CB8AC3E}">
+        <p14:creationId xmlns:p14="http://schemas.microsoft.com/office/powerpoint/2010/main" val="3747629128"/>
+      </p:ext>
+    </p:extLst>
+  </p:cSld>
+  <p:clrMapOvr>
+    <a:masterClrMapping/>
+  </p:clrMapOvr>
+</p:sld>
+</file>
+
+<file path=ppt/slides/slide7.xml><?xml version="1.0" encoding="utf-8"?>
+<p:sld xmlns:a="http://schemas.openxmlformats.org/drawingml/2006/main" xmlns:r="http://schemas.openxmlformats.org/officeDocument/2006/relationships" xmlns:p="http://schemas.openxmlformats.org/presentationml/2006/main">
+  <p:cSld>
+    <p:bg>
+      <p:bgPr>
+        <a:blipFill rotWithShape="1">
+          <a:blip r:embed="rId2">
+            <a:duotone>
+              <a:schemeClr val="bg2">
+                <a:shade val="28000"/>
+                <a:satMod val="94000"/>
+                <a:lumMod val="20000"/>
+              </a:schemeClr>
+              <a:schemeClr val="bg2">
+                <a:tint val="94000"/>
+                <a:shade val="84000"/>
+                <a:satMod val="148000"/>
+                <a:lumMod val="114000"/>
+              </a:schemeClr>
+            </a:duotone>
+            <a:extLst/>
+          </a:blip>
+          <a:stretch/>
+        </a:blipFill>
+        <a:effectLst/>
+      </p:bgPr>
+    </p:bg>
+    <p:spTree>
+      <p:nvGrpSpPr>
+        <p:cNvPr id="1" name=""/>
+        <p:cNvGrpSpPr/>
+        <p:nvPr/>
+      </p:nvGrpSpPr>
+      <p:grpSpPr>
+        <a:xfrm>
+          <a:off x="0" y="0"/>
+          <a:ext cx="0" cy="0"/>
+          <a:chOff x="0" y="0"/>
+          <a:chExt cx="0" cy="0"/>
+        </a:xfrm>
+      </p:grpSpPr>
+      <p:sp>
+        <p:nvSpPr>
+          <p:cNvPr id="2" name="Title 1">
+            <a:extLst>
+              <a:ext uri="{FF2B5EF4-FFF2-40B4-BE49-F238E27FC236}">
+                <a16:creationId xmlns:a16="http://schemas.microsoft.com/office/drawing/2014/main" id="{D1C2A00E-7D49-6B47-B595-C08AE0AE6343}"/>
+              </a:ext>
+            </a:extLst>
+          </p:cNvPr>
+          <p:cNvSpPr>
+            <a:spLocks noGrp="1"/>
+          </p:cNvSpPr>
+          <p:nvPr>
+            <p:ph type="title"/>
+          </p:nvPr>
+        </p:nvSpPr>
+        <p:spPr>
+          <a:xfrm>
+            <a:off x="988630" y="4363271"/>
+            <a:ext cx="10200986" cy="1066801"/>
+          </a:xfrm>
+        </p:spPr>
+        <p:txBody>
+          <a:bodyPr vert="horz" lIns="91440" tIns="45720" rIns="91440" bIns="45720" rtlCol="0" anchor="b">
+            <a:normAutofit/>
+          </a:bodyPr>
+          <a:lstStyle/>
+          <a:p>
+            <a:pPr algn="ctr"/>
+            <a:r>
+              <a:rPr lang="en-US" sz="4800" dirty="0">
+                <a:effectLst>
+                  <a:glow rad="38100">
+                    <a:schemeClr val="bg1">
+                      <a:lumMod val="65000"/>
+                      <a:lumOff val="35000"/>
+                      <a:alpha val="50000"/>
+                    </a:schemeClr>
+                  </a:glow>
+                  <a:outerShdw blurRad="28575" dist="31750" dir="13200000" algn="tl" rotWithShape="0">
+                    <a:srgbClr val="000000">
+                      <a:alpha val="25000"/>
+                    </a:srgbClr>
+                  </a:outerShdw>
+                </a:effectLst>
+              </a:rPr>
+              <a:t>Safety</a:t>
+            </a:r>
+          </a:p>
+        </p:txBody>
+      </p:sp>
+      <p:pic>
+        <p:nvPicPr>
+          <p:cNvPr id="6" name="Content Placeholder 5">
+            <a:extLst>
+              <a:ext uri="{FF2B5EF4-FFF2-40B4-BE49-F238E27FC236}">
+                <a16:creationId xmlns:a16="http://schemas.microsoft.com/office/drawing/2014/main" id="{DED58C36-FC71-9F4D-9FFA-4198080B7393}"/>
+              </a:ext>
+            </a:extLst>
+          </p:cNvPr>
+          <p:cNvPicPr>
+            <a:picLocks noGrp="1" noChangeAspect="1"/>
+          </p:cNvPicPr>
+          <p:nvPr>
+            <p:ph sz="half" idx="2"/>
+          </p:nvPr>
+        </p:nvPicPr>
+        <p:blipFill>
+          <a:blip r:embed="rId3"/>
+          <a:stretch>
+            <a:fillRect/>
+          </a:stretch>
+        </p:blipFill>
+        <p:spPr>
+          <a:xfrm>
+            <a:off x="248757" y="419100"/>
+            <a:ext cx="5604927" cy="3362956"/>
+          </a:xfrm>
+          <a:prstGeom prst="rect">
+            <a:avLst/>
+          </a:prstGeom>
+          <a:effectLst/>
+        </p:spPr>
+      </p:pic>
+      <p:sp>
+        <p:nvSpPr>
+          <p:cNvPr id="7" name="Content Placeholder 3">
+            <a:extLst>
+              <a:ext uri="{FF2B5EF4-FFF2-40B4-BE49-F238E27FC236}">
+                <a16:creationId xmlns:a16="http://schemas.microsoft.com/office/drawing/2014/main" id="{CC4BAD22-965D-5F41-938A-9F60F12F6345}"/>
+              </a:ext>
+            </a:extLst>
+          </p:cNvPr>
+          <p:cNvSpPr txBox="1">
+            <a:spLocks/>
+          </p:cNvSpPr>
+          <p:nvPr/>
+        </p:nvSpPr>
+        <p:spPr>
+          <a:xfrm>
+            <a:off x="248757" y="5430071"/>
+            <a:ext cx="5604928" cy="945573"/>
+          </a:xfrm>
+          <a:prstGeom prst="rect">
+            <a:avLst/>
+          </a:prstGeom>
+        </p:spPr>
+        <p:txBody>
+          <a:bodyPr vert="horz" lIns="91440" tIns="45720" rIns="91440" bIns="45720" rtlCol="0" anchor="t">
+            <a:normAutofit fontScale="92500"/>
+          </a:bodyPr>
+          <a:lstStyle>
+            <a:lvl1pPr marL="285750" indent="-285750" algn="l" defTabSz="457200" rtl="0" eaLnBrk="1" latinLnBrk="0" hangingPunct="1">
+              <a:spcBef>
+                <a:spcPct val="20000"/>
+              </a:spcBef>
+              <a:spcAft>
+                <a:spcPts val="600"/>
+              </a:spcAft>
+              <a:buClr>
+                <a:schemeClr val="accent1"/>
+              </a:buClr>
+              <a:buSzPct val="100000"/>
+              <a:buFont typeface="Arial"/>
+              <a:buChar char="•"/>
+              <a:defRPr sz="1800" kern="1200" cap="small">
+                <a:solidFill>
+                  <a:schemeClr val="tx1"/>
+                </a:solidFill>
+                <a:effectLst>
+                  <a:glow rad="38100">
+                    <a:schemeClr val="bg1">
+                      <a:lumMod val="50000"/>
+                      <a:lumOff val="50000"/>
+                      <a:alpha val="20000"/>
+                    </a:schemeClr>
+                  </a:glow>
+                  <a:outerShdw blurRad="44450" dist="12700" dir="13860000" algn="tl" rotWithShape="0">
+                    <a:srgbClr val="000000">
+                      <a:alpha val="20000"/>
+                    </a:srgbClr>
+                  </a:outerShdw>
+                </a:effectLst>
+                <a:latin typeface="+mn-lt"/>
+                <a:ea typeface="+mn-ea"/>
+                <a:cs typeface="+mn-cs"/>
+              </a:defRPr>
+            </a:lvl1pPr>
+            <a:lvl2pPr marL="742950" indent="-285750" algn="l" defTabSz="457200" rtl="0" eaLnBrk="1" latinLnBrk="0" hangingPunct="1">
+              <a:spcBef>
+                <a:spcPct val="20000"/>
+              </a:spcBef>
+              <a:spcAft>
+                <a:spcPts val="600"/>
+              </a:spcAft>
+              <a:buClr>
+                <a:schemeClr val="accent1"/>
+              </a:buClr>
+              <a:buSzPct val="100000"/>
+              <a:buFont typeface="Arial"/>
+              <a:buChar char="•"/>
+              <a:defRPr sz="1600" kern="1200" cap="small">
+                <a:solidFill>
+                  <a:schemeClr val="tx1"/>
+                </a:solidFill>
+                <a:effectLst>
+                  <a:glow rad="38100">
+                    <a:schemeClr val="bg1">
+                      <a:lumMod val="50000"/>
+                      <a:lumOff val="50000"/>
+                      <a:alpha val="20000"/>
+                    </a:schemeClr>
+                  </a:glow>
+                  <a:outerShdw blurRad="44450" dist="12700" dir="13860000" algn="tl" rotWithShape="0">
+                    <a:srgbClr val="000000">
+                      <a:alpha val="20000"/>
+                    </a:srgbClr>
+                  </a:outerShdw>
+                </a:effectLst>
+                <a:latin typeface="+mn-lt"/>
+                <a:ea typeface="+mn-ea"/>
+                <a:cs typeface="+mn-cs"/>
+              </a:defRPr>
+            </a:lvl2pPr>
+            <a:lvl3pPr marL="1200150" indent="-285750" algn="l" defTabSz="457200" rtl="0" eaLnBrk="1" latinLnBrk="0" hangingPunct="1">
+              <a:spcBef>
+                <a:spcPct val="20000"/>
+              </a:spcBef>
+              <a:spcAft>
+                <a:spcPts val="600"/>
+              </a:spcAft>
+              <a:buClr>
+                <a:schemeClr val="accent1"/>
+              </a:buClr>
+              <a:buSzPct val="100000"/>
+              <a:buFont typeface="Arial"/>
+              <a:buChar char="•"/>
+              <a:defRPr sz="1400" kern="1200" cap="small">
+                <a:solidFill>
+                  <a:schemeClr val="tx1"/>
+                </a:solidFill>
+                <a:effectLst>
+                  <a:glow rad="38100">
+                    <a:schemeClr val="bg1">
+                      <a:lumMod val="50000"/>
+                      <a:lumOff val="50000"/>
+                      <a:alpha val="20000"/>
+                    </a:schemeClr>
+                  </a:glow>
+                  <a:outerShdw blurRad="44450" dist="12700" dir="13860000" algn="tl" rotWithShape="0">
+                    <a:srgbClr val="000000">
+                      <a:alpha val="20000"/>
+                    </a:srgbClr>
+                  </a:outerShdw>
+                </a:effectLst>
+                <a:latin typeface="+mn-lt"/>
+                <a:ea typeface="+mn-ea"/>
+                <a:cs typeface="+mn-cs"/>
+              </a:defRPr>
+            </a:lvl3pPr>
+            <a:lvl4pPr marL="1543050" indent="-171450" algn="l" defTabSz="457200" rtl="0" eaLnBrk="1" latinLnBrk="0" hangingPunct="1">
+              <a:spcBef>
+                <a:spcPct val="20000"/>
+              </a:spcBef>
+              <a:spcAft>
+                <a:spcPts val="600"/>
+              </a:spcAft>
+              <a:buClr>
+                <a:schemeClr val="accent1"/>
+              </a:buClr>
+              <a:buSzPct val="100000"/>
+              <a:buFont typeface="Arial"/>
+              <a:buChar char="•"/>
+              <a:defRPr sz="1200" kern="1200" cap="small">
+                <a:solidFill>
+                  <a:schemeClr val="tx1"/>
+                </a:solidFill>
+                <a:effectLst>
+                  <a:glow rad="38100">
+                    <a:schemeClr val="bg1">
+                      <a:lumMod val="50000"/>
+                      <a:lumOff val="50000"/>
+                      <a:alpha val="20000"/>
+                    </a:schemeClr>
+                  </a:glow>
+                  <a:outerShdw blurRad="44450" dist="12700" dir="13860000" algn="tl" rotWithShape="0">
+                    <a:srgbClr val="000000">
+                      <a:alpha val="20000"/>
+                    </a:srgbClr>
+                  </a:outerShdw>
+                </a:effectLst>
+                <a:latin typeface="+mn-lt"/>
+                <a:ea typeface="+mn-ea"/>
+                <a:cs typeface="+mn-cs"/>
+              </a:defRPr>
+            </a:lvl4pPr>
+            <a:lvl5pPr marL="2000250" indent="-171450" algn="l" defTabSz="457200" rtl="0" eaLnBrk="1" latinLnBrk="0" hangingPunct="1">
+              <a:spcBef>
+                <a:spcPct val="20000"/>
+              </a:spcBef>
+              <a:spcAft>
+                <a:spcPts val="600"/>
+              </a:spcAft>
+              <a:buClr>
+                <a:schemeClr val="accent1"/>
+              </a:buClr>
+              <a:buSzPct val="100000"/>
+              <a:buFont typeface="Arial"/>
+              <a:buChar char="•"/>
+              <a:defRPr sz="1200" kern="1200" cap="small">
+                <a:solidFill>
+                  <a:schemeClr val="tx1"/>
+                </a:solidFill>
+                <a:effectLst>
+                  <a:glow rad="38100">
+                    <a:schemeClr val="bg1">
+                      <a:lumMod val="50000"/>
+                      <a:lumOff val="50000"/>
+                      <a:alpha val="20000"/>
+                    </a:schemeClr>
+                  </a:glow>
+                  <a:outerShdw blurRad="44450" dist="12700" dir="13860000" algn="tl" rotWithShape="0">
+                    <a:srgbClr val="000000">
+                      <a:alpha val="20000"/>
+                    </a:srgbClr>
+                  </a:outerShdw>
+                </a:effectLst>
+                <a:latin typeface="+mn-lt"/>
+                <a:ea typeface="+mn-ea"/>
+                <a:cs typeface="+mn-cs"/>
+              </a:defRPr>
+            </a:lvl5pPr>
+            <a:lvl6pPr marL="2514600" indent="-228600" algn="l" defTabSz="457200" rtl="0" eaLnBrk="1" latinLnBrk="0" hangingPunct="1">
+              <a:spcBef>
+                <a:spcPct val="20000"/>
+              </a:spcBef>
+              <a:spcAft>
+                <a:spcPts val="600"/>
+              </a:spcAft>
+              <a:buClr>
+                <a:schemeClr val="accent1"/>
+              </a:buClr>
+              <a:buSzPct val="100000"/>
+              <a:buFont typeface="Arial"/>
+              <a:buChar char="•"/>
+              <a:defRPr sz="1200" kern="1200" cap="small">
+                <a:solidFill>
+                  <a:schemeClr val="tx1"/>
+                </a:solidFill>
+                <a:effectLst>
+                  <a:glow rad="38100">
+                    <a:schemeClr val="bg1">
+                      <a:lumMod val="50000"/>
+                      <a:lumOff val="50000"/>
+                      <a:alpha val="20000"/>
+                    </a:schemeClr>
+                  </a:glow>
+                  <a:outerShdw blurRad="44450" dist="12700" dir="13860000" algn="tl" rotWithShape="0">
+                    <a:srgbClr val="000000">
+                      <a:alpha val="20000"/>
+                    </a:srgbClr>
+                  </a:outerShdw>
+                </a:effectLst>
+                <a:latin typeface="+mn-lt"/>
+                <a:ea typeface="+mn-ea"/>
+                <a:cs typeface="+mn-cs"/>
+              </a:defRPr>
+            </a:lvl6pPr>
+            <a:lvl7pPr marL="2971800" indent="-228600" algn="l" defTabSz="457200" rtl="0" eaLnBrk="1" latinLnBrk="0" hangingPunct="1">
+              <a:spcBef>
+                <a:spcPct val="20000"/>
+              </a:spcBef>
+              <a:spcAft>
+                <a:spcPts val="600"/>
+              </a:spcAft>
+              <a:buClr>
+                <a:schemeClr val="accent1"/>
+              </a:buClr>
+              <a:buSzPct val="100000"/>
+              <a:buFont typeface="Arial"/>
+              <a:buChar char="•"/>
+              <a:defRPr sz="1200" kern="1200" cap="small">
+                <a:solidFill>
+                  <a:schemeClr val="tx1"/>
+                </a:solidFill>
+                <a:effectLst>
+                  <a:glow rad="38100">
+                    <a:schemeClr val="bg1">
+                      <a:lumMod val="50000"/>
+                      <a:lumOff val="50000"/>
+                      <a:alpha val="20000"/>
+                    </a:schemeClr>
+                  </a:glow>
+                  <a:outerShdw blurRad="44450" dist="12700" dir="13860000" algn="tl" rotWithShape="0">
+                    <a:srgbClr val="000000">
+                      <a:alpha val="20000"/>
+                    </a:srgbClr>
+                  </a:outerShdw>
+                </a:effectLst>
+                <a:latin typeface="+mn-lt"/>
+                <a:ea typeface="+mn-ea"/>
+                <a:cs typeface="+mn-cs"/>
+              </a:defRPr>
+            </a:lvl7pPr>
+            <a:lvl8pPr marL="3429000" indent="-228600" algn="l" defTabSz="457200" rtl="0" eaLnBrk="1" latinLnBrk="0" hangingPunct="1">
+              <a:spcBef>
+                <a:spcPct val="20000"/>
+              </a:spcBef>
+              <a:spcAft>
+                <a:spcPts val="600"/>
+              </a:spcAft>
+              <a:buClr>
+                <a:schemeClr val="accent1"/>
+              </a:buClr>
+              <a:buSzPct val="100000"/>
+              <a:buFont typeface="Arial"/>
+              <a:buChar char="•"/>
+              <a:defRPr sz="1200" kern="1200" cap="small">
+                <a:solidFill>
+                  <a:schemeClr val="tx1"/>
+                </a:solidFill>
+                <a:effectLst>
+                  <a:glow rad="38100">
+                    <a:schemeClr val="bg1">
+                      <a:lumMod val="50000"/>
+                      <a:lumOff val="50000"/>
+                      <a:alpha val="20000"/>
+                    </a:schemeClr>
+                  </a:glow>
+                  <a:outerShdw blurRad="44450" dist="12700" dir="13860000" algn="tl" rotWithShape="0">
+                    <a:srgbClr val="000000">
+                      <a:alpha val="20000"/>
+                    </a:srgbClr>
+                  </a:outerShdw>
+                </a:effectLst>
+                <a:latin typeface="+mn-lt"/>
+                <a:ea typeface="+mn-ea"/>
+                <a:cs typeface="+mn-cs"/>
+              </a:defRPr>
+            </a:lvl8pPr>
+            <a:lvl9pPr marL="3886200" indent="-228600" algn="l" defTabSz="457200" rtl="0" eaLnBrk="1" latinLnBrk="0" hangingPunct="1">
+              <a:spcBef>
+                <a:spcPct val="20000"/>
+              </a:spcBef>
+              <a:spcAft>
+                <a:spcPts val="600"/>
+              </a:spcAft>
+              <a:buClr>
+                <a:schemeClr val="accent1"/>
+              </a:buClr>
+              <a:buSzPct val="100000"/>
+              <a:buFont typeface="Arial"/>
+              <a:buChar char="•"/>
+              <a:defRPr sz="1200" kern="1200" cap="small">
+                <a:solidFill>
+                  <a:schemeClr val="tx1"/>
+                </a:solidFill>
+                <a:effectLst>
+                  <a:glow rad="38100">
+                    <a:schemeClr val="bg1">
+                      <a:lumMod val="50000"/>
+                      <a:lumOff val="50000"/>
+                      <a:alpha val="20000"/>
+                    </a:schemeClr>
+                  </a:glow>
+                  <a:outerShdw blurRad="44450" dist="12700" dir="13860000" algn="tl" rotWithShape="0">
+                    <a:srgbClr val="000000">
+                      <a:alpha val="20000"/>
+                    </a:srgbClr>
+                  </a:outerShdw>
+                </a:effectLst>
+                <a:latin typeface="+mn-lt"/>
+                <a:ea typeface="+mn-ea"/>
+                <a:cs typeface="+mn-cs"/>
+              </a:defRPr>
+            </a:lvl9pPr>
+          </a:lstStyle>
+          <a:p>
+            <a:pPr marL="0" indent="0">
+              <a:buFont typeface="Arial"/>
+              <a:buNone/>
+            </a:pPr>
+            <a:r>
+              <a:rPr lang="en-US" dirty="0"/>
+              <a:t>Question Asked:</a:t>
+            </a:r>
+          </a:p>
+          <a:p>
+            <a:r>
+              <a:rPr lang="en-US" sz="1700" dirty="0">
+                <a:effectLst/>
+              </a:rPr>
+              <a:t>How safe is it to drive a car in San Diego or Dallas?</a:t>
+            </a:r>
+          </a:p>
+          <a:p>
+            <a:endParaRPr lang="en-US" dirty="0"/>
+          </a:p>
+        </p:txBody>
+      </p:sp>
+      <p:sp>
+        <p:nvSpPr>
+          <p:cNvPr id="8" name="Content Placeholder 3">
+            <a:extLst>
+              <a:ext uri="{FF2B5EF4-FFF2-40B4-BE49-F238E27FC236}">
+                <a16:creationId xmlns:a16="http://schemas.microsoft.com/office/drawing/2014/main" id="{409994BD-6565-344A-9A17-0882F1CE1F67}"/>
+              </a:ext>
+            </a:extLst>
+          </p:cNvPr>
+          <p:cNvSpPr txBox="1">
+            <a:spLocks/>
+          </p:cNvSpPr>
+          <p:nvPr/>
+        </p:nvSpPr>
+        <p:spPr>
+          <a:xfrm>
+            <a:off x="6324563" y="5430071"/>
+            <a:ext cx="5604926" cy="945573"/>
+          </a:xfrm>
+          <a:prstGeom prst="rect">
+            <a:avLst/>
+          </a:prstGeom>
+        </p:spPr>
+        <p:txBody>
+          <a:bodyPr vert="horz" lIns="91440" tIns="45720" rIns="91440" bIns="45720" rtlCol="0" anchor="t">
+            <a:normAutofit fontScale="92500" lnSpcReduction="20000"/>
+          </a:bodyPr>
+          <a:lstStyle>
+            <a:lvl1pPr marL="285750" indent="-285750" algn="l" defTabSz="457200" rtl="0" eaLnBrk="1" latinLnBrk="0" hangingPunct="1">
+              <a:spcBef>
+                <a:spcPct val="20000"/>
+              </a:spcBef>
+              <a:spcAft>
+                <a:spcPts val="600"/>
+              </a:spcAft>
+              <a:buClr>
+                <a:schemeClr val="accent1"/>
+              </a:buClr>
+              <a:buSzPct val="100000"/>
+              <a:buFont typeface="Arial"/>
+              <a:buChar char="•"/>
+              <a:defRPr sz="1800" kern="1200" cap="small">
+                <a:solidFill>
+                  <a:schemeClr val="tx1"/>
+                </a:solidFill>
+                <a:effectLst>
+                  <a:glow rad="38100">
+                    <a:schemeClr val="bg1">
+                      <a:lumMod val="50000"/>
+                      <a:lumOff val="50000"/>
+                      <a:alpha val="20000"/>
+                    </a:schemeClr>
+                  </a:glow>
+                  <a:outerShdw blurRad="44450" dist="12700" dir="13860000" algn="tl" rotWithShape="0">
+                    <a:srgbClr val="000000">
+                      <a:alpha val="20000"/>
+                    </a:srgbClr>
+                  </a:outerShdw>
+                </a:effectLst>
+                <a:latin typeface="+mn-lt"/>
+                <a:ea typeface="+mn-ea"/>
+                <a:cs typeface="+mn-cs"/>
+              </a:defRPr>
+            </a:lvl1pPr>
+            <a:lvl2pPr marL="742950" indent="-285750" algn="l" defTabSz="457200" rtl="0" eaLnBrk="1" latinLnBrk="0" hangingPunct="1">
+              <a:spcBef>
+                <a:spcPct val="20000"/>
+              </a:spcBef>
+              <a:spcAft>
+                <a:spcPts val="600"/>
+              </a:spcAft>
+              <a:buClr>
+                <a:schemeClr val="accent1"/>
+              </a:buClr>
+              <a:buSzPct val="100000"/>
+              <a:buFont typeface="Arial"/>
+              <a:buChar char="•"/>
+              <a:defRPr sz="1600" kern="1200" cap="small">
+                <a:solidFill>
+                  <a:schemeClr val="tx1"/>
+                </a:solidFill>
+                <a:effectLst>
+                  <a:glow rad="38100">
+                    <a:schemeClr val="bg1">
+                      <a:lumMod val="50000"/>
+                      <a:lumOff val="50000"/>
+                      <a:alpha val="20000"/>
+                    </a:schemeClr>
+                  </a:glow>
+                  <a:outerShdw blurRad="44450" dist="12700" dir="13860000" algn="tl" rotWithShape="0">
+                    <a:srgbClr val="000000">
+                      <a:alpha val="20000"/>
+                    </a:srgbClr>
+                  </a:outerShdw>
+                </a:effectLst>
+                <a:latin typeface="+mn-lt"/>
+                <a:ea typeface="+mn-ea"/>
+                <a:cs typeface="+mn-cs"/>
+              </a:defRPr>
+            </a:lvl2pPr>
+            <a:lvl3pPr marL="1200150" indent="-285750" algn="l" defTabSz="457200" rtl="0" eaLnBrk="1" latinLnBrk="0" hangingPunct="1">
+              <a:spcBef>
+                <a:spcPct val="20000"/>
+              </a:spcBef>
+              <a:spcAft>
+                <a:spcPts val="600"/>
+              </a:spcAft>
+              <a:buClr>
+                <a:schemeClr val="accent1"/>
+              </a:buClr>
+              <a:buSzPct val="100000"/>
+              <a:buFont typeface="Arial"/>
+              <a:buChar char="•"/>
+              <a:defRPr sz="1400" kern="1200" cap="small">
+                <a:solidFill>
+                  <a:schemeClr val="tx1"/>
+                </a:solidFill>
+                <a:effectLst>
+                  <a:glow rad="38100">
+                    <a:schemeClr val="bg1">
+                      <a:lumMod val="50000"/>
+                      <a:lumOff val="50000"/>
+                      <a:alpha val="20000"/>
+                    </a:schemeClr>
+                  </a:glow>
+                  <a:outerShdw blurRad="44450" dist="12700" dir="13860000" algn="tl" rotWithShape="0">
+                    <a:srgbClr val="000000">
+                      <a:alpha val="20000"/>
+                    </a:srgbClr>
+                  </a:outerShdw>
+                </a:effectLst>
+                <a:latin typeface="+mn-lt"/>
+                <a:ea typeface="+mn-ea"/>
+                <a:cs typeface="+mn-cs"/>
+              </a:defRPr>
+            </a:lvl3pPr>
+            <a:lvl4pPr marL="1543050" indent="-171450" algn="l" defTabSz="457200" rtl="0" eaLnBrk="1" latinLnBrk="0" hangingPunct="1">
+              <a:spcBef>
+                <a:spcPct val="20000"/>
+              </a:spcBef>
+              <a:spcAft>
+                <a:spcPts val="600"/>
+              </a:spcAft>
+              <a:buClr>
+                <a:schemeClr val="accent1"/>
+              </a:buClr>
+              <a:buSzPct val="100000"/>
+              <a:buFont typeface="Arial"/>
+              <a:buChar char="•"/>
+              <a:defRPr sz="1200" kern="1200" cap="small">
+                <a:solidFill>
+                  <a:schemeClr val="tx1"/>
+                </a:solidFill>
+                <a:effectLst>
+                  <a:glow rad="38100">
+                    <a:schemeClr val="bg1">
+                      <a:lumMod val="50000"/>
+                      <a:lumOff val="50000"/>
+                      <a:alpha val="20000"/>
+                    </a:schemeClr>
+                  </a:glow>
+                  <a:outerShdw blurRad="44450" dist="12700" dir="13860000" algn="tl" rotWithShape="0">
+                    <a:srgbClr val="000000">
+                      <a:alpha val="20000"/>
+                    </a:srgbClr>
+                  </a:outerShdw>
+                </a:effectLst>
+                <a:latin typeface="+mn-lt"/>
+                <a:ea typeface="+mn-ea"/>
+                <a:cs typeface="+mn-cs"/>
+              </a:defRPr>
+            </a:lvl4pPr>
+            <a:lvl5pPr marL="2000250" indent="-171450" algn="l" defTabSz="457200" rtl="0" eaLnBrk="1" latinLnBrk="0" hangingPunct="1">
+              <a:spcBef>
+                <a:spcPct val="20000"/>
+              </a:spcBef>
+              <a:spcAft>
+                <a:spcPts val="600"/>
+              </a:spcAft>
+              <a:buClr>
+                <a:schemeClr val="accent1"/>
+              </a:buClr>
+              <a:buSzPct val="100000"/>
+              <a:buFont typeface="Arial"/>
+              <a:buChar char="•"/>
+              <a:defRPr sz="1200" kern="1200" cap="small">
+                <a:solidFill>
+                  <a:schemeClr val="tx1"/>
+                </a:solidFill>
+                <a:effectLst>
+                  <a:glow rad="38100">
+                    <a:schemeClr val="bg1">
+                      <a:lumMod val="50000"/>
+                      <a:lumOff val="50000"/>
+                      <a:alpha val="20000"/>
+                    </a:schemeClr>
+                  </a:glow>
+                  <a:outerShdw blurRad="44450" dist="12700" dir="13860000" algn="tl" rotWithShape="0">
+                    <a:srgbClr val="000000">
+                      <a:alpha val="20000"/>
+                    </a:srgbClr>
+                  </a:outerShdw>
+                </a:effectLst>
+                <a:latin typeface="+mn-lt"/>
+                <a:ea typeface="+mn-ea"/>
+                <a:cs typeface="+mn-cs"/>
+              </a:defRPr>
+            </a:lvl5pPr>
+            <a:lvl6pPr marL="2514600" indent="-228600" algn="l" defTabSz="457200" rtl="0" eaLnBrk="1" latinLnBrk="0" hangingPunct="1">
+              <a:spcBef>
+                <a:spcPct val="20000"/>
+              </a:spcBef>
+              <a:spcAft>
+                <a:spcPts val="600"/>
+              </a:spcAft>
+              <a:buClr>
+                <a:schemeClr val="accent1"/>
+              </a:buClr>
+              <a:buSzPct val="100000"/>
+              <a:buFont typeface="Arial"/>
+              <a:buChar char="•"/>
+              <a:defRPr sz="1200" kern="1200" cap="small">
+                <a:solidFill>
+                  <a:schemeClr val="tx1"/>
+                </a:solidFill>
+                <a:effectLst>
+                  <a:glow rad="38100">
+                    <a:schemeClr val="bg1">
+                      <a:lumMod val="50000"/>
+                      <a:lumOff val="50000"/>
+                      <a:alpha val="20000"/>
+                    </a:schemeClr>
+                  </a:glow>
+                  <a:outerShdw blurRad="44450" dist="12700" dir="13860000" algn="tl" rotWithShape="0">
+                    <a:srgbClr val="000000">
+                      <a:alpha val="20000"/>
+                    </a:srgbClr>
+                  </a:outerShdw>
+                </a:effectLst>
+                <a:latin typeface="+mn-lt"/>
+                <a:ea typeface="+mn-ea"/>
+                <a:cs typeface="+mn-cs"/>
+              </a:defRPr>
+            </a:lvl6pPr>
+            <a:lvl7pPr marL="2971800" indent="-228600" algn="l" defTabSz="457200" rtl="0" eaLnBrk="1" latinLnBrk="0" hangingPunct="1">
+              <a:spcBef>
+                <a:spcPct val="20000"/>
+              </a:spcBef>
+              <a:spcAft>
+                <a:spcPts val="600"/>
+              </a:spcAft>
+              <a:buClr>
+                <a:schemeClr val="accent1"/>
+              </a:buClr>
+              <a:buSzPct val="100000"/>
+              <a:buFont typeface="Arial"/>
+              <a:buChar char="•"/>
+              <a:defRPr sz="1200" kern="1200" cap="small">
+                <a:solidFill>
+                  <a:schemeClr val="tx1"/>
+                </a:solidFill>
+                <a:effectLst>
+                  <a:glow rad="38100">
+                    <a:schemeClr val="bg1">
+                      <a:lumMod val="50000"/>
+                      <a:lumOff val="50000"/>
+                      <a:alpha val="20000"/>
+                    </a:schemeClr>
+                  </a:glow>
+                  <a:outerShdw blurRad="44450" dist="12700" dir="13860000" algn="tl" rotWithShape="0">
+                    <a:srgbClr val="000000">
+                      <a:alpha val="20000"/>
+                    </a:srgbClr>
+                  </a:outerShdw>
+                </a:effectLst>
+                <a:latin typeface="+mn-lt"/>
+                <a:ea typeface="+mn-ea"/>
+                <a:cs typeface="+mn-cs"/>
+              </a:defRPr>
+            </a:lvl7pPr>
+            <a:lvl8pPr marL="3429000" indent="-228600" algn="l" defTabSz="457200" rtl="0" eaLnBrk="1" latinLnBrk="0" hangingPunct="1">
+              <a:spcBef>
+                <a:spcPct val="20000"/>
+              </a:spcBef>
+              <a:spcAft>
+                <a:spcPts val="600"/>
+              </a:spcAft>
+              <a:buClr>
+                <a:schemeClr val="accent1"/>
+              </a:buClr>
+              <a:buSzPct val="100000"/>
+              <a:buFont typeface="Arial"/>
+              <a:buChar char="•"/>
+              <a:defRPr sz="1200" kern="1200" cap="small">
+                <a:solidFill>
+                  <a:schemeClr val="tx1"/>
+                </a:solidFill>
+                <a:effectLst>
+                  <a:glow rad="38100">
+                    <a:schemeClr val="bg1">
+                      <a:lumMod val="50000"/>
+                      <a:lumOff val="50000"/>
+                      <a:alpha val="20000"/>
+                    </a:schemeClr>
+                  </a:glow>
+                  <a:outerShdw blurRad="44450" dist="12700" dir="13860000" algn="tl" rotWithShape="0">
+                    <a:srgbClr val="000000">
+                      <a:alpha val="20000"/>
+                    </a:srgbClr>
+                  </a:outerShdw>
+                </a:effectLst>
+                <a:latin typeface="+mn-lt"/>
+                <a:ea typeface="+mn-ea"/>
+                <a:cs typeface="+mn-cs"/>
+              </a:defRPr>
+            </a:lvl8pPr>
+            <a:lvl9pPr marL="3886200" indent="-228600" algn="l" defTabSz="457200" rtl="0" eaLnBrk="1" latinLnBrk="0" hangingPunct="1">
+              <a:spcBef>
+                <a:spcPct val="20000"/>
+              </a:spcBef>
+              <a:spcAft>
+                <a:spcPts val="600"/>
+              </a:spcAft>
+              <a:buClr>
+                <a:schemeClr val="accent1"/>
+              </a:buClr>
+              <a:buSzPct val="100000"/>
+              <a:buFont typeface="Arial"/>
+              <a:buChar char="•"/>
+              <a:defRPr sz="1200" kern="1200" cap="small">
+                <a:solidFill>
+                  <a:schemeClr val="tx1"/>
+                </a:solidFill>
+                <a:effectLst>
+                  <a:glow rad="38100">
+                    <a:schemeClr val="bg1">
+                      <a:lumMod val="50000"/>
+                      <a:lumOff val="50000"/>
+                      <a:alpha val="20000"/>
+                    </a:schemeClr>
+                  </a:glow>
+                  <a:outerShdw blurRad="44450" dist="12700" dir="13860000" algn="tl" rotWithShape="0">
+                    <a:srgbClr val="000000">
+                      <a:alpha val="20000"/>
+                    </a:srgbClr>
+                  </a:outerShdw>
+                </a:effectLst>
+                <a:latin typeface="+mn-lt"/>
+                <a:ea typeface="+mn-ea"/>
+                <a:cs typeface="+mn-cs"/>
+              </a:defRPr>
+            </a:lvl9pPr>
+          </a:lstStyle>
+          <a:p>
+            <a:pPr marL="0" indent="0">
+              <a:buFont typeface="Arial"/>
+              <a:buNone/>
+            </a:pPr>
+            <a:r>
+              <a:rPr lang="en-US" dirty="0"/>
+              <a:t>Insight:</a:t>
+            </a:r>
+          </a:p>
+          <a:p>
+            <a:r>
+              <a:rPr lang="en-US" sz="1700" dirty="0"/>
+              <a:t>The number of Accidents with fatalities is trending upwards in Dallas, while San Diego’s trend is neutral.</a:t>
+            </a:r>
+          </a:p>
+          <a:p>
+            <a:endParaRPr lang="en-US" dirty="0"/>
+          </a:p>
+        </p:txBody>
+      </p:sp>
+      <p:sp>
+        <p:nvSpPr>
+          <p:cNvPr id="10" name="TextBox 9">
+            <a:extLst>
+              <a:ext uri="{FF2B5EF4-FFF2-40B4-BE49-F238E27FC236}">
+                <a16:creationId xmlns:a16="http://schemas.microsoft.com/office/drawing/2014/main" id="{940778FD-6E87-FD43-B986-32F8D66F54C6}"/>
+              </a:ext>
+            </a:extLst>
+          </p:cNvPr>
+          <p:cNvSpPr txBox="1"/>
+          <p:nvPr/>
+        </p:nvSpPr>
+        <p:spPr>
+          <a:xfrm>
+            <a:off x="7405816" y="6414071"/>
+            <a:ext cx="4709984" cy="276999"/>
+          </a:xfrm>
+          <a:prstGeom prst="rect">
+            <a:avLst/>
+          </a:prstGeom>
+          <a:noFill/>
+        </p:spPr>
+        <p:txBody>
+          <a:bodyPr wrap="square" rtlCol="0">
+            <a:spAutoFit/>
+          </a:bodyPr>
+          <a:lstStyle/>
+          <a:p>
+            <a:r>
+              <a:rPr lang="en-US" sz="1200" i="1" dirty="0"/>
+              <a:t>source:   https://</a:t>
+            </a:r>
+            <a:r>
+              <a:rPr lang="en-US" sz="1200" i="1" dirty="0" err="1"/>
+              <a:t>crashviewer.nhtsa.dot.gov</a:t>
+            </a:r>
+            <a:endParaRPr lang="en-US" sz="1200" i="1" dirty="0"/>
+          </a:p>
+        </p:txBody>
+      </p:sp>
+      <p:pic>
+        <p:nvPicPr>
+          <p:cNvPr id="9" name="Picture 8" descr="A screenshot of a cell phone&#10;&#10;Description automatically generated">
+            <a:extLst>
+              <a:ext uri="{FF2B5EF4-FFF2-40B4-BE49-F238E27FC236}">
+                <a16:creationId xmlns:a16="http://schemas.microsoft.com/office/drawing/2014/main" id="{63CC8A3F-1C5F-E44C-86A3-94EF403A4FC0}"/>
+              </a:ext>
+            </a:extLst>
+          </p:cNvPr>
+          <p:cNvPicPr>
+            <a:picLocks noChangeAspect="1"/>
+          </p:cNvPicPr>
+          <p:nvPr/>
+        </p:nvPicPr>
+        <p:blipFill>
+          <a:blip r:embed="rId4"/>
+          <a:stretch>
+            <a:fillRect/>
+          </a:stretch>
+        </p:blipFill>
+        <p:spPr>
+          <a:xfrm>
+            <a:off x="6343576" y="419100"/>
+            <a:ext cx="5604926" cy="3362956"/>
+          </a:xfrm>
+          <a:prstGeom prst="rect">
+            <a:avLst/>
+          </a:prstGeom>
+        </p:spPr>
+      </p:pic>
+    </p:spTree>
+    <p:extLst>
+      <p:ext uri="{BB962C8B-B14F-4D97-AF65-F5344CB8AC3E}">
+        <p14:creationId xmlns:p14="http://schemas.microsoft.com/office/powerpoint/2010/main" val="1595918270"/>
+      </p:ext>
+    </p:extLst>
+  </p:cSld>
+  <p:clrMapOvr>
+    <a:masterClrMapping/>
+  </p:clrMapOvr>
+</p:sld>
+</file>
+
+<file path=ppt/slides/slide8.xml><?xml version="1.0" encoding="utf-8"?>
+<p:sld xmlns:a="http://schemas.openxmlformats.org/drawingml/2006/main" xmlns:r="http://schemas.openxmlformats.org/officeDocument/2006/relationships" xmlns:p="http://schemas.openxmlformats.org/presentationml/2006/main">
+  <p:cSld>
+    <p:bg>
+      <p:bgPr>
+        <a:blipFill rotWithShape="1">
+          <a:blip r:embed="rId2">
+            <a:duotone>
+              <a:schemeClr val="bg2">
+                <a:shade val="28000"/>
+                <a:satMod val="94000"/>
+                <a:lumMod val="20000"/>
+              </a:schemeClr>
+              <a:schemeClr val="bg2">
+                <a:tint val="94000"/>
+                <a:shade val="84000"/>
+                <a:satMod val="148000"/>
+                <a:lumMod val="114000"/>
+              </a:schemeClr>
+            </a:duotone>
+            <a:extLst/>
+          </a:blip>
+          <a:stretch/>
+        </a:blipFill>
+        <a:effectLst/>
+      </p:bgPr>
+    </p:bg>
+    <p:spTree>
+      <p:nvGrpSpPr>
+        <p:cNvPr id="1" name=""/>
+        <p:cNvGrpSpPr/>
+        <p:nvPr/>
+      </p:nvGrpSpPr>
+      <p:grpSpPr>
+        <a:xfrm>
+          <a:off x="0" y="0"/>
+          <a:ext cx="0" cy="0"/>
+          <a:chOff x="0" y="0"/>
+          <a:chExt cx="0" cy="0"/>
+        </a:xfrm>
+      </p:grpSpPr>
+      <p:sp>
+        <p:nvSpPr>
+          <p:cNvPr id="2" name="Title 1">
+            <a:extLst>
+              <a:ext uri="{FF2B5EF4-FFF2-40B4-BE49-F238E27FC236}">
+                <a16:creationId xmlns:a16="http://schemas.microsoft.com/office/drawing/2014/main" id="{12DF547D-2983-8A4B-BA4B-0188AFAACBA7}"/>
+              </a:ext>
+            </a:extLst>
+          </p:cNvPr>
+          <p:cNvSpPr>
+            <a:spLocks noGrp="1"/>
+          </p:cNvSpPr>
+          <p:nvPr>
+            <p:ph type="title"/>
+          </p:nvPr>
+        </p:nvSpPr>
+        <p:spPr>
+          <a:xfrm>
+            <a:off x="7467600" y="914400"/>
+            <a:ext cx="5122606" cy="914400"/>
+          </a:xfrm>
+        </p:spPr>
+        <p:txBody>
+          <a:bodyPr vert="horz" lIns="91440" tIns="45720" rIns="91440" bIns="45720" rtlCol="0" anchor="ctr">
+            <a:normAutofit/>
+          </a:bodyPr>
+          <a:lstStyle/>
+          <a:p>
+            <a:r>
+              <a:rPr lang="en-US" dirty="0"/>
+              <a:t>New York Taxis  </a:t>
+            </a:r>
+          </a:p>
+        </p:txBody>
+      </p:sp>
+      <p:sp>
+        <p:nvSpPr>
+          <p:cNvPr id="13" name="Content Placeholder 3">
+            <a:extLst>
+              <a:ext uri="{FF2B5EF4-FFF2-40B4-BE49-F238E27FC236}">
+                <a16:creationId xmlns:a16="http://schemas.microsoft.com/office/drawing/2014/main" id="{2C335AAF-A1D5-A643-AB88-C93D00C1815D}"/>
+              </a:ext>
+            </a:extLst>
+          </p:cNvPr>
+          <p:cNvSpPr>
+            <a:spLocks noGrp="1"/>
+          </p:cNvSpPr>
+          <p:nvPr>
+            <p:ph sz="half" idx="1"/>
+          </p:nvPr>
+        </p:nvSpPr>
+        <p:spPr>
+          <a:xfrm>
+            <a:off x="7467600" y="1828800"/>
+            <a:ext cx="4709984" cy="4572000"/>
+          </a:xfrm>
+        </p:spPr>
+        <p:txBody>
+          <a:bodyPr vert="horz" lIns="91440" tIns="45720" rIns="91440" bIns="45720" rtlCol="0" anchor="t">
+            <a:normAutofit/>
+          </a:bodyPr>
+          <a:lstStyle/>
+          <a:p>
+            <a:pPr marL="0" indent="0">
+              <a:buNone/>
+            </a:pPr>
+            <a:r>
+              <a:rPr lang="en-US" dirty="0"/>
+              <a:t>Questions Asked:</a:t>
+            </a:r>
+          </a:p>
+          <a:p>
+            <a:r>
+              <a:rPr lang="en-US" dirty="0">
+                <a:effectLst/>
+              </a:rPr>
+              <a:t>Why did we include this slide / data?</a:t>
+            </a:r>
+          </a:p>
+          <a:p>
+            <a:r>
+              <a:rPr lang="en-US" dirty="0">
+                <a:effectLst/>
+              </a:rPr>
+              <a:t>What does the data show on taxi usage?</a:t>
+            </a:r>
+          </a:p>
+          <a:p>
+            <a:pPr marL="0" indent="0">
+              <a:buNone/>
+            </a:pPr>
+            <a:endParaRPr lang="en-US" dirty="0"/>
+          </a:p>
+          <a:p>
+            <a:pPr marL="0" indent="0">
+              <a:buNone/>
+            </a:pPr>
+            <a:r>
+              <a:rPr lang="en-US" dirty="0"/>
+              <a:t>Insight:</a:t>
+            </a:r>
+          </a:p>
+          <a:p>
+            <a:r>
+              <a:rPr lang="en-US" dirty="0">
+                <a:effectLst/>
+              </a:rPr>
+              <a:t>Taxi driving is well defined and regulated in cities like New York. We collected yellow taxi data to understand recent trends in fares and miles driven. </a:t>
+            </a:r>
+          </a:p>
+          <a:p>
+            <a:r>
+              <a:rPr lang="en-US" i="1" dirty="0">
+                <a:effectLst/>
+              </a:rPr>
+              <a:t>On average, a taxi driver drives 3 miles and charges around $15 per trip. </a:t>
+            </a:r>
+            <a:endParaRPr lang="en-US" dirty="0">
+              <a:effectLst/>
+            </a:endParaRPr>
+          </a:p>
+          <a:p>
+            <a:pPr marL="0" indent="0">
+              <a:buNone/>
+            </a:pPr>
+            <a:endParaRPr lang="en-US" dirty="0"/>
+          </a:p>
+        </p:txBody>
+      </p:sp>
+      <p:sp>
+        <p:nvSpPr>
+          <p:cNvPr id="15" name="TextBox 14">
+            <a:extLst>
+              <a:ext uri="{FF2B5EF4-FFF2-40B4-BE49-F238E27FC236}">
+                <a16:creationId xmlns:a16="http://schemas.microsoft.com/office/drawing/2014/main" id="{B239CC83-BE04-D243-9487-985E3A9E8D08}"/>
+              </a:ext>
+            </a:extLst>
+          </p:cNvPr>
+          <p:cNvSpPr txBox="1"/>
+          <p:nvPr/>
+        </p:nvSpPr>
+        <p:spPr>
+          <a:xfrm>
+            <a:off x="7405816" y="6414071"/>
+            <a:ext cx="4709984" cy="276999"/>
+          </a:xfrm>
+          <a:prstGeom prst="rect">
+            <a:avLst/>
+          </a:prstGeom>
+          <a:noFill/>
+        </p:spPr>
+        <p:txBody>
+          <a:bodyPr wrap="square" rtlCol="0">
+            <a:spAutoFit/>
+          </a:bodyPr>
+          <a:lstStyle/>
+          <a:p>
+            <a:r>
+              <a:rPr lang="en-US" sz="1200" dirty="0"/>
+              <a:t>source:   https://</a:t>
+            </a:r>
+            <a:r>
+              <a:rPr lang="en-US" sz="1200" dirty="0" err="1"/>
+              <a:t>opendata.cityofnewyork.us</a:t>
+            </a:r>
+            <a:endParaRPr lang="en-US" sz="1200" dirty="0"/>
+          </a:p>
+        </p:txBody>
+      </p:sp>
+      <p:pic>
+        <p:nvPicPr>
+          <p:cNvPr id="5" name="Picture 4">
+            <a:extLst>
+              <a:ext uri="{FF2B5EF4-FFF2-40B4-BE49-F238E27FC236}">
+                <a16:creationId xmlns:a16="http://schemas.microsoft.com/office/drawing/2014/main" id="{8EDFB280-ACB2-2149-B3B8-6AB49A2398B4}"/>
+              </a:ext>
+            </a:extLst>
+          </p:cNvPr>
+          <p:cNvPicPr>
+            <a:picLocks noChangeAspect="1"/>
+          </p:cNvPicPr>
+          <p:nvPr/>
+        </p:nvPicPr>
+        <p:blipFill>
+          <a:blip r:embed="rId3"/>
+          <a:stretch>
+            <a:fillRect/>
+          </a:stretch>
+        </p:blipFill>
+        <p:spPr>
+          <a:xfrm>
+            <a:off x="254758" y="1828800"/>
+            <a:ext cx="5486400" cy="3657600"/>
+          </a:xfrm>
+          <a:prstGeom prst="rect">
+            <a:avLst/>
+          </a:prstGeom>
+        </p:spPr>
+      </p:pic>
+    </p:spTree>
+    <p:extLst>
+      <p:ext uri="{BB962C8B-B14F-4D97-AF65-F5344CB8AC3E}">
+        <p14:creationId xmlns:p14="http://schemas.microsoft.com/office/powerpoint/2010/main" val="2551876641"/>
+      </p:ext>
+    </p:extLst>
+  </p:cSld>
+  <p:clrMapOvr>
+    <a:masterClrMapping/>
+  </p:clrMapOvr>
+</p:sld>
+</file>
+
+<file path=ppt/slides/slide9.xml><?xml version="1.0" encoding="utf-8"?>
 <p:sld xmlns:a="http://schemas.openxmlformats.org/drawingml/2006/main" xmlns:r="http://schemas.openxmlformats.org/officeDocument/2006/relationships" xmlns:p="http://schemas.openxmlformats.org/presentationml/2006/main">
   <p:cSld>
     <p:spTree>
@@ -6162,334 +9629,6 @@
           <p:cNvPr id="2" name="Title 1">
             <a:extLst>
               <a:ext uri="{FF2B5EF4-FFF2-40B4-BE49-F238E27FC236}">
-                <a16:creationId xmlns:a16="http://schemas.microsoft.com/office/drawing/2014/main" id="{AA2EA581-1144-1B40-8999-1618CA65E7BF}"/>
-              </a:ext>
-            </a:extLst>
-          </p:cNvPr>
-          <p:cNvSpPr>
-            <a:spLocks noGrp="1"/>
-          </p:cNvSpPr>
-          <p:nvPr>
-            <p:ph type="title"/>
-          </p:nvPr>
-        </p:nvSpPr>
-        <p:spPr>
-          <a:xfrm>
-            <a:off x="609600" y="607359"/>
-            <a:ext cx="9905998" cy="918882"/>
-          </a:xfrm>
-        </p:spPr>
-        <p:txBody>
-          <a:bodyPr/>
-          <a:lstStyle/>
-          <a:p>
-            <a:r>
-              <a:rPr lang="en-US" dirty="0"/>
-              <a:t>Employees</a:t>
-            </a:r>
-          </a:p>
-        </p:txBody>
-      </p:sp>
-      <p:sp>
-        <p:nvSpPr>
-          <p:cNvPr id="5" name="Content Placeholder 4">
-            <a:extLst>
-              <a:ext uri="{FF2B5EF4-FFF2-40B4-BE49-F238E27FC236}">
-                <a16:creationId xmlns:a16="http://schemas.microsoft.com/office/drawing/2014/main" id="{3A64E973-1269-7A40-9DA4-D3877A494CDD}"/>
-              </a:ext>
-            </a:extLst>
-          </p:cNvPr>
-          <p:cNvSpPr>
-            <a:spLocks noGrp="1"/>
-          </p:cNvSpPr>
-          <p:nvPr>
-            <p:ph sz="half" idx="1"/>
-          </p:nvPr>
-        </p:nvSpPr>
-        <p:spPr/>
-        <p:txBody>
-          <a:bodyPr/>
-          <a:lstStyle/>
-          <a:p>
-            <a:endParaRPr lang="en-US"/>
-          </a:p>
-        </p:txBody>
-      </p:sp>
-      <p:sp>
-        <p:nvSpPr>
-          <p:cNvPr id="6" name="Content Placeholder 5">
-            <a:extLst>
-              <a:ext uri="{FF2B5EF4-FFF2-40B4-BE49-F238E27FC236}">
-                <a16:creationId xmlns:a16="http://schemas.microsoft.com/office/drawing/2014/main" id="{1CD22891-0377-FA46-BF16-E1219B4757CA}"/>
-              </a:ext>
-            </a:extLst>
-          </p:cNvPr>
-          <p:cNvSpPr>
-            <a:spLocks noGrp="1"/>
-          </p:cNvSpPr>
-          <p:nvPr>
-            <p:ph sz="half" idx="2"/>
-          </p:nvPr>
-        </p:nvSpPr>
-        <p:spPr/>
-        <p:txBody>
-          <a:bodyPr/>
-          <a:lstStyle/>
-          <a:p>
-            <a:endParaRPr lang="en-US"/>
-          </a:p>
-        </p:txBody>
-      </p:sp>
-    </p:spTree>
-    <p:extLst>
-      <p:ext uri="{BB962C8B-B14F-4D97-AF65-F5344CB8AC3E}">
-        <p14:creationId xmlns:p14="http://schemas.microsoft.com/office/powerpoint/2010/main" val="2398961096"/>
-      </p:ext>
-    </p:extLst>
-  </p:cSld>
-  <p:clrMapOvr>
-    <a:masterClrMapping/>
-  </p:clrMapOvr>
-</p:sld>
-</file>
-
-<file path=ppt/slides/slide6.xml><?xml version="1.0" encoding="utf-8"?>
-<p:sld xmlns:a="http://schemas.openxmlformats.org/drawingml/2006/main" xmlns:r="http://schemas.openxmlformats.org/officeDocument/2006/relationships" xmlns:p="http://schemas.openxmlformats.org/presentationml/2006/main">
-  <p:cSld>
-    <p:spTree>
-      <p:nvGrpSpPr>
-        <p:cNvPr id="1" name=""/>
-        <p:cNvGrpSpPr/>
-        <p:nvPr/>
-      </p:nvGrpSpPr>
-      <p:grpSpPr>
-        <a:xfrm>
-          <a:off x="0" y="0"/>
-          <a:ext cx="0" cy="0"/>
-          <a:chOff x="0" y="0"/>
-          <a:chExt cx="0" cy="0"/>
-        </a:xfrm>
-      </p:grpSpPr>
-      <p:sp>
-        <p:nvSpPr>
-          <p:cNvPr id="2" name="Title 1">
-            <a:extLst>
-              <a:ext uri="{FF2B5EF4-FFF2-40B4-BE49-F238E27FC236}">
-                <a16:creationId xmlns:a16="http://schemas.microsoft.com/office/drawing/2014/main" id="{224ED65F-399D-E143-A876-AC1B9F20C0D5}"/>
-              </a:ext>
-            </a:extLst>
-          </p:cNvPr>
-          <p:cNvSpPr>
-            <a:spLocks noGrp="1"/>
-          </p:cNvSpPr>
-          <p:nvPr>
-            <p:ph type="title"/>
-          </p:nvPr>
-        </p:nvSpPr>
-        <p:spPr>
-          <a:xfrm>
-            <a:off x="609600" y="609600"/>
-            <a:ext cx="9905998" cy="918882"/>
-          </a:xfrm>
-        </p:spPr>
-        <p:txBody>
-          <a:bodyPr/>
-          <a:lstStyle/>
-          <a:p>
-            <a:r>
-              <a:rPr lang="en-US" dirty="0"/>
-              <a:t>Wages</a:t>
-            </a:r>
-          </a:p>
-        </p:txBody>
-      </p:sp>
-      <p:sp>
-        <p:nvSpPr>
-          <p:cNvPr id="5" name="Content Placeholder 4">
-            <a:extLst>
-              <a:ext uri="{FF2B5EF4-FFF2-40B4-BE49-F238E27FC236}">
-                <a16:creationId xmlns:a16="http://schemas.microsoft.com/office/drawing/2014/main" id="{FCF1EA0E-14D5-B343-BEE6-689F072F5CD8}"/>
-              </a:ext>
-            </a:extLst>
-          </p:cNvPr>
-          <p:cNvSpPr>
-            <a:spLocks noGrp="1"/>
-          </p:cNvSpPr>
-          <p:nvPr>
-            <p:ph sz="half" idx="1"/>
-          </p:nvPr>
-        </p:nvSpPr>
-        <p:spPr>
-          <a:xfrm>
-            <a:off x="1141412" y="2666999"/>
-            <a:ext cx="4876800" cy="3124201"/>
-          </a:xfrm>
-        </p:spPr>
-        <p:txBody>
-          <a:bodyPr/>
-          <a:lstStyle/>
-          <a:p>
-            <a:endParaRPr lang="en-US"/>
-          </a:p>
-        </p:txBody>
-      </p:sp>
-      <p:sp>
-        <p:nvSpPr>
-          <p:cNvPr id="6" name="Content Placeholder 5">
-            <a:extLst>
-              <a:ext uri="{FF2B5EF4-FFF2-40B4-BE49-F238E27FC236}">
-                <a16:creationId xmlns:a16="http://schemas.microsoft.com/office/drawing/2014/main" id="{8855F79A-3928-B14D-B469-4BD2BB473389}"/>
-              </a:ext>
-            </a:extLst>
-          </p:cNvPr>
-          <p:cNvSpPr>
-            <a:spLocks noGrp="1"/>
-          </p:cNvSpPr>
-          <p:nvPr>
-            <p:ph sz="half" idx="2"/>
-          </p:nvPr>
-        </p:nvSpPr>
-        <p:spPr>
-          <a:xfrm>
-            <a:off x="6170612" y="2667000"/>
-            <a:ext cx="4876800" cy="3124200"/>
-          </a:xfrm>
-        </p:spPr>
-        <p:txBody>
-          <a:bodyPr/>
-          <a:lstStyle/>
-          <a:p>
-            <a:endParaRPr lang="en-US" dirty="0"/>
-          </a:p>
-        </p:txBody>
-      </p:sp>
-    </p:spTree>
-    <p:extLst>
-      <p:ext uri="{BB962C8B-B14F-4D97-AF65-F5344CB8AC3E}">
-        <p14:creationId xmlns:p14="http://schemas.microsoft.com/office/powerpoint/2010/main" val="3169042969"/>
-      </p:ext>
-    </p:extLst>
-  </p:cSld>
-  <p:clrMapOvr>
-    <a:masterClrMapping/>
-  </p:clrMapOvr>
-</p:sld>
-</file>
-
-<file path=ppt/slides/slide7.xml><?xml version="1.0" encoding="utf-8"?>
-<p:sld xmlns:a="http://schemas.openxmlformats.org/drawingml/2006/main" xmlns:r="http://schemas.openxmlformats.org/officeDocument/2006/relationships" xmlns:p="http://schemas.openxmlformats.org/presentationml/2006/main">
-  <p:cSld>
-    <p:spTree>
-      <p:nvGrpSpPr>
-        <p:cNvPr id="1" name=""/>
-        <p:cNvGrpSpPr/>
-        <p:nvPr/>
-      </p:nvGrpSpPr>
-      <p:grpSpPr>
-        <a:xfrm>
-          <a:off x="0" y="0"/>
-          <a:ext cx="0" cy="0"/>
-          <a:chOff x="0" y="0"/>
-          <a:chExt cx="0" cy="0"/>
-        </a:xfrm>
-      </p:grpSpPr>
-      <p:sp>
-        <p:nvSpPr>
-          <p:cNvPr id="2" name="Title 1">
-            <a:extLst>
-              <a:ext uri="{FF2B5EF4-FFF2-40B4-BE49-F238E27FC236}">
-                <a16:creationId xmlns:a16="http://schemas.microsoft.com/office/drawing/2014/main" id="{EB5F660C-B2C0-034D-95D6-C62E56E89476}"/>
-              </a:ext>
-            </a:extLst>
-          </p:cNvPr>
-          <p:cNvSpPr>
-            <a:spLocks noGrp="1"/>
-          </p:cNvSpPr>
-          <p:nvPr>
-            <p:ph type="title"/>
-          </p:nvPr>
-        </p:nvSpPr>
-        <p:spPr>
-          <a:xfrm>
-            <a:off x="609600" y="609600"/>
-            <a:ext cx="9905998" cy="918882"/>
-          </a:xfrm>
-        </p:spPr>
-        <p:txBody>
-          <a:bodyPr/>
-          <a:lstStyle/>
-          <a:p>
-            <a:r>
-              <a:rPr lang="en-US" dirty="0"/>
-              <a:t>Safety</a:t>
-            </a:r>
-          </a:p>
-        </p:txBody>
-      </p:sp>
-      <p:pic>
-        <p:nvPicPr>
-          <p:cNvPr id="8" name="Content Placeholder 7">
-            <a:extLst>
-              <a:ext uri="{FF2B5EF4-FFF2-40B4-BE49-F238E27FC236}">
-                <a16:creationId xmlns:a16="http://schemas.microsoft.com/office/drawing/2014/main" id="{E4231A27-E3C4-DF4A-9D4D-1748E81FF9A2}"/>
-              </a:ext>
-            </a:extLst>
-          </p:cNvPr>
-          <p:cNvPicPr>
-            <a:picLocks noGrp="1" noChangeAspect="1"/>
-          </p:cNvPicPr>
-          <p:nvPr>
-            <p:ph idx="1"/>
-          </p:nvPr>
-        </p:nvPicPr>
-        <p:blipFill>
-          <a:blip r:embed="rId2"/>
-          <a:stretch>
-            <a:fillRect/>
-          </a:stretch>
-        </p:blipFill>
-        <p:spPr>
-          <a:xfrm>
-            <a:off x="3479189" y="1238763"/>
-            <a:ext cx="8349395" cy="5009637"/>
-          </a:xfrm>
-        </p:spPr>
-      </p:pic>
-    </p:spTree>
-    <p:extLst>
-      <p:ext uri="{BB962C8B-B14F-4D97-AF65-F5344CB8AC3E}">
-        <p14:creationId xmlns:p14="http://schemas.microsoft.com/office/powerpoint/2010/main" val="209559144"/>
-      </p:ext>
-    </p:extLst>
-  </p:cSld>
-  <p:clrMapOvr>
-    <a:masterClrMapping/>
-  </p:clrMapOvr>
-</p:sld>
-</file>
-
-<file path=ppt/slides/slide8.xml><?xml version="1.0" encoding="utf-8"?>
-<p:sld xmlns:a="http://schemas.openxmlformats.org/drawingml/2006/main" xmlns:r="http://schemas.openxmlformats.org/officeDocument/2006/relationships" xmlns:p="http://schemas.openxmlformats.org/presentationml/2006/main">
-  <p:cSld>
-    <p:spTree>
-      <p:nvGrpSpPr>
-        <p:cNvPr id="1" name=""/>
-        <p:cNvGrpSpPr/>
-        <p:nvPr/>
-      </p:nvGrpSpPr>
-      <p:grpSpPr>
-        <a:xfrm>
-          <a:off x="0" y="0"/>
-          <a:ext cx="0" cy="0"/>
-          <a:chOff x="0" y="0"/>
-          <a:chExt cx="0" cy="0"/>
-        </a:xfrm>
-      </p:grpSpPr>
-      <p:sp>
-        <p:nvSpPr>
-          <p:cNvPr id="2" name="Title 1">
-            <a:extLst>
-              <a:ext uri="{FF2B5EF4-FFF2-40B4-BE49-F238E27FC236}">
                 <a16:creationId xmlns:a16="http://schemas.microsoft.com/office/drawing/2014/main" id="{3DECF55D-FC82-CC48-B4A5-32EE32BDA7DC}"/>
               </a:ext>
             </a:extLst>
@@ -6536,7 +9675,7 @@
         </p:nvSpPr>
         <p:spPr/>
         <p:txBody>
-          <a:bodyPr>
+          <a:bodyPr anchor="t">
             <a:normAutofit/>
           </a:bodyPr>
           <a:lstStyle/>
@@ -6546,18 +9685,8 @@
             </a:pPr>
             <a:r>
               <a:rPr lang="en-US" sz="2400" dirty="0"/>
-              <a:t>Based on the data, it is not a good idea to enter the transportation business based on the number of existing companies, wages, and higher potential of death while driving.</a:t>
-            </a:r>
-          </a:p>
-          <a:p>
-            <a:pPr marL="0" indent="0" algn="ctr">
-              <a:buNone/>
-            </a:pPr>
-            <a:r>
-              <a:rPr lang="en-US" sz="2400" dirty="0" err="1"/>
-              <a:t>Covfefe</a:t>
-            </a:r>
-            <a:endParaRPr lang="en-US" sz="2400" dirty="0"/>
+              <a:t>Based on the data, Dallas county more opportunities over San Diego County to start a ride hailing or ride sharing business on account of less competition and higher wages.</a:t>
+            </a:r>
           </a:p>
         </p:txBody>
       </p:sp>
@@ -6591,28 +9720,28 @@
         <a:srgbClr val="EBEBEB"/>
       </a:lt2>
       <a:accent1>
-        <a:srgbClr val="6F6F6F"/>
+        <a:srgbClr val="A9E023"/>
       </a:accent1>
       <a:accent2>
-        <a:srgbClr val="BFBFA5"/>
+        <a:srgbClr val="1FCDB6"/>
       </a:accent2>
       <a:accent3>
-        <a:srgbClr val="DCD084"/>
+        <a:srgbClr val="5F99C9"/>
       </a:accent3>
       <a:accent4>
-        <a:srgbClr val="E7BF5F"/>
+        <a:srgbClr val="AE65D1"/>
       </a:accent4>
       <a:accent5>
-        <a:srgbClr val="E9A039"/>
+        <a:srgbClr val="D06423"/>
       </a:accent5>
       <a:accent6>
-        <a:srgbClr val="CF7133"/>
+        <a:srgbClr val="DCAB11"/>
       </a:accent6>
       <a:hlink>
-        <a:srgbClr val="F28943"/>
+        <a:srgbClr val="ADE133"/>
       </a:hlink>
       <a:folHlink>
-        <a:srgbClr val="F1B76C"/>
+        <a:srgbClr val="C2EA66"/>
       </a:folHlink>
     </a:clrScheme>
     <a:fontScheme name="Mesh">
@@ -6824,7 +9953,7 @@
   <a:extraClrSchemeLst/>
   <a:extLst>
     <a:ext uri="{05A4C25C-085E-4340-85A3-A5531E510DB2}">
-      <thm15:themeFamily xmlns:thm15="http://schemas.microsoft.com/office/thememl/2012/main" name="Mesh" id="{789EC3FE-34FD-429C-9918-760025E6C145}" vid="{B8BE45C0-8141-4D58-8C71-A009BC26FBBB}"/>
+      <thm15:themeFamily xmlns:thm15="http://schemas.microsoft.com/office/thememl/2012/main" name="Mesh" id="{789EC3FE-34FD-429C-9918-760025E6C145}" vid="{1FEE2289-88FB-467C-9C9A-54F3C85768F0}"/>
     </a:ext>
   </a:extLst>
 </a:theme>

--- a/Project 1.pptx
+++ b/Project 1.pptx
@@ -2,17 +2,19 @@
 <file path=ppt/presentation.xml><?xml version="1.0" encoding="utf-8"?>
 <p:presentation xmlns:a="http://schemas.openxmlformats.org/drawingml/2006/main" xmlns:r="http://schemas.openxmlformats.org/officeDocument/2006/relationships" xmlns:p="http://schemas.openxmlformats.org/presentationml/2006/main" autoCompressPictures="0">
   <p:sldMasterIdLst>
-    <p:sldMasterId id="2147483648" r:id="rId1"/>
+    <p:sldMasterId id="2147483686" r:id="rId1"/>
   </p:sldMasterIdLst>
   <p:sldIdLst>
     <p:sldId id="256" r:id="rId2"/>
     <p:sldId id="257" r:id="rId3"/>
     <p:sldId id="258" r:id="rId4"/>
-    <p:sldId id="259" r:id="rId5"/>
-    <p:sldId id="260" r:id="rId6"/>
-    <p:sldId id="261" r:id="rId7"/>
-    <p:sldId id="265" r:id="rId8"/>
-    <p:sldId id="263" r:id="rId9"/>
+    <p:sldId id="274" r:id="rId5"/>
+    <p:sldId id="266" r:id="rId6"/>
+    <p:sldId id="267" r:id="rId7"/>
+    <p:sldId id="275" r:id="rId8"/>
+    <p:sldId id="270" r:id="rId9"/>
+    <p:sldId id="263" r:id="rId10"/>
+    <p:sldId id="273" r:id="rId11"/>
   </p:sldIdLst>
   <p:sldSz cx="12192000" cy="6858000"/>
   <p:notesSz cx="6858000" cy="9144000"/>
@@ -114,12 +116,12 @@
   <p:extLst>
     <p:ext uri="{EFAFB233-063F-42B5-8137-9DF3F51BA10A}">
       <p15:sldGuideLst xmlns:p15="http://schemas.microsoft.com/office/powerpoint/2012/main">
-        <p15:guide id="1" orient="horz" pos="384" userDrawn="1">
+        <p15:guide id="1" orient="horz" pos="1152" userDrawn="1">
           <p15:clr>
             <a:srgbClr val="A4A3A4"/>
           </p15:clr>
         </p15:guide>
-        <p15:guide id="2" pos="384" userDrawn="1">
+        <p15:guide id="2" pos="3840" userDrawn="1">
           <p15:clr>
             <a:srgbClr val="A4A3A4"/>
           </p15:clr>
@@ -220,20 +222,9 @@
             <a:lvl1pPr marL="0" indent="0" algn="ctr">
               <a:buNone/>
               <a:defRPr sz="2100">
-                <a:gradFill flip="none" rotWithShape="1">
-                  <a:gsLst>
-                    <a:gs pos="0">
-                      <a:schemeClr val="tx1"/>
-                    </a:gs>
-                    <a:gs pos="100000">
-                      <a:schemeClr val="tx1">
-                        <a:lumMod val="75000"/>
-                      </a:schemeClr>
-                    </a:gs>
-                  </a:gsLst>
-                  <a:lin ang="5400000" scaled="0"/>
-                  <a:tileRect/>
-                </a:gradFill>
+                <a:solidFill>
+                  <a:schemeClr val="tx1"/>
+                </a:solidFill>
               </a:defRPr>
             </a:lvl1pPr>
             <a:lvl2pPr marL="457200" indent="0" algn="ctr">
@@ -342,9 +333,9 @@
           <a:lstStyle/>
           <a:p>
             <a:fld id="{B61BEF0D-F0BB-DE4B-95CE-6DB70DBA9567}" type="datetimeFigureOut">
-              <a:rPr lang="en-US" dirty="0"/>
+              <a:rPr lang="en-US" smtClean="0"/>
               <a:pPr/>
-              <a:t>3/8/19</a:t>
+              <a:t>3/11/19</a:t>
             </a:fld>
             <a:endParaRPr lang="en-US" dirty="0"/>
           </a:p>
@@ -385,7 +376,7 @@
           <a:lstStyle/>
           <a:p>
             <a:fld id="{D57F1E4F-1CFF-5643-939E-217C01CDF565}" type="slidenum">
-              <a:rPr lang="en-US" dirty="0"/>
+              <a:rPr lang="en-US" smtClean="0"/>
               <a:pPr/>
               <a:t>‹#›</a:t>
             </a:fld>
@@ -394,6 +385,11 @@
         </p:txBody>
       </p:sp>
     </p:spTree>
+    <p:extLst>
+      <p:ext uri="{BB962C8B-B14F-4D97-AF65-F5344CB8AC3E}">
+        <p14:creationId xmlns:p14="http://schemas.microsoft.com/office/powerpoint/2010/main" val="3281352869"/>
+      </p:ext>
+    </p:extLst>
   </p:cSld>
   <p:clrMapOvr>
     <a:masterClrMapping/>
@@ -630,9 +626,9 @@
           <a:lstStyle/>
           <a:p>
             <a:fld id="{B61BEF0D-F0BB-DE4B-95CE-6DB70DBA9567}" type="datetimeFigureOut">
-              <a:rPr lang="en-US" dirty="0"/>
+              <a:rPr lang="en-US" smtClean="0"/>
               <a:pPr/>
-              <a:t>3/8/19</a:t>
+              <a:t>3/11/19</a:t>
             </a:fld>
             <a:endParaRPr lang="en-US" dirty="0"/>
           </a:p>
@@ -673,7 +669,7 @@
           <a:lstStyle/>
           <a:p>
             <a:fld id="{D57F1E4F-1CFF-5643-939E-217C01CDF565}" type="slidenum">
-              <a:rPr lang="en-US" dirty="0"/>
+              <a:rPr lang="en-US" smtClean="0"/>
               <a:pPr/>
               <a:t>‹#›</a:t>
             </a:fld>
@@ -682,6 +678,11 @@
         </p:txBody>
       </p:sp>
     </p:spTree>
+    <p:extLst>
+      <p:ext uri="{BB962C8B-B14F-4D97-AF65-F5344CB8AC3E}">
+        <p14:creationId xmlns:p14="http://schemas.microsoft.com/office/powerpoint/2010/main" val="3770038003"/>
+      </p:ext>
+    </p:extLst>
   </p:cSld>
   <p:clrMapOvr>
     <a:masterClrMapping/>
@@ -764,20 +765,9 @@
             <a:lvl1pPr marL="0" indent="0" algn="l">
               <a:buNone/>
               <a:defRPr sz="2000">
-                <a:gradFill flip="none" rotWithShape="1">
-                  <a:gsLst>
-                    <a:gs pos="0">
-                      <a:schemeClr val="tx1"/>
-                    </a:gs>
-                    <a:gs pos="100000">
-                      <a:schemeClr val="tx1">
-                        <a:lumMod val="75000"/>
-                      </a:schemeClr>
-                    </a:gs>
-                  </a:gsLst>
-                  <a:lin ang="5400000" scaled="0"/>
-                  <a:tileRect/>
-                </a:gradFill>
+                <a:solidFill>
+                  <a:schemeClr val="tx1"/>
+                </a:solidFill>
               </a:defRPr>
             </a:lvl1pPr>
             <a:lvl2pPr marL="457200" indent="0">
@@ -886,9 +876,9 @@
           <a:lstStyle/>
           <a:p>
             <a:fld id="{B61BEF0D-F0BB-DE4B-95CE-6DB70DBA9567}" type="datetimeFigureOut">
-              <a:rPr lang="en-US" dirty="0"/>
+              <a:rPr lang="en-US" smtClean="0"/>
               <a:pPr/>
-              <a:t>3/8/19</a:t>
+              <a:t>3/11/19</a:t>
             </a:fld>
             <a:endParaRPr lang="en-US" dirty="0"/>
           </a:p>
@@ -929,7 +919,7 @@
           <a:lstStyle/>
           <a:p>
             <a:fld id="{D57F1E4F-1CFF-5643-939E-217C01CDF565}" type="slidenum">
-              <a:rPr lang="en-US" dirty="0"/>
+              <a:rPr lang="en-US" smtClean="0"/>
               <a:pPr/>
               <a:t>‹#›</a:t>
             </a:fld>
@@ -938,6 +928,11 @@
         </p:txBody>
       </p:sp>
     </p:spTree>
+    <p:extLst>
+      <p:ext uri="{BB962C8B-B14F-4D97-AF65-F5344CB8AC3E}">
+        <p14:creationId xmlns:p14="http://schemas.microsoft.com/office/powerpoint/2010/main" val="3497117681"/>
+      </p:ext>
+    </p:extLst>
   </p:cSld>
   <p:clrMapOvr>
     <a:masterClrMapping/>
@@ -1301,34 +1296,101 @@
           </a:xfrm>
         </p:spPr>
         <p:txBody>
-          <a:bodyPr vert="horz" lIns="91440" tIns="45720" rIns="91440" bIns="45720" rtlCol="0" anchor="ctr">
+          <a:bodyPr anchor="ctr">
             <a:normAutofit/>
           </a:bodyPr>
           <a:lstStyle>
-            <a:lvl1pPr>
-              <a:buNone/>
-              <a:defRPr lang="en-US" sz="2000">
-                <a:gradFill flip="none" rotWithShape="1">
-                  <a:gsLst>
-                    <a:gs pos="0">
-                      <a:schemeClr val="tx1"/>
-                    </a:gs>
-                    <a:gs pos="100000">
-                      <a:schemeClr val="tx1">
-                        <a:lumMod val="75000"/>
-                      </a:schemeClr>
-                    </a:gs>
-                  </a:gsLst>
-                  <a:lin ang="5400000" scaled="0"/>
-                  <a:tileRect/>
-                </a:gradFill>
+            <a:lvl1pPr marL="0" indent="0" algn="l">
+              <a:buNone/>
+              <a:defRPr sz="2000">
+                <a:solidFill>
+                  <a:schemeClr val="tx1"/>
+                </a:solidFill>
               </a:defRPr>
             </a:lvl1pPr>
+            <a:lvl2pPr marL="457200" indent="0">
+              <a:buNone/>
+              <a:defRPr sz="1800">
+                <a:solidFill>
+                  <a:schemeClr val="tx1">
+                    <a:tint val="75000"/>
+                  </a:schemeClr>
+                </a:solidFill>
+              </a:defRPr>
+            </a:lvl2pPr>
+            <a:lvl3pPr marL="914400" indent="0">
+              <a:buNone/>
+              <a:defRPr sz="1600">
+                <a:solidFill>
+                  <a:schemeClr val="tx1">
+                    <a:tint val="75000"/>
+                  </a:schemeClr>
+                </a:solidFill>
+              </a:defRPr>
+            </a:lvl3pPr>
+            <a:lvl4pPr marL="1371600" indent="0">
+              <a:buNone/>
+              <a:defRPr sz="1400">
+                <a:solidFill>
+                  <a:schemeClr val="tx1">
+                    <a:tint val="75000"/>
+                  </a:schemeClr>
+                </a:solidFill>
+              </a:defRPr>
+            </a:lvl4pPr>
+            <a:lvl5pPr marL="1828800" indent="0">
+              <a:buNone/>
+              <a:defRPr sz="1400">
+                <a:solidFill>
+                  <a:schemeClr val="tx1">
+                    <a:tint val="75000"/>
+                  </a:schemeClr>
+                </a:solidFill>
+              </a:defRPr>
+            </a:lvl5pPr>
+            <a:lvl6pPr marL="2286000" indent="0">
+              <a:buNone/>
+              <a:defRPr sz="1400">
+                <a:solidFill>
+                  <a:schemeClr val="tx1">
+                    <a:tint val="75000"/>
+                  </a:schemeClr>
+                </a:solidFill>
+              </a:defRPr>
+            </a:lvl6pPr>
+            <a:lvl7pPr marL="2743200" indent="0">
+              <a:buNone/>
+              <a:defRPr sz="1400">
+                <a:solidFill>
+                  <a:schemeClr val="tx1">
+                    <a:tint val="75000"/>
+                  </a:schemeClr>
+                </a:solidFill>
+              </a:defRPr>
+            </a:lvl7pPr>
+            <a:lvl8pPr marL="3200400" indent="0">
+              <a:buNone/>
+              <a:defRPr sz="1400">
+                <a:solidFill>
+                  <a:schemeClr val="tx1">
+                    <a:tint val="75000"/>
+                  </a:schemeClr>
+                </a:solidFill>
+              </a:defRPr>
+            </a:lvl8pPr>
+            <a:lvl9pPr marL="3657600" indent="0">
+              <a:buNone/>
+              <a:defRPr sz="1400">
+                <a:solidFill>
+                  <a:schemeClr val="tx1">
+                    <a:tint val="75000"/>
+                  </a:schemeClr>
+                </a:solidFill>
+              </a:defRPr>
+            </a:lvl9pPr>
           </a:lstStyle>
           <a:p>
-            <a:pPr marL="0" lvl="0" indent="0">
-              <a:buNone/>
-            </a:pPr>
+            <a:pPr lvl="0"/>
             <a:r>
               <a:rPr lang="en-US"/>
               <a:t>Click to edit Master text styles</a:t>
@@ -1352,9 +1414,9 @@
           <a:lstStyle/>
           <a:p>
             <a:fld id="{B61BEF0D-F0BB-DE4B-95CE-6DB70DBA9567}" type="datetimeFigureOut">
-              <a:rPr lang="en-US" dirty="0"/>
+              <a:rPr lang="en-US" smtClean="0"/>
               <a:pPr/>
-              <a:t>3/8/19</a:t>
+              <a:t>3/11/19</a:t>
             </a:fld>
             <a:endParaRPr lang="en-US" dirty="0"/>
           </a:p>
@@ -1395,7 +1457,7 @@
           <a:lstStyle/>
           <a:p>
             <a:fld id="{D57F1E4F-1CFF-5643-939E-217C01CDF565}" type="slidenum">
-              <a:rPr lang="en-US" dirty="0"/>
+              <a:rPr lang="en-US" smtClean="0"/>
               <a:pPr/>
               <a:t>‹#›</a:t>
             </a:fld>
@@ -1404,6 +1466,11 @@
         </p:txBody>
       </p:sp>
     </p:spTree>
+    <p:extLst>
+      <p:ext uri="{BB962C8B-B14F-4D97-AF65-F5344CB8AC3E}">
+        <p14:creationId xmlns:p14="http://schemas.microsoft.com/office/powerpoint/2010/main" val="1811457462"/>
+      </p:ext>
+    </p:extLst>
   </p:cSld>
   <p:clrMapOvr>
     <a:masterClrMapping/>
@@ -1479,33 +1546,101 @@
           </a:xfrm>
         </p:spPr>
         <p:txBody>
-          <a:bodyPr vert="horz" lIns="91440" tIns="45720" rIns="91440" bIns="45720" rtlCol="0" anchor="t">
+          <a:bodyPr anchor="t">
             <a:normAutofit/>
           </a:bodyPr>
           <a:lstStyle>
-            <a:lvl1pPr>
-              <a:defRPr lang="en-US" sz="2000">
-                <a:gradFill flip="none" rotWithShape="1">
-                  <a:gsLst>
-                    <a:gs pos="0">
-                      <a:schemeClr val="tx1"/>
-                    </a:gs>
-                    <a:gs pos="100000">
-                      <a:schemeClr val="tx1">
-                        <a:lumMod val="75000"/>
-                      </a:schemeClr>
-                    </a:gs>
-                  </a:gsLst>
-                  <a:lin ang="5400000" scaled="0"/>
-                  <a:tileRect/>
-                </a:gradFill>
+            <a:lvl1pPr marL="0" indent="0" algn="l">
+              <a:buNone/>
+              <a:defRPr sz="2000">
+                <a:solidFill>
+                  <a:schemeClr val="tx1"/>
+                </a:solidFill>
               </a:defRPr>
             </a:lvl1pPr>
+            <a:lvl2pPr marL="457200" indent="0">
+              <a:buNone/>
+              <a:defRPr sz="1800">
+                <a:solidFill>
+                  <a:schemeClr val="tx1">
+                    <a:tint val="75000"/>
+                  </a:schemeClr>
+                </a:solidFill>
+              </a:defRPr>
+            </a:lvl2pPr>
+            <a:lvl3pPr marL="914400" indent="0">
+              <a:buNone/>
+              <a:defRPr sz="1600">
+                <a:solidFill>
+                  <a:schemeClr val="tx1">
+                    <a:tint val="75000"/>
+                  </a:schemeClr>
+                </a:solidFill>
+              </a:defRPr>
+            </a:lvl3pPr>
+            <a:lvl4pPr marL="1371600" indent="0">
+              <a:buNone/>
+              <a:defRPr sz="1400">
+                <a:solidFill>
+                  <a:schemeClr val="tx1">
+                    <a:tint val="75000"/>
+                  </a:schemeClr>
+                </a:solidFill>
+              </a:defRPr>
+            </a:lvl4pPr>
+            <a:lvl5pPr marL="1828800" indent="0">
+              <a:buNone/>
+              <a:defRPr sz="1400">
+                <a:solidFill>
+                  <a:schemeClr val="tx1">
+                    <a:tint val="75000"/>
+                  </a:schemeClr>
+                </a:solidFill>
+              </a:defRPr>
+            </a:lvl5pPr>
+            <a:lvl6pPr marL="2286000" indent="0">
+              <a:buNone/>
+              <a:defRPr sz="1400">
+                <a:solidFill>
+                  <a:schemeClr val="tx1">
+                    <a:tint val="75000"/>
+                  </a:schemeClr>
+                </a:solidFill>
+              </a:defRPr>
+            </a:lvl6pPr>
+            <a:lvl7pPr marL="2743200" indent="0">
+              <a:buNone/>
+              <a:defRPr sz="1400">
+                <a:solidFill>
+                  <a:schemeClr val="tx1">
+                    <a:tint val="75000"/>
+                  </a:schemeClr>
+                </a:solidFill>
+              </a:defRPr>
+            </a:lvl7pPr>
+            <a:lvl8pPr marL="3200400" indent="0">
+              <a:buNone/>
+              <a:defRPr sz="1400">
+                <a:solidFill>
+                  <a:schemeClr val="tx1">
+                    <a:tint val="75000"/>
+                  </a:schemeClr>
+                </a:solidFill>
+              </a:defRPr>
+            </a:lvl8pPr>
+            <a:lvl9pPr marL="3657600" indent="0">
+              <a:buNone/>
+              <a:defRPr sz="1400">
+                <a:solidFill>
+                  <a:schemeClr val="tx1">
+                    <a:tint val="75000"/>
+                  </a:schemeClr>
+                </a:solidFill>
+              </a:defRPr>
+            </a:lvl9pPr>
           </a:lstStyle>
           <a:p>
-            <a:pPr marL="0" lvl="0" indent="0">
-              <a:buNone/>
-            </a:pPr>
+            <a:pPr lvl="0"/>
             <a:r>
               <a:rPr lang="en-US"/>
               <a:t>Click to edit Master text styles</a:t>
@@ -1529,9 +1664,9 @@
           <a:lstStyle/>
           <a:p>
             <a:fld id="{B61BEF0D-F0BB-DE4B-95CE-6DB70DBA9567}" type="datetimeFigureOut">
-              <a:rPr lang="en-US" dirty="0"/>
+              <a:rPr lang="en-US" smtClean="0"/>
               <a:pPr/>
-              <a:t>3/8/19</a:t>
+              <a:t>3/11/19</a:t>
             </a:fld>
             <a:endParaRPr lang="en-US" dirty="0"/>
           </a:p>
@@ -1572,7 +1707,7 @@
           <a:lstStyle/>
           <a:p>
             <a:fld id="{D57F1E4F-1CFF-5643-939E-217C01CDF565}" type="slidenum">
-              <a:rPr lang="en-US" dirty="0"/>
+              <a:rPr lang="en-US" smtClean="0"/>
               <a:pPr/>
               <a:t>‹#›</a:t>
             </a:fld>
@@ -1581,6 +1716,11 @@
         </p:txBody>
       </p:sp>
     </p:spTree>
+    <p:extLst>
+      <p:ext uri="{BB962C8B-B14F-4D97-AF65-F5344CB8AC3E}">
+        <p14:creationId xmlns:p14="http://schemas.microsoft.com/office/powerpoint/2010/main" val="391637744"/>
+      </p:ext>
+    </p:extLst>
   </p:cSld>
   <p:clrMapOvr>
     <a:masterClrMapping/>
@@ -1858,20 +1998,9 @@
           <a:lstStyle>
             <a:lvl1pPr algn="l">
               <a:defRPr sz="3200" b="0" cap="all">
-                <a:gradFill flip="none" rotWithShape="1">
-                  <a:gsLst>
-                    <a:gs pos="0">
-                      <a:schemeClr val="tx1"/>
-                    </a:gs>
-                    <a:gs pos="100000">
-                      <a:schemeClr val="tx1">
-                        <a:lumMod val="75000"/>
-                      </a:schemeClr>
-                    </a:gs>
-                  </a:gsLst>
-                  <a:lin ang="5400000" scaled="0"/>
-                  <a:tileRect/>
-                </a:gradFill>
+                <a:solidFill>
+                  <a:schemeClr val="tx1"/>
+                </a:solidFill>
               </a:defRPr>
             </a:lvl1pPr>
           </a:lstStyle>
@@ -1911,20 +2040,9 @@
                 <a:ln w="3175" cmpd="sng">
                   <a:noFill/>
                 </a:ln>
-                <a:gradFill flip="none" rotWithShape="1">
-                  <a:gsLst>
-                    <a:gs pos="0">
-                      <a:schemeClr val="tx1"/>
-                    </a:gs>
-                    <a:gs pos="100000">
-                      <a:schemeClr val="tx1">
-                        <a:lumMod val="75000"/>
-                      </a:schemeClr>
-                    </a:gs>
-                  </a:gsLst>
-                  <a:lin ang="5400000" scaled="0"/>
-                  <a:tileRect/>
-                </a:gradFill>
+                <a:solidFill>
+                  <a:schemeClr val="accent1"/>
+                </a:solidFill>
                 <a:effectLst>
                   <a:glow rad="38100">
                     <a:schemeClr val="bg1">
@@ -1980,20 +2098,9 @@
             <a:lvl1pPr marL="0" indent="0" algn="l">
               <a:buNone/>
               <a:defRPr sz="1800">
-                <a:gradFill flip="none" rotWithShape="1">
-                  <a:gsLst>
-                    <a:gs pos="0">
-                      <a:schemeClr val="tx1"/>
-                    </a:gs>
-                    <a:gs pos="100000">
-                      <a:schemeClr val="tx1">
-                        <a:lumMod val="75000"/>
-                      </a:schemeClr>
-                    </a:gs>
-                  </a:gsLst>
-                  <a:lin ang="5400000" scaled="0"/>
-                  <a:tileRect/>
-                </a:gradFill>
+                <a:solidFill>
+                  <a:schemeClr val="tx1"/>
+                </a:solidFill>
               </a:defRPr>
             </a:lvl1pPr>
             <a:lvl2pPr marL="457200" indent="0">
@@ -2102,9 +2209,9 @@
           <a:lstStyle/>
           <a:p>
             <a:fld id="{B61BEF0D-F0BB-DE4B-95CE-6DB70DBA9567}" type="datetimeFigureOut">
-              <a:rPr lang="en-US" dirty="0"/>
+              <a:rPr lang="en-US" smtClean="0"/>
               <a:pPr/>
-              <a:t>3/8/19</a:t>
+              <a:t>3/11/19</a:t>
             </a:fld>
             <a:endParaRPr lang="en-US" dirty="0"/>
           </a:p>
@@ -2145,7 +2252,7 @@
           <a:lstStyle/>
           <a:p>
             <a:fld id="{D57F1E4F-1CFF-5643-939E-217C01CDF565}" type="slidenum">
-              <a:rPr lang="en-US" dirty="0"/>
+              <a:rPr lang="en-US" smtClean="0"/>
               <a:pPr/>
               <a:t>‹#›</a:t>
             </a:fld>
@@ -2154,6 +2261,11 @@
         </p:txBody>
       </p:sp>
     </p:spTree>
+    <p:extLst>
+      <p:ext uri="{BB962C8B-B14F-4D97-AF65-F5344CB8AC3E}">
+        <p14:creationId xmlns:p14="http://schemas.microsoft.com/office/powerpoint/2010/main" val="2233091564"/>
+      </p:ext>
+    </p:extLst>
   </p:cSld>
   <p:clrMapOvr>
     <a:masterClrMapping/>
@@ -2240,20 +2352,9 @@
                 <a:ln w="3175" cmpd="sng">
                   <a:noFill/>
                 </a:ln>
-                <a:gradFill flip="none" rotWithShape="1">
-                  <a:gsLst>
-                    <a:gs pos="0">
-                      <a:schemeClr val="tx1"/>
-                    </a:gs>
-                    <a:gs pos="100000">
-                      <a:schemeClr val="tx1">
-                        <a:lumMod val="75000"/>
-                      </a:schemeClr>
-                    </a:gs>
-                  </a:gsLst>
-                  <a:lin ang="5400000" scaled="0"/>
-                  <a:tileRect/>
-                </a:gradFill>
+                <a:solidFill>
+                  <a:schemeClr val="tx1"/>
+                </a:solidFill>
                 <a:effectLst>
                   <a:glow rad="38100">
                     <a:schemeClr val="bg1">
@@ -2309,20 +2410,9 @@
             <a:lvl1pPr marL="0" indent="0" algn="l">
               <a:buNone/>
               <a:defRPr sz="1800">
-                <a:gradFill flip="none" rotWithShape="1">
-                  <a:gsLst>
-                    <a:gs pos="0">
-                      <a:schemeClr val="tx1"/>
-                    </a:gs>
-                    <a:gs pos="100000">
-                      <a:schemeClr val="tx1">
-                        <a:lumMod val="75000"/>
-                      </a:schemeClr>
-                    </a:gs>
-                  </a:gsLst>
-                  <a:lin ang="5400000" scaled="0"/>
-                  <a:tileRect/>
-                </a:gradFill>
+                <a:solidFill>
+                  <a:schemeClr val="tx1"/>
+                </a:solidFill>
               </a:defRPr>
             </a:lvl1pPr>
             <a:lvl2pPr marL="457200" indent="0">
@@ -2431,9 +2521,9 @@
           <a:lstStyle/>
           <a:p>
             <a:fld id="{B61BEF0D-F0BB-DE4B-95CE-6DB70DBA9567}" type="datetimeFigureOut">
-              <a:rPr lang="en-US" dirty="0"/>
+              <a:rPr lang="en-US" smtClean="0"/>
               <a:pPr/>
-              <a:t>3/8/19</a:t>
+              <a:t>3/11/19</a:t>
             </a:fld>
             <a:endParaRPr lang="en-US" dirty="0"/>
           </a:p>
@@ -2474,7 +2564,7 @@
           <a:lstStyle/>
           <a:p>
             <a:fld id="{D57F1E4F-1CFF-5643-939E-217C01CDF565}" type="slidenum">
-              <a:rPr lang="en-US" dirty="0"/>
+              <a:rPr lang="en-US" smtClean="0"/>
               <a:pPr/>
               <a:t>‹#›</a:t>
             </a:fld>
@@ -2483,6 +2573,11 @@
         </p:txBody>
       </p:sp>
     </p:spTree>
+    <p:extLst>
+      <p:ext uri="{BB962C8B-B14F-4D97-AF65-F5344CB8AC3E}">
+        <p14:creationId xmlns:p14="http://schemas.microsoft.com/office/powerpoint/2010/main" val="1965787244"/>
+      </p:ext>
+    </p:extLst>
   </p:cSld>
   <p:clrMapOvr>
     <a:masterClrMapping/>
@@ -2603,9 +2698,9 @@
           <a:lstStyle/>
           <a:p>
             <a:fld id="{B61BEF0D-F0BB-DE4B-95CE-6DB70DBA9567}" type="datetimeFigureOut">
-              <a:rPr lang="en-US" dirty="0"/>
+              <a:rPr lang="en-US" smtClean="0"/>
               <a:pPr/>
-              <a:t>3/8/19</a:t>
+              <a:t>3/11/19</a:t>
             </a:fld>
             <a:endParaRPr lang="en-US" dirty="0"/>
           </a:p>
@@ -2646,7 +2741,7 @@
           <a:lstStyle/>
           <a:p>
             <a:fld id="{D57F1E4F-1CFF-5643-939E-217C01CDF565}" type="slidenum">
-              <a:rPr lang="en-US" dirty="0"/>
+              <a:rPr lang="en-US" smtClean="0"/>
               <a:pPr/>
               <a:t>‹#›</a:t>
             </a:fld>
@@ -2655,6 +2750,11 @@
         </p:txBody>
       </p:sp>
     </p:spTree>
+    <p:extLst>
+      <p:ext uri="{BB962C8B-B14F-4D97-AF65-F5344CB8AC3E}">
+        <p14:creationId xmlns:p14="http://schemas.microsoft.com/office/powerpoint/2010/main" val="868153066"/>
+      </p:ext>
+    </p:extLst>
   </p:cSld>
   <p:clrMapOvr>
     <a:masterClrMapping/>
@@ -2780,9 +2880,9 @@
           <a:lstStyle/>
           <a:p>
             <a:fld id="{B61BEF0D-F0BB-DE4B-95CE-6DB70DBA9567}" type="datetimeFigureOut">
-              <a:rPr lang="en-US" dirty="0"/>
+              <a:rPr lang="en-US" smtClean="0"/>
               <a:pPr/>
-              <a:t>3/8/19</a:t>
+              <a:t>3/11/19</a:t>
             </a:fld>
             <a:endParaRPr lang="en-US" dirty="0"/>
           </a:p>
@@ -2823,7 +2923,7 @@
           <a:lstStyle/>
           <a:p>
             <a:fld id="{D57F1E4F-1CFF-5643-939E-217C01CDF565}" type="slidenum">
-              <a:rPr lang="en-US" dirty="0"/>
+              <a:rPr lang="en-US" smtClean="0"/>
               <a:pPr/>
               <a:t>‹#›</a:t>
             </a:fld>
@@ -2832,6 +2932,11 @@
         </p:txBody>
       </p:sp>
     </p:spTree>
+    <p:extLst>
+      <p:ext uri="{BB962C8B-B14F-4D97-AF65-F5344CB8AC3E}">
+        <p14:creationId xmlns:p14="http://schemas.microsoft.com/office/powerpoint/2010/main" val="3971579899"/>
+      </p:ext>
+    </p:extLst>
   </p:cSld>
   <p:clrMapOvr>
     <a:masterClrMapping/>
@@ -2947,9 +3052,9 @@
           <a:lstStyle/>
           <a:p>
             <a:fld id="{B61BEF0D-F0BB-DE4B-95CE-6DB70DBA9567}" type="datetimeFigureOut">
-              <a:rPr lang="en-US" dirty="0"/>
+              <a:rPr lang="en-US" smtClean="0"/>
               <a:pPr/>
-              <a:t>3/8/19</a:t>
+              <a:t>3/11/19</a:t>
             </a:fld>
             <a:endParaRPr lang="en-US" dirty="0"/>
           </a:p>
@@ -2990,7 +3095,7 @@
           <a:lstStyle/>
           <a:p>
             <a:fld id="{D57F1E4F-1CFF-5643-939E-217C01CDF565}" type="slidenum">
-              <a:rPr lang="en-US" dirty="0"/>
+              <a:rPr lang="en-US" smtClean="0"/>
               <a:pPr/>
               <a:t>‹#›</a:t>
             </a:fld>
@@ -2999,6 +3104,11 @@
         </p:txBody>
       </p:sp>
     </p:spTree>
+    <p:extLst>
+      <p:ext uri="{BB962C8B-B14F-4D97-AF65-F5344CB8AC3E}">
+        <p14:creationId xmlns:p14="http://schemas.microsoft.com/office/powerpoint/2010/main" val="1982317811"/>
+      </p:ext>
+    </p:extLst>
   </p:cSld>
   <p:clrMapOvr>
     <a:masterClrMapping/>
@@ -3079,20 +3189,9 @@
             <a:lvl1pPr marL="0" indent="0" algn="r">
               <a:buNone/>
               <a:defRPr sz="2000">
-                <a:gradFill flip="none" rotWithShape="1">
-                  <a:gsLst>
-                    <a:gs pos="0">
-                      <a:schemeClr val="tx1"/>
-                    </a:gs>
-                    <a:gs pos="100000">
-                      <a:schemeClr val="tx1">
-                        <a:lumMod val="75000"/>
-                      </a:schemeClr>
-                    </a:gs>
-                  </a:gsLst>
-                  <a:lin ang="5400000" scaled="0"/>
-                  <a:tileRect/>
-                </a:gradFill>
+                <a:solidFill>
+                  <a:schemeClr val="tx1"/>
+                </a:solidFill>
               </a:defRPr>
             </a:lvl1pPr>
             <a:lvl2pPr marL="457200" indent="0">
@@ -3201,9 +3300,9 @@
           <a:lstStyle/>
           <a:p>
             <a:fld id="{B61BEF0D-F0BB-DE4B-95CE-6DB70DBA9567}" type="datetimeFigureOut">
-              <a:rPr lang="en-US" dirty="0"/>
+              <a:rPr lang="en-US" smtClean="0"/>
               <a:pPr/>
-              <a:t>3/8/19</a:t>
+              <a:t>3/11/19</a:t>
             </a:fld>
             <a:endParaRPr lang="en-US" dirty="0"/>
           </a:p>
@@ -3244,7 +3343,7 @@
           <a:lstStyle/>
           <a:p>
             <a:fld id="{D57F1E4F-1CFF-5643-939E-217C01CDF565}" type="slidenum">
-              <a:rPr lang="en-US" dirty="0"/>
+              <a:rPr lang="en-US" smtClean="0"/>
               <a:pPr/>
               <a:t>‹#›</a:t>
             </a:fld>
@@ -3253,6 +3352,11 @@
         </p:txBody>
       </p:sp>
     </p:spTree>
+    <p:extLst>
+      <p:ext uri="{BB962C8B-B14F-4D97-AF65-F5344CB8AC3E}">
+        <p14:creationId xmlns:p14="http://schemas.microsoft.com/office/powerpoint/2010/main" val="1433463545"/>
+      </p:ext>
+    </p:extLst>
   </p:cSld>
   <p:clrMapOvr>
     <a:masterClrMapping/>
@@ -3490,9 +3594,9 @@
           <a:lstStyle/>
           <a:p>
             <a:fld id="{B61BEF0D-F0BB-DE4B-95CE-6DB70DBA9567}" type="datetimeFigureOut">
-              <a:rPr lang="en-US" dirty="0"/>
+              <a:rPr lang="en-US" smtClean="0"/>
               <a:pPr/>
-              <a:t>3/8/19</a:t>
+              <a:t>3/11/19</a:t>
             </a:fld>
             <a:endParaRPr lang="en-US" dirty="0"/>
           </a:p>
@@ -3533,7 +3637,7 @@
           <a:lstStyle/>
           <a:p>
             <a:fld id="{D57F1E4F-1CFF-5643-939E-217C01CDF565}" type="slidenum">
-              <a:rPr lang="en-US" dirty="0"/>
+              <a:rPr lang="en-US" smtClean="0"/>
               <a:pPr/>
               <a:t>‹#›</a:t>
             </a:fld>
@@ -3542,6 +3646,11 @@
         </p:txBody>
       </p:sp>
     </p:spTree>
+    <p:extLst>
+      <p:ext uri="{BB962C8B-B14F-4D97-AF65-F5344CB8AC3E}">
+        <p14:creationId xmlns:p14="http://schemas.microsoft.com/office/powerpoint/2010/main" val="312746508"/>
+      </p:ext>
+    </p:extLst>
   </p:cSld>
   <p:clrMapOvr>
     <a:masterClrMapping/>
@@ -3917,9 +4026,9 @@
           <a:lstStyle/>
           <a:p>
             <a:fld id="{B61BEF0D-F0BB-DE4B-95CE-6DB70DBA9567}" type="datetimeFigureOut">
-              <a:rPr lang="en-US" dirty="0"/>
+              <a:rPr lang="en-US" smtClean="0"/>
               <a:pPr/>
-              <a:t>3/8/19</a:t>
+              <a:t>3/11/19</a:t>
             </a:fld>
             <a:endParaRPr lang="en-US" dirty="0"/>
           </a:p>
@@ -3960,7 +4069,7 @@
           <a:lstStyle/>
           <a:p>
             <a:fld id="{D57F1E4F-1CFF-5643-939E-217C01CDF565}" type="slidenum">
-              <a:rPr lang="en-US" dirty="0"/>
+              <a:rPr lang="en-US" smtClean="0"/>
               <a:pPr/>
               <a:t>‹#›</a:t>
             </a:fld>
@@ -3969,6 +4078,11 @@
         </p:txBody>
       </p:sp>
     </p:spTree>
+    <p:extLst>
+      <p:ext uri="{BB962C8B-B14F-4D97-AF65-F5344CB8AC3E}">
+        <p14:creationId xmlns:p14="http://schemas.microsoft.com/office/powerpoint/2010/main" val="338560332"/>
+      </p:ext>
+    </p:extLst>
   </p:cSld>
   <p:clrMapOvr>
     <a:masterClrMapping/>
@@ -3979,6 +4093,11 @@
 <file path=ppt/slideLayouts/slideLayout6.xml><?xml version="1.0" encoding="utf-8"?>
 <p:sldLayout xmlns:a="http://schemas.openxmlformats.org/drawingml/2006/main" xmlns:r="http://schemas.openxmlformats.org/officeDocument/2006/relationships" xmlns:p="http://schemas.openxmlformats.org/presentationml/2006/main" type="titleOnly" preserve="1">
   <p:cSld name="Title Only">
+    <p:bg>
+      <p:bgRef idx="1003">
+        <a:schemeClr val="bg2"/>
+      </p:bgRef>
+    </p:bg>
     <p:spTree>
       <p:nvGrpSpPr>
         <p:cNvPr id="1" name=""/>
@@ -4032,9 +4151,9 @@
           <a:lstStyle/>
           <a:p>
             <a:fld id="{B61BEF0D-F0BB-DE4B-95CE-6DB70DBA9567}" type="datetimeFigureOut">
-              <a:rPr lang="en-US" dirty="0"/>
+              <a:rPr lang="en-US" smtClean="0"/>
               <a:pPr/>
-              <a:t>3/8/19</a:t>
+              <a:t>3/11/19</a:t>
             </a:fld>
             <a:endParaRPr lang="en-US" dirty="0"/>
           </a:p>
@@ -4075,7 +4194,7 @@
           <a:lstStyle/>
           <a:p>
             <a:fld id="{D57F1E4F-1CFF-5643-939E-217C01CDF565}" type="slidenum">
-              <a:rPr lang="en-US" dirty="0"/>
+              <a:rPr lang="en-US" smtClean="0"/>
               <a:pPr/>
               <a:t>‹#›</a:t>
             </a:fld>
@@ -4084,9 +4203,14 @@
         </p:txBody>
       </p:sp>
     </p:spTree>
+    <p:extLst>
+      <p:ext uri="{BB962C8B-B14F-4D97-AF65-F5344CB8AC3E}">
+        <p14:creationId xmlns:p14="http://schemas.microsoft.com/office/powerpoint/2010/main" val="2095173095"/>
+      </p:ext>
+    </p:extLst>
   </p:cSld>
   <p:clrMapOvr>
-    <a:masterClrMapping/>
+    <a:overrideClrMapping bg1="dk1" tx1="lt1" bg2="dk2" tx2="lt2" accent1="accent1" accent2="accent2" accent3="accent3" accent4="accent4" accent5="accent5" accent6="accent6" hlink="hlink" folHlink="folHlink"/>
   </p:clrMapOvr>
 </p:sldLayout>
 </file>
@@ -4124,9 +4248,9 @@
           <a:lstStyle/>
           <a:p>
             <a:fld id="{B61BEF0D-F0BB-DE4B-95CE-6DB70DBA9567}" type="datetimeFigureOut">
-              <a:rPr lang="en-US" dirty="0"/>
+              <a:rPr lang="en-US" smtClean="0"/>
               <a:pPr/>
-              <a:t>3/8/19</a:t>
+              <a:t>3/11/19</a:t>
             </a:fld>
             <a:endParaRPr lang="en-US" dirty="0"/>
           </a:p>
@@ -4167,7 +4291,7 @@
           <a:lstStyle/>
           <a:p>
             <a:fld id="{D57F1E4F-1CFF-5643-939E-217C01CDF565}" type="slidenum">
-              <a:rPr lang="en-US" dirty="0"/>
+              <a:rPr lang="en-US" smtClean="0"/>
               <a:pPr/>
               <a:t>‹#›</a:t>
             </a:fld>
@@ -4176,6 +4300,11 @@
         </p:txBody>
       </p:sp>
     </p:spTree>
+    <p:extLst>
+      <p:ext uri="{BB962C8B-B14F-4D97-AF65-F5344CB8AC3E}">
+        <p14:creationId xmlns:p14="http://schemas.microsoft.com/office/powerpoint/2010/main" val="3597469614"/>
+      </p:ext>
+    </p:extLst>
   </p:cSld>
   <p:clrMapOvr>
     <a:masterClrMapping/>
@@ -4404,9 +4533,9 @@
           <a:lstStyle/>
           <a:p>
             <a:fld id="{B61BEF0D-F0BB-DE4B-95CE-6DB70DBA9567}" type="datetimeFigureOut">
-              <a:rPr lang="en-US" dirty="0"/>
+              <a:rPr lang="en-US" smtClean="0"/>
               <a:pPr/>
-              <a:t>3/8/19</a:t>
+              <a:t>3/11/19</a:t>
             </a:fld>
             <a:endParaRPr lang="en-US" dirty="0"/>
           </a:p>
@@ -4447,7 +4576,7 @@
           <a:lstStyle/>
           <a:p>
             <a:fld id="{D57F1E4F-1CFF-5643-939E-217C01CDF565}" type="slidenum">
-              <a:rPr lang="en-US" dirty="0"/>
+              <a:rPr lang="en-US" smtClean="0"/>
               <a:pPr/>
               <a:t>‹#›</a:t>
             </a:fld>
@@ -4456,6 +4585,11 @@
         </p:txBody>
       </p:sp>
     </p:spTree>
+    <p:extLst>
+      <p:ext uri="{BB962C8B-B14F-4D97-AF65-F5344CB8AC3E}">
+        <p14:creationId xmlns:p14="http://schemas.microsoft.com/office/powerpoint/2010/main" val="504598317"/>
+      </p:ext>
+    </p:extLst>
   </p:cSld>
   <p:clrMapOvr>
     <a:masterClrMapping/>
@@ -4692,9 +4826,9 @@
           <a:lstStyle/>
           <a:p>
             <a:fld id="{B61BEF0D-F0BB-DE4B-95CE-6DB70DBA9567}" type="datetimeFigureOut">
-              <a:rPr lang="en-US" dirty="0"/>
+              <a:rPr lang="en-US" smtClean="0"/>
               <a:pPr/>
-              <a:t>3/8/19</a:t>
+              <a:t>3/11/19</a:t>
             </a:fld>
             <a:endParaRPr lang="en-US" dirty="0"/>
           </a:p>
@@ -4745,7 +4879,7 @@
           <a:lstStyle/>
           <a:p>
             <a:fld id="{D57F1E4F-1CFF-5643-939E-217C01CDF565}" type="slidenum">
-              <a:rPr lang="en-US" dirty="0"/>
+              <a:rPr lang="en-US" smtClean="0"/>
               <a:pPr/>
               <a:t>‹#›</a:t>
             </a:fld>
@@ -4754,6 +4888,11 @@
         </p:txBody>
       </p:sp>
     </p:spTree>
+    <p:extLst>
+      <p:ext uri="{BB962C8B-B14F-4D97-AF65-F5344CB8AC3E}">
+        <p14:creationId xmlns:p14="http://schemas.microsoft.com/office/powerpoint/2010/main" val="1506121813"/>
+      </p:ext>
+    </p:extLst>
   </p:cSld>
   <p:clrMapOvr>
     <a:masterClrMapping/>
@@ -4920,9 +5059,9 @@
           </a:lstStyle>
           <a:p>
             <a:fld id="{B61BEF0D-F0BB-DE4B-95CE-6DB70DBA9567}" type="datetimeFigureOut">
-              <a:rPr lang="en-US" dirty="0"/>
+              <a:rPr lang="en-US" smtClean="0"/>
               <a:pPr/>
-              <a:t>3/8/19</a:t>
+              <a:t>3/11/19</a:t>
             </a:fld>
             <a:endParaRPr lang="en-US" dirty="0"/>
           </a:p>
@@ -5015,7 +5154,7 @@
           </a:lstStyle>
           <a:p>
             <a:fld id="{D57F1E4F-1CFF-5643-939E-217C01CDF565}" type="slidenum">
-              <a:rPr lang="en-US" dirty="0"/>
+              <a:rPr lang="en-US" smtClean="0"/>
               <a:pPr/>
               <a:t>‹#›</a:t>
             </a:fld>
@@ -5024,26 +5163,31 @@
         </p:txBody>
       </p:sp>
     </p:spTree>
+    <p:extLst>
+      <p:ext uri="{BB962C8B-B14F-4D97-AF65-F5344CB8AC3E}">
+        <p14:creationId xmlns:p14="http://schemas.microsoft.com/office/powerpoint/2010/main" val="774895229"/>
+      </p:ext>
+    </p:extLst>
   </p:cSld>
   <p:clrMap bg1="dk1" tx1="lt1" bg2="dk2" tx2="lt2" accent1="accent1" accent2="accent2" accent3="accent3" accent4="accent4" accent5="accent5" accent6="accent6" hlink="hlink" folHlink="folHlink"/>
   <p:sldLayoutIdLst>
-    <p:sldLayoutId id="2147483649" r:id="rId1"/>
-    <p:sldLayoutId id="2147483650" r:id="rId2"/>
-    <p:sldLayoutId id="2147483651" r:id="rId3"/>
-    <p:sldLayoutId id="2147483652" r:id="rId4"/>
-    <p:sldLayoutId id="2147483653" r:id="rId5"/>
-    <p:sldLayoutId id="2147483654" r:id="rId6"/>
-    <p:sldLayoutId id="2147483655" r:id="rId7"/>
-    <p:sldLayoutId id="2147483656" r:id="rId8"/>
-    <p:sldLayoutId id="2147483661" r:id="rId9"/>
-    <p:sldLayoutId id="2147483657" r:id="rId10"/>
-    <p:sldLayoutId id="2147483663" r:id="rId11"/>
-    <p:sldLayoutId id="2147483664" r:id="rId12"/>
-    <p:sldLayoutId id="2147483665" r:id="rId13"/>
-    <p:sldLayoutId id="2147483666" r:id="rId14"/>
-    <p:sldLayoutId id="2147483667" r:id="rId15"/>
-    <p:sldLayoutId id="2147483658" r:id="rId16"/>
-    <p:sldLayoutId id="2147483659" r:id="rId17"/>
+    <p:sldLayoutId id="2147483687" r:id="rId1"/>
+    <p:sldLayoutId id="2147483688" r:id="rId2"/>
+    <p:sldLayoutId id="2147483689" r:id="rId3"/>
+    <p:sldLayoutId id="2147483690" r:id="rId4"/>
+    <p:sldLayoutId id="2147483691" r:id="rId5"/>
+    <p:sldLayoutId id="2147483692" r:id="rId6"/>
+    <p:sldLayoutId id="2147483693" r:id="rId7"/>
+    <p:sldLayoutId id="2147483694" r:id="rId8"/>
+    <p:sldLayoutId id="2147483695" r:id="rId9"/>
+    <p:sldLayoutId id="2147483696" r:id="rId10"/>
+    <p:sldLayoutId id="2147483697" r:id="rId11"/>
+    <p:sldLayoutId id="2147483698" r:id="rId12"/>
+    <p:sldLayoutId id="2147483699" r:id="rId13"/>
+    <p:sldLayoutId id="2147483700" r:id="rId14"/>
+    <p:sldLayoutId id="2147483701" r:id="rId15"/>
+    <p:sldLayoutId id="2147483702" r:id="rId16"/>
+    <p:sldLayoutId id="2147483703" r:id="rId17"/>
   </p:sldLayoutIdLst>
   <p:txStyles>
     <p:titleStyle>
@@ -5056,20 +5200,9 @@
           <a:ln w="3175" cmpd="sng">
             <a:noFill/>
           </a:ln>
-          <a:gradFill flip="none" rotWithShape="1">
-            <a:gsLst>
-              <a:gs pos="0">
-                <a:schemeClr val="tx1"/>
-              </a:gs>
-              <a:gs pos="100000">
-                <a:schemeClr val="tx1">
-                  <a:lumMod val="65000"/>
-                </a:schemeClr>
-              </a:gs>
-            </a:gsLst>
-            <a:lin ang="5580000" scaled="0"/>
-            <a:tileRect/>
-          </a:gradFill>
+          <a:solidFill>
+            <a:schemeClr val="accent1"/>
+          </a:solidFill>
           <a:effectLst>
             <a:glow rad="38100">
               <a:schemeClr val="bg1">
@@ -5155,26 +5288,15 @@
           <a:spcPts val="600"/>
         </a:spcAft>
         <a:buClr>
-          <a:schemeClr val="tx1"/>
+          <a:schemeClr val="accent1"/>
         </a:buClr>
         <a:buSzPct val="100000"/>
         <a:buFont typeface="Arial"/>
         <a:buChar char="•"/>
         <a:defRPr sz="2000" kern="1200" cap="small">
-          <a:gradFill flip="none" rotWithShape="1">
-            <a:gsLst>
-              <a:gs pos="0">
-                <a:schemeClr val="tx1"/>
-              </a:gs>
-              <a:gs pos="100000">
-                <a:schemeClr val="tx1">
-                  <a:lumMod val="75000"/>
-                </a:schemeClr>
-              </a:gs>
-            </a:gsLst>
-            <a:lin ang="5580000" scaled="0"/>
-            <a:tileRect/>
-          </a:gradFill>
+          <a:solidFill>
+            <a:schemeClr val="tx1"/>
+          </a:solidFill>
           <a:effectLst>
             <a:glow rad="38100">
               <a:schemeClr val="bg1">
@@ -5202,26 +5324,15 @@
           <a:spcPts val="600"/>
         </a:spcAft>
         <a:buClr>
-          <a:schemeClr val="tx1"/>
+          <a:schemeClr val="accent1"/>
         </a:buClr>
         <a:buSzPct val="100000"/>
         <a:buFont typeface="Arial"/>
         <a:buChar char="•"/>
         <a:defRPr sz="1800" kern="1200" cap="small">
-          <a:gradFill flip="none" rotWithShape="1">
-            <a:gsLst>
-              <a:gs pos="0">
-                <a:schemeClr val="tx1"/>
-              </a:gs>
-              <a:gs pos="100000">
-                <a:schemeClr val="tx1">
-                  <a:lumMod val="75000"/>
-                </a:schemeClr>
-              </a:gs>
-            </a:gsLst>
-            <a:lin ang="5580000" scaled="0"/>
-            <a:tileRect/>
-          </a:gradFill>
+          <a:solidFill>
+            <a:schemeClr val="tx1"/>
+          </a:solidFill>
           <a:effectLst>
             <a:glow rad="38100">
               <a:schemeClr val="bg1">
@@ -5249,26 +5360,15 @@
           <a:spcPts val="600"/>
         </a:spcAft>
         <a:buClr>
-          <a:schemeClr val="tx1"/>
+          <a:schemeClr val="accent1"/>
         </a:buClr>
         <a:buSzPct val="100000"/>
         <a:buFont typeface="Arial"/>
         <a:buChar char="•"/>
         <a:defRPr sz="1600" kern="1200" cap="small">
-          <a:gradFill flip="none" rotWithShape="1">
-            <a:gsLst>
-              <a:gs pos="0">
-                <a:schemeClr val="tx1"/>
-              </a:gs>
-              <a:gs pos="100000">
-                <a:schemeClr val="tx1">
-                  <a:lumMod val="75000"/>
-                </a:schemeClr>
-              </a:gs>
-            </a:gsLst>
-            <a:lin ang="5580000" scaled="0"/>
-            <a:tileRect/>
-          </a:gradFill>
+          <a:solidFill>
+            <a:schemeClr val="tx1"/>
+          </a:solidFill>
           <a:effectLst>
             <a:glow rad="38100">
               <a:schemeClr val="bg1">
@@ -5296,26 +5396,15 @@
           <a:spcPts val="600"/>
         </a:spcAft>
         <a:buClr>
-          <a:schemeClr val="tx1"/>
+          <a:schemeClr val="accent1"/>
         </a:buClr>
         <a:buSzPct val="100000"/>
         <a:buFont typeface="Arial"/>
         <a:buChar char="•"/>
         <a:defRPr sz="1400" kern="1200" cap="small">
-          <a:gradFill flip="none" rotWithShape="1">
-            <a:gsLst>
-              <a:gs pos="0">
-                <a:schemeClr val="tx1"/>
-              </a:gs>
-              <a:gs pos="100000">
-                <a:schemeClr val="tx1">
-                  <a:lumMod val="75000"/>
-                </a:schemeClr>
-              </a:gs>
-            </a:gsLst>
-            <a:lin ang="5580000" scaled="0"/>
-            <a:tileRect/>
-          </a:gradFill>
+          <a:solidFill>
+            <a:schemeClr val="tx1"/>
+          </a:solidFill>
           <a:effectLst>
             <a:glow rad="38100">
               <a:schemeClr val="bg1">
@@ -5343,26 +5432,15 @@
           <a:spcPts val="600"/>
         </a:spcAft>
         <a:buClr>
-          <a:schemeClr val="tx1"/>
+          <a:schemeClr val="accent1"/>
         </a:buClr>
         <a:buSzPct val="100000"/>
         <a:buFont typeface="Arial"/>
         <a:buChar char="•"/>
         <a:defRPr sz="1400" kern="1200" cap="small">
-          <a:gradFill flip="none" rotWithShape="1">
-            <a:gsLst>
-              <a:gs pos="0">
-                <a:schemeClr val="tx1"/>
-              </a:gs>
-              <a:gs pos="100000">
-                <a:schemeClr val="tx1">
-                  <a:lumMod val="75000"/>
-                </a:schemeClr>
-              </a:gs>
-            </a:gsLst>
-            <a:lin ang="5580000" scaled="0"/>
-            <a:tileRect/>
-          </a:gradFill>
+          <a:solidFill>
+            <a:schemeClr val="tx1"/>
+          </a:solidFill>
           <a:effectLst>
             <a:glow rad="38100">
               <a:schemeClr val="bg1">
@@ -5390,26 +5468,15 @@
           <a:spcPts val="600"/>
         </a:spcAft>
         <a:buClr>
-          <a:schemeClr val="tx1"/>
+          <a:schemeClr val="accent1"/>
         </a:buClr>
         <a:buSzPct val="100000"/>
         <a:buFont typeface="Arial"/>
         <a:buChar char="•"/>
         <a:defRPr sz="1200" kern="1200" cap="small">
-          <a:gradFill flip="none" rotWithShape="1">
-            <a:gsLst>
-              <a:gs pos="0">
-                <a:schemeClr val="tx1"/>
-              </a:gs>
-              <a:gs pos="100000">
-                <a:schemeClr val="tx1">
-                  <a:lumMod val="75000"/>
-                </a:schemeClr>
-              </a:gs>
-            </a:gsLst>
-            <a:lin ang="5580000" scaled="0"/>
-            <a:tileRect/>
-          </a:gradFill>
+          <a:solidFill>
+            <a:schemeClr val="tx1"/>
+          </a:solidFill>
           <a:effectLst>
             <a:glow rad="38100">
               <a:schemeClr val="bg1">
@@ -5437,26 +5504,15 @@
           <a:spcPts val="600"/>
         </a:spcAft>
         <a:buClr>
-          <a:schemeClr val="tx1"/>
+          <a:schemeClr val="accent1"/>
         </a:buClr>
         <a:buSzPct val="100000"/>
         <a:buFont typeface="Arial"/>
         <a:buChar char="•"/>
         <a:defRPr sz="1200" kern="1200" cap="small">
-          <a:gradFill flip="none" rotWithShape="1">
-            <a:gsLst>
-              <a:gs pos="0">
-                <a:schemeClr val="tx1"/>
-              </a:gs>
-              <a:gs pos="100000">
-                <a:schemeClr val="tx1">
-                  <a:lumMod val="75000"/>
-                </a:schemeClr>
-              </a:gs>
-            </a:gsLst>
-            <a:lin ang="5580000" scaled="0"/>
-            <a:tileRect/>
-          </a:gradFill>
+          <a:solidFill>
+            <a:schemeClr val="tx1"/>
+          </a:solidFill>
           <a:effectLst>
             <a:glow rad="38100">
               <a:schemeClr val="bg1">
@@ -5484,26 +5540,15 @@
           <a:spcPts val="600"/>
         </a:spcAft>
         <a:buClr>
-          <a:schemeClr val="tx1"/>
+          <a:schemeClr val="accent1"/>
         </a:buClr>
         <a:buSzPct val="100000"/>
         <a:buFont typeface="Arial"/>
         <a:buChar char="•"/>
         <a:defRPr sz="1200" kern="1200" cap="small">
-          <a:gradFill flip="none" rotWithShape="1">
-            <a:gsLst>
-              <a:gs pos="0">
-                <a:schemeClr val="tx1"/>
-              </a:gs>
-              <a:gs pos="100000">
-                <a:schemeClr val="tx1">
-                  <a:lumMod val="75000"/>
-                </a:schemeClr>
-              </a:gs>
-            </a:gsLst>
-            <a:lin ang="5580000" scaled="0"/>
-            <a:tileRect/>
-          </a:gradFill>
+          <a:solidFill>
+            <a:schemeClr val="tx1"/>
+          </a:solidFill>
           <a:effectLst>
             <a:glow rad="38100">
               <a:schemeClr val="bg1">
@@ -5531,26 +5576,15 @@
           <a:spcPts val="600"/>
         </a:spcAft>
         <a:buClr>
-          <a:schemeClr val="tx1"/>
+          <a:schemeClr val="accent1"/>
         </a:buClr>
         <a:buSzPct val="100000"/>
         <a:buFont typeface="Arial"/>
         <a:buChar char="•"/>
         <a:defRPr sz="1200" kern="1200" cap="small">
-          <a:gradFill flip="none" rotWithShape="1">
-            <a:gsLst>
-              <a:gs pos="0">
-                <a:schemeClr val="tx1"/>
-              </a:gs>
-              <a:gs pos="100000">
-                <a:schemeClr val="tx1">
-                  <a:lumMod val="75000"/>
-                </a:schemeClr>
-              </a:gs>
-            </a:gsLst>
-            <a:lin ang="5580000" scaled="0"/>
-            <a:tileRect/>
-          </a:gradFill>
+          <a:solidFill>
+            <a:schemeClr val="tx1"/>
+          </a:solidFill>
           <a:effectLst>
             <a:glow rad="38100">
               <a:schemeClr val="bg1">
@@ -5710,15 +5744,7 @@
           <a:p>
             <a:r>
               <a:rPr lang="en-US" dirty="0"/>
-              <a:t>Where should I become a </a:t>
-            </a:r>
-            <a:r>
-              <a:rPr lang="en-US" dirty="0" err="1"/>
-              <a:t>rideHAILING</a:t>
-            </a:r>
-            <a:r>
-              <a:rPr lang="en-US" dirty="0"/>
-              <a:t> driver</a:t>
+              <a:t>Where should I become a ride HAILING driver</a:t>
             </a:r>
           </a:p>
         </p:txBody>
@@ -5779,6 +5805,92 @@
     <p:extLst>
       <p:ext uri="{BB962C8B-B14F-4D97-AF65-F5344CB8AC3E}">
         <p14:creationId xmlns:p14="http://schemas.microsoft.com/office/powerpoint/2010/main" val="2262744691"/>
+      </p:ext>
+    </p:extLst>
+  </p:cSld>
+  <p:clrMapOvr>
+    <a:masterClrMapping/>
+  </p:clrMapOvr>
+</p:sld>
+</file>
+
+<file path=ppt/slides/slide10.xml><?xml version="1.0" encoding="utf-8"?>
+<p:sld xmlns:a="http://schemas.openxmlformats.org/drawingml/2006/main" xmlns:r="http://schemas.openxmlformats.org/officeDocument/2006/relationships" xmlns:p="http://schemas.openxmlformats.org/presentationml/2006/main">
+  <p:cSld>
+    <p:spTree>
+      <p:nvGrpSpPr>
+        <p:cNvPr id="1" name=""/>
+        <p:cNvGrpSpPr/>
+        <p:nvPr/>
+      </p:nvGrpSpPr>
+      <p:grpSpPr>
+        <a:xfrm>
+          <a:off x="0" y="0"/>
+          <a:ext cx="0" cy="0"/>
+          <a:chOff x="0" y="0"/>
+          <a:chExt cx="0" cy="0"/>
+        </a:xfrm>
+      </p:grpSpPr>
+      <p:sp>
+        <p:nvSpPr>
+          <p:cNvPr id="2" name="Title 1">
+            <a:extLst>
+              <a:ext uri="{FF2B5EF4-FFF2-40B4-BE49-F238E27FC236}">
+                <a16:creationId xmlns:a16="http://schemas.microsoft.com/office/drawing/2014/main" id="{D1C2A00E-7D49-6B47-B595-C08AE0AE6343}"/>
+              </a:ext>
+            </a:extLst>
+          </p:cNvPr>
+          <p:cNvSpPr>
+            <a:spLocks noGrp="1"/>
+          </p:cNvSpPr>
+          <p:nvPr>
+            <p:ph type="ctrTitle"/>
+          </p:nvPr>
+        </p:nvSpPr>
+        <p:spPr/>
+        <p:txBody>
+          <a:bodyPr/>
+          <a:lstStyle/>
+          <a:p>
+            <a:r>
+              <a:rPr lang="en-US" dirty="0"/>
+              <a:t>questions</a:t>
+            </a:r>
+          </a:p>
+        </p:txBody>
+      </p:sp>
+      <p:sp>
+        <p:nvSpPr>
+          <p:cNvPr id="3" name="Subtitle 2">
+            <a:extLst>
+              <a:ext uri="{FF2B5EF4-FFF2-40B4-BE49-F238E27FC236}">
+                <a16:creationId xmlns:a16="http://schemas.microsoft.com/office/drawing/2014/main" id="{8DCD2628-1140-4D4D-BFA3-7558EF647A8F}"/>
+              </a:ext>
+            </a:extLst>
+          </p:cNvPr>
+          <p:cNvSpPr>
+            <a:spLocks noGrp="1"/>
+          </p:cNvSpPr>
+          <p:nvPr>
+            <p:ph type="subTitle" idx="1"/>
+          </p:nvPr>
+        </p:nvSpPr>
+        <p:spPr/>
+        <p:txBody>
+          <a:bodyPr/>
+          <a:lstStyle/>
+          <a:p>
+            <a:r>
+              <a:rPr lang="en-US" dirty="0"/>
+              <a:t>Thank you for your time!</a:t>
+            </a:r>
+          </a:p>
+        </p:txBody>
+      </p:sp>
+    </p:spTree>
+    <p:extLst>
+      <p:ext uri="{BB962C8B-B14F-4D97-AF65-F5344CB8AC3E}">
+        <p14:creationId xmlns:p14="http://schemas.microsoft.com/office/powerpoint/2010/main" val="418373945"/>
       </p:ext>
     </p:extLst>
   </p:cSld>
@@ -5861,8 +5973,16 @@
           </a:xfrm>
         </p:spPr>
         <p:txBody>
-          <a:bodyPr/>
+          <a:bodyPr>
+            <a:normAutofit fontScale="92500" lnSpcReduction="10000"/>
+          </a:bodyPr>
           <a:lstStyle/>
+          <a:p>
+            <a:r>
+              <a:rPr lang="en-US" dirty="0"/>
+              <a:t>Questions Asked</a:t>
+            </a:r>
+          </a:p>
           <a:p>
             <a:r>
               <a:rPr lang="en-US" dirty="0"/>
@@ -5896,7 +6016,198 @@
           <a:p>
             <a:r>
               <a:rPr lang="en-US" dirty="0"/>
+              <a:t>New York City</a:t>
+            </a:r>
+          </a:p>
+          <a:p>
+            <a:r>
+              <a:rPr lang="en-US" dirty="0"/>
               <a:t>Conclusion</a:t>
+            </a:r>
+          </a:p>
+        </p:txBody>
+      </p:sp>
+      <p:sp>
+        <p:nvSpPr>
+          <p:cNvPr id="4" name="TextBox 3">
+            <a:extLst>
+              <a:ext uri="{FF2B5EF4-FFF2-40B4-BE49-F238E27FC236}">
+                <a16:creationId xmlns:a16="http://schemas.microsoft.com/office/drawing/2014/main" id="{510C1F49-CD3F-1847-A5BA-66AFC2D08078}"/>
+              </a:ext>
+            </a:extLst>
+          </p:cNvPr>
+          <p:cNvSpPr txBox="1"/>
+          <p:nvPr/>
+        </p:nvSpPr>
+        <p:spPr>
+          <a:xfrm>
+            <a:off x="1143000" y="5642920"/>
+            <a:ext cx="9905997" cy="830997"/>
+          </a:xfrm>
+          <a:prstGeom prst="rect">
+            <a:avLst/>
+          </a:prstGeom>
+          <a:noFill/>
+          <a:ln>
+            <a:noFill/>
+          </a:ln>
+        </p:spPr>
+        <p:txBody>
+          <a:bodyPr wrap="square" rtlCol="0">
+            <a:spAutoFit/>
+          </a:bodyPr>
+          <a:lstStyle/>
+          <a:p>
+            <a:r>
+              <a:rPr lang="en-US" sz="1600" cap="small" dirty="0">
+                <a:effectLst>
+                  <a:glow rad="38100">
+                    <a:schemeClr val="bg1">
+                      <a:lumMod val="50000"/>
+                      <a:lumOff val="50000"/>
+                      <a:alpha val="20000"/>
+                    </a:schemeClr>
+                  </a:glow>
+                  <a:outerShdw blurRad="44450" dist="12700" dir="13860000" algn="tl" rotWithShape="0">
+                    <a:srgbClr val="000000">
+                      <a:alpha val="20000"/>
+                    </a:srgbClr>
+                  </a:outerShdw>
+                </a:effectLst>
+              </a:rPr>
+              <a:t>Terminology used in this presentation</a:t>
+            </a:r>
+          </a:p>
+          <a:p>
+            <a:pPr marL="285750" indent="-285750">
+              <a:buClr>
+                <a:schemeClr val="accent1"/>
+              </a:buClr>
+              <a:buFont typeface="Arial" panose="020B0604020202020204" pitchFamily="34" charset="0"/>
+              <a:buChar char="•"/>
+            </a:pPr>
+            <a:r>
+              <a:rPr lang="en-US" sz="1600" cap="small" dirty="0">
+                <a:effectLst>
+                  <a:glow rad="38100">
+                    <a:schemeClr val="bg1">
+                      <a:lumMod val="50000"/>
+                      <a:lumOff val="50000"/>
+                      <a:alpha val="20000"/>
+                    </a:schemeClr>
+                  </a:glow>
+                  <a:outerShdw blurRad="44450" dist="12700" dir="13860000" algn="tl" rotWithShape="0">
+                    <a:srgbClr val="000000">
+                      <a:alpha val="20000"/>
+                    </a:srgbClr>
+                  </a:outerShdw>
+                </a:effectLst>
+              </a:rPr>
+              <a:t>Ride </a:t>
+            </a:r>
+            <a:r>
+              <a:rPr lang="en-US" sz="1600" cap="small" dirty="0" err="1">
+                <a:effectLst>
+                  <a:glow rad="38100">
+                    <a:schemeClr val="bg1">
+                      <a:lumMod val="50000"/>
+                      <a:lumOff val="50000"/>
+                      <a:alpha val="20000"/>
+                    </a:schemeClr>
+                  </a:glow>
+                  <a:outerShdw blurRad="44450" dist="12700" dir="13860000" algn="tl" rotWithShape="0">
+                    <a:srgbClr val="000000">
+                      <a:alpha val="20000"/>
+                    </a:srgbClr>
+                  </a:outerShdw>
+                </a:effectLst>
+              </a:rPr>
+              <a:t>haliing</a:t>
+            </a:r>
+            <a:r>
+              <a:rPr lang="en-US" sz="1600" cap="small" dirty="0">
+                <a:effectLst>
+                  <a:glow rad="38100">
+                    <a:schemeClr val="bg1">
+                      <a:lumMod val="50000"/>
+                      <a:lumOff val="50000"/>
+                      <a:alpha val="20000"/>
+                    </a:schemeClr>
+                  </a:glow>
+                  <a:outerShdw blurRad="44450" dist="12700" dir="13860000" algn="tl" rotWithShape="0">
+                    <a:srgbClr val="000000">
+                      <a:alpha val="20000"/>
+                    </a:srgbClr>
+                  </a:outerShdw>
+                </a:effectLst>
+              </a:rPr>
+              <a:t> – terminology used to group taxi and limousine services</a:t>
+            </a:r>
+          </a:p>
+          <a:p>
+            <a:pPr marL="285750" indent="-285750">
+              <a:buClr>
+                <a:schemeClr val="accent1"/>
+              </a:buClr>
+              <a:buFont typeface="Arial" panose="020B0604020202020204" pitchFamily="34" charset="0"/>
+              <a:buChar char="•"/>
+            </a:pPr>
+            <a:r>
+              <a:rPr lang="en-US" sz="1600" cap="small" dirty="0">
+                <a:effectLst>
+                  <a:glow rad="38100">
+                    <a:schemeClr val="bg1">
+                      <a:lumMod val="50000"/>
+                      <a:lumOff val="50000"/>
+                      <a:alpha val="20000"/>
+                    </a:schemeClr>
+                  </a:glow>
+                  <a:outerShdw blurRad="44450" dist="12700" dir="13860000" algn="tl" rotWithShape="0">
+                    <a:srgbClr val="000000">
+                      <a:alpha val="20000"/>
+                    </a:srgbClr>
+                  </a:outerShdw>
+                </a:effectLst>
+              </a:rPr>
+              <a:t>Ride sharing – Terminology used to group Uber, lift, </a:t>
+            </a:r>
+            <a:r>
+              <a:rPr lang="en-US" sz="1600" cap="small" dirty="0" err="1">
+                <a:effectLst>
+                  <a:glow rad="38100">
+                    <a:schemeClr val="bg1">
+                      <a:lumMod val="50000"/>
+                      <a:lumOff val="50000"/>
+                      <a:alpha val="20000"/>
+                    </a:schemeClr>
+                  </a:glow>
+                  <a:outerShdw blurRad="44450" dist="12700" dir="13860000" algn="tl" rotWithShape="0">
+                    <a:srgbClr val="000000">
+                      <a:alpha val="20000"/>
+                    </a:srgbClr>
+                  </a:outerShdw>
+                </a:effectLst>
+              </a:rPr>
+              <a:t>etc</a:t>
+            </a:r>
+            <a:r>
+              <a:rPr lang="en-US" sz="1600" cap="small" dirty="0">
+                <a:effectLst>
+                  <a:glow rad="38100">
+                    <a:schemeClr val="bg1">
+                      <a:lumMod val="50000"/>
+                      <a:lumOff val="50000"/>
+                      <a:alpha val="20000"/>
+                    </a:schemeClr>
+                  </a:glow>
+                  <a:outerShdw blurRad="44450" dist="12700" dir="13860000" algn="tl" rotWithShape="0">
+                    <a:srgbClr val="000000">
+                      <a:alpha val="20000"/>
+                    </a:srgbClr>
+                  </a:outerShdw>
+                </a:effectLst>
+              </a:rPr>
+              <a:t> services</a:t>
             </a:r>
           </a:p>
         </p:txBody>
@@ -5917,6 +6228,30 @@
 <file path=ppt/slides/slide3.xml><?xml version="1.0" encoding="utf-8"?>
 <p:sld xmlns:a="http://schemas.openxmlformats.org/drawingml/2006/main" xmlns:r="http://schemas.openxmlformats.org/officeDocument/2006/relationships" xmlns:p="http://schemas.openxmlformats.org/presentationml/2006/main">
   <p:cSld>
+    <p:bg>
+      <p:bgPr>
+        <a:blipFill rotWithShape="1">
+          <a:blip r:embed="rId2">
+            <a:duotone>
+              <a:schemeClr val="bg2">
+                <a:shade val="28000"/>
+                <a:satMod val="94000"/>
+                <a:lumMod val="20000"/>
+              </a:schemeClr>
+              <a:schemeClr val="bg2">
+                <a:tint val="94000"/>
+                <a:shade val="84000"/>
+                <a:satMod val="148000"/>
+                <a:lumMod val="114000"/>
+              </a:schemeClr>
+            </a:duotone>
+            <a:extLst/>
+          </a:blip>
+          <a:stretch/>
+        </a:blipFill>
+        <a:effectLst/>
+      </p:bgPr>
+    </p:bg>
     <p:spTree>
       <p:nvGrpSpPr>
         <p:cNvPr id="1" name=""/>
@@ -5949,68 +6284,369 @@
         </p:nvSpPr>
         <p:spPr>
           <a:xfrm>
-            <a:off x="609600" y="609600"/>
-            <a:ext cx="9905998" cy="918882"/>
+            <a:off x="974179" y="714375"/>
+            <a:ext cx="3332955" cy="5076826"/>
           </a:xfrm>
         </p:spPr>
         <p:txBody>
-          <a:bodyPr/>
+          <a:bodyPr anchor="ctr">
+            <a:normAutofit/>
+          </a:bodyPr>
           <a:lstStyle/>
           <a:p>
             <a:r>
-              <a:rPr lang="en-US" dirty="0"/>
-              <a:t>Demographics</a:t>
-            </a:r>
-          </a:p>
-        </p:txBody>
-      </p:sp>
-      <p:sp>
-        <p:nvSpPr>
-          <p:cNvPr id="4" name="Content Placeholder 3">
+              <a:rPr lang="en-US" sz="4000"/>
+              <a:t>Questions Asked</a:t>
+            </a:r>
+          </a:p>
+        </p:txBody>
+      </p:sp>
+      <p:sp>
+        <p:nvSpPr>
+          <p:cNvPr id="8" name="Rectangle 7">
             <a:extLst>
               <a:ext uri="{FF2B5EF4-FFF2-40B4-BE49-F238E27FC236}">
-                <a16:creationId xmlns:a16="http://schemas.microsoft.com/office/drawing/2014/main" id="{E746DCD3-DF3C-6A4F-A80D-46942662E5AB}"/>
+                <a16:creationId xmlns:a16="http://schemas.microsoft.com/office/drawing/2014/main" id="{375136A9-49F9-4DA0-A741-F065B0FA091D}"/>
+              </a:ext>
+              <a:ext uri="{C183D7F6-B498-43B3-948B-1728B52AA6E4}">
+                <adec:decorative xmlns:adec="http://schemas.microsoft.com/office/drawing/2017/decorative" val="1"/>
               </a:ext>
             </a:extLst>
           </p:cNvPr>
           <p:cNvSpPr>
-            <a:spLocks noGrp="1"/>
-          </p:cNvSpPr>
-          <p:nvPr>
-            <p:ph sz="half" idx="1"/>
-          </p:nvPr>
-        </p:nvSpPr>
-        <p:spPr/>
-        <p:txBody>
-          <a:bodyPr/>
+            <a:spLocks noGrp="1" noRot="1" noChangeAspect="1" noMove="1" noResize="1" noEditPoints="1" noAdjustHandles="1" noChangeArrowheads="1" noChangeShapeType="1" noTextEdit="1"/>
+          </p:cNvSpPr>
+          <p:nvPr>
+            <p:extLst>
+              <p:ext uri="{386F3935-93C4-4BCD-93E2-E3B085C9AB24}">
+                <p16:designElem xmlns:p16="http://schemas.microsoft.com/office/powerpoint/2015/main" val="1"/>
+              </p:ext>
+            </p:extLst>
+          </p:nvPr>
+        </p:nvSpPr>
+        <p:spPr>
+          <a:xfrm>
+            <a:off x="4633356" y="0"/>
+            <a:ext cx="7558643" cy="6858000"/>
+          </a:xfrm>
+          <a:prstGeom prst="rect">
+            <a:avLst/>
+          </a:prstGeom>
+          <a:solidFill>
+            <a:schemeClr val="bg2"/>
+          </a:solidFill>
+          <a:ln>
+            <a:noFill/>
+          </a:ln>
+          <a:effectLst>
+            <a:innerShdw blurRad="63500" dist="50800" dir="10800000">
+              <a:prstClr val="black">
+                <a:alpha val="50000"/>
+              </a:prstClr>
+            </a:innerShdw>
+          </a:effectLst>
+        </p:spPr>
+        <p:style>
+          <a:lnRef idx="2">
+            <a:schemeClr val="accent1">
+              <a:shade val="50000"/>
+            </a:schemeClr>
+          </a:lnRef>
+          <a:fillRef idx="1">
+            <a:schemeClr val="accent1"/>
+          </a:fillRef>
+          <a:effectRef idx="0">
+            <a:schemeClr val="accent1"/>
+          </a:effectRef>
+          <a:fontRef idx="minor">
+            <a:schemeClr val="lt1"/>
+          </a:fontRef>
+        </p:style>
+        <p:txBody>
+          <a:bodyPr rtlCol="0" anchor="ctr"/>
           <a:lstStyle/>
           <a:p>
-            <a:endParaRPr lang="en-US"/>
-          </a:p>
-        </p:txBody>
-      </p:sp>
-      <p:sp>
-        <p:nvSpPr>
-          <p:cNvPr id="5" name="Content Placeholder 4">
+            <a:pPr algn="ctr"/>
+            <a:endParaRPr lang="en-US" dirty="0"/>
+          </a:p>
+        </p:txBody>
+      </p:sp>
+      <p:sp>
+        <p:nvSpPr>
+          <p:cNvPr id="10" name="Rectangle 9">
             <a:extLst>
               <a:ext uri="{FF2B5EF4-FFF2-40B4-BE49-F238E27FC236}">
-                <a16:creationId xmlns:a16="http://schemas.microsoft.com/office/drawing/2014/main" id="{79D48452-5040-1949-B309-75CE7DE9C086}"/>
+                <a16:creationId xmlns:a16="http://schemas.microsoft.com/office/drawing/2014/main" id="{B912F6C7-0423-4B6F-AECE-710C848918FD}"/>
+              </a:ext>
+              <a:ext uri="{C183D7F6-B498-43B3-948B-1728B52AA6E4}">
+                <adec:decorative xmlns:adec="http://schemas.microsoft.com/office/drawing/2017/decorative" val="1"/>
               </a:ext>
             </a:extLst>
           </p:cNvPr>
           <p:cNvSpPr>
-            <a:spLocks noGrp="1"/>
-          </p:cNvSpPr>
-          <p:nvPr>
-            <p:ph sz="half" idx="2"/>
-          </p:nvPr>
-        </p:nvSpPr>
-        <p:spPr/>
-        <p:txBody>
-          <a:bodyPr/>
+            <a:spLocks noGrp="1" noRot="1" noChangeAspect="1" noMove="1" noResize="1" noEditPoints="1" noAdjustHandles="1" noChangeArrowheads="1" noChangeShapeType="1" noTextEdit="1"/>
+          </p:cNvSpPr>
+          <p:nvPr>
+            <p:extLst>
+              <p:ext uri="{386F3935-93C4-4BCD-93E2-E3B085C9AB24}">
+                <p16:designElem xmlns:p16="http://schemas.microsoft.com/office/powerpoint/2015/main" val="1"/>
+              </p:ext>
+            </p:extLst>
+          </p:nvPr>
+        </p:nvSpPr>
+        <p:spPr>
+          <a:xfrm rot="5400000" flipH="1">
+            <a:off x="1446539" y="3195797"/>
+            <a:ext cx="6858000" cy="466406"/>
+          </a:xfrm>
+          <a:prstGeom prst="rect">
+            <a:avLst/>
+          </a:prstGeom>
+          <a:gradFill>
+            <a:gsLst>
+              <a:gs pos="0">
+                <a:srgbClr val="363D46">
+                  <a:alpha val="0"/>
+                </a:srgbClr>
+              </a:gs>
+              <a:gs pos="100000">
+                <a:srgbClr val="363D46">
+                  <a:lumMod val="75000"/>
+                </a:srgbClr>
+              </a:gs>
+            </a:gsLst>
+            <a:lin ang="5400000" scaled="0"/>
+          </a:gradFill>
+          <a:ln>
+            <a:noFill/>
+          </a:ln>
+          <a:effectLst/>
+        </p:spPr>
+        <p:style>
+          <a:lnRef idx="2">
+            <a:schemeClr val="accent1">
+              <a:shade val="50000"/>
+            </a:schemeClr>
+          </a:lnRef>
+          <a:fillRef idx="1">
+            <a:schemeClr val="accent1"/>
+          </a:fillRef>
+          <a:effectRef idx="0">
+            <a:schemeClr val="accent1"/>
+          </a:effectRef>
+          <a:fontRef idx="minor">
+            <a:schemeClr val="lt1"/>
+          </a:fontRef>
+        </p:style>
+        <p:txBody>
+          <a:bodyPr rot="0" spcFirstLastPara="0" vertOverflow="overflow" horzOverflow="overflow" vert="horz" wrap="square" lIns="91440" tIns="45720" rIns="91440" bIns="45720" numCol="1" spcCol="0" rtlCol="0" fromWordArt="0" anchor="ctr" anchorCtr="0" forceAA="0" compatLnSpc="1">
+            <a:prstTxWarp prst="textNoShape">
+              <a:avLst/>
+            </a:prstTxWarp>
+            <a:noAutofit/>
+          </a:bodyPr>
           <a:lstStyle/>
           <a:p>
+            <a:pPr algn="ctr"/>
             <a:endParaRPr lang="en-US"/>
+          </a:p>
+        </p:txBody>
+      </p:sp>
+      <p:cxnSp>
+        <p:nvCxnSpPr>
+          <p:cNvPr id="12" name="Straight Connector 11">
+            <a:extLst>
+              <a:ext uri="{FF2B5EF4-FFF2-40B4-BE49-F238E27FC236}">
+                <a16:creationId xmlns:a16="http://schemas.microsoft.com/office/drawing/2014/main" id="{A7208205-03EE-4EC8-9C34-59270C1880D8}"/>
+              </a:ext>
+              <a:ext uri="{C183D7F6-B498-43B3-948B-1728B52AA6E4}">
+                <adec:decorative xmlns:adec="http://schemas.microsoft.com/office/drawing/2017/decorative" val="1"/>
+              </a:ext>
+            </a:extLst>
+          </p:cNvPr>
+          <p:cNvCxnSpPr>
+            <a:cxnSpLocks noGrp="1" noRot="1" noChangeAspect="1" noMove="1" noResize="1" noEditPoints="1" noAdjustHandles="1" noChangeArrowheads="1" noChangeShapeType="1"/>
+          </p:cNvCxnSpPr>
+          <p:nvPr>
+            <p:extLst>
+              <p:ext uri="{386F3935-93C4-4BCD-93E2-E3B085C9AB24}">
+                <p16:designElem xmlns:p16="http://schemas.microsoft.com/office/powerpoint/2015/main" val="1"/>
+              </p:ext>
+            </p:extLst>
+          </p:nvPr>
+        </p:nvCxnSpPr>
+        <p:spPr>
+          <a:xfrm>
+            <a:off x="4642336" y="0"/>
+            <a:ext cx="0" cy="6858000"/>
+          </a:xfrm>
+          <a:prstGeom prst="line">
+            <a:avLst/>
+          </a:prstGeom>
+          <a:solidFill>
+            <a:srgbClr val="FFFFFF"/>
+          </a:solidFill>
+          <a:ln w="38100" cap="flat">
+            <a:gradFill flip="none" rotWithShape="1">
+              <a:gsLst>
+                <a:gs pos="0">
+                  <a:srgbClr val="363D46"/>
+                </a:gs>
+                <a:gs pos="100000">
+                  <a:srgbClr val="363D46">
+                    <a:lumMod val="75000"/>
+                  </a:srgbClr>
+                </a:gs>
+              </a:gsLst>
+              <a:lin ang="5400000" scaled="0"/>
+              <a:tileRect/>
+            </a:gradFill>
+            <a:miter lim="800000"/>
+          </a:ln>
+          <a:effectLst>
+            <a:innerShdw blurRad="57150" dist="38100" dir="14460000">
+              <a:srgbClr val="000000">
+                <a:alpha val="70000"/>
+              </a:srgbClr>
+            </a:innerShdw>
+          </a:effectLst>
+        </p:spPr>
+        <p:style>
+          <a:lnRef idx="2">
+            <a:schemeClr val="accent1">
+              <a:shade val="50000"/>
+            </a:schemeClr>
+          </a:lnRef>
+          <a:fillRef idx="1">
+            <a:schemeClr val="accent1"/>
+          </a:fillRef>
+          <a:effectRef idx="0">
+            <a:schemeClr val="accent1"/>
+          </a:effectRef>
+          <a:fontRef idx="minor">
+            <a:schemeClr val="lt1"/>
+          </a:fontRef>
+        </p:style>
+      </p:cxnSp>
+      <p:sp>
+        <p:nvSpPr>
+          <p:cNvPr id="3" name="Content Placeholder 2">
+            <a:extLst>
+              <a:ext uri="{FF2B5EF4-FFF2-40B4-BE49-F238E27FC236}">
+                <a16:creationId xmlns:a16="http://schemas.microsoft.com/office/drawing/2014/main" id="{74AD94F0-FB9B-1C48-B649-F95FF966C3D2}"/>
+              </a:ext>
+            </a:extLst>
+          </p:cNvPr>
+          <p:cNvSpPr>
+            <a:spLocks noGrp="1"/>
+          </p:cNvSpPr>
+          <p:nvPr>
+            <p:ph idx="1"/>
+          </p:nvPr>
+        </p:nvSpPr>
+        <p:spPr>
+          <a:xfrm>
+            <a:off x="4973046" y="714375"/>
+            <a:ext cx="6253751" cy="5076825"/>
+          </a:xfrm>
+        </p:spPr>
+        <p:txBody>
+          <a:bodyPr>
+            <a:normAutofit fontScale="85000" lnSpcReduction="10000"/>
+          </a:bodyPr>
+          <a:lstStyle/>
+          <a:p>
+            <a:pPr marL="0" indent="0">
+              <a:buNone/>
+            </a:pPr>
+            <a:r>
+              <a:rPr lang="en-US" dirty="0">
+                <a:effectLst/>
+              </a:rPr>
+              <a:t>Main Objective:</a:t>
+            </a:r>
+          </a:p>
+          <a:p>
+            <a:r>
+              <a:rPr lang="en-US" dirty="0">
+                <a:effectLst/>
+              </a:rPr>
+              <a:t>Should we start a taxi/rideshare service in San Diego, CA or Dallas, TX? The recommendation is based in terms of demand, competition, expected wage and safety.</a:t>
+            </a:r>
+          </a:p>
+          <a:p>
+            <a:pPr marL="0" indent="0">
+              <a:buNone/>
+            </a:pPr>
+            <a:r>
+              <a:rPr lang="en-US" dirty="0">
+                <a:effectLst/>
+              </a:rPr>
+              <a:t>Additional questions:</a:t>
+            </a:r>
+          </a:p>
+          <a:p>
+            <a:r>
+              <a:rPr lang="en-US" dirty="0">
+                <a:effectLst/>
+              </a:rPr>
+              <a:t>Where should I start a rideshare company? in San Diego or Dallas Counties.</a:t>
+            </a:r>
+          </a:p>
+          <a:p>
+            <a:pPr lvl="1"/>
+            <a:r>
+              <a:rPr lang="en-US" dirty="0">
+                <a:effectLst/>
+              </a:rPr>
+              <a:t>What is the age of passengers?</a:t>
+            </a:r>
+          </a:p>
+          <a:p>
+            <a:pPr lvl="1"/>
+            <a:r>
+              <a:rPr lang="en-US" dirty="0">
+                <a:effectLst/>
+              </a:rPr>
+              <a:t>How much money will someone make as a taxi/limo driver</a:t>
+            </a:r>
+          </a:p>
+          <a:p>
+            <a:r>
+              <a:rPr lang="en-US" dirty="0">
+                <a:effectLst/>
+              </a:rPr>
+              <a:t>Have safe is it to drive a car in San Diego or Dallas?</a:t>
+            </a:r>
+          </a:p>
+          <a:p>
+            <a:r>
+              <a:rPr lang="en-US" dirty="0">
+                <a:effectLst/>
+              </a:rPr>
+              <a:t>New York City  is the modern birthplace of ride hailing services in the United States. </a:t>
+            </a:r>
+          </a:p>
+          <a:p>
+            <a:pPr lvl="1"/>
+            <a:r>
+              <a:rPr lang="en-US" dirty="0">
+                <a:effectLst/>
+              </a:rPr>
+              <a:t>Why did we include this slide / data?</a:t>
+            </a:r>
+          </a:p>
+          <a:p>
+            <a:pPr lvl="1"/>
+            <a:r>
+              <a:rPr lang="en-US" dirty="0">
+                <a:effectLst/>
+              </a:rPr>
+              <a:t>What does the data show on taxi usage?</a:t>
+            </a:r>
+          </a:p>
+          <a:p>
+            <a:endParaRPr lang="en-US" dirty="0"/>
           </a:p>
         </p:txBody>
       </p:sp>
@@ -6030,6 +6666,30 @@
 <file path=ppt/slides/slide4.xml><?xml version="1.0" encoding="utf-8"?>
 <p:sld xmlns:a="http://schemas.openxmlformats.org/drawingml/2006/main" xmlns:r="http://schemas.openxmlformats.org/officeDocument/2006/relationships" xmlns:p="http://schemas.openxmlformats.org/presentationml/2006/main">
   <p:cSld>
+    <p:bg>
+      <p:bgPr>
+        <a:blipFill rotWithShape="1">
+          <a:blip r:embed="rId2">
+            <a:duotone>
+              <a:schemeClr val="bg2">
+                <a:shade val="28000"/>
+                <a:satMod val="94000"/>
+                <a:lumMod val="20000"/>
+              </a:schemeClr>
+              <a:schemeClr val="bg2">
+                <a:tint val="94000"/>
+                <a:shade val="84000"/>
+                <a:satMod val="148000"/>
+                <a:lumMod val="114000"/>
+              </a:schemeClr>
+            </a:duotone>
+            <a:extLst/>
+          </a:blip>
+          <a:stretch/>
+        </a:blipFill>
+        <a:effectLst/>
+      </p:bgPr>
+    </p:bg>
     <p:spTree>
       <p:nvGrpSpPr>
         <p:cNvPr id="1" name=""/>
@@ -6049,7 +6709,7 @@
           <p:cNvPr id="2" name="Title 1">
             <a:extLst>
               <a:ext uri="{FF2B5EF4-FFF2-40B4-BE49-F238E27FC236}">
-                <a16:creationId xmlns:a16="http://schemas.microsoft.com/office/drawing/2014/main" id="{D3E34A23-77B2-9C48-AD78-EB5BA1C2EBCA}"/>
+                <a16:creationId xmlns:a16="http://schemas.microsoft.com/office/drawing/2014/main" id="{12DF547D-2983-8A4B-BA4B-0188AFAACBA7}"/>
               </a:ext>
             </a:extLst>
           </p:cNvPr>
@@ -6062,27 +6722,29 @@
         </p:nvSpPr>
         <p:spPr>
           <a:xfrm>
-            <a:off x="609600" y="607359"/>
-            <a:ext cx="9905998" cy="918882"/>
+            <a:off x="7467600" y="914400"/>
+            <a:ext cx="5122606" cy="914400"/>
           </a:xfrm>
         </p:spPr>
         <p:txBody>
-          <a:bodyPr/>
+          <a:bodyPr vert="horz" lIns="91440" tIns="45720" rIns="91440" bIns="45720" rtlCol="0" anchor="ctr">
+            <a:normAutofit/>
+          </a:bodyPr>
           <a:lstStyle/>
           <a:p>
             <a:r>
               <a:rPr lang="en-US" dirty="0"/>
-              <a:t>Establishments</a:t>
-            </a:r>
-          </a:p>
-        </p:txBody>
-      </p:sp>
-      <p:sp>
-        <p:nvSpPr>
-          <p:cNvPr id="5" name="Content Placeholder 4">
+              <a:t>New York Taxis  </a:t>
+            </a:r>
+          </a:p>
+        </p:txBody>
+      </p:sp>
+      <p:sp>
+        <p:nvSpPr>
+          <p:cNvPr id="13" name="Content Placeholder 3">
             <a:extLst>
               <a:ext uri="{FF2B5EF4-FFF2-40B4-BE49-F238E27FC236}">
-                <a16:creationId xmlns:a16="http://schemas.microsoft.com/office/drawing/2014/main" id="{D803272E-6EFF-5D4A-AB7B-EA889E9BE7E8}"/>
+                <a16:creationId xmlns:a16="http://schemas.microsoft.com/office/drawing/2014/main" id="{2C335AAF-A1D5-A643-AB88-C93D00C1815D}"/>
               </a:ext>
             </a:extLst>
           </p:cNvPr>
@@ -6093,44 +6755,158 @@
             <p:ph sz="half" idx="1"/>
           </p:nvPr>
         </p:nvSpPr>
-        <p:spPr/>
-        <p:txBody>
-          <a:bodyPr/>
+        <p:spPr>
+          <a:xfrm>
+            <a:off x="7467600" y="1828800"/>
+            <a:ext cx="4709984" cy="4572000"/>
+          </a:xfrm>
+        </p:spPr>
+        <p:txBody>
+          <a:bodyPr vert="horz" lIns="91440" tIns="45720" rIns="91440" bIns="45720" rtlCol="0" anchor="t">
+            <a:normAutofit/>
+          </a:bodyPr>
           <a:lstStyle/>
           <a:p>
+            <a:pPr marL="0" indent="0">
+              <a:buNone/>
+            </a:pPr>
+            <a:r>
+              <a:rPr lang="en-US" dirty="0"/>
+              <a:t>Questions Asked:</a:t>
+            </a:r>
+          </a:p>
+          <a:p>
+            <a:r>
+              <a:rPr lang="en-US" dirty="0">
+                <a:effectLst/>
+              </a:rPr>
+              <a:t>Why did we include this slide / data?</a:t>
+            </a:r>
+          </a:p>
+          <a:p>
+            <a:r>
+              <a:rPr lang="en-US" dirty="0">
+                <a:effectLst/>
+              </a:rPr>
+              <a:t>What does the data show on taxi usage?</a:t>
+            </a:r>
+          </a:p>
+          <a:p>
+            <a:pPr marL="0" indent="0">
+              <a:buNone/>
+            </a:pPr>
             <a:endParaRPr lang="en-US" dirty="0"/>
           </a:p>
-        </p:txBody>
-      </p:sp>
-      <p:sp>
-        <p:nvSpPr>
-          <p:cNvPr id="6" name="Content Placeholder 5">
+          <a:p>
+            <a:pPr marL="0" indent="0">
+              <a:buNone/>
+            </a:pPr>
+            <a:r>
+              <a:rPr lang="en-US" dirty="0"/>
+              <a:t>Insight:</a:t>
+            </a:r>
+          </a:p>
+          <a:p>
+            <a:r>
+              <a:rPr lang="en-US" dirty="0">
+                <a:effectLst/>
+              </a:rPr>
+              <a:t>Taxi driving is well defined and regulated in cities like New York. We collected yellow taxi data to understand recent trends in fares and miles driven. See fig below-</a:t>
+            </a:r>
+          </a:p>
+          <a:p>
+            <a:r>
+              <a:rPr lang="en-US" i="1" dirty="0">
+                <a:effectLst/>
+              </a:rPr>
+              <a:t>On an average, a taxi driver drives 3 miles and charges around $15 per trip. </a:t>
+            </a:r>
+            <a:endParaRPr lang="en-US" dirty="0">
+              <a:effectLst/>
+            </a:endParaRPr>
+          </a:p>
+          <a:p>
+            <a:pPr marL="0" indent="0">
+              <a:buNone/>
+            </a:pPr>
+            <a:endParaRPr lang="en-US" dirty="0"/>
+          </a:p>
+        </p:txBody>
+      </p:sp>
+      <p:sp>
+        <p:nvSpPr>
+          <p:cNvPr id="15" name="TextBox 14">
             <a:extLst>
               <a:ext uri="{FF2B5EF4-FFF2-40B4-BE49-F238E27FC236}">
-                <a16:creationId xmlns:a16="http://schemas.microsoft.com/office/drawing/2014/main" id="{3C7BE1D5-FF7B-414F-8A97-D27867A76D3A}"/>
+                <a16:creationId xmlns:a16="http://schemas.microsoft.com/office/drawing/2014/main" id="{B239CC83-BE04-D243-9487-985E3A9E8D08}"/>
               </a:ext>
             </a:extLst>
           </p:cNvPr>
-          <p:cNvSpPr>
-            <a:spLocks noGrp="1"/>
-          </p:cNvSpPr>
-          <p:nvPr>
-            <p:ph sz="half" idx="2"/>
-          </p:nvPr>
-        </p:nvSpPr>
-        <p:spPr/>
-        <p:txBody>
-          <a:bodyPr/>
+          <p:cNvSpPr txBox="1"/>
+          <p:nvPr/>
+        </p:nvSpPr>
+        <p:spPr>
+          <a:xfrm>
+            <a:off x="7405816" y="6414071"/>
+            <a:ext cx="4709984" cy="276999"/>
+          </a:xfrm>
+          <a:prstGeom prst="rect">
+            <a:avLst/>
+          </a:prstGeom>
+          <a:noFill/>
+        </p:spPr>
+        <p:txBody>
+          <a:bodyPr wrap="square" rtlCol="0">
+            <a:spAutoFit/>
+          </a:bodyPr>
           <a:lstStyle/>
           <a:p>
-            <a:endParaRPr lang="en-US" dirty="0"/>
-          </a:p>
-        </p:txBody>
-      </p:sp>
+            <a:r>
+              <a:rPr lang="en-US" sz="1200" dirty="0"/>
+              <a:t>source:   https://</a:t>
+            </a:r>
+            <a:r>
+              <a:rPr lang="en-US" sz="1200" dirty="0" err="1"/>
+              <a:t>opendata.cityofnewyork.us</a:t>
+            </a:r>
+            <a:endParaRPr lang="en-US" sz="1200" dirty="0"/>
+          </a:p>
+        </p:txBody>
+      </p:sp>
+      <p:pic>
+        <p:nvPicPr>
+          <p:cNvPr id="4" name="Picture 3" descr="A screenshot of a cell phone&#10;&#10;Description automatically generated">
+            <a:extLst>
+              <a:ext uri="{FF2B5EF4-FFF2-40B4-BE49-F238E27FC236}">
+                <a16:creationId xmlns:a16="http://schemas.microsoft.com/office/drawing/2014/main" id="{28FFE712-9495-974C-9547-A5608AD7EC09}"/>
+              </a:ext>
+            </a:extLst>
+          </p:cNvPr>
+          <p:cNvPicPr>
+            <a:picLocks noChangeAspect="1"/>
+          </p:cNvPicPr>
+          <p:nvPr/>
+        </p:nvPicPr>
+        <p:blipFill>
+          <a:blip r:embed="rId3"/>
+          <a:stretch>
+            <a:fillRect/>
+          </a:stretch>
+        </p:blipFill>
+        <p:spPr>
+          <a:xfrm>
+            <a:off x="309349" y="1828800"/>
+            <a:ext cx="5486400" cy="3657600"/>
+          </a:xfrm>
+          <a:prstGeom prst="rect">
+            <a:avLst/>
+          </a:prstGeom>
+        </p:spPr>
+      </p:pic>
     </p:spTree>
     <p:extLst>
       <p:ext uri="{BB962C8B-B14F-4D97-AF65-F5344CB8AC3E}">
-        <p14:creationId xmlns:p14="http://schemas.microsoft.com/office/powerpoint/2010/main" val="3129810909"/>
+        <p14:creationId xmlns:p14="http://schemas.microsoft.com/office/powerpoint/2010/main" val="2551876641"/>
       </p:ext>
     </p:extLst>
   </p:cSld>
@@ -6141,6 +6917,2771 @@
 </file>
 
 <file path=ppt/slides/slide5.xml><?xml version="1.0" encoding="utf-8"?>
+<p:sld xmlns:a="http://schemas.openxmlformats.org/drawingml/2006/main" xmlns:r="http://schemas.openxmlformats.org/officeDocument/2006/relationships" xmlns:p="http://schemas.openxmlformats.org/presentationml/2006/main">
+  <p:cSld>
+    <p:bg>
+      <p:bgPr>
+        <a:blipFill rotWithShape="1">
+          <a:blip r:embed="rId2">
+            <a:duotone>
+              <a:schemeClr val="bg2">
+                <a:shade val="28000"/>
+                <a:satMod val="94000"/>
+                <a:lumMod val="20000"/>
+              </a:schemeClr>
+              <a:schemeClr val="bg2">
+                <a:tint val="94000"/>
+                <a:shade val="84000"/>
+                <a:satMod val="148000"/>
+                <a:lumMod val="114000"/>
+              </a:schemeClr>
+            </a:duotone>
+            <a:extLst/>
+          </a:blip>
+          <a:stretch/>
+        </a:blipFill>
+        <a:effectLst/>
+      </p:bgPr>
+    </p:bg>
+    <p:spTree>
+      <p:nvGrpSpPr>
+        <p:cNvPr id="1" name=""/>
+        <p:cNvGrpSpPr/>
+        <p:nvPr/>
+      </p:nvGrpSpPr>
+      <p:grpSpPr>
+        <a:xfrm>
+          <a:off x="0" y="0"/>
+          <a:ext cx="0" cy="0"/>
+          <a:chOff x="0" y="0"/>
+          <a:chExt cx="0" cy="0"/>
+        </a:xfrm>
+      </p:grpSpPr>
+      <p:sp>
+        <p:nvSpPr>
+          <p:cNvPr id="2" name="Title 1">
+            <a:extLst>
+              <a:ext uri="{FF2B5EF4-FFF2-40B4-BE49-F238E27FC236}">
+                <a16:creationId xmlns:a16="http://schemas.microsoft.com/office/drawing/2014/main" id="{D1C2A00E-7D49-6B47-B595-C08AE0AE6343}"/>
+              </a:ext>
+            </a:extLst>
+          </p:cNvPr>
+          <p:cNvSpPr>
+            <a:spLocks noGrp="1"/>
+          </p:cNvSpPr>
+          <p:nvPr>
+            <p:ph type="title"/>
+          </p:nvPr>
+        </p:nvSpPr>
+        <p:spPr>
+          <a:xfrm>
+            <a:off x="7467601" y="921774"/>
+            <a:ext cx="4709984" cy="907026"/>
+          </a:xfrm>
+        </p:spPr>
+        <p:txBody>
+          <a:bodyPr vert="horz" lIns="91440" tIns="45720" rIns="91440" bIns="45720" rtlCol="0" anchor="ctr">
+            <a:normAutofit/>
+          </a:bodyPr>
+          <a:lstStyle/>
+          <a:p>
+            <a:r>
+              <a:rPr lang="en-US" sz="4400" dirty="0"/>
+              <a:t>Demographics</a:t>
+            </a:r>
+          </a:p>
+        </p:txBody>
+      </p:sp>
+      <p:sp>
+        <p:nvSpPr>
+          <p:cNvPr id="4" name="Content Placeholder 3">
+            <a:extLst>
+              <a:ext uri="{FF2B5EF4-FFF2-40B4-BE49-F238E27FC236}">
+                <a16:creationId xmlns:a16="http://schemas.microsoft.com/office/drawing/2014/main" id="{E746DCD3-DF3C-6A4F-A80D-46942662E5AB}"/>
+              </a:ext>
+            </a:extLst>
+          </p:cNvPr>
+          <p:cNvSpPr>
+            <a:spLocks noGrp="1"/>
+          </p:cNvSpPr>
+          <p:nvPr>
+            <p:ph sz="half" idx="1"/>
+          </p:nvPr>
+        </p:nvSpPr>
+        <p:spPr>
+          <a:xfrm>
+            <a:off x="7467600" y="1828800"/>
+            <a:ext cx="4709984" cy="4572000"/>
+          </a:xfrm>
+        </p:spPr>
+        <p:txBody>
+          <a:bodyPr vert="horz" lIns="91440" tIns="45720" rIns="91440" bIns="45720" rtlCol="0" anchor="t">
+            <a:normAutofit/>
+          </a:bodyPr>
+          <a:lstStyle/>
+          <a:p>
+            <a:pPr marL="0" indent="0">
+              <a:buNone/>
+            </a:pPr>
+            <a:r>
+              <a:rPr lang="en-US" dirty="0"/>
+              <a:t>Questions Asked:</a:t>
+            </a:r>
+          </a:p>
+          <a:p>
+            <a:r>
+              <a:rPr lang="en-US" dirty="0"/>
+              <a:t>Why we choose San Diego and Dallas?</a:t>
+            </a:r>
+          </a:p>
+          <a:p>
+            <a:r>
+              <a:rPr lang="en-US" dirty="0"/>
+              <a:t>What is the average age of the rider?</a:t>
+            </a:r>
+          </a:p>
+          <a:p>
+            <a:endParaRPr lang="en-US" dirty="0"/>
+          </a:p>
+          <a:p>
+            <a:pPr marL="0" indent="0">
+              <a:buNone/>
+            </a:pPr>
+            <a:r>
+              <a:rPr lang="en-US" dirty="0"/>
+              <a:t>Insight</a:t>
+            </a:r>
+          </a:p>
+          <a:p>
+            <a:r>
+              <a:rPr lang="en-US" i="1" dirty="0">
+                <a:effectLst/>
+              </a:rPr>
+              <a:t>The median ages and Population of San Diego and Dallas counties, are very similar . Good for our main question.</a:t>
+            </a:r>
+            <a:endParaRPr lang="en-US" dirty="0">
+              <a:effectLst/>
+            </a:endParaRPr>
+          </a:p>
+          <a:p>
+            <a:endParaRPr lang="en-US" dirty="0"/>
+          </a:p>
+        </p:txBody>
+      </p:sp>
+      <p:sp>
+        <p:nvSpPr>
+          <p:cNvPr id="8" name="TextBox 7">
+            <a:extLst>
+              <a:ext uri="{FF2B5EF4-FFF2-40B4-BE49-F238E27FC236}">
+                <a16:creationId xmlns:a16="http://schemas.microsoft.com/office/drawing/2014/main" id="{B4DBECE5-A0FC-664C-B268-ACD1BFD6A0AB}"/>
+              </a:ext>
+            </a:extLst>
+          </p:cNvPr>
+          <p:cNvSpPr txBox="1"/>
+          <p:nvPr/>
+        </p:nvSpPr>
+        <p:spPr>
+          <a:xfrm>
+            <a:off x="7405816" y="6414071"/>
+            <a:ext cx="4709984" cy="276999"/>
+          </a:xfrm>
+          <a:prstGeom prst="rect">
+            <a:avLst/>
+          </a:prstGeom>
+          <a:noFill/>
+        </p:spPr>
+        <p:txBody>
+          <a:bodyPr wrap="square" rtlCol="0">
+            <a:spAutoFit/>
+          </a:bodyPr>
+          <a:lstStyle/>
+          <a:p>
+            <a:r>
+              <a:rPr lang="en-US" sz="1200" i="1" dirty="0"/>
+              <a:t>source:   https://</a:t>
+            </a:r>
+            <a:r>
+              <a:rPr lang="en-US" sz="1200" i="1" dirty="0" err="1"/>
+              <a:t>suburbanstats.org</a:t>
+            </a:r>
+            <a:endParaRPr lang="en-US" sz="1200" i="1" dirty="0"/>
+          </a:p>
+        </p:txBody>
+      </p:sp>
+      <p:pic>
+        <p:nvPicPr>
+          <p:cNvPr id="10" name="Content Placeholder 9" descr="A screenshot of a cell phone&#10;&#10;Description automatically generated">
+            <a:extLst>
+              <a:ext uri="{FF2B5EF4-FFF2-40B4-BE49-F238E27FC236}">
+                <a16:creationId xmlns:a16="http://schemas.microsoft.com/office/drawing/2014/main" id="{41490527-C6B3-B743-A74E-B06C78417777}"/>
+              </a:ext>
+            </a:extLst>
+          </p:cNvPr>
+          <p:cNvPicPr>
+            <a:picLocks noGrp="1" noChangeAspect="1"/>
+          </p:cNvPicPr>
+          <p:nvPr>
+            <p:ph sz="half" idx="2"/>
+          </p:nvPr>
+        </p:nvPicPr>
+        <p:blipFill>
+          <a:blip r:embed="rId3"/>
+          <a:stretch>
+            <a:fillRect/>
+          </a:stretch>
+        </p:blipFill>
+        <p:spPr>
+          <a:xfrm>
+            <a:off x="208532" y="1828799"/>
+            <a:ext cx="5891484" cy="1295142"/>
+          </a:xfrm>
+        </p:spPr>
+      </p:pic>
+      <p:pic>
+        <p:nvPicPr>
+          <p:cNvPr id="12" name="Picture 11" descr="A screenshot of a cell phone&#10;&#10;Description automatically generated">
+            <a:extLst>
+              <a:ext uri="{FF2B5EF4-FFF2-40B4-BE49-F238E27FC236}">
+                <a16:creationId xmlns:a16="http://schemas.microsoft.com/office/drawing/2014/main" id="{317EA95A-C4B1-FF46-9B26-C59D6251B3E3}"/>
+              </a:ext>
+            </a:extLst>
+          </p:cNvPr>
+          <p:cNvPicPr>
+            <a:picLocks noChangeAspect="1"/>
+          </p:cNvPicPr>
+          <p:nvPr/>
+        </p:nvPicPr>
+        <p:blipFill>
+          <a:blip r:embed="rId4"/>
+          <a:stretch>
+            <a:fillRect/>
+          </a:stretch>
+        </p:blipFill>
+        <p:spPr>
+          <a:xfrm>
+            <a:off x="216986" y="3220494"/>
+            <a:ext cx="5891484" cy="1406097"/>
+          </a:xfrm>
+          <a:prstGeom prst="rect">
+            <a:avLst/>
+          </a:prstGeom>
+        </p:spPr>
+      </p:pic>
+    </p:spTree>
+    <p:extLst>
+      <p:ext uri="{BB962C8B-B14F-4D97-AF65-F5344CB8AC3E}">
+        <p14:creationId xmlns:p14="http://schemas.microsoft.com/office/powerpoint/2010/main" val="1742857253"/>
+      </p:ext>
+    </p:extLst>
+  </p:cSld>
+  <p:clrMapOvr>
+    <a:masterClrMapping/>
+  </p:clrMapOvr>
+</p:sld>
+</file>
+
+<file path=ppt/slides/slide6.xml><?xml version="1.0" encoding="utf-8"?>
+<p:sld xmlns:a="http://schemas.openxmlformats.org/drawingml/2006/main" xmlns:r="http://schemas.openxmlformats.org/officeDocument/2006/relationships" xmlns:p="http://schemas.openxmlformats.org/presentationml/2006/main">
+  <p:cSld>
+    <p:bg>
+      <p:bgPr>
+        <a:blipFill rotWithShape="1">
+          <a:blip r:embed="rId2">
+            <a:duotone>
+              <a:schemeClr val="bg2">
+                <a:shade val="28000"/>
+                <a:satMod val="94000"/>
+                <a:lumMod val="20000"/>
+              </a:schemeClr>
+              <a:schemeClr val="bg2">
+                <a:tint val="94000"/>
+                <a:shade val="84000"/>
+                <a:satMod val="148000"/>
+                <a:lumMod val="114000"/>
+              </a:schemeClr>
+            </a:duotone>
+            <a:extLst/>
+          </a:blip>
+          <a:stretch/>
+        </a:blipFill>
+        <a:effectLst/>
+      </p:bgPr>
+    </p:bg>
+    <p:spTree>
+      <p:nvGrpSpPr>
+        <p:cNvPr id="1" name=""/>
+        <p:cNvGrpSpPr/>
+        <p:nvPr/>
+      </p:nvGrpSpPr>
+      <p:grpSpPr>
+        <a:xfrm>
+          <a:off x="0" y="0"/>
+          <a:ext cx="0" cy="0"/>
+          <a:chOff x="0" y="0"/>
+          <a:chExt cx="0" cy="0"/>
+        </a:xfrm>
+      </p:grpSpPr>
+      <p:sp>
+        <p:nvSpPr>
+          <p:cNvPr id="2" name="Title 1">
+            <a:extLst>
+              <a:ext uri="{FF2B5EF4-FFF2-40B4-BE49-F238E27FC236}">
+                <a16:creationId xmlns:a16="http://schemas.microsoft.com/office/drawing/2014/main" id="{D1C2A00E-7D49-6B47-B595-C08AE0AE6343}"/>
+              </a:ext>
+            </a:extLst>
+          </p:cNvPr>
+          <p:cNvSpPr>
+            <a:spLocks noGrp="1"/>
+          </p:cNvSpPr>
+          <p:nvPr>
+            <p:ph type="title"/>
+          </p:nvPr>
+        </p:nvSpPr>
+        <p:spPr>
+          <a:xfrm>
+            <a:off x="7467600" y="916458"/>
+            <a:ext cx="4724400" cy="912342"/>
+          </a:xfrm>
+        </p:spPr>
+        <p:txBody>
+          <a:bodyPr vert="horz" lIns="91440" tIns="45720" rIns="91440" bIns="45720" rtlCol="0" anchor="b">
+            <a:normAutofit/>
+          </a:bodyPr>
+          <a:lstStyle/>
+          <a:p>
+            <a:pPr algn="ctr"/>
+            <a:r>
+              <a:rPr lang="en-US" sz="4400" dirty="0">
+                <a:effectLst>
+                  <a:glow rad="38100">
+                    <a:schemeClr val="bg1">
+                      <a:lumMod val="65000"/>
+                      <a:lumOff val="35000"/>
+                      <a:alpha val="50000"/>
+                    </a:schemeClr>
+                  </a:glow>
+                  <a:outerShdw blurRad="28575" dist="31750" dir="13200000" algn="tl" rotWithShape="0">
+                    <a:srgbClr val="000000">
+                      <a:alpha val="25000"/>
+                    </a:srgbClr>
+                  </a:outerShdw>
+                </a:effectLst>
+              </a:rPr>
+              <a:t>Establishments</a:t>
+            </a:r>
+            <a:endParaRPr lang="en-US" dirty="0">
+              <a:effectLst>
+                <a:glow rad="38100">
+                  <a:schemeClr val="bg1">
+                    <a:lumMod val="65000"/>
+                    <a:lumOff val="35000"/>
+                    <a:alpha val="50000"/>
+                  </a:schemeClr>
+                </a:glow>
+                <a:outerShdw blurRad="28575" dist="31750" dir="13200000" algn="tl" rotWithShape="0">
+                  <a:srgbClr val="000000">
+                    <a:alpha val="25000"/>
+                  </a:srgbClr>
+                </a:outerShdw>
+              </a:effectLst>
+            </a:endParaRPr>
+          </a:p>
+        </p:txBody>
+      </p:sp>
+      <p:sp>
+        <p:nvSpPr>
+          <p:cNvPr id="5" name="Content Placeholder 3">
+            <a:extLst>
+              <a:ext uri="{FF2B5EF4-FFF2-40B4-BE49-F238E27FC236}">
+                <a16:creationId xmlns:a16="http://schemas.microsoft.com/office/drawing/2014/main" id="{AC1CAF84-DBFB-AB4A-AC26-FBCDE61A1DB3}"/>
+              </a:ext>
+            </a:extLst>
+          </p:cNvPr>
+          <p:cNvSpPr txBox="1">
+            <a:spLocks/>
+          </p:cNvSpPr>
+          <p:nvPr/>
+        </p:nvSpPr>
+        <p:spPr>
+          <a:xfrm>
+            <a:off x="7467600" y="1906765"/>
+            <a:ext cx="4233259" cy="4572000"/>
+          </a:xfrm>
+          <a:prstGeom prst="rect">
+            <a:avLst/>
+          </a:prstGeom>
+        </p:spPr>
+        <p:txBody>
+          <a:bodyPr vert="horz" lIns="91440" tIns="45720" rIns="91440" bIns="45720" rtlCol="0" anchor="t">
+            <a:normAutofit/>
+          </a:bodyPr>
+          <a:lstStyle>
+            <a:lvl1pPr marL="285750" indent="-285750" algn="l" defTabSz="457200" rtl="0" eaLnBrk="1" latinLnBrk="0" hangingPunct="1">
+              <a:spcBef>
+                <a:spcPct val="20000"/>
+              </a:spcBef>
+              <a:spcAft>
+                <a:spcPts val="600"/>
+              </a:spcAft>
+              <a:buClr>
+                <a:schemeClr val="accent1"/>
+              </a:buClr>
+              <a:buSzPct val="100000"/>
+              <a:buFont typeface="Arial"/>
+              <a:buChar char="•"/>
+              <a:defRPr sz="1800" kern="1200" cap="small">
+                <a:solidFill>
+                  <a:schemeClr val="tx1"/>
+                </a:solidFill>
+                <a:effectLst>
+                  <a:glow rad="38100">
+                    <a:schemeClr val="bg1">
+                      <a:lumMod val="50000"/>
+                      <a:lumOff val="50000"/>
+                      <a:alpha val="20000"/>
+                    </a:schemeClr>
+                  </a:glow>
+                  <a:outerShdw blurRad="44450" dist="12700" dir="13860000" algn="tl" rotWithShape="0">
+                    <a:srgbClr val="000000">
+                      <a:alpha val="20000"/>
+                    </a:srgbClr>
+                  </a:outerShdw>
+                </a:effectLst>
+                <a:latin typeface="+mn-lt"/>
+                <a:ea typeface="+mn-ea"/>
+                <a:cs typeface="+mn-cs"/>
+              </a:defRPr>
+            </a:lvl1pPr>
+            <a:lvl2pPr marL="742950" indent="-285750" algn="l" defTabSz="457200" rtl="0" eaLnBrk="1" latinLnBrk="0" hangingPunct="1">
+              <a:spcBef>
+                <a:spcPct val="20000"/>
+              </a:spcBef>
+              <a:spcAft>
+                <a:spcPts val="600"/>
+              </a:spcAft>
+              <a:buClr>
+                <a:schemeClr val="accent1"/>
+              </a:buClr>
+              <a:buSzPct val="100000"/>
+              <a:buFont typeface="Arial"/>
+              <a:buChar char="•"/>
+              <a:defRPr sz="1600" kern="1200" cap="small">
+                <a:solidFill>
+                  <a:schemeClr val="tx1"/>
+                </a:solidFill>
+                <a:effectLst>
+                  <a:glow rad="38100">
+                    <a:schemeClr val="bg1">
+                      <a:lumMod val="50000"/>
+                      <a:lumOff val="50000"/>
+                      <a:alpha val="20000"/>
+                    </a:schemeClr>
+                  </a:glow>
+                  <a:outerShdw blurRad="44450" dist="12700" dir="13860000" algn="tl" rotWithShape="0">
+                    <a:srgbClr val="000000">
+                      <a:alpha val="20000"/>
+                    </a:srgbClr>
+                  </a:outerShdw>
+                </a:effectLst>
+                <a:latin typeface="+mn-lt"/>
+                <a:ea typeface="+mn-ea"/>
+                <a:cs typeface="+mn-cs"/>
+              </a:defRPr>
+            </a:lvl2pPr>
+            <a:lvl3pPr marL="1200150" indent="-285750" algn="l" defTabSz="457200" rtl="0" eaLnBrk="1" latinLnBrk="0" hangingPunct="1">
+              <a:spcBef>
+                <a:spcPct val="20000"/>
+              </a:spcBef>
+              <a:spcAft>
+                <a:spcPts val="600"/>
+              </a:spcAft>
+              <a:buClr>
+                <a:schemeClr val="accent1"/>
+              </a:buClr>
+              <a:buSzPct val="100000"/>
+              <a:buFont typeface="Arial"/>
+              <a:buChar char="•"/>
+              <a:defRPr sz="1400" kern="1200" cap="small">
+                <a:solidFill>
+                  <a:schemeClr val="tx1"/>
+                </a:solidFill>
+                <a:effectLst>
+                  <a:glow rad="38100">
+                    <a:schemeClr val="bg1">
+                      <a:lumMod val="50000"/>
+                      <a:lumOff val="50000"/>
+                      <a:alpha val="20000"/>
+                    </a:schemeClr>
+                  </a:glow>
+                  <a:outerShdw blurRad="44450" dist="12700" dir="13860000" algn="tl" rotWithShape="0">
+                    <a:srgbClr val="000000">
+                      <a:alpha val="20000"/>
+                    </a:srgbClr>
+                  </a:outerShdw>
+                </a:effectLst>
+                <a:latin typeface="+mn-lt"/>
+                <a:ea typeface="+mn-ea"/>
+                <a:cs typeface="+mn-cs"/>
+              </a:defRPr>
+            </a:lvl3pPr>
+            <a:lvl4pPr marL="1543050" indent="-171450" algn="l" defTabSz="457200" rtl="0" eaLnBrk="1" latinLnBrk="0" hangingPunct="1">
+              <a:spcBef>
+                <a:spcPct val="20000"/>
+              </a:spcBef>
+              <a:spcAft>
+                <a:spcPts val="600"/>
+              </a:spcAft>
+              <a:buClr>
+                <a:schemeClr val="accent1"/>
+              </a:buClr>
+              <a:buSzPct val="100000"/>
+              <a:buFont typeface="Arial"/>
+              <a:buChar char="•"/>
+              <a:defRPr sz="1200" kern="1200" cap="small">
+                <a:solidFill>
+                  <a:schemeClr val="tx1"/>
+                </a:solidFill>
+                <a:effectLst>
+                  <a:glow rad="38100">
+                    <a:schemeClr val="bg1">
+                      <a:lumMod val="50000"/>
+                      <a:lumOff val="50000"/>
+                      <a:alpha val="20000"/>
+                    </a:schemeClr>
+                  </a:glow>
+                  <a:outerShdw blurRad="44450" dist="12700" dir="13860000" algn="tl" rotWithShape="0">
+                    <a:srgbClr val="000000">
+                      <a:alpha val="20000"/>
+                    </a:srgbClr>
+                  </a:outerShdw>
+                </a:effectLst>
+                <a:latin typeface="+mn-lt"/>
+                <a:ea typeface="+mn-ea"/>
+                <a:cs typeface="+mn-cs"/>
+              </a:defRPr>
+            </a:lvl4pPr>
+            <a:lvl5pPr marL="2000250" indent="-171450" algn="l" defTabSz="457200" rtl="0" eaLnBrk="1" latinLnBrk="0" hangingPunct="1">
+              <a:spcBef>
+                <a:spcPct val="20000"/>
+              </a:spcBef>
+              <a:spcAft>
+                <a:spcPts val="600"/>
+              </a:spcAft>
+              <a:buClr>
+                <a:schemeClr val="accent1"/>
+              </a:buClr>
+              <a:buSzPct val="100000"/>
+              <a:buFont typeface="Arial"/>
+              <a:buChar char="•"/>
+              <a:defRPr sz="1200" kern="1200" cap="small">
+                <a:solidFill>
+                  <a:schemeClr val="tx1"/>
+                </a:solidFill>
+                <a:effectLst>
+                  <a:glow rad="38100">
+                    <a:schemeClr val="bg1">
+                      <a:lumMod val="50000"/>
+                      <a:lumOff val="50000"/>
+                      <a:alpha val="20000"/>
+                    </a:schemeClr>
+                  </a:glow>
+                  <a:outerShdw blurRad="44450" dist="12700" dir="13860000" algn="tl" rotWithShape="0">
+                    <a:srgbClr val="000000">
+                      <a:alpha val="20000"/>
+                    </a:srgbClr>
+                  </a:outerShdw>
+                </a:effectLst>
+                <a:latin typeface="+mn-lt"/>
+                <a:ea typeface="+mn-ea"/>
+                <a:cs typeface="+mn-cs"/>
+              </a:defRPr>
+            </a:lvl5pPr>
+            <a:lvl6pPr marL="2514600" indent="-228600" algn="l" defTabSz="457200" rtl="0" eaLnBrk="1" latinLnBrk="0" hangingPunct="1">
+              <a:spcBef>
+                <a:spcPct val="20000"/>
+              </a:spcBef>
+              <a:spcAft>
+                <a:spcPts val="600"/>
+              </a:spcAft>
+              <a:buClr>
+                <a:schemeClr val="accent1"/>
+              </a:buClr>
+              <a:buSzPct val="100000"/>
+              <a:buFont typeface="Arial"/>
+              <a:buChar char="•"/>
+              <a:defRPr sz="1200" kern="1200" cap="small">
+                <a:solidFill>
+                  <a:schemeClr val="tx1"/>
+                </a:solidFill>
+                <a:effectLst>
+                  <a:glow rad="38100">
+                    <a:schemeClr val="bg1">
+                      <a:lumMod val="50000"/>
+                      <a:lumOff val="50000"/>
+                      <a:alpha val="20000"/>
+                    </a:schemeClr>
+                  </a:glow>
+                  <a:outerShdw blurRad="44450" dist="12700" dir="13860000" algn="tl" rotWithShape="0">
+                    <a:srgbClr val="000000">
+                      <a:alpha val="20000"/>
+                    </a:srgbClr>
+                  </a:outerShdw>
+                </a:effectLst>
+                <a:latin typeface="+mn-lt"/>
+                <a:ea typeface="+mn-ea"/>
+                <a:cs typeface="+mn-cs"/>
+              </a:defRPr>
+            </a:lvl6pPr>
+            <a:lvl7pPr marL="2971800" indent="-228600" algn="l" defTabSz="457200" rtl="0" eaLnBrk="1" latinLnBrk="0" hangingPunct="1">
+              <a:spcBef>
+                <a:spcPct val="20000"/>
+              </a:spcBef>
+              <a:spcAft>
+                <a:spcPts val="600"/>
+              </a:spcAft>
+              <a:buClr>
+                <a:schemeClr val="accent1"/>
+              </a:buClr>
+              <a:buSzPct val="100000"/>
+              <a:buFont typeface="Arial"/>
+              <a:buChar char="•"/>
+              <a:defRPr sz="1200" kern="1200" cap="small">
+                <a:solidFill>
+                  <a:schemeClr val="tx1"/>
+                </a:solidFill>
+                <a:effectLst>
+                  <a:glow rad="38100">
+                    <a:schemeClr val="bg1">
+                      <a:lumMod val="50000"/>
+                      <a:lumOff val="50000"/>
+                      <a:alpha val="20000"/>
+                    </a:schemeClr>
+                  </a:glow>
+                  <a:outerShdw blurRad="44450" dist="12700" dir="13860000" algn="tl" rotWithShape="0">
+                    <a:srgbClr val="000000">
+                      <a:alpha val="20000"/>
+                    </a:srgbClr>
+                  </a:outerShdw>
+                </a:effectLst>
+                <a:latin typeface="+mn-lt"/>
+                <a:ea typeface="+mn-ea"/>
+                <a:cs typeface="+mn-cs"/>
+              </a:defRPr>
+            </a:lvl7pPr>
+            <a:lvl8pPr marL="3429000" indent="-228600" algn="l" defTabSz="457200" rtl="0" eaLnBrk="1" latinLnBrk="0" hangingPunct="1">
+              <a:spcBef>
+                <a:spcPct val="20000"/>
+              </a:spcBef>
+              <a:spcAft>
+                <a:spcPts val="600"/>
+              </a:spcAft>
+              <a:buClr>
+                <a:schemeClr val="accent1"/>
+              </a:buClr>
+              <a:buSzPct val="100000"/>
+              <a:buFont typeface="Arial"/>
+              <a:buChar char="•"/>
+              <a:defRPr sz="1200" kern="1200" cap="small">
+                <a:solidFill>
+                  <a:schemeClr val="tx1"/>
+                </a:solidFill>
+                <a:effectLst>
+                  <a:glow rad="38100">
+                    <a:schemeClr val="bg1">
+                      <a:lumMod val="50000"/>
+                      <a:lumOff val="50000"/>
+                      <a:alpha val="20000"/>
+                    </a:schemeClr>
+                  </a:glow>
+                  <a:outerShdw blurRad="44450" dist="12700" dir="13860000" algn="tl" rotWithShape="0">
+                    <a:srgbClr val="000000">
+                      <a:alpha val="20000"/>
+                    </a:srgbClr>
+                  </a:outerShdw>
+                </a:effectLst>
+                <a:latin typeface="+mn-lt"/>
+                <a:ea typeface="+mn-ea"/>
+                <a:cs typeface="+mn-cs"/>
+              </a:defRPr>
+            </a:lvl8pPr>
+            <a:lvl9pPr marL="3886200" indent="-228600" algn="l" defTabSz="457200" rtl="0" eaLnBrk="1" latinLnBrk="0" hangingPunct="1">
+              <a:spcBef>
+                <a:spcPct val="20000"/>
+              </a:spcBef>
+              <a:spcAft>
+                <a:spcPts val="600"/>
+              </a:spcAft>
+              <a:buClr>
+                <a:schemeClr val="accent1"/>
+              </a:buClr>
+              <a:buSzPct val="100000"/>
+              <a:buFont typeface="Arial"/>
+              <a:buChar char="•"/>
+              <a:defRPr sz="1200" kern="1200" cap="small">
+                <a:solidFill>
+                  <a:schemeClr val="tx1"/>
+                </a:solidFill>
+                <a:effectLst>
+                  <a:glow rad="38100">
+                    <a:schemeClr val="bg1">
+                      <a:lumMod val="50000"/>
+                      <a:lumOff val="50000"/>
+                      <a:alpha val="20000"/>
+                    </a:schemeClr>
+                  </a:glow>
+                  <a:outerShdw blurRad="44450" dist="12700" dir="13860000" algn="tl" rotWithShape="0">
+                    <a:srgbClr val="000000">
+                      <a:alpha val="20000"/>
+                    </a:srgbClr>
+                  </a:outerShdw>
+                </a:effectLst>
+                <a:latin typeface="+mn-lt"/>
+                <a:ea typeface="+mn-ea"/>
+                <a:cs typeface="+mn-cs"/>
+              </a:defRPr>
+            </a:lvl9pPr>
+          </a:lstStyle>
+          <a:p>
+            <a:pPr marL="0" indent="0">
+              <a:buFont typeface="Arial"/>
+              <a:buNone/>
+            </a:pPr>
+            <a:r>
+              <a:rPr lang="en-US" dirty="0"/>
+              <a:t>Questions Asked:</a:t>
+            </a:r>
+          </a:p>
+          <a:p>
+            <a:r>
+              <a:rPr lang="en-US" dirty="0"/>
+              <a:t>How many companies are involved in Ride handling?</a:t>
+            </a:r>
+          </a:p>
+          <a:p>
+            <a:endParaRPr lang="en-US" dirty="0"/>
+          </a:p>
+          <a:p>
+            <a:pPr marL="0" indent="0">
+              <a:buFont typeface="Arial"/>
+              <a:buNone/>
+            </a:pPr>
+            <a:r>
+              <a:rPr lang="en-US" dirty="0"/>
+              <a:t>Insight</a:t>
+            </a:r>
+          </a:p>
+          <a:p>
+            <a:r>
+              <a:rPr lang="en-US" i="1" dirty="0">
+                <a:effectLst/>
+              </a:rPr>
+              <a:t>Both counties have seen a decline in the number of establishments</a:t>
+            </a:r>
+            <a:endParaRPr lang="en-US" dirty="0">
+              <a:effectLst/>
+            </a:endParaRPr>
+          </a:p>
+          <a:p>
+            <a:endParaRPr lang="en-US" dirty="0"/>
+          </a:p>
+        </p:txBody>
+      </p:sp>
+      <p:sp>
+        <p:nvSpPr>
+          <p:cNvPr id="8" name="TextBox 7">
+            <a:extLst>
+              <a:ext uri="{FF2B5EF4-FFF2-40B4-BE49-F238E27FC236}">
+                <a16:creationId xmlns:a16="http://schemas.microsoft.com/office/drawing/2014/main" id="{217510DE-64A2-4C41-9B92-375416397A5A}"/>
+              </a:ext>
+            </a:extLst>
+          </p:cNvPr>
+          <p:cNvSpPr txBox="1"/>
+          <p:nvPr/>
+        </p:nvSpPr>
+        <p:spPr>
+          <a:xfrm>
+            <a:off x="7467600" y="6414071"/>
+            <a:ext cx="4648200" cy="276999"/>
+          </a:xfrm>
+          <a:prstGeom prst="rect">
+            <a:avLst/>
+          </a:prstGeom>
+          <a:noFill/>
+        </p:spPr>
+        <p:txBody>
+          <a:bodyPr wrap="square" rtlCol="0">
+            <a:spAutoFit/>
+          </a:bodyPr>
+          <a:lstStyle/>
+          <a:p>
+            <a:r>
+              <a:rPr lang="en-US" sz="1200" i="1" dirty="0"/>
+              <a:t>source:   https://</a:t>
+            </a:r>
+            <a:r>
+              <a:rPr lang="en-US" sz="1200" i="1" dirty="0" err="1"/>
+              <a:t>www.bls.gov</a:t>
+            </a:r>
+            <a:endParaRPr lang="en-US" sz="1200" i="1" dirty="0"/>
+          </a:p>
+        </p:txBody>
+      </p:sp>
+      <p:pic>
+        <p:nvPicPr>
+          <p:cNvPr id="9" name="Picture 8" descr="A screenshot of a cell phone&#10;&#10;Description automatically generated">
+            <a:extLst>
+              <a:ext uri="{FF2B5EF4-FFF2-40B4-BE49-F238E27FC236}">
+                <a16:creationId xmlns:a16="http://schemas.microsoft.com/office/drawing/2014/main" id="{8E297B07-24A7-7C48-B203-BA3018F9A804}"/>
+              </a:ext>
+            </a:extLst>
+          </p:cNvPr>
+          <p:cNvPicPr>
+            <a:picLocks noChangeAspect="1"/>
+          </p:cNvPicPr>
+          <p:nvPr/>
+        </p:nvPicPr>
+        <p:blipFill>
+          <a:blip r:embed="rId3"/>
+          <a:stretch>
+            <a:fillRect/>
+          </a:stretch>
+        </p:blipFill>
+        <p:spPr>
+          <a:xfrm>
+            <a:off x="282053" y="1828800"/>
+            <a:ext cx="5486400" cy="3657600"/>
+          </a:xfrm>
+          <a:prstGeom prst="rect">
+            <a:avLst/>
+          </a:prstGeom>
+        </p:spPr>
+      </p:pic>
+    </p:spTree>
+    <p:extLst>
+      <p:ext uri="{BB962C8B-B14F-4D97-AF65-F5344CB8AC3E}">
+        <p14:creationId xmlns:p14="http://schemas.microsoft.com/office/powerpoint/2010/main" val="159405912"/>
+      </p:ext>
+    </p:extLst>
+  </p:cSld>
+  <p:clrMapOvr>
+    <a:masterClrMapping/>
+  </p:clrMapOvr>
+</p:sld>
+</file>
+
+<file path=ppt/slides/slide7.xml><?xml version="1.0" encoding="utf-8"?>
+<p:sld xmlns:a="http://schemas.openxmlformats.org/drawingml/2006/main" xmlns:r="http://schemas.openxmlformats.org/officeDocument/2006/relationships" xmlns:p="http://schemas.openxmlformats.org/presentationml/2006/main">
+  <p:cSld>
+    <p:bg>
+      <p:bgPr>
+        <a:blipFill rotWithShape="1">
+          <a:blip r:embed="rId2">
+            <a:duotone>
+              <a:schemeClr val="bg2">
+                <a:shade val="28000"/>
+                <a:satMod val="94000"/>
+                <a:lumMod val="20000"/>
+              </a:schemeClr>
+              <a:schemeClr val="bg2">
+                <a:tint val="94000"/>
+                <a:shade val="84000"/>
+                <a:satMod val="148000"/>
+                <a:lumMod val="114000"/>
+              </a:schemeClr>
+            </a:duotone>
+            <a:extLst/>
+          </a:blip>
+          <a:stretch/>
+        </a:blipFill>
+        <a:effectLst/>
+      </p:bgPr>
+    </p:bg>
+    <p:spTree>
+      <p:nvGrpSpPr>
+        <p:cNvPr id="1" name=""/>
+        <p:cNvGrpSpPr/>
+        <p:nvPr/>
+      </p:nvGrpSpPr>
+      <p:grpSpPr>
+        <a:xfrm>
+          <a:off x="0" y="0"/>
+          <a:ext cx="0" cy="0"/>
+          <a:chOff x="0" y="0"/>
+          <a:chExt cx="0" cy="0"/>
+        </a:xfrm>
+      </p:grpSpPr>
+      <p:sp>
+        <p:nvSpPr>
+          <p:cNvPr id="2" name="Title 1">
+            <a:extLst>
+              <a:ext uri="{FF2B5EF4-FFF2-40B4-BE49-F238E27FC236}">
+                <a16:creationId xmlns:a16="http://schemas.microsoft.com/office/drawing/2014/main" id="{D1C2A00E-7D49-6B47-B595-C08AE0AE6343}"/>
+              </a:ext>
+            </a:extLst>
+          </p:cNvPr>
+          <p:cNvSpPr>
+            <a:spLocks noGrp="1"/>
+          </p:cNvSpPr>
+          <p:nvPr>
+            <p:ph type="title"/>
+          </p:nvPr>
+        </p:nvSpPr>
+        <p:spPr>
+          <a:xfrm>
+            <a:off x="988630" y="4363271"/>
+            <a:ext cx="10200986" cy="1066801"/>
+          </a:xfrm>
+        </p:spPr>
+        <p:txBody>
+          <a:bodyPr vert="horz" lIns="91440" tIns="45720" rIns="91440" bIns="45720" rtlCol="0" anchor="b">
+            <a:normAutofit/>
+          </a:bodyPr>
+          <a:lstStyle/>
+          <a:p>
+            <a:pPr algn="ctr"/>
+            <a:r>
+              <a:rPr lang="en-US" sz="4800" dirty="0">
+                <a:effectLst>
+                  <a:glow rad="38100">
+                    <a:schemeClr val="bg1">
+                      <a:lumMod val="65000"/>
+                      <a:lumOff val="35000"/>
+                      <a:alpha val="50000"/>
+                    </a:schemeClr>
+                  </a:glow>
+                  <a:outerShdw blurRad="28575" dist="31750" dir="13200000" algn="tl" rotWithShape="0">
+                    <a:srgbClr val="000000">
+                      <a:alpha val="25000"/>
+                    </a:srgbClr>
+                  </a:outerShdw>
+                </a:effectLst>
+              </a:rPr>
+              <a:t>Employees  and wages</a:t>
+            </a:r>
+          </a:p>
+        </p:txBody>
+      </p:sp>
+      <p:sp>
+        <p:nvSpPr>
+          <p:cNvPr id="14" name="Content Placeholder 3">
+            <a:extLst>
+              <a:ext uri="{FF2B5EF4-FFF2-40B4-BE49-F238E27FC236}">
+                <a16:creationId xmlns:a16="http://schemas.microsoft.com/office/drawing/2014/main" id="{E2712C58-A5DC-DD40-B3DA-A2DA195624F9}"/>
+              </a:ext>
+            </a:extLst>
+          </p:cNvPr>
+          <p:cNvSpPr txBox="1">
+            <a:spLocks/>
+          </p:cNvSpPr>
+          <p:nvPr/>
+        </p:nvSpPr>
+        <p:spPr>
+          <a:xfrm>
+            <a:off x="700348" y="5430071"/>
+            <a:ext cx="5274425" cy="1066801"/>
+          </a:xfrm>
+          <a:prstGeom prst="rect">
+            <a:avLst/>
+          </a:prstGeom>
+        </p:spPr>
+        <p:txBody>
+          <a:bodyPr vert="horz" lIns="91440" tIns="45720" rIns="91440" bIns="45720" rtlCol="0" anchor="t">
+            <a:normAutofit fontScale="47500" lnSpcReduction="20000"/>
+          </a:bodyPr>
+          <a:lstStyle>
+            <a:lvl1pPr marL="285750" indent="-285750" algn="l" defTabSz="457200" rtl="0" eaLnBrk="1" latinLnBrk="0" hangingPunct="1">
+              <a:spcBef>
+                <a:spcPct val="20000"/>
+              </a:spcBef>
+              <a:spcAft>
+                <a:spcPts val="600"/>
+              </a:spcAft>
+              <a:buClr>
+                <a:schemeClr val="accent1"/>
+              </a:buClr>
+              <a:buSzPct val="100000"/>
+              <a:buFont typeface="Arial"/>
+              <a:buChar char="•"/>
+              <a:defRPr sz="1800" kern="1200" cap="small">
+                <a:solidFill>
+                  <a:schemeClr val="tx1"/>
+                </a:solidFill>
+                <a:effectLst>
+                  <a:glow rad="38100">
+                    <a:schemeClr val="bg1">
+                      <a:lumMod val="50000"/>
+                      <a:lumOff val="50000"/>
+                      <a:alpha val="20000"/>
+                    </a:schemeClr>
+                  </a:glow>
+                  <a:outerShdw blurRad="44450" dist="12700" dir="13860000" algn="tl" rotWithShape="0">
+                    <a:srgbClr val="000000">
+                      <a:alpha val="20000"/>
+                    </a:srgbClr>
+                  </a:outerShdw>
+                </a:effectLst>
+                <a:latin typeface="+mn-lt"/>
+                <a:ea typeface="+mn-ea"/>
+                <a:cs typeface="+mn-cs"/>
+              </a:defRPr>
+            </a:lvl1pPr>
+            <a:lvl2pPr marL="742950" indent="-285750" algn="l" defTabSz="457200" rtl="0" eaLnBrk="1" latinLnBrk="0" hangingPunct="1">
+              <a:spcBef>
+                <a:spcPct val="20000"/>
+              </a:spcBef>
+              <a:spcAft>
+                <a:spcPts val="600"/>
+              </a:spcAft>
+              <a:buClr>
+                <a:schemeClr val="accent1"/>
+              </a:buClr>
+              <a:buSzPct val="100000"/>
+              <a:buFont typeface="Arial"/>
+              <a:buChar char="•"/>
+              <a:defRPr sz="1600" kern="1200" cap="small">
+                <a:solidFill>
+                  <a:schemeClr val="tx1"/>
+                </a:solidFill>
+                <a:effectLst>
+                  <a:glow rad="38100">
+                    <a:schemeClr val="bg1">
+                      <a:lumMod val="50000"/>
+                      <a:lumOff val="50000"/>
+                      <a:alpha val="20000"/>
+                    </a:schemeClr>
+                  </a:glow>
+                  <a:outerShdw blurRad="44450" dist="12700" dir="13860000" algn="tl" rotWithShape="0">
+                    <a:srgbClr val="000000">
+                      <a:alpha val="20000"/>
+                    </a:srgbClr>
+                  </a:outerShdw>
+                </a:effectLst>
+                <a:latin typeface="+mn-lt"/>
+                <a:ea typeface="+mn-ea"/>
+                <a:cs typeface="+mn-cs"/>
+              </a:defRPr>
+            </a:lvl2pPr>
+            <a:lvl3pPr marL="1200150" indent="-285750" algn="l" defTabSz="457200" rtl="0" eaLnBrk="1" latinLnBrk="0" hangingPunct="1">
+              <a:spcBef>
+                <a:spcPct val="20000"/>
+              </a:spcBef>
+              <a:spcAft>
+                <a:spcPts val="600"/>
+              </a:spcAft>
+              <a:buClr>
+                <a:schemeClr val="accent1"/>
+              </a:buClr>
+              <a:buSzPct val="100000"/>
+              <a:buFont typeface="Arial"/>
+              <a:buChar char="•"/>
+              <a:defRPr sz="1400" kern="1200" cap="small">
+                <a:solidFill>
+                  <a:schemeClr val="tx1"/>
+                </a:solidFill>
+                <a:effectLst>
+                  <a:glow rad="38100">
+                    <a:schemeClr val="bg1">
+                      <a:lumMod val="50000"/>
+                      <a:lumOff val="50000"/>
+                      <a:alpha val="20000"/>
+                    </a:schemeClr>
+                  </a:glow>
+                  <a:outerShdw blurRad="44450" dist="12700" dir="13860000" algn="tl" rotWithShape="0">
+                    <a:srgbClr val="000000">
+                      <a:alpha val="20000"/>
+                    </a:srgbClr>
+                  </a:outerShdw>
+                </a:effectLst>
+                <a:latin typeface="+mn-lt"/>
+                <a:ea typeface="+mn-ea"/>
+                <a:cs typeface="+mn-cs"/>
+              </a:defRPr>
+            </a:lvl3pPr>
+            <a:lvl4pPr marL="1543050" indent="-171450" algn="l" defTabSz="457200" rtl="0" eaLnBrk="1" latinLnBrk="0" hangingPunct="1">
+              <a:spcBef>
+                <a:spcPct val="20000"/>
+              </a:spcBef>
+              <a:spcAft>
+                <a:spcPts val="600"/>
+              </a:spcAft>
+              <a:buClr>
+                <a:schemeClr val="accent1"/>
+              </a:buClr>
+              <a:buSzPct val="100000"/>
+              <a:buFont typeface="Arial"/>
+              <a:buChar char="•"/>
+              <a:defRPr sz="1200" kern="1200" cap="small">
+                <a:solidFill>
+                  <a:schemeClr val="tx1"/>
+                </a:solidFill>
+                <a:effectLst>
+                  <a:glow rad="38100">
+                    <a:schemeClr val="bg1">
+                      <a:lumMod val="50000"/>
+                      <a:lumOff val="50000"/>
+                      <a:alpha val="20000"/>
+                    </a:schemeClr>
+                  </a:glow>
+                  <a:outerShdw blurRad="44450" dist="12700" dir="13860000" algn="tl" rotWithShape="0">
+                    <a:srgbClr val="000000">
+                      <a:alpha val="20000"/>
+                    </a:srgbClr>
+                  </a:outerShdw>
+                </a:effectLst>
+                <a:latin typeface="+mn-lt"/>
+                <a:ea typeface="+mn-ea"/>
+                <a:cs typeface="+mn-cs"/>
+              </a:defRPr>
+            </a:lvl4pPr>
+            <a:lvl5pPr marL="2000250" indent="-171450" algn="l" defTabSz="457200" rtl="0" eaLnBrk="1" latinLnBrk="0" hangingPunct="1">
+              <a:spcBef>
+                <a:spcPct val="20000"/>
+              </a:spcBef>
+              <a:spcAft>
+                <a:spcPts val="600"/>
+              </a:spcAft>
+              <a:buClr>
+                <a:schemeClr val="accent1"/>
+              </a:buClr>
+              <a:buSzPct val="100000"/>
+              <a:buFont typeface="Arial"/>
+              <a:buChar char="•"/>
+              <a:defRPr sz="1200" kern="1200" cap="small">
+                <a:solidFill>
+                  <a:schemeClr val="tx1"/>
+                </a:solidFill>
+                <a:effectLst>
+                  <a:glow rad="38100">
+                    <a:schemeClr val="bg1">
+                      <a:lumMod val="50000"/>
+                      <a:lumOff val="50000"/>
+                      <a:alpha val="20000"/>
+                    </a:schemeClr>
+                  </a:glow>
+                  <a:outerShdw blurRad="44450" dist="12700" dir="13860000" algn="tl" rotWithShape="0">
+                    <a:srgbClr val="000000">
+                      <a:alpha val="20000"/>
+                    </a:srgbClr>
+                  </a:outerShdw>
+                </a:effectLst>
+                <a:latin typeface="+mn-lt"/>
+                <a:ea typeface="+mn-ea"/>
+                <a:cs typeface="+mn-cs"/>
+              </a:defRPr>
+            </a:lvl5pPr>
+            <a:lvl6pPr marL="2514600" indent="-228600" algn="l" defTabSz="457200" rtl="0" eaLnBrk="1" latinLnBrk="0" hangingPunct="1">
+              <a:spcBef>
+                <a:spcPct val="20000"/>
+              </a:spcBef>
+              <a:spcAft>
+                <a:spcPts val="600"/>
+              </a:spcAft>
+              <a:buClr>
+                <a:schemeClr val="accent1"/>
+              </a:buClr>
+              <a:buSzPct val="100000"/>
+              <a:buFont typeface="Arial"/>
+              <a:buChar char="•"/>
+              <a:defRPr sz="1200" kern="1200" cap="small">
+                <a:solidFill>
+                  <a:schemeClr val="tx1"/>
+                </a:solidFill>
+                <a:effectLst>
+                  <a:glow rad="38100">
+                    <a:schemeClr val="bg1">
+                      <a:lumMod val="50000"/>
+                      <a:lumOff val="50000"/>
+                      <a:alpha val="20000"/>
+                    </a:schemeClr>
+                  </a:glow>
+                  <a:outerShdw blurRad="44450" dist="12700" dir="13860000" algn="tl" rotWithShape="0">
+                    <a:srgbClr val="000000">
+                      <a:alpha val="20000"/>
+                    </a:srgbClr>
+                  </a:outerShdw>
+                </a:effectLst>
+                <a:latin typeface="+mn-lt"/>
+                <a:ea typeface="+mn-ea"/>
+                <a:cs typeface="+mn-cs"/>
+              </a:defRPr>
+            </a:lvl6pPr>
+            <a:lvl7pPr marL="2971800" indent="-228600" algn="l" defTabSz="457200" rtl="0" eaLnBrk="1" latinLnBrk="0" hangingPunct="1">
+              <a:spcBef>
+                <a:spcPct val="20000"/>
+              </a:spcBef>
+              <a:spcAft>
+                <a:spcPts val="600"/>
+              </a:spcAft>
+              <a:buClr>
+                <a:schemeClr val="accent1"/>
+              </a:buClr>
+              <a:buSzPct val="100000"/>
+              <a:buFont typeface="Arial"/>
+              <a:buChar char="•"/>
+              <a:defRPr sz="1200" kern="1200" cap="small">
+                <a:solidFill>
+                  <a:schemeClr val="tx1"/>
+                </a:solidFill>
+                <a:effectLst>
+                  <a:glow rad="38100">
+                    <a:schemeClr val="bg1">
+                      <a:lumMod val="50000"/>
+                      <a:lumOff val="50000"/>
+                      <a:alpha val="20000"/>
+                    </a:schemeClr>
+                  </a:glow>
+                  <a:outerShdw blurRad="44450" dist="12700" dir="13860000" algn="tl" rotWithShape="0">
+                    <a:srgbClr val="000000">
+                      <a:alpha val="20000"/>
+                    </a:srgbClr>
+                  </a:outerShdw>
+                </a:effectLst>
+                <a:latin typeface="+mn-lt"/>
+                <a:ea typeface="+mn-ea"/>
+                <a:cs typeface="+mn-cs"/>
+              </a:defRPr>
+            </a:lvl7pPr>
+            <a:lvl8pPr marL="3429000" indent="-228600" algn="l" defTabSz="457200" rtl="0" eaLnBrk="1" latinLnBrk="0" hangingPunct="1">
+              <a:spcBef>
+                <a:spcPct val="20000"/>
+              </a:spcBef>
+              <a:spcAft>
+                <a:spcPts val="600"/>
+              </a:spcAft>
+              <a:buClr>
+                <a:schemeClr val="accent1"/>
+              </a:buClr>
+              <a:buSzPct val="100000"/>
+              <a:buFont typeface="Arial"/>
+              <a:buChar char="•"/>
+              <a:defRPr sz="1200" kern="1200" cap="small">
+                <a:solidFill>
+                  <a:schemeClr val="tx1"/>
+                </a:solidFill>
+                <a:effectLst>
+                  <a:glow rad="38100">
+                    <a:schemeClr val="bg1">
+                      <a:lumMod val="50000"/>
+                      <a:lumOff val="50000"/>
+                      <a:alpha val="20000"/>
+                    </a:schemeClr>
+                  </a:glow>
+                  <a:outerShdw blurRad="44450" dist="12700" dir="13860000" algn="tl" rotWithShape="0">
+                    <a:srgbClr val="000000">
+                      <a:alpha val="20000"/>
+                    </a:srgbClr>
+                  </a:outerShdw>
+                </a:effectLst>
+                <a:latin typeface="+mn-lt"/>
+                <a:ea typeface="+mn-ea"/>
+                <a:cs typeface="+mn-cs"/>
+              </a:defRPr>
+            </a:lvl8pPr>
+            <a:lvl9pPr marL="3886200" indent="-228600" algn="l" defTabSz="457200" rtl="0" eaLnBrk="1" latinLnBrk="0" hangingPunct="1">
+              <a:spcBef>
+                <a:spcPct val="20000"/>
+              </a:spcBef>
+              <a:spcAft>
+                <a:spcPts val="600"/>
+              </a:spcAft>
+              <a:buClr>
+                <a:schemeClr val="accent1"/>
+              </a:buClr>
+              <a:buSzPct val="100000"/>
+              <a:buFont typeface="Arial"/>
+              <a:buChar char="•"/>
+              <a:defRPr sz="1200" kern="1200" cap="small">
+                <a:solidFill>
+                  <a:schemeClr val="tx1"/>
+                </a:solidFill>
+                <a:effectLst>
+                  <a:glow rad="38100">
+                    <a:schemeClr val="bg1">
+                      <a:lumMod val="50000"/>
+                      <a:lumOff val="50000"/>
+                      <a:alpha val="20000"/>
+                    </a:schemeClr>
+                  </a:glow>
+                  <a:outerShdw blurRad="44450" dist="12700" dir="13860000" algn="tl" rotWithShape="0">
+                    <a:srgbClr val="000000">
+                      <a:alpha val="20000"/>
+                    </a:srgbClr>
+                  </a:outerShdw>
+                </a:effectLst>
+                <a:latin typeface="+mn-lt"/>
+                <a:ea typeface="+mn-ea"/>
+                <a:cs typeface="+mn-cs"/>
+              </a:defRPr>
+            </a:lvl9pPr>
+          </a:lstStyle>
+          <a:p>
+            <a:pPr marL="0" indent="0">
+              <a:buFont typeface="Arial"/>
+              <a:buNone/>
+            </a:pPr>
+            <a:r>
+              <a:rPr lang="en-US" sz="2900" dirty="0"/>
+              <a:t>Questions Asked:</a:t>
+            </a:r>
+          </a:p>
+          <a:p>
+            <a:r>
+              <a:rPr lang="en-US" sz="2900" dirty="0"/>
+              <a:t>How  many employees work for these establishments?</a:t>
+            </a:r>
+          </a:p>
+          <a:p>
+            <a:r>
+              <a:rPr lang="en-US" sz="2900" dirty="0"/>
+              <a:t>How much money can you make Annually?</a:t>
+            </a:r>
+          </a:p>
+          <a:p>
+            <a:endParaRPr lang="en-US" dirty="0"/>
+          </a:p>
+        </p:txBody>
+      </p:sp>
+      <p:sp>
+        <p:nvSpPr>
+          <p:cNvPr id="15" name="Content Placeholder 3">
+            <a:extLst>
+              <a:ext uri="{FF2B5EF4-FFF2-40B4-BE49-F238E27FC236}">
+                <a16:creationId xmlns:a16="http://schemas.microsoft.com/office/drawing/2014/main" id="{EB6E3117-CF79-374A-91F5-BBF8FE64EB26}"/>
+              </a:ext>
+            </a:extLst>
+          </p:cNvPr>
+          <p:cNvSpPr txBox="1">
+            <a:spLocks/>
+          </p:cNvSpPr>
+          <p:nvPr/>
+        </p:nvSpPr>
+        <p:spPr>
+          <a:xfrm>
+            <a:off x="6703859" y="5430072"/>
+            <a:ext cx="4787793" cy="945573"/>
+          </a:xfrm>
+          <a:prstGeom prst="rect">
+            <a:avLst/>
+          </a:prstGeom>
+        </p:spPr>
+        <p:txBody>
+          <a:bodyPr vert="horz" lIns="91440" tIns="45720" rIns="91440" bIns="45720" rtlCol="0" anchor="t">
+            <a:normAutofit lnSpcReduction="10000"/>
+          </a:bodyPr>
+          <a:lstStyle>
+            <a:lvl1pPr marL="285750" indent="-285750" algn="l" defTabSz="457200" rtl="0" eaLnBrk="1" latinLnBrk="0" hangingPunct="1">
+              <a:spcBef>
+                <a:spcPct val="20000"/>
+              </a:spcBef>
+              <a:spcAft>
+                <a:spcPts val="600"/>
+              </a:spcAft>
+              <a:buClr>
+                <a:schemeClr val="accent1"/>
+              </a:buClr>
+              <a:buSzPct val="100000"/>
+              <a:buFont typeface="Arial"/>
+              <a:buChar char="•"/>
+              <a:defRPr sz="1800" kern="1200" cap="small">
+                <a:solidFill>
+                  <a:schemeClr val="tx1"/>
+                </a:solidFill>
+                <a:effectLst>
+                  <a:glow rad="38100">
+                    <a:schemeClr val="bg1">
+                      <a:lumMod val="50000"/>
+                      <a:lumOff val="50000"/>
+                      <a:alpha val="20000"/>
+                    </a:schemeClr>
+                  </a:glow>
+                  <a:outerShdw blurRad="44450" dist="12700" dir="13860000" algn="tl" rotWithShape="0">
+                    <a:srgbClr val="000000">
+                      <a:alpha val="20000"/>
+                    </a:srgbClr>
+                  </a:outerShdw>
+                </a:effectLst>
+                <a:latin typeface="+mn-lt"/>
+                <a:ea typeface="+mn-ea"/>
+                <a:cs typeface="+mn-cs"/>
+              </a:defRPr>
+            </a:lvl1pPr>
+            <a:lvl2pPr marL="742950" indent="-285750" algn="l" defTabSz="457200" rtl="0" eaLnBrk="1" latinLnBrk="0" hangingPunct="1">
+              <a:spcBef>
+                <a:spcPct val="20000"/>
+              </a:spcBef>
+              <a:spcAft>
+                <a:spcPts val="600"/>
+              </a:spcAft>
+              <a:buClr>
+                <a:schemeClr val="accent1"/>
+              </a:buClr>
+              <a:buSzPct val="100000"/>
+              <a:buFont typeface="Arial"/>
+              <a:buChar char="•"/>
+              <a:defRPr sz="1600" kern="1200" cap="small">
+                <a:solidFill>
+                  <a:schemeClr val="tx1"/>
+                </a:solidFill>
+                <a:effectLst>
+                  <a:glow rad="38100">
+                    <a:schemeClr val="bg1">
+                      <a:lumMod val="50000"/>
+                      <a:lumOff val="50000"/>
+                      <a:alpha val="20000"/>
+                    </a:schemeClr>
+                  </a:glow>
+                  <a:outerShdw blurRad="44450" dist="12700" dir="13860000" algn="tl" rotWithShape="0">
+                    <a:srgbClr val="000000">
+                      <a:alpha val="20000"/>
+                    </a:srgbClr>
+                  </a:outerShdw>
+                </a:effectLst>
+                <a:latin typeface="+mn-lt"/>
+                <a:ea typeface="+mn-ea"/>
+                <a:cs typeface="+mn-cs"/>
+              </a:defRPr>
+            </a:lvl2pPr>
+            <a:lvl3pPr marL="1200150" indent="-285750" algn="l" defTabSz="457200" rtl="0" eaLnBrk="1" latinLnBrk="0" hangingPunct="1">
+              <a:spcBef>
+                <a:spcPct val="20000"/>
+              </a:spcBef>
+              <a:spcAft>
+                <a:spcPts val="600"/>
+              </a:spcAft>
+              <a:buClr>
+                <a:schemeClr val="accent1"/>
+              </a:buClr>
+              <a:buSzPct val="100000"/>
+              <a:buFont typeface="Arial"/>
+              <a:buChar char="•"/>
+              <a:defRPr sz="1400" kern="1200" cap="small">
+                <a:solidFill>
+                  <a:schemeClr val="tx1"/>
+                </a:solidFill>
+                <a:effectLst>
+                  <a:glow rad="38100">
+                    <a:schemeClr val="bg1">
+                      <a:lumMod val="50000"/>
+                      <a:lumOff val="50000"/>
+                      <a:alpha val="20000"/>
+                    </a:schemeClr>
+                  </a:glow>
+                  <a:outerShdw blurRad="44450" dist="12700" dir="13860000" algn="tl" rotWithShape="0">
+                    <a:srgbClr val="000000">
+                      <a:alpha val="20000"/>
+                    </a:srgbClr>
+                  </a:outerShdw>
+                </a:effectLst>
+                <a:latin typeface="+mn-lt"/>
+                <a:ea typeface="+mn-ea"/>
+                <a:cs typeface="+mn-cs"/>
+              </a:defRPr>
+            </a:lvl3pPr>
+            <a:lvl4pPr marL="1543050" indent="-171450" algn="l" defTabSz="457200" rtl="0" eaLnBrk="1" latinLnBrk="0" hangingPunct="1">
+              <a:spcBef>
+                <a:spcPct val="20000"/>
+              </a:spcBef>
+              <a:spcAft>
+                <a:spcPts val="600"/>
+              </a:spcAft>
+              <a:buClr>
+                <a:schemeClr val="accent1"/>
+              </a:buClr>
+              <a:buSzPct val="100000"/>
+              <a:buFont typeface="Arial"/>
+              <a:buChar char="•"/>
+              <a:defRPr sz="1200" kern="1200" cap="small">
+                <a:solidFill>
+                  <a:schemeClr val="tx1"/>
+                </a:solidFill>
+                <a:effectLst>
+                  <a:glow rad="38100">
+                    <a:schemeClr val="bg1">
+                      <a:lumMod val="50000"/>
+                      <a:lumOff val="50000"/>
+                      <a:alpha val="20000"/>
+                    </a:schemeClr>
+                  </a:glow>
+                  <a:outerShdw blurRad="44450" dist="12700" dir="13860000" algn="tl" rotWithShape="0">
+                    <a:srgbClr val="000000">
+                      <a:alpha val="20000"/>
+                    </a:srgbClr>
+                  </a:outerShdw>
+                </a:effectLst>
+                <a:latin typeface="+mn-lt"/>
+                <a:ea typeface="+mn-ea"/>
+                <a:cs typeface="+mn-cs"/>
+              </a:defRPr>
+            </a:lvl4pPr>
+            <a:lvl5pPr marL="2000250" indent="-171450" algn="l" defTabSz="457200" rtl="0" eaLnBrk="1" latinLnBrk="0" hangingPunct="1">
+              <a:spcBef>
+                <a:spcPct val="20000"/>
+              </a:spcBef>
+              <a:spcAft>
+                <a:spcPts val="600"/>
+              </a:spcAft>
+              <a:buClr>
+                <a:schemeClr val="accent1"/>
+              </a:buClr>
+              <a:buSzPct val="100000"/>
+              <a:buFont typeface="Arial"/>
+              <a:buChar char="•"/>
+              <a:defRPr sz="1200" kern="1200" cap="small">
+                <a:solidFill>
+                  <a:schemeClr val="tx1"/>
+                </a:solidFill>
+                <a:effectLst>
+                  <a:glow rad="38100">
+                    <a:schemeClr val="bg1">
+                      <a:lumMod val="50000"/>
+                      <a:lumOff val="50000"/>
+                      <a:alpha val="20000"/>
+                    </a:schemeClr>
+                  </a:glow>
+                  <a:outerShdw blurRad="44450" dist="12700" dir="13860000" algn="tl" rotWithShape="0">
+                    <a:srgbClr val="000000">
+                      <a:alpha val="20000"/>
+                    </a:srgbClr>
+                  </a:outerShdw>
+                </a:effectLst>
+                <a:latin typeface="+mn-lt"/>
+                <a:ea typeface="+mn-ea"/>
+                <a:cs typeface="+mn-cs"/>
+              </a:defRPr>
+            </a:lvl5pPr>
+            <a:lvl6pPr marL="2514600" indent="-228600" algn="l" defTabSz="457200" rtl="0" eaLnBrk="1" latinLnBrk="0" hangingPunct="1">
+              <a:spcBef>
+                <a:spcPct val="20000"/>
+              </a:spcBef>
+              <a:spcAft>
+                <a:spcPts val="600"/>
+              </a:spcAft>
+              <a:buClr>
+                <a:schemeClr val="accent1"/>
+              </a:buClr>
+              <a:buSzPct val="100000"/>
+              <a:buFont typeface="Arial"/>
+              <a:buChar char="•"/>
+              <a:defRPr sz="1200" kern="1200" cap="small">
+                <a:solidFill>
+                  <a:schemeClr val="tx1"/>
+                </a:solidFill>
+                <a:effectLst>
+                  <a:glow rad="38100">
+                    <a:schemeClr val="bg1">
+                      <a:lumMod val="50000"/>
+                      <a:lumOff val="50000"/>
+                      <a:alpha val="20000"/>
+                    </a:schemeClr>
+                  </a:glow>
+                  <a:outerShdw blurRad="44450" dist="12700" dir="13860000" algn="tl" rotWithShape="0">
+                    <a:srgbClr val="000000">
+                      <a:alpha val="20000"/>
+                    </a:srgbClr>
+                  </a:outerShdw>
+                </a:effectLst>
+                <a:latin typeface="+mn-lt"/>
+                <a:ea typeface="+mn-ea"/>
+                <a:cs typeface="+mn-cs"/>
+              </a:defRPr>
+            </a:lvl6pPr>
+            <a:lvl7pPr marL="2971800" indent="-228600" algn="l" defTabSz="457200" rtl="0" eaLnBrk="1" latinLnBrk="0" hangingPunct="1">
+              <a:spcBef>
+                <a:spcPct val="20000"/>
+              </a:spcBef>
+              <a:spcAft>
+                <a:spcPts val="600"/>
+              </a:spcAft>
+              <a:buClr>
+                <a:schemeClr val="accent1"/>
+              </a:buClr>
+              <a:buSzPct val="100000"/>
+              <a:buFont typeface="Arial"/>
+              <a:buChar char="•"/>
+              <a:defRPr sz="1200" kern="1200" cap="small">
+                <a:solidFill>
+                  <a:schemeClr val="tx1"/>
+                </a:solidFill>
+                <a:effectLst>
+                  <a:glow rad="38100">
+                    <a:schemeClr val="bg1">
+                      <a:lumMod val="50000"/>
+                      <a:lumOff val="50000"/>
+                      <a:alpha val="20000"/>
+                    </a:schemeClr>
+                  </a:glow>
+                  <a:outerShdw blurRad="44450" dist="12700" dir="13860000" algn="tl" rotWithShape="0">
+                    <a:srgbClr val="000000">
+                      <a:alpha val="20000"/>
+                    </a:srgbClr>
+                  </a:outerShdw>
+                </a:effectLst>
+                <a:latin typeface="+mn-lt"/>
+                <a:ea typeface="+mn-ea"/>
+                <a:cs typeface="+mn-cs"/>
+              </a:defRPr>
+            </a:lvl7pPr>
+            <a:lvl8pPr marL="3429000" indent="-228600" algn="l" defTabSz="457200" rtl="0" eaLnBrk="1" latinLnBrk="0" hangingPunct="1">
+              <a:spcBef>
+                <a:spcPct val="20000"/>
+              </a:spcBef>
+              <a:spcAft>
+                <a:spcPts val="600"/>
+              </a:spcAft>
+              <a:buClr>
+                <a:schemeClr val="accent1"/>
+              </a:buClr>
+              <a:buSzPct val="100000"/>
+              <a:buFont typeface="Arial"/>
+              <a:buChar char="•"/>
+              <a:defRPr sz="1200" kern="1200" cap="small">
+                <a:solidFill>
+                  <a:schemeClr val="tx1"/>
+                </a:solidFill>
+                <a:effectLst>
+                  <a:glow rad="38100">
+                    <a:schemeClr val="bg1">
+                      <a:lumMod val="50000"/>
+                      <a:lumOff val="50000"/>
+                      <a:alpha val="20000"/>
+                    </a:schemeClr>
+                  </a:glow>
+                  <a:outerShdw blurRad="44450" dist="12700" dir="13860000" algn="tl" rotWithShape="0">
+                    <a:srgbClr val="000000">
+                      <a:alpha val="20000"/>
+                    </a:srgbClr>
+                  </a:outerShdw>
+                </a:effectLst>
+                <a:latin typeface="+mn-lt"/>
+                <a:ea typeface="+mn-ea"/>
+                <a:cs typeface="+mn-cs"/>
+              </a:defRPr>
+            </a:lvl8pPr>
+            <a:lvl9pPr marL="3886200" indent="-228600" algn="l" defTabSz="457200" rtl="0" eaLnBrk="1" latinLnBrk="0" hangingPunct="1">
+              <a:spcBef>
+                <a:spcPct val="20000"/>
+              </a:spcBef>
+              <a:spcAft>
+                <a:spcPts val="600"/>
+              </a:spcAft>
+              <a:buClr>
+                <a:schemeClr val="accent1"/>
+              </a:buClr>
+              <a:buSzPct val="100000"/>
+              <a:buFont typeface="Arial"/>
+              <a:buChar char="•"/>
+              <a:defRPr sz="1200" kern="1200" cap="small">
+                <a:solidFill>
+                  <a:schemeClr val="tx1"/>
+                </a:solidFill>
+                <a:effectLst>
+                  <a:glow rad="38100">
+                    <a:schemeClr val="bg1">
+                      <a:lumMod val="50000"/>
+                      <a:lumOff val="50000"/>
+                      <a:alpha val="20000"/>
+                    </a:schemeClr>
+                  </a:glow>
+                  <a:outerShdw blurRad="44450" dist="12700" dir="13860000" algn="tl" rotWithShape="0">
+                    <a:srgbClr val="000000">
+                      <a:alpha val="20000"/>
+                    </a:srgbClr>
+                  </a:outerShdw>
+                </a:effectLst>
+                <a:latin typeface="+mn-lt"/>
+                <a:ea typeface="+mn-ea"/>
+                <a:cs typeface="+mn-cs"/>
+              </a:defRPr>
+            </a:lvl9pPr>
+          </a:lstStyle>
+          <a:p>
+            <a:pPr marL="0" indent="0">
+              <a:buFont typeface="Arial"/>
+              <a:buNone/>
+            </a:pPr>
+            <a:r>
+              <a:rPr lang="en-US" sz="1500" dirty="0"/>
+              <a:t>Insight:</a:t>
+            </a:r>
+          </a:p>
+          <a:p>
+            <a:r>
+              <a:rPr lang="en-US" sz="1500" dirty="0"/>
+              <a:t>Above data suggests less competition with better wages in Dallas over San Diego.</a:t>
+            </a:r>
+          </a:p>
+          <a:p>
+            <a:endParaRPr lang="en-US" dirty="0"/>
+          </a:p>
+        </p:txBody>
+      </p:sp>
+      <p:sp>
+        <p:nvSpPr>
+          <p:cNvPr id="17" name="TextBox 16">
+            <a:extLst>
+              <a:ext uri="{FF2B5EF4-FFF2-40B4-BE49-F238E27FC236}">
+                <a16:creationId xmlns:a16="http://schemas.microsoft.com/office/drawing/2014/main" id="{E4C72FDC-8A2E-524A-847E-28DC25695F20}"/>
+              </a:ext>
+            </a:extLst>
+          </p:cNvPr>
+          <p:cNvSpPr txBox="1"/>
+          <p:nvPr/>
+        </p:nvSpPr>
+        <p:spPr>
+          <a:xfrm>
+            <a:off x="7405816" y="6414071"/>
+            <a:ext cx="4709984" cy="276999"/>
+          </a:xfrm>
+          <a:prstGeom prst="rect">
+            <a:avLst/>
+          </a:prstGeom>
+          <a:noFill/>
+        </p:spPr>
+        <p:txBody>
+          <a:bodyPr wrap="square" rtlCol="0">
+            <a:spAutoFit/>
+          </a:bodyPr>
+          <a:lstStyle/>
+          <a:p>
+            <a:r>
+              <a:rPr lang="en-US" sz="1200" i="1" dirty="0"/>
+              <a:t>source:   https://</a:t>
+            </a:r>
+            <a:r>
+              <a:rPr lang="en-US" sz="1200" i="1" dirty="0" err="1"/>
+              <a:t>crashviewer.nhtsa.dot.gov</a:t>
+            </a:r>
+            <a:endParaRPr lang="en-US" sz="1200" i="1" dirty="0"/>
+          </a:p>
+        </p:txBody>
+      </p:sp>
+      <p:pic>
+        <p:nvPicPr>
+          <p:cNvPr id="12" name="Picture 11">
+            <a:extLst>
+              <a:ext uri="{FF2B5EF4-FFF2-40B4-BE49-F238E27FC236}">
+                <a16:creationId xmlns:a16="http://schemas.microsoft.com/office/drawing/2014/main" id="{FCF82165-671C-734F-85BD-DB7D447C4F38}"/>
+              </a:ext>
+            </a:extLst>
+          </p:cNvPr>
+          <p:cNvPicPr/>
+          <p:nvPr/>
+        </p:nvPicPr>
+        <p:blipFill rotWithShape="1">
+          <a:blip r:embed="rId3"/>
+          <a:srcRect t="-30" r="8940" b="5719"/>
+          <a:stretch/>
+        </p:blipFill>
+        <p:spPr>
+          <a:xfrm>
+            <a:off x="236562" y="748444"/>
+            <a:ext cx="5513832" cy="3657600"/>
+          </a:xfrm>
+          <a:prstGeom prst="rect">
+            <a:avLst/>
+          </a:prstGeom>
+        </p:spPr>
+      </p:pic>
+      <p:pic>
+        <p:nvPicPr>
+          <p:cNvPr id="13" name="Picture 12" descr="A screenshot of a cell phone&#10;&#10;Description automatically generated">
+            <a:extLst>
+              <a:ext uri="{FF2B5EF4-FFF2-40B4-BE49-F238E27FC236}">
+                <a16:creationId xmlns:a16="http://schemas.microsoft.com/office/drawing/2014/main" id="{5027132A-7C90-CF4A-BB89-85D237742626}"/>
+              </a:ext>
+            </a:extLst>
+          </p:cNvPr>
+          <p:cNvPicPr>
+            <a:picLocks noChangeAspect="1"/>
+          </p:cNvPicPr>
+          <p:nvPr/>
+        </p:nvPicPr>
+        <p:blipFill rotWithShape="1">
+          <a:blip r:embed="rId4"/>
+          <a:srcRect l="4042" t="4479"/>
+          <a:stretch/>
+        </p:blipFill>
+        <p:spPr>
+          <a:xfrm>
+            <a:off x="6442363" y="749507"/>
+            <a:ext cx="5513073" cy="3658663"/>
+          </a:xfrm>
+          <a:prstGeom prst="rect">
+            <a:avLst/>
+          </a:prstGeom>
+        </p:spPr>
+      </p:pic>
+    </p:spTree>
+    <p:extLst>
+      <p:ext uri="{BB962C8B-B14F-4D97-AF65-F5344CB8AC3E}">
+        <p14:creationId xmlns:p14="http://schemas.microsoft.com/office/powerpoint/2010/main" val="3747629128"/>
+      </p:ext>
+    </p:extLst>
+  </p:cSld>
+  <p:clrMapOvr>
+    <a:masterClrMapping/>
+  </p:clrMapOvr>
+</p:sld>
+</file>
+
+<file path=ppt/slides/slide8.xml><?xml version="1.0" encoding="utf-8"?>
+<p:sld xmlns:a="http://schemas.openxmlformats.org/drawingml/2006/main" xmlns:r="http://schemas.openxmlformats.org/officeDocument/2006/relationships" xmlns:p="http://schemas.openxmlformats.org/presentationml/2006/main">
+  <p:cSld>
+    <p:bg>
+      <p:bgPr>
+        <a:blipFill rotWithShape="1">
+          <a:blip r:embed="rId2">
+            <a:duotone>
+              <a:schemeClr val="bg2">
+                <a:shade val="28000"/>
+                <a:satMod val="94000"/>
+                <a:lumMod val="20000"/>
+              </a:schemeClr>
+              <a:schemeClr val="bg2">
+                <a:tint val="94000"/>
+                <a:shade val="84000"/>
+                <a:satMod val="148000"/>
+                <a:lumMod val="114000"/>
+              </a:schemeClr>
+            </a:duotone>
+            <a:extLst/>
+          </a:blip>
+          <a:stretch/>
+        </a:blipFill>
+        <a:effectLst/>
+      </p:bgPr>
+    </p:bg>
+    <p:spTree>
+      <p:nvGrpSpPr>
+        <p:cNvPr id="1" name=""/>
+        <p:cNvGrpSpPr/>
+        <p:nvPr/>
+      </p:nvGrpSpPr>
+      <p:grpSpPr>
+        <a:xfrm>
+          <a:off x="0" y="0"/>
+          <a:ext cx="0" cy="0"/>
+          <a:chOff x="0" y="0"/>
+          <a:chExt cx="0" cy="0"/>
+        </a:xfrm>
+      </p:grpSpPr>
+      <p:sp>
+        <p:nvSpPr>
+          <p:cNvPr id="2" name="Title 1">
+            <a:extLst>
+              <a:ext uri="{FF2B5EF4-FFF2-40B4-BE49-F238E27FC236}">
+                <a16:creationId xmlns:a16="http://schemas.microsoft.com/office/drawing/2014/main" id="{D1C2A00E-7D49-6B47-B595-C08AE0AE6343}"/>
+              </a:ext>
+            </a:extLst>
+          </p:cNvPr>
+          <p:cNvSpPr>
+            <a:spLocks noGrp="1"/>
+          </p:cNvSpPr>
+          <p:nvPr>
+            <p:ph type="title"/>
+          </p:nvPr>
+        </p:nvSpPr>
+        <p:spPr>
+          <a:xfrm>
+            <a:off x="988630" y="4363271"/>
+            <a:ext cx="10200986" cy="1066801"/>
+          </a:xfrm>
+        </p:spPr>
+        <p:txBody>
+          <a:bodyPr vert="horz" lIns="91440" tIns="45720" rIns="91440" bIns="45720" rtlCol="0" anchor="b">
+            <a:normAutofit/>
+          </a:bodyPr>
+          <a:lstStyle/>
+          <a:p>
+            <a:pPr algn="ctr"/>
+            <a:r>
+              <a:rPr lang="en-US" sz="4800" dirty="0">
+                <a:effectLst>
+                  <a:glow rad="38100">
+                    <a:schemeClr val="bg1">
+                      <a:lumMod val="65000"/>
+                      <a:lumOff val="35000"/>
+                      <a:alpha val="50000"/>
+                    </a:schemeClr>
+                  </a:glow>
+                  <a:outerShdw blurRad="28575" dist="31750" dir="13200000" algn="tl" rotWithShape="0">
+                    <a:srgbClr val="000000">
+                      <a:alpha val="25000"/>
+                    </a:srgbClr>
+                  </a:outerShdw>
+                </a:effectLst>
+              </a:rPr>
+              <a:t>Safety</a:t>
+            </a:r>
+          </a:p>
+        </p:txBody>
+      </p:sp>
+      <p:pic>
+        <p:nvPicPr>
+          <p:cNvPr id="6" name="Content Placeholder 5">
+            <a:extLst>
+              <a:ext uri="{FF2B5EF4-FFF2-40B4-BE49-F238E27FC236}">
+                <a16:creationId xmlns:a16="http://schemas.microsoft.com/office/drawing/2014/main" id="{DED58C36-FC71-9F4D-9FFA-4198080B7393}"/>
+              </a:ext>
+            </a:extLst>
+          </p:cNvPr>
+          <p:cNvPicPr>
+            <a:picLocks noGrp="1" noChangeAspect="1"/>
+          </p:cNvPicPr>
+          <p:nvPr>
+            <p:ph sz="half" idx="2"/>
+          </p:nvPr>
+        </p:nvPicPr>
+        <p:blipFill>
+          <a:blip r:embed="rId3"/>
+          <a:stretch>
+            <a:fillRect/>
+          </a:stretch>
+        </p:blipFill>
+        <p:spPr>
+          <a:xfrm>
+            <a:off x="248757" y="419100"/>
+            <a:ext cx="5604927" cy="3362956"/>
+          </a:xfrm>
+          <a:prstGeom prst="rect">
+            <a:avLst/>
+          </a:prstGeom>
+        </p:spPr>
+      </p:pic>
+      <p:sp>
+        <p:nvSpPr>
+          <p:cNvPr id="7" name="Content Placeholder 3">
+            <a:extLst>
+              <a:ext uri="{FF2B5EF4-FFF2-40B4-BE49-F238E27FC236}">
+                <a16:creationId xmlns:a16="http://schemas.microsoft.com/office/drawing/2014/main" id="{CC4BAD22-965D-5F41-938A-9F60F12F6345}"/>
+              </a:ext>
+            </a:extLst>
+          </p:cNvPr>
+          <p:cNvSpPr txBox="1">
+            <a:spLocks/>
+          </p:cNvSpPr>
+          <p:nvPr/>
+        </p:nvSpPr>
+        <p:spPr>
+          <a:xfrm>
+            <a:off x="248757" y="5430071"/>
+            <a:ext cx="5604928" cy="945573"/>
+          </a:xfrm>
+          <a:prstGeom prst="rect">
+            <a:avLst/>
+          </a:prstGeom>
+        </p:spPr>
+        <p:txBody>
+          <a:bodyPr vert="horz" lIns="91440" tIns="45720" rIns="91440" bIns="45720" rtlCol="0" anchor="t">
+            <a:normAutofit fontScale="92500"/>
+          </a:bodyPr>
+          <a:lstStyle>
+            <a:lvl1pPr marL="285750" indent="-285750" algn="l" defTabSz="457200" rtl="0" eaLnBrk="1" latinLnBrk="0" hangingPunct="1">
+              <a:spcBef>
+                <a:spcPct val="20000"/>
+              </a:spcBef>
+              <a:spcAft>
+                <a:spcPts val="600"/>
+              </a:spcAft>
+              <a:buClr>
+                <a:schemeClr val="accent1"/>
+              </a:buClr>
+              <a:buSzPct val="100000"/>
+              <a:buFont typeface="Arial"/>
+              <a:buChar char="•"/>
+              <a:defRPr sz="1800" kern="1200" cap="small">
+                <a:solidFill>
+                  <a:schemeClr val="tx1"/>
+                </a:solidFill>
+                <a:effectLst>
+                  <a:glow rad="38100">
+                    <a:schemeClr val="bg1">
+                      <a:lumMod val="50000"/>
+                      <a:lumOff val="50000"/>
+                      <a:alpha val="20000"/>
+                    </a:schemeClr>
+                  </a:glow>
+                  <a:outerShdw blurRad="44450" dist="12700" dir="13860000" algn="tl" rotWithShape="0">
+                    <a:srgbClr val="000000">
+                      <a:alpha val="20000"/>
+                    </a:srgbClr>
+                  </a:outerShdw>
+                </a:effectLst>
+                <a:latin typeface="+mn-lt"/>
+                <a:ea typeface="+mn-ea"/>
+                <a:cs typeface="+mn-cs"/>
+              </a:defRPr>
+            </a:lvl1pPr>
+            <a:lvl2pPr marL="742950" indent="-285750" algn="l" defTabSz="457200" rtl="0" eaLnBrk="1" latinLnBrk="0" hangingPunct="1">
+              <a:spcBef>
+                <a:spcPct val="20000"/>
+              </a:spcBef>
+              <a:spcAft>
+                <a:spcPts val="600"/>
+              </a:spcAft>
+              <a:buClr>
+                <a:schemeClr val="accent1"/>
+              </a:buClr>
+              <a:buSzPct val="100000"/>
+              <a:buFont typeface="Arial"/>
+              <a:buChar char="•"/>
+              <a:defRPr sz="1600" kern="1200" cap="small">
+                <a:solidFill>
+                  <a:schemeClr val="tx1"/>
+                </a:solidFill>
+                <a:effectLst>
+                  <a:glow rad="38100">
+                    <a:schemeClr val="bg1">
+                      <a:lumMod val="50000"/>
+                      <a:lumOff val="50000"/>
+                      <a:alpha val="20000"/>
+                    </a:schemeClr>
+                  </a:glow>
+                  <a:outerShdw blurRad="44450" dist="12700" dir="13860000" algn="tl" rotWithShape="0">
+                    <a:srgbClr val="000000">
+                      <a:alpha val="20000"/>
+                    </a:srgbClr>
+                  </a:outerShdw>
+                </a:effectLst>
+                <a:latin typeface="+mn-lt"/>
+                <a:ea typeface="+mn-ea"/>
+                <a:cs typeface="+mn-cs"/>
+              </a:defRPr>
+            </a:lvl2pPr>
+            <a:lvl3pPr marL="1200150" indent="-285750" algn="l" defTabSz="457200" rtl="0" eaLnBrk="1" latinLnBrk="0" hangingPunct="1">
+              <a:spcBef>
+                <a:spcPct val="20000"/>
+              </a:spcBef>
+              <a:spcAft>
+                <a:spcPts val="600"/>
+              </a:spcAft>
+              <a:buClr>
+                <a:schemeClr val="accent1"/>
+              </a:buClr>
+              <a:buSzPct val="100000"/>
+              <a:buFont typeface="Arial"/>
+              <a:buChar char="•"/>
+              <a:defRPr sz="1400" kern="1200" cap="small">
+                <a:solidFill>
+                  <a:schemeClr val="tx1"/>
+                </a:solidFill>
+                <a:effectLst>
+                  <a:glow rad="38100">
+                    <a:schemeClr val="bg1">
+                      <a:lumMod val="50000"/>
+                      <a:lumOff val="50000"/>
+                      <a:alpha val="20000"/>
+                    </a:schemeClr>
+                  </a:glow>
+                  <a:outerShdw blurRad="44450" dist="12700" dir="13860000" algn="tl" rotWithShape="0">
+                    <a:srgbClr val="000000">
+                      <a:alpha val="20000"/>
+                    </a:srgbClr>
+                  </a:outerShdw>
+                </a:effectLst>
+                <a:latin typeface="+mn-lt"/>
+                <a:ea typeface="+mn-ea"/>
+                <a:cs typeface="+mn-cs"/>
+              </a:defRPr>
+            </a:lvl3pPr>
+            <a:lvl4pPr marL="1543050" indent="-171450" algn="l" defTabSz="457200" rtl="0" eaLnBrk="1" latinLnBrk="0" hangingPunct="1">
+              <a:spcBef>
+                <a:spcPct val="20000"/>
+              </a:spcBef>
+              <a:spcAft>
+                <a:spcPts val="600"/>
+              </a:spcAft>
+              <a:buClr>
+                <a:schemeClr val="accent1"/>
+              </a:buClr>
+              <a:buSzPct val="100000"/>
+              <a:buFont typeface="Arial"/>
+              <a:buChar char="•"/>
+              <a:defRPr sz="1200" kern="1200" cap="small">
+                <a:solidFill>
+                  <a:schemeClr val="tx1"/>
+                </a:solidFill>
+                <a:effectLst>
+                  <a:glow rad="38100">
+                    <a:schemeClr val="bg1">
+                      <a:lumMod val="50000"/>
+                      <a:lumOff val="50000"/>
+                      <a:alpha val="20000"/>
+                    </a:schemeClr>
+                  </a:glow>
+                  <a:outerShdw blurRad="44450" dist="12700" dir="13860000" algn="tl" rotWithShape="0">
+                    <a:srgbClr val="000000">
+                      <a:alpha val="20000"/>
+                    </a:srgbClr>
+                  </a:outerShdw>
+                </a:effectLst>
+                <a:latin typeface="+mn-lt"/>
+                <a:ea typeface="+mn-ea"/>
+                <a:cs typeface="+mn-cs"/>
+              </a:defRPr>
+            </a:lvl4pPr>
+            <a:lvl5pPr marL="2000250" indent="-171450" algn="l" defTabSz="457200" rtl="0" eaLnBrk="1" latinLnBrk="0" hangingPunct="1">
+              <a:spcBef>
+                <a:spcPct val="20000"/>
+              </a:spcBef>
+              <a:spcAft>
+                <a:spcPts val="600"/>
+              </a:spcAft>
+              <a:buClr>
+                <a:schemeClr val="accent1"/>
+              </a:buClr>
+              <a:buSzPct val="100000"/>
+              <a:buFont typeface="Arial"/>
+              <a:buChar char="•"/>
+              <a:defRPr sz="1200" kern="1200" cap="small">
+                <a:solidFill>
+                  <a:schemeClr val="tx1"/>
+                </a:solidFill>
+                <a:effectLst>
+                  <a:glow rad="38100">
+                    <a:schemeClr val="bg1">
+                      <a:lumMod val="50000"/>
+                      <a:lumOff val="50000"/>
+                      <a:alpha val="20000"/>
+                    </a:schemeClr>
+                  </a:glow>
+                  <a:outerShdw blurRad="44450" dist="12700" dir="13860000" algn="tl" rotWithShape="0">
+                    <a:srgbClr val="000000">
+                      <a:alpha val="20000"/>
+                    </a:srgbClr>
+                  </a:outerShdw>
+                </a:effectLst>
+                <a:latin typeface="+mn-lt"/>
+                <a:ea typeface="+mn-ea"/>
+                <a:cs typeface="+mn-cs"/>
+              </a:defRPr>
+            </a:lvl5pPr>
+            <a:lvl6pPr marL="2514600" indent="-228600" algn="l" defTabSz="457200" rtl="0" eaLnBrk="1" latinLnBrk="0" hangingPunct="1">
+              <a:spcBef>
+                <a:spcPct val="20000"/>
+              </a:spcBef>
+              <a:spcAft>
+                <a:spcPts val="600"/>
+              </a:spcAft>
+              <a:buClr>
+                <a:schemeClr val="accent1"/>
+              </a:buClr>
+              <a:buSzPct val="100000"/>
+              <a:buFont typeface="Arial"/>
+              <a:buChar char="•"/>
+              <a:defRPr sz="1200" kern="1200" cap="small">
+                <a:solidFill>
+                  <a:schemeClr val="tx1"/>
+                </a:solidFill>
+                <a:effectLst>
+                  <a:glow rad="38100">
+                    <a:schemeClr val="bg1">
+                      <a:lumMod val="50000"/>
+                      <a:lumOff val="50000"/>
+                      <a:alpha val="20000"/>
+                    </a:schemeClr>
+                  </a:glow>
+                  <a:outerShdw blurRad="44450" dist="12700" dir="13860000" algn="tl" rotWithShape="0">
+                    <a:srgbClr val="000000">
+                      <a:alpha val="20000"/>
+                    </a:srgbClr>
+                  </a:outerShdw>
+                </a:effectLst>
+                <a:latin typeface="+mn-lt"/>
+                <a:ea typeface="+mn-ea"/>
+                <a:cs typeface="+mn-cs"/>
+              </a:defRPr>
+            </a:lvl6pPr>
+            <a:lvl7pPr marL="2971800" indent="-228600" algn="l" defTabSz="457200" rtl="0" eaLnBrk="1" latinLnBrk="0" hangingPunct="1">
+              <a:spcBef>
+                <a:spcPct val="20000"/>
+              </a:spcBef>
+              <a:spcAft>
+                <a:spcPts val="600"/>
+              </a:spcAft>
+              <a:buClr>
+                <a:schemeClr val="accent1"/>
+              </a:buClr>
+              <a:buSzPct val="100000"/>
+              <a:buFont typeface="Arial"/>
+              <a:buChar char="•"/>
+              <a:defRPr sz="1200" kern="1200" cap="small">
+                <a:solidFill>
+                  <a:schemeClr val="tx1"/>
+                </a:solidFill>
+                <a:effectLst>
+                  <a:glow rad="38100">
+                    <a:schemeClr val="bg1">
+                      <a:lumMod val="50000"/>
+                      <a:lumOff val="50000"/>
+                      <a:alpha val="20000"/>
+                    </a:schemeClr>
+                  </a:glow>
+                  <a:outerShdw blurRad="44450" dist="12700" dir="13860000" algn="tl" rotWithShape="0">
+                    <a:srgbClr val="000000">
+                      <a:alpha val="20000"/>
+                    </a:srgbClr>
+                  </a:outerShdw>
+                </a:effectLst>
+                <a:latin typeface="+mn-lt"/>
+                <a:ea typeface="+mn-ea"/>
+                <a:cs typeface="+mn-cs"/>
+              </a:defRPr>
+            </a:lvl7pPr>
+            <a:lvl8pPr marL="3429000" indent="-228600" algn="l" defTabSz="457200" rtl="0" eaLnBrk="1" latinLnBrk="0" hangingPunct="1">
+              <a:spcBef>
+                <a:spcPct val="20000"/>
+              </a:spcBef>
+              <a:spcAft>
+                <a:spcPts val="600"/>
+              </a:spcAft>
+              <a:buClr>
+                <a:schemeClr val="accent1"/>
+              </a:buClr>
+              <a:buSzPct val="100000"/>
+              <a:buFont typeface="Arial"/>
+              <a:buChar char="•"/>
+              <a:defRPr sz="1200" kern="1200" cap="small">
+                <a:solidFill>
+                  <a:schemeClr val="tx1"/>
+                </a:solidFill>
+                <a:effectLst>
+                  <a:glow rad="38100">
+                    <a:schemeClr val="bg1">
+                      <a:lumMod val="50000"/>
+                      <a:lumOff val="50000"/>
+                      <a:alpha val="20000"/>
+                    </a:schemeClr>
+                  </a:glow>
+                  <a:outerShdw blurRad="44450" dist="12700" dir="13860000" algn="tl" rotWithShape="0">
+                    <a:srgbClr val="000000">
+                      <a:alpha val="20000"/>
+                    </a:srgbClr>
+                  </a:outerShdw>
+                </a:effectLst>
+                <a:latin typeface="+mn-lt"/>
+                <a:ea typeface="+mn-ea"/>
+                <a:cs typeface="+mn-cs"/>
+              </a:defRPr>
+            </a:lvl8pPr>
+            <a:lvl9pPr marL="3886200" indent="-228600" algn="l" defTabSz="457200" rtl="0" eaLnBrk="1" latinLnBrk="0" hangingPunct="1">
+              <a:spcBef>
+                <a:spcPct val="20000"/>
+              </a:spcBef>
+              <a:spcAft>
+                <a:spcPts val="600"/>
+              </a:spcAft>
+              <a:buClr>
+                <a:schemeClr val="accent1"/>
+              </a:buClr>
+              <a:buSzPct val="100000"/>
+              <a:buFont typeface="Arial"/>
+              <a:buChar char="•"/>
+              <a:defRPr sz="1200" kern="1200" cap="small">
+                <a:solidFill>
+                  <a:schemeClr val="tx1"/>
+                </a:solidFill>
+                <a:effectLst>
+                  <a:glow rad="38100">
+                    <a:schemeClr val="bg1">
+                      <a:lumMod val="50000"/>
+                      <a:lumOff val="50000"/>
+                      <a:alpha val="20000"/>
+                    </a:schemeClr>
+                  </a:glow>
+                  <a:outerShdw blurRad="44450" dist="12700" dir="13860000" algn="tl" rotWithShape="0">
+                    <a:srgbClr val="000000">
+                      <a:alpha val="20000"/>
+                    </a:srgbClr>
+                  </a:outerShdw>
+                </a:effectLst>
+                <a:latin typeface="+mn-lt"/>
+                <a:ea typeface="+mn-ea"/>
+                <a:cs typeface="+mn-cs"/>
+              </a:defRPr>
+            </a:lvl9pPr>
+          </a:lstStyle>
+          <a:p>
+            <a:pPr marL="0" indent="0">
+              <a:buFont typeface="Arial"/>
+              <a:buNone/>
+            </a:pPr>
+            <a:r>
+              <a:rPr lang="en-US" dirty="0"/>
+              <a:t>Question Asked:</a:t>
+            </a:r>
+          </a:p>
+          <a:p>
+            <a:r>
+              <a:rPr lang="en-US" sz="1700" dirty="0">
+                <a:effectLst/>
+              </a:rPr>
+              <a:t>How safe is it to drive a car in San Diego or Dallas?</a:t>
+            </a:r>
+          </a:p>
+          <a:p>
+            <a:endParaRPr lang="en-US" dirty="0"/>
+          </a:p>
+        </p:txBody>
+      </p:sp>
+      <p:sp>
+        <p:nvSpPr>
+          <p:cNvPr id="8" name="Content Placeholder 3">
+            <a:extLst>
+              <a:ext uri="{FF2B5EF4-FFF2-40B4-BE49-F238E27FC236}">
+                <a16:creationId xmlns:a16="http://schemas.microsoft.com/office/drawing/2014/main" id="{409994BD-6565-344A-9A17-0882F1CE1F67}"/>
+              </a:ext>
+            </a:extLst>
+          </p:cNvPr>
+          <p:cNvSpPr txBox="1">
+            <a:spLocks/>
+          </p:cNvSpPr>
+          <p:nvPr/>
+        </p:nvSpPr>
+        <p:spPr>
+          <a:xfrm>
+            <a:off x="6324563" y="5430071"/>
+            <a:ext cx="5604926" cy="945573"/>
+          </a:xfrm>
+          <a:prstGeom prst="rect">
+            <a:avLst/>
+          </a:prstGeom>
+        </p:spPr>
+        <p:txBody>
+          <a:bodyPr vert="horz" lIns="91440" tIns="45720" rIns="91440" bIns="45720" rtlCol="0" anchor="t">
+            <a:normAutofit fontScale="92500" lnSpcReduction="20000"/>
+          </a:bodyPr>
+          <a:lstStyle>
+            <a:lvl1pPr marL="285750" indent="-285750" algn="l" defTabSz="457200" rtl="0" eaLnBrk="1" latinLnBrk="0" hangingPunct="1">
+              <a:spcBef>
+                <a:spcPct val="20000"/>
+              </a:spcBef>
+              <a:spcAft>
+                <a:spcPts val="600"/>
+              </a:spcAft>
+              <a:buClr>
+                <a:schemeClr val="accent1"/>
+              </a:buClr>
+              <a:buSzPct val="100000"/>
+              <a:buFont typeface="Arial"/>
+              <a:buChar char="•"/>
+              <a:defRPr sz="1800" kern="1200" cap="small">
+                <a:solidFill>
+                  <a:schemeClr val="tx1"/>
+                </a:solidFill>
+                <a:effectLst>
+                  <a:glow rad="38100">
+                    <a:schemeClr val="bg1">
+                      <a:lumMod val="50000"/>
+                      <a:lumOff val="50000"/>
+                      <a:alpha val="20000"/>
+                    </a:schemeClr>
+                  </a:glow>
+                  <a:outerShdw blurRad="44450" dist="12700" dir="13860000" algn="tl" rotWithShape="0">
+                    <a:srgbClr val="000000">
+                      <a:alpha val="20000"/>
+                    </a:srgbClr>
+                  </a:outerShdw>
+                </a:effectLst>
+                <a:latin typeface="+mn-lt"/>
+                <a:ea typeface="+mn-ea"/>
+                <a:cs typeface="+mn-cs"/>
+              </a:defRPr>
+            </a:lvl1pPr>
+            <a:lvl2pPr marL="742950" indent="-285750" algn="l" defTabSz="457200" rtl="0" eaLnBrk="1" latinLnBrk="0" hangingPunct="1">
+              <a:spcBef>
+                <a:spcPct val="20000"/>
+              </a:spcBef>
+              <a:spcAft>
+                <a:spcPts val="600"/>
+              </a:spcAft>
+              <a:buClr>
+                <a:schemeClr val="accent1"/>
+              </a:buClr>
+              <a:buSzPct val="100000"/>
+              <a:buFont typeface="Arial"/>
+              <a:buChar char="•"/>
+              <a:defRPr sz="1600" kern="1200" cap="small">
+                <a:solidFill>
+                  <a:schemeClr val="tx1"/>
+                </a:solidFill>
+                <a:effectLst>
+                  <a:glow rad="38100">
+                    <a:schemeClr val="bg1">
+                      <a:lumMod val="50000"/>
+                      <a:lumOff val="50000"/>
+                      <a:alpha val="20000"/>
+                    </a:schemeClr>
+                  </a:glow>
+                  <a:outerShdw blurRad="44450" dist="12700" dir="13860000" algn="tl" rotWithShape="0">
+                    <a:srgbClr val="000000">
+                      <a:alpha val="20000"/>
+                    </a:srgbClr>
+                  </a:outerShdw>
+                </a:effectLst>
+                <a:latin typeface="+mn-lt"/>
+                <a:ea typeface="+mn-ea"/>
+                <a:cs typeface="+mn-cs"/>
+              </a:defRPr>
+            </a:lvl2pPr>
+            <a:lvl3pPr marL="1200150" indent="-285750" algn="l" defTabSz="457200" rtl="0" eaLnBrk="1" latinLnBrk="0" hangingPunct="1">
+              <a:spcBef>
+                <a:spcPct val="20000"/>
+              </a:spcBef>
+              <a:spcAft>
+                <a:spcPts val="600"/>
+              </a:spcAft>
+              <a:buClr>
+                <a:schemeClr val="accent1"/>
+              </a:buClr>
+              <a:buSzPct val="100000"/>
+              <a:buFont typeface="Arial"/>
+              <a:buChar char="•"/>
+              <a:defRPr sz="1400" kern="1200" cap="small">
+                <a:solidFill>
+                  <a:schemeClr val="tx1"/>
+                </a:solidFill>
+                <a:effectLst>
+                  <a:glow rad="38100">
+                    <a:schemeClr val="bg1">
+                      <a:lumMod val="50000"/>
+                      <a:lumOff val="50000"/>
+                      <a:alpha val="20000"/>
+                    </a:schemeClr>
+                  </a:glow>
+                  <a:outerShdw blurRad="44450" dist="12700" dir="13860000" algn="tl" rotWithShape="0">
+                    <a:srgbClr val="000000">
+                      <a:alpha val="20000"/>
+                    </a:srgbClr>
+                  </a:outerShdw>
+                </a:effectLst>
+                <a:latin typeface="+mn-lt"/>
+                <a:ea typeface="+mn-ea"/>
+                <a:cs typeface="+mn-cs"/>
+              </a:defRPr>
+            </a:lvl3pPr>
+            <a:lvl4pPr marL="1543050" indent="-171450" algn="l" defTabSz="457200" rtl="0" eaLnBrk="1" latinLnBrk="0" hangingPunct="1">
+              <a:spcBef>
+                <a:spcPct val="20000"/>
+              </a:spcBef>
+              <a:spcAft>
+                <a:spcPts val="600"/>
+              </a:spcAft>
+              <a:buClr>
+                <a:schemeClr val="accent1"/>
+              </a:buClr>
+              <a:buSzPct val="100000"/>
+              <a:buFont typeface="Arial"/>
+              <a:buChar char="•"/>
+              <a:defRPr sz="1200" kern="1200" cap="small">
+                <a:solidFill>
+                  <a:schemeClr val="tx1"/>
+                </a:solidFill>
+                <a:effectLst>
+                  <a:glow rad="38100">
+                    <a:schemeClr val="bg1">
+                      <a:lumMod val="50000"/>
+                      <a:lumOff val="50000"/>
+                      <a:alpha val="20000"/>
+                    </a:schemeClr>
+                  </a:glow>
+                  <a:outerShdw blurRad="44450" dist="12700" dir="13860000" algn="tl" rotWithShape="0">
+                    <a:srgbClr val="000000">
+                      <a:alpha val="20000"/>
+                    </a:srgbClr>
+                  </a:outerShdw>
+                </a:effectLst>
+                <a:latin typeface="+mn-lt"/>
+                <a:ea typeface="+mn-ea"/>
+                <a:cs typeface="+mn-cs"/>
+              </a:defRPr>
+            </a:lvl4pPr>
+            <a:lvl5pPr marL="2000250" indent="-171450" algn="l" defTabSz="457200" rtl="0" eaLnBrk="1" latinLnBrk="0" hangingPunct="1">
+              <a:spcBef>
+                <a:spcPct val="20000"/>
+              </a:spcBef>
+              <a:spcAft>
+                <a:spcPts val="600"/>
+              </a:spcAft>
+              <a:buClr>
+                <a:schemeClr val="accent1"/>
+              </a:buClr>
+              <a:buSzPct val="100000"/>
+              <a:buFont typeface="Arial"/>
+              <a:buChar char="•"/>
+              <a:defRPr sz="1200" kern="1200" cap="small">
+                <a:solidFill>
+                  <a:schemeClr val="tx1"/>
+                </a:solidFill>
+                <a:effectLst>
+                  <a:glow rad="38100">
+                    <a:schemeClr val="bg1">
+                      <a:lumMod val="50000"/>
+                      <a:lumOff val="50000"/>
+                      <a:alpha val="20000"/>
+                    </a:schemeClr>
+                  </a:glow>
+                  <a:outerShdw blurRad="44450" dist="12700" dir="13860000" algn="tl" rotWithShape="0">
+                    <a:srgbClr val="000000">
+                      <a:alpha val="20000"/>
+                    </a:srgbClr>
+                  </a:outerShdw>
+                </a:effectLst>
+                <a:latin typeface="+mn-lt"/>
+                <a:ea typeface="+mn-ea"/>
+                <a:cs typeface="+mn-cs"/>
+              </a:defRPr>
+            </a:lvl5pPr>
+            <a:lvl6pPr marL="2514600" indent="-228600" algn="l" defTabSz="457200" rtl="0" eaLnBrk="1" latinLnBrk="0" hangingPunct="1">
+              <a:spcBef>
+                <a:spcPct val="20000"/>
+              </a:spcBef>
+              <a:spcAft>
+                <a:spcPts val="600"/>
+              </a:spcAft>
+              <a:buClr>
+                <a:schemeClr val="accent1"/>
+              </a:buClr>
+              <a:buSzPct val="100000"/>
+              <a:buFont typeface="Arial"/>
+              <a:buChar char="•"/>
+              <a:defRPr sz="1200" kern="1200" cap="small">
+                <a:solidFill>
+                  <a:schemeClr val="tx1"/>
+                </a:solidFill>
+                <a:effectLst>
+                  <a:glow rad="38100">
+                    <a:schemeClr val="bg1">
+                      <a:lumMod val="50000"/>
+                      <a:lumOff val="50000"/>
+                      <a:alpha val="20000"/>
+                    </a:schemeClr>
+                  </a:glow>
+                  <a:outerShdw blurRad="44450" dist="12700" dir="13860000" algn="tl" rotWithShape="0">
+                    <a:srgbClr val="000000">
+                      <a:alpha val="20000"/>
+                    </a:srgbClr>
+                  </a:outerShdw>
+                </a:effectLst>
+                <a:latin typeface="+mn-lt"/>
+                <a:ea typeface="+mn-ea"/>
+                <a:cs typeface="+mn-cs"/>
+              </a:defRPr>
+            </a:lvl6pPr>
+            <a:lvl7pPr marL="2971800" indent="-228600" algn="l" defTabSz="457200" rtl="0" eaLnBrk="1" latinLnBrk="0" hangingPunct="1">
+              <a:spcBef>
+                <a:spcPct val="20000"/>
+              </a:spcBef>
+              <a:spcAft>
+                <a:spcPts val="600"/>
+              </a:spcAft>
+              <a:buClr>
+                <a:schemeClr val="accent1"/>
+              </a:buClr>
+              <a:buSzPct val="100000"/>
+              <a:buFont typeface="Arial"/>
+              <a:buChar char="•"/>
+              <a:defRPr sz="1200" kern="1200" cap="small">
+                <a:solidFill>
+                  <a:schemeClr val="tx1"/>
+                </a:solidFill>
+                <a:effectLst>
+                  <a:glow rad="38100">
+                    <a:schemeClr val="bg1">
+                      <a:lumMod val="50000"/>
+                      <a:lumOff val="50000"/>
+                      <a:alpha val="20000"/>
+                    </a:schemeClr>
+                  </a:glow>
+                  <a:outerShdw blurRad="44450" dist="12700" dir="13860000" algn="tl" rotWithShape="0">
+                    <a:srgbClr val="000000">
+                      <a:alpha val="20000"/>
+                    </a:srgbClr>
+                  </a:outerShdw>
+                </a:effectLst>
+                <a:latin typeface="+mn-lt"/>
+                <a:ea typeface="+mn-ea"/>
+                <a:cs typeface="+mn-cs"/>
+              </a:defRPr>
+            </a:lvl7pPr>
+            <a:lvl8pPr marL="3429000" indent="-228600" algn="l" defTabSz="457200" rtl="0" eaLnBrk="1" latinLnBrk="0" hangingPunct="1">
+              <a:spcBef>
+                <a:spcPct val="20000"/>
+              </a:spcBef>
+              <a:spcAft>
+                <a:spcPts val="600"/>
+              </a:spcAft>
+              <a:buClr>
+                <a:schemeClr val="accent1"/>
+              </a:buClr>
+              <a:buSzPct val="100000"/>
+              <a:buFont typeface="Arial"/>
+              <a:buChar char="•"/>
+              <a:defRPr sz="1200" kern="1200" cap="small">
+                <a:solidFill>
+                  <a:schemeClr val="tx1"/>
+                </a:solidFill>
+                <a:effectLst>
+                  <a:glow rad="38100">
+                    <a:schemeClr val="bg1">
+                      <a:lumMod val="50000"/>
+                      <a:lumOff val="50000"/>
+                      <a:alpha val="20000"/>
+                    </a:schemeClr>
+                  </a:glow>
+                  <a:outerShdw blurRad="44450" dist="12700" dir="13860000" algn="tl" rotWithShape="0">
+                    <a:srgbClr val="000000">
+                      <a:alpha val="20000"/>
+                    </a:srgbClr>
+                  </a:outerShdw>
+                </a:effectLst>
+                <a:latin typeface="+mn-lt"/>
+                <a:ea typeface="+mn-ea"/>
+                <a:cs typeface="+mn-cs"/>
+              </a:defRPr>
+            </a:lvl8pPr>
+            <a:lvl9pPr marL="3886200" indent="-228600" algn="l" defTabSz="457200" rtl="0" eaLnBrk="1" latinLnBrk="0" hangingPunct="1">
+              <a:spcBef>
+                <a:spcPct val="20000"/>
+              </a:spcBef>
+              <a:spcAft>
+                <a:spcPts val="600"/>
+              </a:spcAft>
+              <a:buClr>
+                <a:schemeClr val="accent1"/>
+              </a:buClr>
+              <a:buSzPct val="100000"/>
+              <a:buFont typeface="Arial"/>
+              <a:buChar char="•"/>
+              <a:defRPr sz="1200" kern="1200" cap="small">
+                <a:solidFill>
+                  <a:schemeClr val="tx1"/>
+                </a:solidFill>
+                <a:effectLst>
+                  <a:glow rad="38100">
+                    <a:schemeClr val="bg1">
+                      <a:lumMod val="50000"/>
+                      <a:lumOff val="50000"/>
+                      <a:alpha val="20000"/>
+                    </a:schemeClr>
+                  </a:glow>
+                  <a:outerShdw blurRad="44450" dist="12700" dir="13860000" algn="tl" rotWithShape="0">
+                    <a:srgbClr val="000000">
+                      <a:alpha val="20000"/>
+                    </a:srgbClr>
+                  </a:outerShdw>
+                </a:effectLst>
+                <a:latin typeface="+mn-lt"/>
+                <a:ea typeface="+mn-ea"/>
+                <a:cs typeface="+mn-cs"/>
+              </a:defRPr>
+            </a:lvl9pPr>
+          </a:lstStyle>
+          <a:p>
+            <a:pPr marL="0" indent="0">
+              <a:buFont typeface="Arial"/>
+              <a:buNone/>
+            </a:pPr>
+            <a:r>
+              <a:rPr lang="en-US" dirty="0"/>
+              <a:t>Insight:</a:t>
+            </a:r>
+          </a:p>
+          <a:p>
+            <a:r>
+              <a:rPr lang="en-US" sz="1700" dirty="0"/>
+              <a:t>The number of Accidents with fatalities is trending upwards in Dallas, while San Diego’s trend is neutral.</a:t>
+            </a:r>
+          </a:p>
+          <a:p>
+            <a:endParaRPr lang="en-US" dirty="0"/>
+          </a:p>
+        </p:txBody>
+      </p:sp>
+      <p:sp>
+        <p:nvSpPr>
+          <p:cNvPr id="10" name="TextBox 9">
+            <a:extLst>
+              <a:ext uri="{FF2B5EF4-FFF2-40B4-BE49-F238E27FC236}">
+                <a16:creationId xmlns:a16="http://schemas.microsoft.com/office/drawing/2014/main" id="{940778FD-6E87-FD43-B986-32F8D66F54C6}"/>
+              </a:ext>
+            </a:extLst>
+          </p:cNvPr>
+          <p:cNvSpPr txBox="1"/>
+          <p:nvPr/>
+        </p:nvSpPr>
+        <p:spPr>
+          <a:xfrm>
+            <a:off x="7405816" y="6414071"/>
+            <a:ext cx="4709984" cy="276999"/>
+          </a:xfrm>
+          <a:prstGeom prst="rect">
+            <a:avLst/>
+          </a:prstGeom>
+          <a:noFill/>
+        </p:spPr>
+        <p:txBody>
+          <a:bodyPr wrap="square" rtlCol="0">
+            <a:spAutoFit/>
+          </a:bodyPr>
+          <a:lstStyle/>
+          <a:p>
+            <a:r>
+              <a:rPr lang="en-US" sz="1200" i="1" dirty="0"/>
+              <a:t>source:   https://</a:t>
+            </a:r>
+            <a:r>
+              <a:rPr lang="en-US" sz="1200" i="1" dirty="0" err="1"/>
+              <a:t>crashviewer.nhtsa.dot.gov</a:t>
+            </a:r>
+            <a:endParaRPr lang="en-US" sz="1200" i="1" dirty="0"/>
+          </a:p>
+        </p:txBody>
+      </p:sp>
+      <p:pic>
+        <p:nvPicPr>
+          <p:cNvPr id="4" name="Picture 3" descr="A screenshot of a cell phone&#10;&#10;Description automatically generated">
+            <a:extLst>
+              <a:ext uri="{FF2B5EF4-FFF2-40B4-BE49-F238E27FC236}">
+                <a16:creationId xmlns:a16="http://schemas.microsoft.com/office/drawing/2014/main" id="{2B25A7C4-102E-EE42-A141-6479C61D87C9}"/>
+              </a:ext>
+            </a:extLst>
+          </p:cNvPr>
+          <p:cNvPicPr>
+            <a:picLocks noChangeAspect="1"/>
+          </p:cNvPicPr>
+          <p:nvPr/>
+        </p:nvPicPr>
+        <p:blipFill>
+          <a:blip r:embed="rId4"/>
+          <a:stretch>
+            <a:fillRect/>
+          </a:stretch>
+        </p:blipFill>
+        <p:spPr>
+          <a:xfrm>
+            <a:off x="6324563" y="419099"/>
+            <a:ext cx="5622720" cy="3362956"/>
+          </a:xfrm>
+          <a:prstGeom prst="rect">
+            <a:avLst/>
+          </a:prstGeom>
+        </p:spPr>
+      </p:pic>
+    </p:spTree>
+    <p:extLst>
+      <p:ext uri="{BB962C8B-B14F-4D97-AF65-F5344CB8AC3E}">
+        <p14:creationId xmlns:p14="http://schemas.microsoft.com/office/powerpoint/2010/main" val="1595918270"/>
+      </p:ext>
+    </p:extLst>
+  </p:cSld>
+  <p:clrMapOvr>
+    <a:masterClrMapping/>
+  </p:clrMapOvr>
+</p:sld>
+</file>
+
+<file path=ppt/slides/slide9.xml><?xml version="1.0" encoding="utf-8"?>
 <p:sld xmlns:a="http://schemas.openxmlformats.org/drawingml/2006/main" xmlns:r="http://schemas.openxmlformats.org/officeDocument/2006/relationships" xmlns:p="http://schemas.openxmlformats.org/presentationml/2006/main">
   <p:cSld>
     <p:spTree>
@@ -6162,334 +9703,6 @@
           <p:cNvPr id="2" name="Title 1">
             <a:extLst>
               <a:ext uri="{FF2B5EF4-FFF2-40B4-BE49-F238E27FC236}">
-                <a16:creationId xmlns:a16="http://schemas.microsoft.com/office/drawing/2014/main" id="{AA2EA581-1144-1B40-8999-1618CA65E7BF}"/>
-              </a:ext>
-            </a:extLst>
-          </p:cNvPr>
-          <p:cNvSpPr>
-            <a:spLocks noGrp="1"/>
-          </p:cNvSpPr>
-          <p:nvPr>
-            <p:ph type="title"/>
-          </p:nvPr>
-        </p:nvSpPr>
-        <p:spPr>
-          <a:xfrm>
-            <a:off x="609600" y="607359"/>
-            <a:ext cx="9905998" cy="918882"/>
-          </a:xfrm>
-        </p:spPr>
-        <p:txBody>
-          <a:bodyPr/>
-          <a:lstStyle/>
-          <a:p>
-            <a:r>
-              <a:rPr lang="en-US" dirty="0"/>
-              <a:t>Employees</a:t>
-            </a:r>
-          </a:p>
-        </p:txBody>
-      </p:sp>
-      <p:sp>
-        <p:nvSpPr>
-          <p:cNvPr id="5" name="Content Placeholder 4">
-            <a:extLst>
-              <a:ext uri="{FF2B5EF4-FFF2-40B4-BE49-F238E27FC236}">
-                <a16:creationId xmlns:a16="http://schemas.microsoft.com/office/drawing/2014/main" id="{3A64E973-1269-7A40-9DA4-D3877A494CDD}"/>
-              </a:ext>
-            </a:extLst>
-          </p:cNvPr>
-          <p:cNvSpPr>
-            <a:spLocks noGrp="1"/>
-          </p:cNvSpPr>
-          <p:nvPr>
-            <p:ph sz="half" idx="1"/>
-          </p:nvPr>
-        </p:nvSpPr>
-        <p:spPr/>
-        <p:txBody>
-          <a:bodyPr/>
-          <a:lstStyle/>
-          <a:p>
-            <a:endParaRPr lang="en-US"/>
-          </a:p>
-        </p:txBody>
-      </p:sp>
-      <p:sp>
-        <p:nvSpPr>
-          <p:cNvPr id="6" name="Content Placeholder 5">
-            <a:extLst>
-              <a:ext uri="{FF2B5EF4-FFF2-40B4-BE49-F238E27FC236}">
-                <a16:creationId xmlns:a16="http://schemas.microsoft.com/office/drawing/2014/main" id="{1CD22891-0377-FA46-BF16-E1219B4757CA}"/>
-              </a:ext>
-            </a:extLst>
-          </p:cNvPr>
-          <p:cNvSpPr>
-            <a:spLocks noGrp="1"/>
-          </p:cNvSpPr>
-          <p:nvPr>
-            <p:ph sz="half" idx="2"/>
-          </p:nvPr>
-        </p:nvSpPr>
-        <p:spPr/>
-        <p:txBody>
-          <a:bodyPr/>
-          <a:lstStyle/>
-          <a:p>
-            <a:endParaRPr lang="en-US"/>
-          </a:p>
-        </p:txBody>
-      </p:sp>
-    </p:spTree>
-    <p:extLst>
-      <p:ext uri="{BB962C8B-B14F-4D97-AF65-F5344CB8AC3E}">
-        <p14:creationId xmlns:p14="http://schemas.microsoft.com/office/powerpoint/2010/main" val="2398961096"/>
-      </p:ext>
-    </p:extLst>
-  </p:cSld>
-  <p:clrMapOvr>
-    <a:masterClrMapping/>
-  </p:clrMapOvr>
-</p:sld>
-</file>
-
-<file path=ppt/slides/slide6.xml><?xml version="1.0" encoding="utf-8"?>
-<p:sld xmlns:a="http://schemas.openxmlformats.org/drawingml/2006/main" xmlns:r="http://schemas.openxmlformats.org/officeDocument/2006/relationships" xmlns:p="http://schemas.openxmlformats.org/presentationml/2006/main">
-  <p:cSld>
-    <p:spTree>
-      <p:nvGrpSpPr>
-        <p:cNvPr id="1" name=""/>
-        <p:cNvGrpSpPr/>
-        <p:nvPr/>
-      </p:nvGrpSpPr>
-      <p:grpSpPr>
-        <a:xfrm>
-          <a:off x="0" y="0"/>
-          <a:ext cx="0" cy="0"/>
-          <a:chOff x="0" y="0"/>
-          <a:chExt cx="0" cy="0"/>
-        </a:xfrm>
-      </p:grpSpPr>
-      <p:sp>
-        <p:nvSpPr>
-          <p:cNvPr id="2" name="Title 1">
-            <a:extLst>
-              <a:ext uri="{FF2B5EF4-FFF2-40B4-BE49-F238E27FC236}">
-                <a16:creationId xmlns:a16="http://schemas.microsoft.com/office/drawing/2014/main" id="{224ED65F-399D-E143-A876-AC1B9F20C0D5}"/>
-              </a:ext>
-            </a:extLst>
-          </p:cNvPr>
-          <p:cNvSpPr>
-            <a:spLocks noGrp="1"/>
-          </p:cNvSpPr>
-          <p:nvPr>
-            <p:ph type="title"/>
-          </p:nvPr>
-        </p:nvSpPr>
-        <p:spPr>
-          <a:xfrm>
-            <a:off x="609600" y="609600"/>
-            <a:ext cx="9905998" cy="918882"/>
-          </a:xfrm>
-        </p:spPr>
-        <p:txBody>
-          <a:bodyPr/>
-          <a:lstStyle/>
-          <a:p>
-            <a:r>
-              <a:rPr lang="en-US" dirty="0"/>
-              <a:t>Wages</a:t>
-            </a:r>
-          </a:p>
-        </p:txBody>
-      </p:sp>
-      <p:sp>
-        <p:nvSpPr>
-          <p:cNvPr id="5" name="Content Placeholder 4">
-            <a:extLst>
-              <a:ext uri="{FF2B5EF4-FFF2-40B4-BE49-F238E27FC236}">
-                <a16:creationId xmlns:a16="http://schemas.microsoft.com/office/drawing/2014/main" id="{FCF1EA0E-14D5-B343-BEE6-689F072F5CD8}"/>
-              </a:ext>
-            </a:extLst>
-          </p:cNvPr>
-          <p:cNvSpPr>
-            <a:spLocks noGrp="1"/>
-          </p:cNvSpPr>
-          <p:nvPr>
-            <p:ph sz="half" idx="1"/>
-          </p:nvPr>
-        </p:nvSpPr>
-        <p:spPr>
-          <a:xfrm>
-            <a:off x="1141412" y="2666999"/>
-            <a:ext cx="4876800" cy="3124201"/>
-          </a:xfrm>
-        </p:spPr>
-        <p:txBody>
-          <a:bodyPr/>
-          <a:lstStyle/>
-          <a:p>
-            <a:endParaRPr lang="en-US"/>
-          </a:p>
-        </p:txBody>
-      </p:sp>
-      <p:sp>
-        <p:nvSpPr>
-          <p:cNvPr id="6" name="Content Placeholder 5">
-            <a:extLst>
-              <a:ext uri="{FF2B5EF4-FFF2-40B4-BE49-F238E27FC236}">
-                <a16:creationId xmlns:a16="http://schemas.microsoft.com/office/drawing/2014/main" id="{8855F79A-3928-B14D-B469-4BD2BB473389}"/>
-              </a:ext>
-            </a:extLst>
-          </p:cNvPr>
-          <p:cNvSpPr>
-            <a:spLocks noGrp="1"/>
-          </p:cNvSpPr>
-          <p:nvPr>
-            <p:ph sz="half" idx="2"/>
-          </p:nvPr>
-        </p:nvSpPr>
-        <p:spPr>
-          <a:xfrm>
-            <a:off x="6170612" y="2667000"/>
-            <a:ext cx="4876800" cy="3124200"/>
-          </a:xfrm>
-        </p:spPr>
-        <p:txBody>
-          <a:bodyPr/>
-          <a:lstStyle/>
-          <a:p>
-            <a:endParaRPr lang="en-US" dirty="0"/>
-          </a:p>
-        </p:txBody>
-      </p:sp>
-    </p:spTree>
-    <p:extLst>
-      <p:ext uri="{BB962C8B-B14F-4D97-AF65-F5344CB8AC3E}">
-        <p14:creationId xmlns:p14="http://schemas.microsoft.com/office/powerpoint/2010/main" val="3169042969"/>
-      </p:ext>
-    </p:extLst>
-  </p:cSld>
-  <p:clrMapOvr>
-    <a:masterClrMapping/>
-  </p:clrMapOvr>
-</p:sld>
-</file>
-
-<file path=ppt/slides/slide7.xml><?xml version="1.0" encoding="utf-8"?>
-<p:sld xmlns:a="http://schemas.openxmlformats.org/drawingml/2006/main" xmlns:r="http://schemas.openxmlformats.org/officeDocument/2006/relationships" xmlns:p="http://schemas.openxmlformats.org/presentationml/2006/main">
-  <p:cSld>
-    <p:spTree>
-      <p:nvGrpSpPr>
-        <p:cNvPr id="1" name=""/>
-        <p:cNvGrpSpPr/>
-        <p:nvPr/>
-      </p:nvGrpSpPr>
-      <p:grpSpPr>
-        <a:xfrm>
-          <a:off x="0" y="0"/>
-          <a:ext cx="0" cy="0"/>
-          <a:chOff x="0" y="0"/>
-          <a:chExt cx="0" cy="0"/>
-        </a:xfrm>
-      </p:grpSpPr>
-      <p:sp>
-        <p:nvSpPr>
-          <p:cNvPr id="2" name="Title 1">
-            <a:extLst>
-              <a:ext uri="{FF2B5EF4-FFF2-40B4-BE49-F238E27FC236}">
-                <a16:creationId xmlns:a16="http://schemas.microsoft.com/office/drawing/2014/main" id="{EB5F660C-B2C0-034D-95D6-C62E56E89476}"/>
-              </a:ext>
-            </a:extLst>
-          </p:cNvPr>
-          <p:cNvSpPr>
-            <a:spLocks noGrp="1"/>
-          </p:cNvSpPr>
-          <p:nvPr>
-            <p:ph type="title"/>
-          </p:nvPr>
-        </p:nvSpPr>
-        <p:spPr>
-          <a:xfrm>
-            <a:off x="609600" y="609600"/>
-            <a:ext cx="9905998" cy="918882"/>
-          </a:xfrm>
-        </p:spPr>
-        <p:txBody>
-          <a:bodyPr/>
-          <a:lstStyle/>
-          <a:p>
-            <a:r>
-              <a:rPr lang="en-US" dirty="0"/>
-              <a:t>Safety</a:t>
-            </a:r>
-          </a:p>
-        </p:txBody>
-      </p:sp>
-      <p:pic>
-        <p:nvPicPr>
-          <p:cNvPr id="8" name="Content Placeholder 7">
-            <a:extLst>
-              <a:ext uri="{FF2B5EF4-FFF2-40B4-BE49-F238E27FC236}">
-                <a16:creationId xmlns:a16="http://schemas.microsoft.com/office/drawing/2014/main" id="{E4231A27-E3C4-DF4A-9D4D-1748E81FF9A2}"/>
-              </a:ext>
-            </a:extLst>
-          </p:cNvPr>
-          <p:cNvPicPr>
-            <a:picLocks noGrp="1" noChangeAspect="1"/>
-          </p:cNvPicPr>
-          <p:nvPr>
-            <p:ph idx="1"/>
-          </p:nvPr>
-        </p:nvPicPr>
-        <p:blipFill>
-          <a:blip r:embed="rId2"/>
-          <a:stretch>
-            <a:fillRect/>
-          </a:stretch>
-        </p:blipFill>
-        <p:spPr>
-          <a:xfrm>
-            <a:off x="3479189" y="1238763"/>
-            <a:ext cx="8349395" cy="5009637"/>
-          </a:xfrm>
-        </p:spPr>
-      </p:pic>
-    </p:spTree>
-    <p:extLst>
-      <p:ext uri="{BB962C8B-B14F-4D97-AF65-F5344CB8AC3E}">
-        <p14:creationId xmlns:p14="http://schemas.microsoft.com/office/powerpoint/2010/main" val="209559144"/>
-      </p:ext>
-    </p:extLst>
-  </p:cSld>
-  <p:clrMapOvr>
-    <a:masterClrMapping/>
-  </p:clrMapOvr>
-</p:sld>
-</file>
-
-<file path=ppt/slides/slide8.xml><?xml version="1.0" encoding="utf-8"?>
-<p:sld xmlns:a="http://schemas.openxmlformats.org/drawingml/2006/main" xmlns:r="http://schemas.openxmlformats.org/officeDocument/2006/relationships" xmlns:p="http://schemas.openxmlformats.org/presentationml/2006/main">
-  <p:cSld>
-    <p:spTree>
-      <p:nvGrpSpPr>
-        <p:cNvPr id="1" name=""/>
-        <p:cNvGrpSpPr/>
-        <p:nvPr/>
-      </p:nvGrpSpPr>
-      <p:grpSpPr>
-        <a:xfrm>
-          <a:off x="0" y="0"/>
-          <a:ext cx="0" cy="0"/>
-          <a:chOff x="0" y="0"/>
-          <a:chExt cx="0" cy="0"/>
-        </a:xfrm>
-      </p:grpSpPr>
-      <p:sp>
-        <p:nvSpPr>
-          <p:cNvPr id="2" name="Title 1">
-            <a:extLst>
-              <a:ext uri="{FF2B5EF4-FFF2-40B4-BE49-F238E27FC236}">
                 <a16:creationId xmlns:a16="http://schemas.microsoft.com/office/drawing/2014/main" id="{3DECF55D-FC82-CC48-B4A5-32EE32BDA7DC}"/>
               </a:ext>
             </a:extLst>
@@ -6536,7 +9749,7 @@
         </p:nvSpPr>
         <p:spPr/>
         <p:txBody>
-          <a:bodyPr>
+          <a:bodyPr anchor="t">
             <a:normAutofit/>
           </a:bodyPr>
           <a:lstStyle/>
@@ -6546,18 +9759,24 @@
             </a:pPr>
             <a:r>
               <a:rPr lang="en-US" sz="2400" dirty="0"/>
-              <a:t>Based on the data, it is not a good idea to enter the transportation business based on the number of existing companies, wages, and higher potential of death while driving.</a:t>
-            </a:r>
-          </a:p>
-          <a:p>
-            <a:pPr marL="0" indent="0" algn="ctr">
-              <a:buNone/>
-            </a:pPr>
+              <a:t>Based on the data, Dallas county more </a:t>
+            </a:r>
             <a:r>
               <a:rPr lang="en-US" sz="2400" dirty="0" err="1"/>
-              <a:t>Covfefe</a:t>
-            </a:r>
-            <a:endParaRPr lang="en-US" sz="2400" dirty="0"/>
+              <a:t>opportunites</a:t>
+            </a:r>
+            <a:r>
+              <a:rPr lang="en-US" sz="2400" dirty="0"/>
+              <a:t> over San Diego County to start a </a:t>
+            </a:r>
+            <a:r>
+              <a:rPr lang="en-US" sz="2400" dirty="0" err="1"/>
+              <a:t>ridehailing</a:t>
+            </a:r>
+            <a:r>
+              <a:rPr lang="en-US" sz="2400" dirty="0"/>
+              <a:t> or ridesharing business on account of less competition and higher wages.</a:t>
+            </a:r>
           </a:p>
         </p:txBody>
       </p:sp>
@@ -6591,28 +9810,28 @@
         <a:srgbClr val="EBEBEB"/>
       </a:lt2>
       <a:accent1>
-        <a:srgbClr val="6F6F6F"/>
+        <a:srgbClr val="A9E023"/>
       </a:accent1>
       <a:accent2>
-        <a:srgbClr val="BFBFA5"/>
+        <a:srgbClr val="1FCDB6"/>
       </a:accent2>
       <a:accent3>
-        <a:srgbClr val="DCD084"/>
+        <a:srgbClr val="5F99C9"/>
       </a:accent3>
       <a:accent4>
-        <a:srgbClr val="E7BF5F"/>
+        <a:srgbClr val="AE65D1"/>
       </a:accent4>
       <a:accent5>
-        <a:srgbClr val="E9A039"/>
+        <a:srgbClr val="D06423"/>
       </a:accent5>
       <a:accent6>
-        <a:srgbClr val="CF7133"/>
+        <a:srgbClr val="DCAB11"/>
       </a:accent6>
       <a:hlink>
-        <a:srgbClr val="F28943"/>
+        <a:srgbClr val="ADE133"/>
       </a:hlink>
       <a:folHlink>
-        <a:srgbClr val="F1B76C"/>
+        <a:srgbClr val="C2EA66"/>
       </a:folHlink>
     </a:clrScheme>
     <a:fontScheme name="Mesh">
@@ -6824,7 +10043,7 @@
   <a:extraClrSchemeLst/>
   <a:extLst>
     <a:ext uri="{05A4C25C-085E-4340-85A3-A5531E510DB2}">
-      <thm15:themeFamily xmlns:thm15="http://schemas.microsoft.com/office/thememl/2012/main" name="Mesh" id="{789EC3FE-34FD-429C-9918-760025E6C145}" vid="{B8BE45C0-8141-4D58-8C71-A009BC26FBBB}"/>
+      <thm15:themeFamily xmlns:thm15="http://schemas.microsoft.com/office/thememl/2012/main" name="Mesh" id="{789EC3FE-34FD-429C-9918-760025E6C145}" vid="{1FEE2289-88FB-467C-9C9A-54F3C85768F0}"/>
     </a:ext>
   </a:extLst>
 </a:theme>

--- a/Project 1.pptx
+++ b/Project 1.pptx
@@ -8,11 +8,11 @@
     <p:sldId id="256" r:id="rId2"/>
     <p:sldId id="257" r:id="rId3"/>
     <p:sldId id="258" r:id="rId4"/>
-    <p:sldId id="266" r:id="rId5"/>
-    <p:sldId id="267" r:id="rId6"/>
-    <p:sldId id="275" r:id="rId7"/>
-    <p:sldId id="270" r:id="rId8"/>
-    <p:sldId id="274" r:id="rId9"/>
+    <p:sldId id="274" r:id="rId5"/>
+    <p:sldId id="266" r:id="rId6"/>
+    <p:sldId id="267" r:id="rId7"/>
+    <p:sldId id="275" r:id="rId8"/>
+    <p:sldId id="270" r:id="rId9"/>
     <p:sldId id="263" r:id="rId10"/>
     <p:sldId id="273" r:id="rId11"/>
   </p:sldIdLst>
@@ -6131,7 +6131,45 @@
                   </a:outerShdw>
                 </a:effectLst>
               </a:rPr>
-              <a:t>Ride sharing – Terminology used to group Uber, lift, etc. services</a:t>
+              <a:t>Ride sharing – Terminology used to group Uber, lift, </a:t>
+            </a:r>
+            <a:r>
+              <a:rPr lang="en-US" sz="1600" cap="small" dirty="0" err="1">
+                <a:effectLst>
+                  <a:glow rad="38100">
+                    <a:schemeClr val="bg1">
+                      <a:lumMod val="50000"/>
+                      <a:lumOff val="50000"/>
+                      <a:alpha val="20000"/>
+                    </a:schemeClr>
+                  </a:glow>
+                  <a:outerShdw blurRad="44450" dist="12700" dir="13860000" algn="tl" rotWithShape="0">
+                    <a:srgbClr val="000000">
+                      <a:alpha val="20000"/>
+                    </a:srgbClr>
+                  </a:outerShdw>
+                </a:effectLst>
+              </a:rPr>
+              <a:t>etc</a:t>
+            </a:r>
+            <a:r>
+              <a:rPr lang="en-US" sz="1600" cap="small" dirty="0">
+                <a:effectLst>
+                  <a:glow rad="38100">
+                    <a:schemeClr val="bg1">
+                      <a:lumMod val="50000"/>
+                      <a:lumOff val="50000"/>
+                      <a:alpha val="20000"/>
+                    </a:schemeClr>
+                  </a:glow>
+                  <a:outerShdw blurRad="44450" dist="12700" dir="13860000" algn="tl" rotWithShape="0">
+                    <a:srgbClr val="000000">
+                      <a:alpha val="20000"/>
+                    </a:srgbClr>
+                  </a:outerShdw>
+                </a:effectLst>
+              </a:rPr>
+              <a:t> services</a:t>
             </a:r>
           </a:p>
         </p:txBody>
@@ -6633,7 +6671,7 @@
           <p:cNvPr id="2" name="Title 1">
             <a:extLst>
               <a:ext uri="{FF2B5EF4-FFF2-40B4-BE49-F238E27FC236}">
-                <a16:creationId xmlns:a16="http://schemas.microsoft.com/office/drawing/2014/main" id="{D1C2A00E-7D49-6B47-B595-C08AE0AE6343}"/>
+                <a16:creationId xmlns:a16="http://schemas.microsoft.com/office/drawing/2014/main" id="{12DF547D-2983-8A4B-BA4B-0188AFAACBA7}"/>
               </a:ext>
             </a:extLst>
           </p:cNvPr>
@@ -6646,8 +6684,8 @@
         </p:nvSpPr>
         <p:spPr>
           <a:xfrm>
-            <a:off x="7467601" y="921774"/>
-            <a:ext cx="4709984" cy="907026"/>
+            <a:off x="7467600" y="914400"/>
+            <a:ext cx="5122606" cy="914400"/>
           </a:xfrm>
         </p:spPr>
         <p:txBody>
@@ -6657,18 +6695,18 @@
           <a:lstStyle/>
           <a:p>
             <a:r>
-              <a:rPr lang="en-US" sz="4400" dirty="0"/>
-              <a:t>Demographics</a:t>
-            </a:r>
-          </a:p>
-        </p:txBody>
-      </p:sp>
-      <p:sp>
-        <p:nvSpPr>
-          <p:cNvPr id="4" name="Content Placeholder 3">
+              <a:rPr lang="en-US" dirty="0"/>
+              <a:t>New York Taxis  </a:t>
+            </a:r>
+          </a:p>
+        </p:txBody>
+      </p:sp>
+      <p:sp>
+        <p:nvSpPr>
+          <p:cNvPr id="13" name="Content Placeholder 3">
             <a:extLst>
               <a:ext uri="{FF2B5EF4-FFF2-40B4-BE49-F238E27FC236}">
-                <a16:creationId xmlns:a16="http://schemas.microsoft.com/office/drawing/2014/main" id="{E746DCD3-DF3C-6A4F-A80D-46942662E5AB}"/>
+                <a16:creationId xmlns:a16="http://schemas.microsoft.com/office/drawing/2014/main" id="{2C335AAF-A1D5-A643-AB88-C93D00C1815D}"/>
               </a:ext>
             </a:extLst>
           </p:cNvPr>
@@ -6701,26 +6739,41 @@
           </a:p>
           <a:p>
             <a:r>
+              <a:rPr lang="en-US" dirty="0">
+                <a:effectLst/>
+              </a:rPr>
+              <a:t>Why did we include this slide / data?</a:t>
+            </a:r>
+          </a:p>
+          <a:p>
+            <a:r>
+              <a:rPr lang="en-US" dirty="0">
+                <a:effectLst/>
+              </a:rPr>
+              <a:t>What does the data show on taxi usage?</a:t>
+            </a:r>
+          </a:p>
+          <a:p>
+            <a:pPr marL="0" indent="0">
+              <a:buNone/>
+            </a:pPr>
+            <a:endParaRPr lang="en-US" dirty="0"/>
+          </a:p>
+          <a:p>
+            <a:pPr marL="0" indent="0">
+              <a:buNone/>
+            </a:pPr>
+            <a:r>
               <a:rPr lang="en-US" dirty="0"/>
-              <a:t>Why we choose San Diego and Dallas?</a:t>
-            </a:r>
-          </a:p>
-          <a:p>
-            <a:r>
-              <a:rPr lang="en-US" dirty="0"/>
-              <a:t>What is the average age of the rider?</a:t>
-            </a:r>
-          </a:p>
-          <a:p>
-            <a:endParaRPr lang="en-US" dirty="0"/>
-          </a:p>
-          <a:p>
-            <a:pPr marL="0" indent="0">
-              <a:buNone/>
-            </a:pPr>
-            <a:r>
-              <a:rPr lang="en-US" dirty="0"/>
-              <a:t>Insight</a:t>
+              <a:t>Insight:</a:t>
+            </a:r>
+          </a:p>
+          <a:p>
+            <a:r>
+              <a:rPr lang="en-US" dirty="0">
+                <a:effectLst/>
+              </a:rPr>
+              <a:t>Taxi driving is well defined and regulated in cities like New York. We collected yellow taxi data to understand recent trends in fares and miles driven. See fig below-</a:t>
             </a:r>
           </a:p>
           <a:p>
@@ -6728,23 +6781,26 @@
               <a:rPr lang="en-US" i="1" dirty="0">
                 <a:effectLst/>
               </a:rPr>
-              <a:t>The median ages and Population of San Diego and Dallas counties, are very similar . Good for our main question.</a:t>
+              <a:t>On an average, a taxi driver drives 3 miles and charges around $15 per trip. </a:t>
             </a:r>
             <a:endParaRPr lang="en-US" dirty="0">
               <a:effectLst/>
             </a:endParaRPr>
           </a:p>
           <a:p>
+            <a:pPr marL="0" indent="0">
+              <a:buNone/>
+            </a:pPr>
             <a:endParaRPr lang="en-US" dirty="0"/>
           </a:p>
         </p:txBody>
       </p:sp>
       <p:sp>
         <p:nvSpPr>
-          <p:cNvPr id="8" name="TextBox 7">
+          <p:cNvPr id="15" name="TextBox 14">
             <a:extLst>
               <a:ext uri="{FF2B5EF4-FFF2-40B4-BE49-F238E27FC236}">
-                <a16:creationId xmlns:a16="http://schemas.microsoft.com/office/drawing/2014/main" id="{B4DBECE5-A0FC-664C-B268-ACD1BFD6A0AB}"/>
+                <a16:creationId xmlns:a16="http://schemas.microsoft.com/office/drawing/2014/main" id="{B239CC83-BE04-D243-9487-985E3A9E8D08}"/>
               </a:ext>
             </a:extLst>
           </p:cNvPr>
@@ -6768,23 +6824,23 @@
           <a:lstStyle/>
           <a:p>
             <a:r>
-              <a:rPr lang="en-US" sz="1200" i="1" dirty="0"/>
+              <a:rPr lang="en-US" sz="1200" dirty="0"/>
               <a:t>source:   https://</a:t>
             </a:r>
             <a:r>
-              <a:rPr lang="en-US" sz="1200" i="1" dirty="0" err="1"/>
-              <a:t>suburbanstats.org</a:t>
-            </a:r>
-            <a:endParaRPr lang="en-US" sz="1200" i="1" dirty="0"/>
+              <a:rPr lang="en-US" sz="1200" dirty="0" err="1"/>
+              <a:t>opendata.cityofnewyork.us</a:t>
+            </a:r>
+            <a:endParaRPr lang="en-US" sz="1200" dirty="0"/>
           </a:p>
         </p:txBody>
       </p:sp>
       <p:pic>
         <p:nvPicPr>
-          <p:cNvPr id="5" name="Picture 4" descr="A screenshot of a cell phone&#10;&#10;Description automatically generated">
+          <p:cNvPr id="4" name="Picture 3" descr="A screenshot of a cell phone&#10;&#10;Description automatically generated">
             <a:extLst>
               <a:ext uri="{FF2B5EF4-FFF2-40B4-BE49-F238E27FC236}">
-                <a16:creationId xmlns:a16="http://schemas.microsoft.com/office/drawing/2014/main" id="{B906DF4C-F799-534E-B649-4BE332536632}"/>
+                <a16:creationId xmlns:a16="http://schemas.microsoft.com/office/drawing/2014/main" id="{28FFE712-9495-974C-9547-A5608AD7EC09}"/>
               </a:ext>
             </a:extLst>
           </p:cNvPr>
@@ -6801,38 +6857,8 @@
         </p:blipFill>
         <p:spPr>
           <a:xfrm>
-            <a:off x="245901" y="3594099"/>
-            <a:ext cx="5850100" cy="1379741"/>
-          </a:xfrm>
-          <a:prstGeom prst="rect">
-            <a:avLst/>
-          </a:prstGeom>
-        </p:spPr>
-      </p:pic>
-      <p:pic>
-        <p:nvPicPr>
-          <p:cNvPr id="12" name="Picture 11" descr="A screenshot of a cell phone&#10;&#10;Description automatically generated">
-            <a:extLst>
-              <a:ext uri="{FF2B5EF4-FFF2-40B4-BE49-F238E27FC236}">
-                <a16:creationId xmlns:a16="http://schemas.microsoft.com/office/drawing/2014/main" id="{0DA527E1-035D-5248-91CF-0343011322A9}"/>
-              </a:ext>
-            </a:extLst>
-          </p:cNvPr>
-          <p:cNvPicPr>
-            <a:picLocks noChangeAspect="1"/>
-          </p:cNvPicPr>
-          <p:nvPr/>
-        </p:nvPicPr>
-        <p:blipFill>
-          <a:blip r:embed="rId4"/>
-          <a:stretch>
-            <a:fillRect/>
-          </a:stretch>
-        </p:blipFill>
-        <p:spPr>
-          <a:xfrm>
-            <a:off x="245899" y="1828799"/>
-            <a:ext cx="5865165" cy="1285875"/>
+            <a:off x="309349" y="1828800"/>
+            <a:ext cx="5486400" cy="3657600"/>
           </a:xfrm>
           <a:prstGeom prst="rect">
             <a:avLst/>
@@ -6842,7 +6868,7 @@
     </p:spTree>
     <p:extLst>
       <p:ext uri="{BB962C8B-B14F-4D97-AF65-F5344CB8AC3E}">
-        <p14:creationId xmlns:p14="http://schemas.microsoft.com/office/powerpoint/2010/main" val="1742857253"/>
+        <p14:creationId xmlns:p14="http://schemas.microsoft.com/office/powerpoint/2010/main" val="2551876641"/>
       </p:ext>
     </p:extLst>
   </p:cSld>
@@ -6911,411 +6937,52 @@
         </p:nvSpPr>
         <p:spPr>
           <a:xfrm>
-            <a:off x="7467600" y="916458"/>
-            <a:ext cx="4724400" cy="912342"/>
+            <a:off x="7467601" y="921774"/>
+            <a:ext cx="4709984" cy="907026"/>
           </a:xfrm>
         </p:spPr>
         <p:txBody>
-          <a:bodyPr vert="horz" lIns="91440" tIns="45720" rIns="91440" bIns="45720" rtlCol="0" anchor="b">
+          <a:bodyPr vert="horz" lIns="91440" tIns="45720" rIns="91440" bIns="45720" rtlCol="0" anchor="ctr">
             <a:normAutofit/>
           </a:bodyPr>
           <a:lstStyle/>
           <a:p>
-            <a:pPr algn="ctr"/>
-            <a:r>
-              <a:rPr lang="en-US" sz="4400" dirty="0">
-                <a:effectLst>
-                  <a:glow rad="38100">
-                    <a:schemeClr val="bg1">
-                      <a:lumMod val="65000"/>
-                      <a:lumOff val="35000"/>
-                      <a:alpha val="50000"/>
-                    </a:schemeClr>
-                  </a:glow>
-                  <a:outerShdw blurRad="28575" dist="31750" dir="13200000" algn="tl" rotWithShape="0">
-                    <a:srgbClr val="000000">
-                      <a:alpha val="25000"/>
-                    </a:srgbClr>
-                  </a:outerShdw>
-                </a:effectLst>
-              </a:rPr>
-              <a:t>Establishments</a:t>
-            </a:r>
-            <a:endParaRPr lang="en-US" dirty="0">
-              <a:effectLst>
-                <a:glow rad="38100">
-                  <a:schemeClr val="bg1">
-                    <a:lumMod val="65000"/>
-                    <a:lumOff val="35000"/>
-                    <a:alpha val="50000"/>
-                  </a:schemeClr>
-                </a:glow>
-                <a:outerShdw blurRad="28575" dist="31750" dir="13200000" algn="tl" rotWithShape="0">
-                  <a:srgbClr val="000000">
-                    <a:alpha val="25000"/>
-                  </a:srgbClr>
-                </a:outerShdw>
-              </a:effectLst>
-            </a:endParaRPr>
-          </a:p>
-        </p:txBody>
-      </p:sp>
-      <p:sp>
-        <p:nvSpPr>
-          <p:cNvPr id="5" name="Content Placeholder 3">
+            <a:r>
+              <a:rPr lang="en-US" sz="4400" dirty="0"/>
+              <a:t>Demographics</a:t>
+            </a:r>
+          </a:p>
+        </p:txBody>
+      </p:sp>
+      <p:sp>
+        <p:nvSpPr>
+          <p:cNvPr id="4" name="Content Placeholder 3">
             <a:extLst>
               <a:ext uri="{FF2B5EF4-FFF2-40B4-BE49-F238E27FC236}">
-                <a16:creationId xmlns:a16="http://schemas.microsoft.com/office/drawing/2014/main" id="{AC1CAF84-DBFB-AB4A-AC26-FBCDE61A1DB3}"/>
+                <a16:creationId xmlns:a16="http://schemas.microsoft.com/office/drawing/2014/main" id="{E746DCD3-DF3C-6A4F-A80D-46942662E5AB}"/>
               </a:ext>
             </a:extLst>
           </p:cNvPr>
-          <p:cNvSpPr txBox="1">
-            <a:spLocks/>
-          </p:cNvSpPr>
-          <p:nvPr/>
+          <p:cNvSpPr>
+            <a:spLocks noGrp="1"/>
+          </p:cNvSpPr>
+          <p:nvPr>
+            <p:ph sz="half" idx="1"/>
+          </p:nvPr>
         </p:nvSpPr>
         <p:spPr>
           <a:xfrm>
-            <a:off x="7467600" y="1906765"/>
-            <a:ext cx="4233259" cy="4572000"/>
+            <a:off x="7467600" y="1828800"/>
+            <a:ext cx="4709984" cy="4572000"/>
           </a:xfrm>
-          <a:prstGeom prst="rect">
-            <a:avLst/>
-          </a:prstGeom>
         </p:spPr>
         <p:txBody>
           <a:bodyPr vert="horz" lIns="91440" tIns="45720" rIns="91440" bIns="45720" rtlCol="0" anchor="t">
             <a:normAutofit/>
           </a:bodyPr>
-          <a:lstStyle>
-            <a:lvl1pPr marL="285750" indent="-285750" algn="l" defTabSz="457200" rtl="0" eaLnBrk="1" latinLnBrk="0" hangingPunct="1">
-              <a:spcBef>
-                <a:spcPct val="20000"/>
-              </a:spcBef>
-              <a:spcAft>
-                <a:spcPts val="600"/>
-              </a:spcAft>
-              <a:buClr>
-                <a:schemeClr val="accent1"/>
-              </a:buClr>
-              <a:buSzPct val="100000"/>
-              <a:buFont typeface="Arial"/>
-              <a:buChar char="•"/>
-              <a:defRPr sz="1800" kern="1200" cap="small">
-                <a:solidFill>
-                  <a:schemeClr val="tx1"/>
-                </a:solidFill>
-                <a:effectLst>
-                  <a:glow rad="38100">
-                    <a:schemeClr val="bg1">
-                      <a:lumMod val="50000"/>
-                      <a:lumOff val="50000"/>
-                      <a:alpha val="20000"/>
-                    </a:schemeClr>
-                  </a:glow>
-                  <a:outerShdw blurRad="44450" dist="12700" dir="13860000" algn="tl" rotWithShape="0">
-                    <a:srgbClr val="000000">
-                      <a:alpha val="20000"/>
-                    </a:srgbClr>
-                  </a:outerShdw>
-                </a:effectLst>
-                <a:latin typeface="+mn-lt"/>
-                <a:ea typeface="+mn-ea"/>
-                <a:cs typeface="+mn-cs"/>
-              </a:defRPr>
-            </a:lvl1pPr>
-            <a:lvl2pPr marL="742950" indent="-285750" algn="l" defTabSz="457200" rtl="0" eaLnBrk="1" latinLnBrk="0" hangingPunct="1">
-              <a:spcBef>
-                <a:spcPct val="20000"/>
-              </a:spcBef>
-              <a:spcAft>
-                <a:spcPts val="600"/>
-              </a:spcAft>
-              <a:buClr>
-                <a:schemeClr val="accent1"/>
-              </a:buClr>
-              <a:buSzPct val="100000"/>
-              <a:buFont typeface="Arial"/>
-              <a:buChar char="•"/>
-              <a:defRPr sz="1600" kern="1200" cap="small">
-                <a:solidFill>
-                  <a:schemeClr val="tx1"/>
-                </a:solidFill>
-                <a:effectLst>
-                  <a:glow rad="38100">
-                    <a:schemeClr val="bg1">
-                      <a:lumMod val="50000"/>
-                      <a:lumOff val="50000"/>
-                      <a:alpha val="20000"/>
-                    </a:schemeClr>
-                  </a:glow>
-                  <a:outerShdw blurRad="44450" dist="12700" dir="13860000" algn="tl" rotWithShape="0">
-                    <a:srgbClr val="000000">
-                      <a:alpha val="20000"/>
-                    </a:srgbClr>
-                  </a:outerShdw>
-                </a:effectLst>
-                <a:latin typeface="+mn-lt"/>
-                <a:ea typeface="+mn-ea"/>
-                <a:cs typeface="+mn-cs"/>
-              </a:defRPr>
-            </a:lvl2pPr>
-            <a:lvl3pPr marL="1200150" indent="-285750" algn="l" defTabSz="457200" rtl="0" eaLnBrk="1" latinLnBrk="0" hangingPunct="1">
-              <a:spcBef>
-                <a:spcPct val="20000"/>
-              </a:spcBef>
-              <a:spcAft>
-                <a:spcPts val="600"/>
-              </a:spcAft>
-              <a:buClr>
-                <a:schemeClr val="accent1"/>
-              </a:buClr>
-              <a:buSzPct val="100000"/>
-              <a:buFont typeface="Arial"/>
-              <a:buChar char="•"/>
-              <a:defRPr sz="1400" kern="1200" cap="small">
-                <a:solidFill>
-                  <a:schemeClr val="tx1"/>
-                </a:solidFill>
-                <a:effectLst>
-                  <a:glow rad="38100">
-                    <a:schemeClr val="bg1">
-                      <a:lumMod val="50000"/>
-                      <a:lumOff val="50000"/>
-                      <a:alpha val="20000"/>
-                    </a:schemeClr>
-                  </a:glow>
-                  <a:outerShdw blurRad="44450" dist="12700" dir="13860000" algn="tl" rotWithShape="0">
-                    <a:srgbClr val="000000">
-                      <a:alpha val="20000"/>
-                    </a:srgbClr>
-                  </a:outerShdw>
-                </a:effectLst>
-                <a:latin typeface="+mn-lt"/>
-                <a:ea typeface="+mn-ea"/>
-                <a:cs typeface="+mn-cs"/>
-              </a:defRPr>
-            </a:lvl3pPr>
-            <a:lvl4pPr marL="1543050" indent="-171450" algn="l" defTabSz="457200" rtl="0" eaLnBrk="1" latinLnBrk="0" hangingPunct="1">
-              <a:spcBef>
-                <a:spcPct val="20000"/>
-              </a:spcBef>
-              <a:spcAft>
-                <a:spcPts val="600"/>
-              </a:spcAft>
-              <a:buClr>
-                <a:schemeClr val="accent1"/>
-              </a:buClr>
-              <a:buSzPct val="100000"/>
-              <a:buFont typeface="Arial"/>
-              <a:buChar char="•"/>
-              <a:defRPr sz="1200" kern="1200" cap="small">
-                <a:solidFill>
-                  <a:schemeClr val="tx1"/>
-                </a:solidFill>
-                <a:effectLst>
-                  <a:glow rad="38100">
-                    <a:schemeClr val="bg1">
-                      <a:lumMod val="50000"/>
-                      <a:lumOff val="50000"/>
-                      <a:alpha val="20000"/>
-                    </a:schemeClr>
-                  </a:glow>
-                  <a:outerShdw blurRad="44450" dist="12700" dir="13860000" algn="tl" rotWithShape="0">
-                    <a:srgbClr val="000000">
-                      <a:alpha val="20000"/>
-                    </a:srgbClr>
-                  </a:outerShdw>
-                </a:effectLst>
-                <a:latin typeface="+mn-lt"/>
-                <a:ea typeface="+mn-ea"/>
-                <a:cs typeface="+mn-cs"/>
-              </a:defRPr>
-            </a:lvl4pPr>
-            <a:lvl5pPr marL="2000250" indent="-171450" algn="l" defTabSz="457200" rtl="0" eaLnBrk="1" latinLnBrk="0" hangingPunct="1">
-              <a:spcBef>
-                <a:spcPct val="20000"/>
-              </a:spcBef>
-              <a:spcAft>
-                <a:spcPts val="600"/>
-              </a:spcAft>
-              <a:buClr>
-                <a:schemeClr val="accent1"/>
-              </a:buClr>
-              <a:buSzPct val="100000"/>
-              <a:buFont typeface="Arial"/>
-              <a:buChar char="•"/>
-              <a:defRPr sz="1200" kern="1200" cap="small">
-                <a:solidFill>
-                  <a:schemeClr val="tx1"/>
-                </a:solidFill>
-                <a:effectLst>
-                  <a:glow rad="38100">
-                    <a:schemeClr val="bg1">
-                      <a:lumMod val="50000"/>
-                      <a:lumOff val="50000"/>
-                      <a:alpha val="20000"/>
-                    </a:schemeClr>
-                  </a:glow>
-                  <a:outerShdw blurRad="44450" dist="12700" dir="13860000" algn="tl" rotWithShape="0">
-                    <a:srgbClr val="000000">
-                      <a:alpha val="20000"/>
-                    </a:srgbClr>
-                  </a:outerShdw>
-                </a:effectLst>
-                <a:latin typeface="+mn-lt"/>
-                <a:ea typeface="+mn-ea"/>
-                <a:cs typeface="+mn-cs"/>
-              </a:defRPr>
-            </a:lvl5pPr>
-            <a:lvl6pPr marL="2514600" indent="-228600" algn="l" defTabSz="457200" rtl="0" eaLnBrk="1" latinLnBrk="0" hangingPunct="1">
-              <a:spcBef>
-                <a:spcPct val="20000"/>
-              </a:spcBef>
-              <a:spcAft>
-                <a:spcPts val="600"/>
-              </a:spcAft>
-              <a:buClr>
-                <a:schemeClr val="accent1"/>
-              </a:buClr>
-              <a:buSzPct val="100000"/>
-              <a:buFont typeface="Arial"/>
-              <a:buChar char="•"/>
-              <a:defRPr sz="1200" kern="1200" cap="small">
-                <a:solidFill>
-                  <a:schemeClr val="tx1"/>
-                </a:solidFill>
-                <a:effectLst>
-                  <a:glow rad="38100">
-                    <a:schemeClr val="bg1">
-                      <a:lumMod val="50000"/>
-                      <a:lumOff val="50000"/>
-                      <a:alpha val="20000"/>
-                    </a:schemeClr>
-                  </a:glow>
-                  <a:outerShdw blurRad="44450" dist="12700" dir="13860000" algn="tl" rotWithShape="0">
-                    <a:srgbClr val="000000">
-                      <a:alpha val="20000"/>
-                    </a:srgbClr>
-                  </a:outerShdw>
-                </a:effectLst>
-                <a:latin typeface="+mn-lt"/>
-                <a:ea typeface="+mn-ea"/>
-                <a:cs typeface="+mn-cs"/>
-              </a:defRPr>
-            </a:lvl6pPr>
-            <a:lvl7pPr marL="2971800" indent="-228600" algn="l" defTabSz="457200" rtl="0" eaLnBrk="1" latinLnBrk="0" hangingPunct="1">
-              <a:spcBef>
-                <a:spcPct val="20000"/>
-              </a:spcBef>
-              <a:spcAft>
-                <a:spcPts val="600"/>
-              </a:spcAft>
-              <a:buClr>
-                <a:schemeClr val="accent1"/>
-              </a:buClr>
-              <a:buSzPct val="100000"/>
-              <a:buFont typeface="Arial"/>
-              <a:buChar char="•"/>
-              <a:defRPr sz="1200" kern="1200" cap="small">
-                <a:solidFill>
-                  <a:schemeClr val="tx1"/>
-                </a:solidFill>
-                <a:effectLst>
-                  <a:glow rad="38100">
-                    <a:schemeClr val="bg1">
-                      <a:lumMod val="50000"/>
-                      <a:lumOff val="50000"/>
-                      <a:alpha val="20000"/>
-                    </a:schemeClr>
-                  </a:glow>
-                  <a:outerShdw blurRad="44450" dist="12700" dir="13860000" algn="tl" rotWithShape="0">
-                    <a:srgbClr val="000000">
-                      <a:alpha val="20000"/>
-                    </a:srgbClr>
-                  </a:outerShdw>
-                </a:effectLst>
-                <a:latin typeface="+mn-lt"/>
-                <a:ea typeface="+mn-ea"/>
-                <a:cs typeface="+mn-cs"/>
-              </a:defRPr>
-            </a:lvl7pPr>
-            <a:lvl8pPr marL="3429000" indent="-228600" algn="l" defTabSz="457200" rtl="0" eaLnBrk="1" latinLnBrk="0" hangingPunct="1">
-              <a:spcBef>
-                <a:spcPct val="20000"/>
-              </a:spcBef>
-              <a:spcAft>
-                <a:spcPts val="600"/>
-              </a:spcAft>
-              <a:buClr>
-                <a:schemeClr val="accent1"/>
-              </a:buClr>
-              <a:buSzPct val="100000"/>
-              <a:buFont typeface="Arial"/>
-              <a:buChar char="•"/>
-              <a:defRPr sz="1200" kern="1200" cap="small">
-                <a:solidFill>
-                  <a:schemeClr val="tx1"/>
-                </a:solidFill>
-                <a:effectLst>
-                  <a:glow rad="38100">
-                    <a:schemeClr val="bg1">
-                      <a:lumMod val="50000"/>
-                      <a:lumOff val="50000"/>
-                      <a:alpha val="20000"/>
-                    </a:schemeClr>
-                  </a:glow>
-                  <a:outerShdw blurRad="44450" dist="12700" dir="13860000" algn="tl" rotWithShape="0">
-                    <a:srgbClr val="000000">
-                      <a:alpha val="20000"/>
-                    </a:srgbClr>
-                  </a:outerShdw>
-                </a:effectLst>
-                <a:latin typeface="+mn-lt"/>
-                <a:ea typeface="+mn-ea"/>
-                <a:cs typeface="+mn-cs"/>
-              </a:defRPr>
-            </a:lvl8pPr>
-            <a:lvl9pPr marL="3886200" indent="-228600" algn="l" defTabSz="457200" rtl="0" eaLnBrk="1" latinLnBrk="0" hangingPunct="1">
-              <a:spcBef>
-                <a:spcPct val="20000"/>
-              </a:spcBef>
-              <a:spcAft>
-                <a:spcPts val="600"/>
-              </a:spcAft>
-              <a:buClr>
-                <a:schemeClr val="accent1"/>
-              </a:buClr>
-              <a:buSzPct val="100000"/>
-              <a:buFont typeface="Arial"/>
-              <a:buChar char="•"/>
-              <a:defRPr sz="1200" kern="1200" cap="small">
-                <a:solidFill>
-                  <a:schemeClr val="tx1"/>
-                </a:solidFill>
-                <a:effectLst>
-                  <a:glow rad="38100">
-                    <a:schemeClr val="bg1">
-                      <a:lumMod val="50000"/>
-                      <a:lumOff val="50000"/>
-                      <a:alpha val="20000"/>
-                    </a:schemeClr>
-                  </a:glow>
-                  <a:outerShdw blurRad="44450" dist="12700" dir="13860000" algn="tl" rotWithShape="0">
-                    <a:srgbClr val="000000">
-                      <a:alpha val="20000"/>
-                    </a:srgbClr>
-                  </a:outerShdw>
-                </a:effectLst>
-                <a:latin typeface="+mn-lt"/>
-                <a:ea typeface="+mn-ea"/>
-                <a:cs typeface="+mn-cs"/>
-              </a:defRPr>
-            </a:lvl9pPr>
-          </a:lstStyle>
+          <a:lstStyle/>
           <a:p>
             <a:pPr marL="0" indent="0">
-              <a:buFont typeface="Arial"/>
               <a:buNone/>
             </a:pPr>
             <a:r>
@@ -7326,7 +6993,13 @@
           <a:p>
             <a:r>
               <a:rPr lang="en-US" dirty="0"/>
-              <a:t>How many companies are involved in Ride handling?</a:t>
+              <a:t>Why we choose San Diego and Dallas?</a:t>
+            </a:r>
+          </a:p>
+          <a:p>
+            <a:r>
+              <a:rPr lang="en-US" dirty="0"/>
+              <a:t>What is the average age of the rider?</a:t>
             </a:r>
           </a:p>
           <a:p>
@@ -7334,7 +7007,6 @@
           </a:p>
           <a:p>
             <a:pPr marL="0" indent="0">
-              <a:buFont typeface="Arial"/>
               <a:buNone/>
             </a:pPr>
             <a:r>
@@ -7347,7 +7019,7 @@
               <a:rPr lang="en-US" i="1" dirty="0">
                 <a:effectLst/>
               </a:rPr>
-              <a:t>Both counties have seen a decline in the number of establishments</a:t>
+              <a:t>The median ages and Population of San Diego and Dallas counties, are very similar . Good for our main question.</a:t>
             </a:r>
             <a:endParaRPr lang="en-US" dirty="0">
               <a:effectLst/>
@@ -7363,7 +7035,7 @@
           <p:cNvPr id="8" name="TextBox 7">
             <a:extLst>
               <a:ext uri="{FF2B5EF4-FFF2-40B4-BE49-F238E27FC236}">
-                <a16:creationId xmlns:a16="http://schemas.microsoft.com/office/drawing/2014/main" id="{217510DE-64A2-4C41-9B92-375416397A5A}"/>
+                <a16:creationId xmlns:a16="http://schemas.microsoft.com/office/drawing/2014/main" id="{B4DBECE5-A0FC-664C-B268-ACD1BFD6A0AB}"/>
               </a:ext>
             </a:extLst>
           </p:cNvPr>
@@ -7372,8 +7044,8 @@
         </p:nvSpPr>
         <p:spPr>
           <a:xfrm>
-            <a:off x="7467600" y="6414071"/>
-            <a:ext cx="4648200" cy="276999"/>
+            <a:off x="7405816" y="6414071"/>
+            <a:ext cx="4709984" cy="276999"/>
           </a:xfrm>
           <a:prstGeom prst="rect">
             <a:avLst/>
@@ -7392,7 +7064,7 @@
             </a:r>
             <a:r>
               <a:rPr lang="en-US" sz="1200" i="1" dirty="0" err="1"/>
-              <a:t>www.bls.gov</a:t>
+              <a:t>suburbanstats.org</a:t>
             </a:r>
             <a:endParaRPr lang="en-US" sz="1200" i="1" dirty="0"/>
           </a:p>
@@ -7400,10 +7072,39 @@
       </p:sp>
       <p:pic>
         <p:nvPicPr>
-          <p:cNvPr id="4" name="Picture 3" descr="A close up of a map&#10;&#10;Description automatically generated">
+          <p:cNvPr id="10" name="Content Placeholder 9" descr="A screenshot of a cell phone&#10;&#10;Description automatically generated">
             <a:extLst>
               <a:ext uri="{FF2B5EF4-FFF2-40B4-BE49-F238E27FC236}">
-                <a16:creationId xmlns:a16="http://schemas.microsoft.com/office/drawing/2014/main" id="{1FAE42E0-7FA1-4E40-A05F-3DB7C96A5D26}"/>
+                <a16:creationId xmlns:a16="http://schemas.microsoft.com/office/drawing/2014/main" id="{41490527-C6B3-B743-A74E-B06C78417777}"/>
+              </a:ext>
+            </a:extLst>
+          </p:cNvPr>
+          <p:cNvPicPr>
+            <a:picLocks noGrp="1" noChangeAspect="1"/>
+          </p:cNvPicPr>
+          <p:nvPr>
+            <p:ph sz="half" idx="2"/>
+          </p:nvPr>
+        </p:nvPicPr>
+        <p:blipFill>
+          <a:blip r:embed="rId3"/>
+          <a:stretch>
+            <a:fillRect/>
+          </a:stretch>
+        </p:blipFill>
+        <p:spPr>
+          <a:xfrm>
+            <a:off x="208532" y="1828799"/>
+            <a:ext cx="5891484" cy="1295142"/>
+          </a:xfrm>
+        </p:spPr>
+      </p:pic>
+      <p:pic>
+        <p:nvPicPr>
+          <p:cNvPr id="12" name="Picture 11" descr="A screenshot of a cell phone&#10;&#10;Description automatically generated">
+            <a:extLst>
+              <a:ext uri="{FF2B5EF4-FFF2-40B4-BE49-F238E27FC236}">
+                <a16:creationId xmlns:a16="http://schemas.microsoft.com/office/drawing/2014/main" id="{317EA95A-C4B1-FF46-9B26-C59D6251B3E3}"/>
               </a:ext>
             </a:extLst>
           </p:cNvPr>
@@ -7413,15 +7114,15 @@
           <p:nvPr/>
         </p:nvPicPr>
         <p:blipFill>
-          <a:blip r:embed="rId3"/>
+          <a:blip r:embed="rId4"/>
           <a:stretch>
             <a:fillRect/>
           </a:stretch>
         </p:blipFill>
         <p:spPr>
           <a:xfrm>
-            <a:off x="377588" y="1828800"/>
-            <a:ext cx="5486400" cy="3657600"/>
+            <a:off x="216986" y="3220494"/>
+            <a:ext cx="5891484" cy="1406097"/>
           </a:xfrm>
           <a:prstGeom prst="rect">
             <a:avLst/>
@@ -7431,7 +7132,7 @@
     </p:spTree>
     <p:extLst>
       <p:ext uri="{BB962C8B-B14F-4D97-AF65-F5344CB8AC3E}">
-        <p14:creationId xmlns:p14="http://schemas.microsoft.com/office/powerpoint/2010/main" val="159405912"/>
+        <p14:creationId xmlns:p14="http://schemas.microsoft.com/office/powerpoint/2010/main" val="1742857253"/>
       </p:ext>
     </p:extLst>
   </p:cSld>
@@ -7500,8 +7201,8 @@
         </p:nvSpPr>
         <p:spPr>
           <a:xfrm>
-            <a:off x="988630" y="4363271"/>
-            <a:ext cx="10200986" cy="1066801"/>
+            <a:off x="7467600" y="916458"/>
+            <a:ext cx="4724400" cy="912342"/>
           </a:xfrm>
         </p:spPr>
         <p:txBody>
@@ -7512,7 +7213,7 @@
           <a:p>
             <a:pPr algn="ctr"/>
             <a:r>
-              <a:rPr lang="en-US" sz="4800" dirty="0">
+              <a:rPr lang="en-US" sz="4400" dirty="0">
                 <a:effectLst>
                   <a:glow rad="38100">
                     <a:schemeClr val="bg1">
@@ -7528,93 +7229,53 @@
                   </a:outerShdw>
                 </a:effectLst>
               </a:rPr>
-              <a:t>Employees  and wages</a:t>
-            </a:r>
-          </a:p>
-        </p:txBody>
-      </p:sp>
-      <p:pic>
-        <p:nvPicPr>
-          <p:cNvPr id="10" name="Picture 9">
+              <a:t>Establishments</a:t>
+            </a:r>
+            <a:endParaRPr lang="en-US" dirty="0">
+              <a:effectLst>
+                <a:glow rad="38100">
+                  <a:schemeClr val="bg1">
+                    <a:lumMod val="65000"/>
+                    <a:lumOff val="35000"/>
+                    <a:alpha val="50000"/>
+                  </a:schemeClr>
+                </a:glow>
+                <a:outerShdw blurRad="28575" dist="31750" dir="13200000" algn="tl" rotWithShape="0">
+                  <a:srgbClr val="000000">
+                    <a:alpha val="25000"/>
+                  </a:srgbClr>
+                </a:outerShdw>
+              </a:effectLst>
+            </a:endParaRPr>
+          </a:p>
+        </p:txBody>
+      </p:sp>
+      <p:sp>
+        <p:nvSpPr>
+          <p:cNvPr id="5" name="Content Placeholder 3">
             <a:extLst>
               <a:ext uri="{FF2B5EF4-FFF2-40B4-BE49-F238E27FC236}">
-                <a16:creationId xmlns:a16="http://schemas.microsoft.com/office/drawing/2014/main" id="{79C23C12-7C11-FE46-9F41-F8B52BA376B4}"/>
+                <a16:creationId xmlns:a16="http://schemas.microsoft.com/office/drawing/2014/main" id="{AC1CAF84-DBFB-AB4A-AC26-FBCDE61A1DB3}"/>
               </a:ext>
             </a:extLst>
           </p:cNvPr>
-          <p:cNvPicPr/>
+          <p:cNvSpPr txBox="1">
+            <a:spLocks/>
+          </p:cNvSpPr>
           <p:nvPr/>
-        </p:nvPicPr>
-        <p:blipFill>
-          <a:blip r:embed="rId3"/>
-          <a:stretch>
-            <a:fillRect/>
-          </a:stretch>
-        </p:blipFill>
+        </p:nvSpPr>
         <p:spPr>
           <a:xfrm>
-            <a:off x="495501" y="750570"/>
-            <a:ext cx="5257108" cy="3646474"/>
+            <a:off x="7467600" y="1906765"/>
+            <a:ext cx="4233259" cy="4572000"/>
           </a:xfrm>
           <a:prstGeom prst="rect">
             <a:avLst/>
           </a:prstGeom>
         </p:spPr>
-      </p:pic>
-      <p:pic>
-        <p:nvPicPr>
-          <p:cNvPr id="11" name="Picture 10">
-            <a:extLst>
-              <a:ext uri="{FF2B5EF4-FFF2-40B4-BE49-F238E27FC236}">
-                <a16:creationId xmlns:a16="http://schemas.microsoft.com/office/drawing/2014/main" id="{6E4EEEA5-5282-064F-B778-449FC344665B}"/>
-              </a:ext>
-            </a:extLst>
-          </p:cNvPr>
-          <p:cNvPicPr/>
-          <p:nvPr/>
-        </p:nvPicPr>
-        <p:blipFill>
-          <a:blip r:embed="rId4"/>
-          <a:stretch>
-            <a:fillRect/>
-          </a:stretch>
-        </p:blipFill>
-        <p:spPr>
-          <a:xfrm>
-            <a:off x="6439392" y="750570"/>
-            <a:ext cx="4770475" cy="3646473"/>
-          </a:xfrm>
-          <a:prstGeom prst="rect">
-            <a:avLst/>
-          </a:prstGeom>
-        </p:spPr>
-      </p:pic>
-      <p:sp>
-        <p:nvSpPr>
-          <p:cNvPr id="14" name="Content Placeholder 3">
-            <a:extLst>
-              <a:ext uri="{FF2B5EF4-FFF2-40B4-BE49-F238E27FC236}">
-                <a16:creationId xmlns:a16="http://schemas.microsoft.com/office/drawing/2014/main" id="{E2712C58-A5DC-DD40-B3DA-A2DA195624F9}"/>
-              </a:ext>
-            </a:extLst>
-          </p:cNvPr>
-          <p:cNvSpPr txBox="1">
-            <a:spLocks/>
-          </p:cNvSpPr>
-          <p:nvPr/>
-        </p:nvSpPr>
-        <p:spPr>
-          <a:xfrm>
-            <a:off x="700348" y="5430071"/>
-            <a:ext cx="5274425" cy="1066801"/>
-          </a:xfrm>
-          <a:prstGeom prst="rect">
-            <a:avLst/>
-          </a:prstGeom>
-        </p:spPr>
         <p:txBody>
           <a:bodyPr vert="horz" lIns="91440" tIns="45720" rIns="91440" bIns="45720" rtlCol="0" anchor="t">
-            <a:normAutofit fontScale="47500" lnSpcReduction="20000"/>
+            <a:normAutofit/>
           </a:bodyPr>
           <a:lstStyle>
             <a:lvl1pPr marL="285750" indent="-285750" algn="l" defTabSz="457200" rtl="0" eaLnBrk="1" latinLnBrk="0" hangingPunct="1">
@@ -7948,407 +7609,51 @@
               <a:buNone/>
             </a:pPr>
             <a:r>
-              <a:rPr lang="en-US" sz="2900" dirty="0"/>
+              <a:rPr lang="en-US" dirty="0"/>
               <a:t>Questions Asked:</a:t>
             </a:r>
           </a:p>
           <a:p>
             <a:r>
-              <a:rPr lang="en-US" sz="2900" dirty="0"/>
-              <a:t>How  many employees work for these establishments?</a:t>
-            </a:r>
-          </a:p>
-          <a:p>
-            <a:r>
-              <a:rPr lang="en-US" sz="2900" dirty="0"/>
-              <a:t>How much money can you make Annually?</a:t>
+              <a:rPr lang="en-US" dirty="0"/>
+              <a:t>How many companies are involved in Ride handling?</a:t>
             </a:r>
           </a:p>
           <a:p>
             <a:endParaRPr lang="en-US" dirty="0"/>
           </a:p>
-        </p:txBody>
-      </p:sp>
-      <p:sp>
-        <p:nvSpPr>
-          <p:cNvPr id="15" name="Content Placeholder 3">
+          <a:p>
+            <a:pPr marL="0" indent="0">
+              <a:buFont typeface="Arial"/>
+              <a:buNone/>
+            </a:pPr>
+            <a:r>
+              <a:rPr lang="en-US" dirty="0"/>
+              <a:t>Insight</a:t>
+            </a:r>
+          </a:p>
+          <a:p>
+            <a:r>
+              <a:rPr lang="en-US" i="1" dirty="0">
+                <a:effectLst/>
+              </a:rPr>
+              <a:t>Both counties have seen a decline in the number of establishments</a:t>
+            </a:r>
+            <a:endParaRPr lang="en-US" dirty="0">
+              <a:effectLst/>
+            </a:endParaRPr>
+          </a:p>
+          <a:p>
+            <a:endParaRPr lang="en-US" dirty="0"/>
+          </a:p>
+        </p:txBody>
+      </p:sp>
+      <p:sp>
+        <p:nvSpPr>
+          <p:cNvPr id="8" name="TextBox 7">
             <a:extLst>
               <a:ext uri="{FF2B5EF4-FFF2-40B4-BE49-F238E27FC236}">
-                <a16:creationId xmlns:a16="http://schemas.microsoft.com/office/drawing/2014/main" id="{EB6E3117-CF79-374A-91F5-BBF8FE64EB26}"/>
-              </a:ext>
-            </a:extLst>
-          </p:cNvPr>
-          <p:cNvSpPr txBox="1">
-            <a:spLocks/>
-          </p:cNvSpPr>
-          <p:nvPr/>
-        </p:nvSpPr>
-        <p:spPr>
-          <a:xfrm>
-            <a:off x="6703859" y="5430072"/>
-            <a:ext cx="4787793" cy="945573"/>
-          </a:xfrm>
-          <a:prstGeom prst="rect">
-            <a:avLst/>
-          </a:prstGeom>
-        </p:spPr>
-        <p:txBody>
-          <a:bodyPr vert="horz" lIns="91440" tIns="45720" rIns="91440" bIns="45720" rtlCol="0" anchor="t">
-            <a:normAutofit lnSpcReduction="10000"/>
-          </a:bodyPr>
-          <a:lstStyle>
-            <a:lvl1pPr marL="285750" indent="-285750" algn="l" defTabSz="457200" rtl="0" eaLnBrk="1" latinLnBrk="0" hangingPunct="1">
-              <a:spcBef>
-                <a:spcPct val="20000"/>
-              </a:spcBef>
-              <a:spcAft>
-                <a:spcPts val="600"/>
-              </a:spcAft>
-              <a:buClr>
-                <a:schemeClr val="accent1"/>
-              </a:buClr>
-              <a:buSzPct val="100000"/>
-              <a:buFont typeface="Arial"/>
-              <a:buChar char="•"/>
-              <a:defRPr sz="1800" kern="1200" cap="small">
-                <a:solidFill>
-                  <a:schemeClr val="tx1"/>
-                </a:solidFill>
-                <a:effectLst>
-                  <a:glow rad="38100">
-                    <a:schemeClr val="bg1">
-                      <a:lumMod val="50000"/>
-                      <a:lumOff val="50000"/>
-                      <a:alpha val="20000"/>
-                    </a:schemeClr>
-                  </a:glow>
-                  <a:outerShdw blurRad="44450" dist="12700" dir="13860000" algn="tl" rotWithShape="0">
-                    <a:srgbClr val="000000">
-                      <a:alpha val="20000"/>
-                    </a:srgbClr>
-                  </a:outerShdw>
-                </a:effectLst>
-                <a:latin typeface="+mn-lt"/>
-                <a:ea typeface="+mn-ea"/>
-                <a:cs typeface="+mn-cs"/>
-              </a:defRPr>
-            </a:lvl1pPr>
-            <a:lvl2pPr marL="742950" indent="-285750" algn="l" defTabSz="457200" rtl="0" eaLnBrk="1" latinLnBrk="0" hangingPunct="1">
-              <a:spcBef>
-                <a:spcPct val="20000"/>
-              </a:spcBef>
-              <a:spcAft>
-                <a:spcPts val="600"/>
-              </a:spcAft>
-              <a:buClr>
-                <a:schemeClr val="accent1"/>
-              </a:buClr>
-              <a:buSzPct val="100000"/>
-              <a:buFont typeface="Arial"/>
-              <a:buChar char="•"/>
-              <a:defRPr sz="1600" kern="1200" cap="small">
-                <a:solidFill>
-                  <a:schemeClr val="tx1"/>
-                </a:solidFill>
-                <a:effectLst>
-                  <a:glow rad="38100">
-                    <a:schemeClr val="bg1">
-                      <a:lumMod val="50000"/>
-                      <a:lumOff val="50000"/>
-                      <a:alpha val="20000"/>
-                    </a:schemeClr>
-                  </a:glow>
-                  <a:outerShdw blurRad="44450" dist="12700" dir="13860000" algn="tl" rotWithShape="0">
-                    <a:srgbClr val="000000">
-                      <a:alpha val="20000"/>
-                    </a:srgbClr>
-                  </a:outerShdw>
-                </a:effectLst>
-                <a:latin typeface="+mn-lt"/>
-                <a:ea typeface="+mn-ea"/>
-                <a:cs typeface="+mn-cs"/>
-              </a:defRPr>
-            </a:lvl2pPr>
-            <a:lvl3pPr marL="1200150" indent="-285750" algn="l" defTabSz="457200" rtl="0" eaLnBrk="1" latinLnBrk="0" hangingPunct="1">
-              <a:spcBef>
-                <a:spcPct val="20000"/>
-              </a:spcBef>
-              <a:spcAft>
-                <a:spcPts val="600"/>
-              </a:spcAft>
-              <a:buClr>
-                <a:schemeClr val="accent1"/>
-              </a:buClr>
-              <a:buSzPct val="100000"/>
-              <a:buFont typeface="Arial"/>
-              <a:buChar char="•"/>
-              <a:defRPr sz="1400" kern="1200" cap="small">
-                <a:solidFill>
-                  <a:schemeClr val="tx1"/>
-                </a:solidFill>
-                <a:effectLst>
-                  <a:glow rad="38100">
-                    <a:schemeClr val="bg1">
-                      <a:lumMod val="50000"/>
-                      <a:lumOff val="50000"/>
-                      <a:alpha val="20000"/>
-                    </a:schemeClr>
-                  </a:glow>
-                  <a:outerShdw blurRad="44450" dist="12700" dir="13860000" algn="tl" rotWithShape="0">
-                    <a:srgbClr val="000000">
-                      <a:alpha val="20000"/>
-                    </a:srgbClr>
-                  </a:outerShdw>
-                </a:effectLst>
-                <a:latin typeface="+mn-lt"/>
-                <a:ea typeface="+mn-ea"/>
-                <a:cs typeface="+mn-cs"/>
-              </a:defRPr>
-            </a:lvl3pPr>
-            <a:lvl4pPr marL="1543050" indent="-171450" algn="l" defTabSz="457200" rtl="0" eaLnBrk="1" latinLnBrk="0" hangingPunct="1">
-              <a:spcBef>
-                <a:spcPct val="20000"/>
-              </a:spcBef>
-              <a:spcAft>
-                <a:spcPts val="600"/>
-              </a:spcAft>
-              <a:buClr>
-                <a:schemeClr val="accent1"/>
-              </a:buClr>
-              <a:buSzPct val="100000"/>
-              <a:buFont typeface="Arial"/>
-              <a:buChar char="•"/>
-              <a:defRPr sz="1200" kern="1200" cap="small">
-                <a:solidFill>
-                  <a:schemeClr val="tx1"/>
-                </a:solidFill>
-                <a:effectLst>
-                  <a:glow rad="38100">
-                    <a:schemeClr val="bg1">
-                      <a:lumMod val="50000"/>
-                      <a:lumOff val="50000"/>
-                      <a:alpha val="20000"/>
-                    </a:schemeClr>
-                  </a:glow>
-                  <a:outerShdw blurRad="44450" dist="12700" dir="13860000" algn="tl" rotWithShape="0">
-                    <a:srgbClr val="000000">
-                      <a:alpha val="20000"/>
-                    </a:srgbClr>
-                  </a:outerShdw>
-                </a:effectLst>
-                <a:latin typeface="+mn-lt"/>
-                <a:ea typeface="+mn-ea"/>
-                <a:cs typeface="+mn-cs"/>
-              </a:defRPr>
-            </a:lvl4pPr>
-            <a:lvl5pPr marL="2000250" indent="-171450" algn="l" defTabSz="457200" rtl="0" eaLnBrk="1" latinLnBrk="0" hangingPunct="1">
-              <a:spcBef>
-                <a:spcPct val="20000"/>
-              </a:spcBef>
-              <a:spcAft>
-                <a:spcPts val="600"/>
-              </a:spcAft>
-              <a:buClr>
-                <a:schemeClr val="accent1"/>
-              </a:buClr>
-              <a:buSzPct val="100000"/>
-              <a:buFont typeface="Arial"/>
-              <a:buChar char="•"/>
-              <a:defRPr sz="1200" kern="1200" cap="small">
-                <a:solidFill>
-                  <a:schemeClr val="tx1"/>
-                </a:solidFill>
-                <a:effectLst>
-                  <a:glow rad="38100">
-                    <a:schemeClr val="bg1">
-                      <a:lumMod val="50000"/>
-                      <a:lumOff val="50000"/>
-                      <a:alpha val="20000"/>
-                    </a:schemeClr>
-                  </a:glow>
-                  <a:outerShdw blurRad="44450" dist="12700" dir="13860000" algn="tl" rotWithShape="0">
-                    <a:srgbClr val="000000">
-                      <a:alpha val="20000"/>
-                    </a:srgbClr>
-                  </a:outerShdw>
-                </a:effectLst>
-                <a:latin typeface="+mn-lt"/>
-                <a:ea typeface="+mn-ea"/>
-                <a:cs typeface="+mn-cs"/>
-              </a:defRPr>
-            </a:lvl5pPr>
-            <a:lvl6pPr marL="2514600" indent="-228600" algn="l" defTabSz="457200" rtl="0" eaLnBrk="1" latinLnBrk="0" hangingPunct="1">
-              <a:spcBef>
-                <a:spcPct val="20000"/>
-              </a:spcBef>
-              <a:spcAft>
-                <a:spcPts val="600"/>
-              </a:spcAft>
-              <a:buClr>
-                <a:schemeClr val="accent1"/>
-              </a:buClr>
-              <a:buSzPct val="100000"/>
-              <a:buFont typeface="Arial"/>
-              <a:buChar char="•"/>
-              <a:defRPr sz="1200" kern="1200" cap="small">
-                <a:solidFill>
-                  <a:schemeClr val="tx1"/>
-                </a:solidFill>
-                <a:effectLst>
-                  <a:glow rad="38100">
-                    <a:schemeClr val="bg1">
-                      <a:lumMod val="50000"/>
-                      <a:lumOff val="50000"/>
-                      <a:alpha val="20000"/>
-                    </a:schemeClr>
-                  </a:glow>
-                  <a:outerShdw blurRad="44450" dist="12700" dir="13860000" algn="tl" rotWithShape="0">
-                    <a:srgbClr val="000000">
-                      <a:alpha val="20000"/>
-                    </a:srgbClr>
-                  </a:outerShdw>
-                </a:effectLst>
-                <a:latin typeface="+mn-lt"/>
-                <a:ea typeface="+mn-ea"/>
-                <a:cs typeface="+mn-cs"/>
-              </a:defRPr>
-            </a:lvl6pPr>
-            <a:lvl7pPr marL="2971800" indent="-228600" algn="l" defTabSz="457200" rtl="0" eaLnBrk="1" latinLnBrk="0" hangingPunct="1">
-              <a:spcBef>
-                <a:spcPct val="20000"/>
-              </a:spcBef>
-              <a:spcAft>
-                <a:spcPts val="600"/>
-              </a:spcAft>
-              <a:buClr>
-                <a:schemeClr val="accent1"/>
-              </a:buClr>
-              <a:buSzPct val="100000"/>
-              <a:buFont typeface="Arial"/>
-              <a:buChar char="•"/>
-              <a:defRPr sz="1200" kern="1200" cap="small">
-                <a:solidFill>
-                  <a:schemeClr val="tx1"/>
-                </a:solidFill>
-                <a:effectLst>
-                  <a:glow rad="38100">
-                    <a:schemeClr val="bg1">
-                      <a:lumMod val="50000"/>
-                      <a:lumOff val="50000"/>
-                      <a:alpha val="20000"/>
-                    </a:schemeClr>
-                  </a:glow>
-                  <a:outerShdw blurRad="44450" dist="12700" dir="13860000" algn="tl" rotWithShape="0">
-                    <a:srgbClr val="000000">
-                      <a:alpha val="20000"/>
-                    </a:srgbClr>
-                  </a:outerShdw>
-                </a:effectLst>
-                <a:latin typeface="+mn-lt"/>
-                <a:ea typeface="+mn-ea"/>
-                <a:cs typeface="+mn-cs"/>
-              </a:defRPr>
-            </a:lvl7pPr>
-            <a:lvl8pPr marL="3429000" indent="-228600" algn="l" defTabSz="457200" rtl="0" eaLnBrk="1" latinLnBrk="0" hangingPunct="1">
-              <a:spcBef>
-                <a:spcPct val="20000"/>
-              </a:spcBef>
-              <a:spcAft>
-                <a:spcPts val="600"/>
-              </a:spcAft>
-              <a:buClr>
-                <a:schemeClr val="accent1"/>
-              </a:buClr>
-              <a:buSzPct val="100000"/>
-              <a:buFont typeface="Arial"/>
-              <a:buChar char="•"/>
-              <a:defRPr sz="1200" kern="1200" cap="small">
-                <a:solidFill>
-                  <a:schemeClr val="tx1"/>
-                </a:solidFill>
-                <a:effectLst>
-                  <a:glow rad="38100">
-                    <a:schemeClr val="bg1">
-                      <a:lumMod val="50000"/>
-                      <a:lumOff val="50000"/>
-                      <a:alpha val="20000"/>
-                    </a:schemeClr>
-                  </a:glow>
-                  <a:outerShdw blurRad="44450" dist="12700" dir="13860000" algn="tl" rotWithShape="0">
-                    <a:srgbClr val="000000">
-                      <a:alpha val="20000"/>
-                    </a:srgbClr>
-                  </a:outerShdw>
-                </a:effectLst>
-                <a:latin typeface="+mn-lt"/>
-                <a:ea typeface="+mn-ea"/>
-                <a:cs typeface="+mn-cs"/>
-              </a:defRPr>
-            </a:lvl8pPr>
-            <a:lvl9pPr marL="3886200" indent="-228600" algn="l" defTabSz="457200" rtl="0" eaLnBrk="1" latinLnBrk="0" hangingPunct="1">
-              <a:spcBef>
-                <a:spcPct val="20000"/>
-              </a:spcBef>
-              <a:spcAft>
-                <a:spcPts val="600"/>
-              </a:spcAft>
-              <a:buClr>
-                <a:schemeClr val="accent1"/>
-              </a:buClr>
-              <a:buSzPct val="100000"/>
-              <a:buFont typeface="Arial"/>
-              <a:buChar char="•"/>
-              <a:defRPr sz="1200" kern="1200" cap="small">
-                <a:solidFill>
-                  <a:schemeClr val="tx1"/>
-                </a:solidFill>
-                <a:effectLst>
-                  <a:glow rad="38100">
-                    <a:schemeClr val="bg1">
-                      <a:lumMod val="50000"/>
-                      <a:lumOff val="50000"/>
-                      <a:alpha val="20000"/>
-                    </a:schemeClr>
-                  </a:glow>
-                  <a:outerShdw blurRad="44450" dist="12700" dir="13860000" algn="tl" rotWithShape="0">
-                    <a:srgbClr val="000000">
-                      <a:alpha val="20000"/>
-                    </a:srgbClr>
-                  </a:outerShdw>
-                </a:effectLst>
-                <a:latin typeface="+mn-lt"/>
-                <a:ea typeface="+mn-ea"/>
-                <a:cs typeface="+mn-cs"/>
-              </a:defRPr>
-            </a:lvl9pPr>
-          </a:lstStyle>
-          <a:p>
-            <a:pPr marL="0" indent="0">
-              <a:buFont typeface="Arial"/>
-              <a:buNone/>
-            </a:pPr>
-            <a:r>
-              <a:rPr lang="en-US" sz="1500" dirty="0"/>
-              <a:t>Insight:</a:t>
-            </a:r>
-          </a:p>
-          <a:p>
-            <a:r>
-              <a:rPr lang="en-US" sz="1500" dirty="0"/>
-              <a:t>Above data suggests less competition with better wages in Dallas over San Diego.</a:t>
-            </a:r>
-          </a:p>
-          <a:p>
-            <a:endParaRPr lang="en-US" dirty="0"/>
-          </a:p>
-        </p:txBody>
-      </p:sp>
-      <p:sp>
-        <p:nvSpPr>
-          <p:cNvPr id="17" name="TextBox 16">
-            <a:extLst>
-              <a:ext uri="{FF2B5EF4-FFF2-40B4-BE49-F238E27FC236}">
-                <a16:creationId xmlns:a16="http://schemas.microsoft.com/office/drawing/2014/main" id="{E4C72FDC-8A2E-524A-847E-28DC25695F20}"/>
+                <a16:creationId xmlns:a16="http://schemas.microsoft.com/office/drawing/2014/main" id="{217510DE-64A2-4C41-9B92-375416397A5A}"/>
               </a:ext>
             </a:extLst>
           </p:cNvPr>
@@ -8357,8 +7662,8 @@
         </p:nvSpPr>
         <p:spPr>
           <a:xfrm>
-            <a:off x="7405816" y="6414071"/>
-            <a:ext cx="4709984" cy="276999"/>
+            <a:off x="7467600" y="6414071"/>
+            <a:ext cx="4648200" cy="276999"/>
           </a:xfrm>
           <a:prstGeom prst="rect">
             <a:avLst/>
@@ -8377,16 +7682,46 @@
             </a:r>
             <a:r>
               <a:rPr lang="en-US" sz="1200" i="1" dirty="0" err="1"/>
-              <a:t>crashviewer.nhtsa.dot.gov</a:t>
+              <a:t>www.bls.gov</a:t>
             </a:r>
             <a:endParaRPr lang="en-US" sz="1200" i="1" dirty="0"/>
           </a:p>
         </p:txBody>
       </p:sp>
+      <p:pic>
+        <p:nvPicPr>
+          <p:cNvPr id="9" name="Picture 8" descr="A screenshot of a cell phone&#10;&#10;Description automatically generated">
+            <a:extLst>
+              <a:ext uri="{FF2B5EF4-FFF2-40B4-BE49-F238E27FC236}">
+                <a16:creationId xmlns:a16="http://schemas.microsoft.com/office/drawing/2014/main" id="{8E297B07-24A7-7C48-B203-BA3018F9A804}"/>
+              </a:ext>
+            </a:extLst>
+          </p:cNvPr>
+          <p:cNvPicPr>
+            <a:picLocks noChangeAspect="1"/>
+          </p:cNvPicPr>
+          <p:nvPr/>
+        </p:nvPicPr>
+        <p:blipFill>
+          <a:blip r:embed="rId3"/>
+          <a:stretch>
+            <a:fillRect/>
+          </a:stretch>
+        </p:blipFill>
+        <p:spPr>
+          <a:xfrm>
+            <a:off x="282053" y="1828800"/>
+            <a:ext cx="5486400" cy="3657600"/>
+          </a:xfrm>
+          <a:prstGeom prst="rect">
+            <a:avLst/>
+          </a:prstGeom>
+        </p:spPr>
+      </p:pic>
     </p:spTree>
     <p:extLst>
       <p:ext uri="{BB962C8B-B14F-4D97-AF65-F5344CB8AC3E}">
-        <p14:creationId xmlns:p14="http://schemas.microsoft.com/office/powerpoint/2010/main" val="3747629128"/>
+        <p14:creationId xmlns:p14="http://schemas.microsoft.com/office/powerpoint/2010/main" val="159405912"/>
       </p:ext>
     </p:extLst>
   </p:cSld>
@@ -8483,50 +7818,17 @@
                   </a:outerShdw>
                 </a:effectLst>
               </a:rPr>
-              <a:t>Safety</a:t>
-            </a:r>
-          </a:p>
-        </p:txBody>
-      </p:sp>
-      <p:pic>
-        <p:nvPicPr>
-          <p:cNvPr id="6" name="Content Placeholder 5">
+              <a:t>Employees  and wages</a:t>
+            </a:r>
+          </a:p>
+        </p:txBody>
+      </p:sp>
+      <p:sp>
+        <p:nvSpPr>
+          <p:cNvPr id="14" name="Content Placeholder 3">
             <a:extLst>
               <a:ext uri="{FF2B5EF4-FFF2-40B4-BE49-F238E27FC236}">
-                <a16:creationId xmlns:a16="http://schemas.microsoft.com/office/drawing/2014/main" id="{DED58C36-FC71-9F4D-9FFA-4198080B7393}"/>
-              </a:ext>
-            </a:extLst>
-          </p:cNvPr>
-          <p:cNvPicPr>
-            <a:picLocks noGrp="1" noChangeAspect="1"/>
-          </p:cNvPicPr>
-          <p:nvPr>
-            <p:ph sz="half" idx="2"/>
-          </p:nvPr>
-        </p:nvPicPr>
-        <p:blipFill>
-          <a:blip r:embed="rId3"/>
-          <a:stretch>
-            <a:fillRect/>
-          </a:stretch>
-        </p:blipFill>
-        <p:spPr>
-          <a:xfrm>
-            <a:off x="248757" y="419100"/>
-            <a:ext cx="5604927" cy="3362956"/>
-          </a:xfrm>
-          <a:prstGeom prst="rect">
-            <a:avLst/>
-          </a:prstGeom>
-          <a:effectLst/>
-        </p:spPr>
-      </p:pic>
-      <p:sp>
-        <p:nvSpPr>
-          <p:cNvPr id="7" name="Content Placeholder 3">
-            <a:extLst>
-              <a:ext uri="{FF2B5EF4-FFF2-40B4-BE49-F238E27FC236}">
-                <a16:creationId xmlns:a16="http://schemas.microsoft.com/office/drawing/2014/main" id="{CC4BAD22-965D-5F41-938A-9F60F12F6345}"/>
+                <a16:creationId xmlns:a16="http://schemas.microsoft.com/office/drawing/2014/main" id="{E2712C58-A5DC-DD40-B3DA-A2DA195624F9}"/>
               </a:ext>
             </a:extLst>
           </p:cNvPr>
@@ -8537,8 +7839,8 @@
         </p:nvSpPr>
         <p:spPr>
           <a:xfrm>
-            <a:off x="248757" y="5430071"/>
-            <a:ext cx="5604928" cy="945573"/>
+            <a:off x="700348" y="5430071"/>
+            <a:ext cx="5274425" cy="1066801"/>
           </a:xfrm>
           <a:prstGeom prst="rect">
             <a:avLst/>
@@ -8546,7 +7848,7 @@
         </p:spPr>
         <p:txBody>
           <a:bodyPr vert="horz" lIns="91440" tIns="45720" rIns="91440" bIns="45720" rtlCol="0" anchor="t">
-            <a:normAutofit fontScale="92500"/>
+            <a:normAutofit fontScale="47500" lnSpcReduction="20000"/>
           </a:bodyPr>
           <a:lstStyle>
             <a:lvl1pPr marL="285750" indent="-285750" algn="l" defTabSz="457200" rtl="0" eaLnBrk="1" latinLnBrk="0" hangingPunct="1">
@@ -8880,16 +8182,20 @@
               <a:buNone/>
             </a:pPr>
             <a:r>
-              <a:rPr lang="en-US" dirty="0"/>
-              <a:t>Question Asked:</a:t>
-            </a:r>
-          </a:p>
-          <a:p>
-            <a:r>
-              <a:rPr lang="en-US" sz="1700" dirty="0">
-                <a:effectLst/>
-              </a:rPr>
-              <a:t>How safe is it to drive a car in San Diego or Dallas?</a:t>
+              <a:rPr lang="en-US" sz="2900" dirty="0"/>
+              <a:t>Questions Asked:</a:t>
+            </a:r>
+          </a:p>
+          <a:p>
+            <a:r>
+              <a:rPr lang="en-US" sz="2900" dirty="0"/>
+              <a:t>How  many employees work for these establishments?</a:t>
+            </a:r>
+          </a:p>
+          <a:p>
+            <a:r>
+              <a:rPr lang="en-US" sz="2900" dirty="0"/>
+              <a:t>How much money can you make Annually?</a:t>
             </a:r>
           </a:p>
           <a:p>
@@ -8899,10 +8205,10 @@
       </p:sp>
       <p:sp>
         <p:nvSpPr>
-          <p:cNvPr id="8" name="Content Placeholder 3">
+          <p:cNvPr id="15" name="Content Placeholder 3">
             <a:extLst>
               <a:ext uri="{FF2B5EF4-FFF2-40B4-BE49-F238E27FC236}">
-                <a16:creationId xmlns:a16="http://schemas.microsoft.com/office/drawing/2014/main" id="{409994BD-6565-344A-9A17-0882F1CE1F67}"/>
+                <a16:creationId xmlns:a16="http://schemas.microsoft.com/office/drawing/2014/main" id="{EB6E3117-CF79-374A-91F5-BBF8FE64EB26}"/>
               </a:ext>
             </a:extLst>
           </p:cNvPr>
@@ -8913,8 +8219,8 @@
         </p:nvSpPr>
         <p:spPr>
           <a:xfrm>
-            <a:off x="6324563" y="5430071"/>
-            <a:ext cx="5604926" cy="945573"/>
+            <a:off x="6703859" y="5430072"/>
+            <a:ext cx="4787793" cy="945573"/>
           </a:xfrm>
           <a:prstGeom prst="rect">
             <a:avLst/>
@@ -8922,7 +8228,7 @@
         </p:spPr>
         <p:txBody>
           <a:bodyPr vert="horz" lIns="91440" tIns="45720" rIns="91440" bIns="45720" rtlCol="0" anchor="t">
-            <a:normAutofit fontScale="92500" lnSpcReduction="20000"/>
+            <a:normAutofit lnSpcReduction="10000"/>
           </a:bodyPr>
           <a:lstStyle>
             <a:lvl1pPr marL="285750" indent="-285750" algn="l" defTabSz="457200" rtl="0" eaLnBrk="1" latinLnBrk="0" hangingPunct="1">
@@ -9256,14 +8562,14 @@
               <a:buNone/>
             </a:pPr>
             <a:r>
-              <a:rPr lang="en-US" dirty="0"/>
+              <a:rPr lang="en-US" sz="1500" dirty="0"/>
               <a:t>Insight:</a:t>
             </a:r>
           </a:p>
           <a:p>
             <a:r>
-              <a:rPr lang="en-US" sz="1700" dirty="0"/>
-              <a:t>The number of Accidents with fatalities is trending upwards in Dallas, while San Diego’s trend is neutral.</a:t>
+              <a:rPr lang="en-US" sz="1500" dirty="0"/>
+              <a:t>Above data suggests less competition with better wages in Dallas over San Diego.</a:t>
             </a:r>
           </a:p>
           <a:p>
@@ -9273,10 +8579,10 @@
       </p:sp>
       <p:sp>
         <p:nvSpPr>
-          <p:cNvPr id="10" name="TextBox 9">
+          <p:cNvPr id="17" name="TextBox 16">
             <a:extLst>
               <a:ext uri="{FF2B5EF4-FFF2-40B4-BE49-F238E27FC236}">
-                <a16:creationId xmlns:a16="http://schemas.microsoft.com/office/drawing/2014/main" id="{940778FD-6E87-FD43-B986-32F8D66F54C6}"/>
+                <a16:creationId xmlns:a16="http://schemas.microsoft.com/office/drawing/2014/main" id="{E4C72FDC-8A2E-524A-847E-28DC25695F20}"/>
               </a:ext>
             </a:extLst>
           </p:cNvPr>
@@ -9313,10 +8619,37 @@
       </p:sp>
       <p:pic>
         <p:nvPicPr>
-          <p:cNvPr id="9" name="Picture 8" descr="A screenshot of a cell phone&#10;&#10;Description automatically generated">
+          <p:cNvPr id="12" name="Picture 11">
             <a:extLst>
               <a:ext uri="{FF2B5EF4-FFF2-40B4-BE49-F238E27FC236}">
-                <a16:creationId xmlns:a16="http://schemas.microsoft.com/office/drawing/2014/main" id="{63CC8A3F-1C5F-E44C-86A3-94EF403A4FC0}"/>
+                <a16:creationId xmlns:a16="http://schemas.microsoft.com/office/drawing/2014/main" id="{FCF82165-671C-734F-85BD-DB7D447C4F38}"/>
+              </a:ext>
+            </a:extLst>
+          </p:cNvPr>
+          <p:cNvPicPr/>
+          <p:nvPr/>
+        </p:nvPicPr>
+        <p:blipFill rotWithShape="1">
+          <a:blip r:embed="rId3"/>
+          <a:srcRect t="-30" r="8940" b="5719"/>
+          <a:stretch/>
+        </p:blipFill>
+        <p:spPr>
+          <a:xfrm>
+            <a:off x="236562" y="748444"/>
+            <a:ext cx="5513832" cy="3657600"/>
+          </a:xfrm>
+          <a:prstGeom prst="rect">
+            <a:avLst/>
+          </a:prstGeom>
+        </p:spPr>
+      </p:pic>
+      <p:pic>
+        <p:nvPicPr>
+          <p:cNvPr id="13" name="Picture 12" descr="A screenshot of a cell phone&#10;&#10;Description automatically generated">
+            <a:extLst>
+              <a:ext uri="{FF2B5EF4-FFF2-40B4-BE49-F238E27FC236}">
+                <a16:creationId xmlns:a16="http://schemas.microsoft.com/office/drawing/2014/main" id="{5027132A-7C90-CF4A-BB89-85D237742626}"/>
               </a:ext>
             </a:extLst>
           </p:cNvPr>
@@ -9325,16 +8658,15 @@
           </p:cNvPicPr>
           <p:nvPr/>
         </p:nvPicPr>
-        <p:blipFill>
+        <p:blipFill rotWithShape="1">
           <a:blip r:embed="rId4"/>
-          <a:stretch>
-            <a:fillRect/>
-          </a:stretch>
+          <a:srcRect l="4042" t="4479"/>
+          <a:stretch/>
         </p:blipFill>
         <p:spPr>
           <a:xfrm>
-            <a:off x="6343576" y="419100"/>
-            <a:ext cx="5604926" cy="3362956"/>
+            <a:off x="6442363" y="749507"/>
+            <a:ext cx="5513073" cy="3658663"/>
           </a:xfrm>
           <a:prstGeom prst="rect">
             <a:avLst/>
@@ -9344,7 +8676,7 @@
     </p:spTree>
     <p:extLst>
       <p:ext uri="{BB962C8B-B14F-4D97-AF65-F5344CB8AC3E}">
-        <p14:creationId xmlns:p14="http://schemas.microsoft.com/office/powerpoint/2010/main" val="1595918270"/>
+        <p14:creationId xmlns:p14="http://schemas.microsoft.com/office/powerpoint/2010/main" val="3747629128"/>
       </p:ext>
     </p:extLst>
   </p:cSld>
@@ -9400,7 +8732,7 @@
           <p:cNvPr id="2" name="Title 1">
             <a:extLst>
               <a:ext uri="{FF2B5EF4-FFF2-40B4-BE49-F238E27FC236}">
-                <a16:creationId xmlns:a16="http://schemas.microsoft.com/office/drawing/2014/main" id="{12DF547D-2983-8A4B-BA4B-0188AFAACBA7}"/>
+                <a16:creationId xmlns:a16="http://schemas.microsoft.com/office/drawing/2014/main" id="{D1C2A00E-7D49-6B47-B595-C08AE0AE6343}"/>
               </a:ext>
             </a:extLst>
           </p:cNvPr>
@@ -9413,83 +8745,803 @@
         </p:nvSpPr>
         <p:spPr>
           <a:xfrm>
-            <a:off x="7467600" y="914400"/>
-            <a:ext cx="5122606" cy="914400"/>
+            <a:off x="988630" y="4363271"/>
+            <a:ext cx="10200986" cy="1066801"/>
           </a:xfrm>
         </p:spPr>
         <p:txBody>
-          <a:bodyPr vert="horz" lIns="91440" tIns="45720" rIns="91440" bIns="45720" rtlCol="0" anchor="ctr">
+          <a:bodyPr vert="horz" lIns="91440" tIns="45720" rIns="91440" bIns="45720" rtlCol="0" anchor="b">
             <a:normAutofit/>
           </a:bodyPr>
           <a:lstStyle/>
           <a:p>
-            <a:r>
-              <a:rPr lang="en-US" dirty="0"/>
-              <a:t>New York Taxis  </a:t>
-            </a:r>
-          </a:p>
-        </p:txBody>
-      </p:sp>
-      <p:sp>
-        <p:nvSpPr>
-          <p:cNvPr id="13" name="Content Placeholder 3">
+            <a:pPr algn="ctr"/>
+            <a:r>
+              <a:rPr lang="en-US" sz="4800" dirty="0">
+                <a:effectLst>
+                  <a:glow rad="38100">
+                    <a:schemeClr val="bg1">
+                      <a:lumMod val="65000"/>
+                      <a:lumOff val="35000"/>
+                      <a:alpha val="50000"/>
+                    </a:schemeClr>
+                  </a:glow>
+                  <a:outerShdw blurRad="28575" dist="31750" dir="13200000" algn="tl" rotWithShape="0">
+                    <a:srgbClr val="000000">
+                      <a:alpha val="25000"/>
+                    </a:srgbClr>
+                  </a:outerShdw>
+                </a:effectLst>
+              </a:rPr>
+              <a:t>Safety</a:t>
+            </a:r>
+          </a:p>
+        </p:txBody>
+      </p:sp>
+      <p:pic>
+        <p:nvPicPr>
+          <p:cNvPr id="6" name="Content Placeholder 5">
             <a:extLst>
               <a:ext uri="{FF2B5EF4-FFF2-40B4-BE49-F238E27FC236}">
-                <a16:creationId xmlns:a16="http://schemas.microsoft.com/office/drawing/2014/main" id="{2C335AAF-A1D5-A643-AB88-C93D00C1815D}"/>
+                <a16:creationId xmlns:a16="http://schemas.microsoft.com/office/drawing/2014/main" id="{DED58C36-FC71-9F4D-9FFA-4198080B7393}"/>
               </a:ext>
             </a:extLst>
           </p:cNvPr>
-          <p:cNvSpPr>
-            <a:spLocks noGrp="1"/>
-          </p:cNvSpPr>
-          <p:nvPr>
-            <p:ph sz="half" idx="1"/>
-          </p:nvPr>
-        </p:nvSpPr>
+          <p:cNvPicPr>
+            <a:picLocks noGrp="1" noChangeAspect="1"/>
+          </p:cNvPicPr>
+          <p:nvPr>
+            <p:ph sz="half" idx="2"/>
+          </p:nvPr>
+        </p:nvPicPr>
+        <p:blipFill>
+          <a:blip r:embed="rId3"/>
+          <a:stretch>
+            <a:fillRect/>
+          </a:stretch>
+        </p:blipFill>
         <p:spPr>
           <a:xfrm>
-            <a:off x="7467600" y="1828800"/>
-            <a:ext cx="4709984" cy="4572000"/>
+            <a:off x="248757" y="419100"/>
+            <a:ext cx="5604927" cy="3362956"/>
           </a:xfrm>
+          <a:prstGeom prst="rect">
+            <a:avLst/>
+          </a:prstGeom>
         </p:spPr>
+      </p:pic>
+      <p:sp>
+        <p:nvSpPr>
+          <p:cNvPr id="7" name="Content Placeholder 3">
+            <a:extLst>
+              <a:ext uri="{FF2B5EF4-FFF2-40B4-BE49-F238E27FC236}">
+                <a16:creationId xmlns:a16="http://schemas.microsoft.com/office/drawing/2014/main" id="{CC4BAD22-965D-5F41-938A-9F60F12F6345}"/>
+              </a:ext>
+            </a:extLst>
+          </p:cNvPr>
+          <p:cNvSpPr txBox="1">
+            <a:spLocks/>
+          </p:cNvSpPr>
+          <p:nvPr/>
+        </p:nvSpPr>
+        <p:spPr>
+          <a:xfrm>
+            <a:off x="248757" y="5430071"/>
+            <a:ext cx="5604928" cy="945573"/>
+          </a:xfrm>
+          <a:prstGeom prst="rect">
+            <a:avLst/>
+          </a:prstGeom>
+        </p:spPr>
         <p:txBody>
           <a:bodyPr vert="horz" lIns="91440" tIns="45720" rIns="91440" bIns="45720" rtlCol="0" anchor="t">
-            <a:normAutofit/>
+            <a:normAutofit fontScale="92500"/>
           </a:bodyPr>
-          <a:lstStyle/>
+          <a:lstStyle>
+            <a:lvl1pPr marL="285750" indent="-285750" algn="l" defTabSz="457200" rtl="0" eaLnBrk="1" latinLnBrk="0" hangingPunct="1">
+              <a:spcBef>
+                <a:spcPct val="20000"/>
+              </a:spcBef>
+              <a:spcAft>
+                <a:spcPts val="600"/>
+              </a:spcAft>
+              <a:buClr>
+                <a:schemeClr val="accent1"/>
+              </a:buClr>
+              <a:buSzPct val="100000"/>
+              <a:buFont typeface="Arial"/>
+              <a:buChar char="•"/>
+              <a:defRPr sz="1800" kern="1200" cap="small">
+                <a:solidFill>
+                  <a:schemeClr val="tx1"/>
+                </a:solidFill>
+                <a:effectLst>
+                  <a:glow rad="38100">
+                    <a:schemeClr val="bg1">
+                      <a:lumMod val="50000"/>
+                      <a:lumOff val="50000"/>
+                      <a:alpha val="20000"/>
+                    </a:schemeClr>
+                  </a:glow>
+                  <a:outerShdw blurRad="44450" dist="12700" dir="13860000" algn="tl" rotWithShape="0">
+                    <a:srgbClr val="000000">
+                      <a:alpha val="20000"/>
+                    </a:srgbClr>
+                  </a:outerShdw>
+                </a:effectLst>
+                <a:latin typeface="+mn-lt"/>
+                <a:ea typeface="+mn-ea"/>
+                <a:cs typeface="+mn-cs"/>
+              </a:defRPr>
+            </a:lvl1pPr>
+            <a:lvl2pPr marL="742950" indent="-285750" algn="l" defTabSz="457200" rtl="0" eaLnBrk="1" latinLnBrk="0" hangingPunct="1">
+              <a:spcBef>
+                <a:spcPct val="20000"/>
+              </a:spcBef>
+              <a:spcAft>
+                <a:spcPts val="600"/>
+              </a:spcAft>
+              <a:buClr>
+                <a:schemeClr val="accent1"/>
+              </a:buClr>
+              <a:buSzPct val="100000"/>
+              <a:buFont typeface="Arial"/>
+              <a:buChar char="•"/>
+              <a:defRPr sz="1600" kern="1200" cap="small">
+                <a:solidFill>
+                  <a:schemeClr val="tx1"/>
+                </a:solidFill>
+                <a:effectLst>
+                  <a:glow rad="38100">
+                    <a:schemeClr val="bg1">
+                      <a:lumMod val="50000"/>
+                      <a:lumOff val="50000"/>
+                      <a:alpha val="20000"/>
+                    </a:schemeClr>
+                  </a:glow>
+                  <a:outerShdw blurRad="44450" dist="12700" dir="13860000" algn="tl" rotWithShape="0">
+                    <a:srgbClr val="000000">
+                      <a:alpha val="20000"/>
+                    </a:srgbClr>
+                  </a:outerShdw>
+                </a:effectLst>
+                <a:latin typeface="+mn-lt"/>
+                <a:ea typeface="+mn-ea"/>
+                <a:cs typeface="+mn-cs"/>
+              </a:defRPr>
+            </a:lvl2pPr>
+            <a:lvl3pPr marL="1200150" indent="-285750" algn="l" defTabSz="457200" rtl="0" eaLnBrk="1" latinLnBrk="0" hangingPunct="1">
+              <a:spcBef>
+                <a:spcPct val="20000"/>
+              </a:spcBef>
+              <a:spcAft>
+                <a:spcPts val="600"/>
+              </a:spcAft>
+              <a:buClr>
+                <a:schemeClr val="accent1"/>
+              </a:buClr>
+              <a:buSzPct val="100000"/>
+              <a:buFont typeface="Arial"/>
+              <a:buChar char="•"/>
+              <a:defRPr sz="1400" kern="1200" cap="small">
+                <a:solidFill>
+                  <a:schemeClr val="tx1"/>
+                </a:solidFill>
+                <a:effectLst>
+                  <a:glow rad="38100">
+                    <a:schemeClr val="bg1">
+                      <a:lumMod val="50000"/>
+                      <a:lumOff val="50000"/>
+                      <a:alpha val="20000"/>
+                    </a:schemeClr>
+                  </a:glow>
+                  <a:outerShdw blurRad="44450" dist="12700" dir="13860000" algn="tl" rotWithShape="0">
+                    <a:srgbClr val="000000">
+                      <a:alpha val="20000"/>
+                    </a:srgbClr>
+                  </a:outerShdw>
+                </a:effectLst>
+                <a:latin typeface="+mn-lt"/>
+                <a:ea typeface="+mn-ea"/>
+                <a:cs typeface="+mn-cs"/>
+              </a:defRPr>
+            </a:lvl3pPr>
+            <a:lvl4pPr marL="1543050" indent="-171450" algn="l" defTabSz="457200" rtl="0" eaLnBrk="1" latinLnBrk="0" hangingPunct="1">
+              <a:spcBef>
+                <a:spcPct val="20000"/>
+              </a:spcBef>
+              <a:spcAft>
+                <a:spcPts val="600"/>
+              </a:spcAft>
+              <a:buClr>
+                <a:schemeClr val="accent1"/>
+              </a:buClr>
+              <a:buSzPct val="100000"/>
+              <a:buFont typeface="Arial"/>
+              <a:buChar char="•"/>
+              <a:defRPr sz="1200" kern="1200" cap="small">
+                <a:solidFill>
+                  <a:schemeClr val="tx1"/>
+                </a:solidFill>
+                <a:effectLst>
+                  <a:glow rad="38100">
+                    <a:schemeClr val="bg1">
+                      <a:lumMod val="50000"/>
+                      <a:lumOff val="50000"/>
+                      <a:alpha val="20000"/>
+                    </a:schemeClr>
+                  </a:glow>
+                  <a:outerShdw blurRad="44450" dist="12700" dir="13860000" algn="tl" rotWithShape="0">
+                    <a:srgbClr val="000000">
+                      <a:alpha val="20000"/>
+                    </a:srgbClr>
+                  </a:outerShdw>
+                </a:effectLst>
+                <a:latin typeface="+mn-lt"/>
+                <a:ea typeface="+mn-ea"/>
+                <a:cs typeface="+mn-cs"/>
+              </a:defRPr>
+            </a:lvl4pPr>
+            <a:lvl5pPr marL="2000250" indent="-171450" algn="l" defTabSz="457200" rtl="0" eaLnBrk="1" latinLnBrk="0" hangingPunct="1">
+              <a:spcBef>
+                <a:spcPct val="20000"/>
+              </a:spcBef>
+              <a:spcAft>
+                <a:spcPts val="600"/>
+              </a:spcAft>
+              <a:buClr>
+                <a:schemeClr val="accent1"/>
+              </a:buClr>
+              <a:buSzPct val="100000"/>
+              <a:buFont typeface="Arial"/>
+              <a:buChar char="•"/>
+              <a:defRPr sz="1200" kern="1200" cap="small">
+                <a:solidFill>
+                  <a:schemeClr val="tx1"/>
+                </a:solidFill>
+                <a:effectLst>
+                  <a:glow rad="38100">
+                    <a:schemeClr val="bg1">
+                      <a:lumMod val="50000"/>
+                      <a:lumOff val="50000"/>
+                      <a:alpha val="20000"/>
+                    </a:schemeClr>
+                  </a:glow>
+                  <a:outerShdw blurRad="44450" dist="12700" dir="13860000" algn="tl" rotWithShape="0">
+                    <a:srgbClr val="000000">
+                      <a:alpha val="20000"/>
+                    </a:srgbClr>
+                  </a:outerShdw>
+                </a:effectLst>
+                <a:latin typeface="+mn-lt"/>
+                <a:ea typeface="+mn-ea"/>
+                <a:cs typeface="+mn-cs"/>
+              </a:defRPr>
+            </a:lvl5pPr>
+            <a:lvl6pPr marL="2514600" indent="-228600" algn="l" defTabSz="457200" rtl="0" eaLnBrk="1" latinLnBrk="0" hangingPunct="1">
+              <a:spcBef>
+                <a:spcPct val="20000"/>
+              </a:spcBef>
+              <a:spcAft>
+                <a:spcPts val="600"/>
+              </a:spcAft>
+              <a:buClr>
+                <a:schemeClr val="accent1"/>
+              </a:buClr>
+              <a:buSzPct val="100000"/>
+              <a:buFont typeface="Arial"/>
+              <a:buChar char="•"/>
+              <a:defRPr sz="1200" kern="1200" cap="small">
+                <a:solidFill>
+                  <a:schemeClr val="tx1"/>
+                </a:solidFill>
+                <a:effectLst>
+                  <a:glow rad="38100">
+                    <a:schemeClr val="bg1">
+                      <a:lumMod val="50000"/>
+                      <a:lumOff val="50000"/>
+                      <a:alpha val="20000"/>
+                    </a:schemeClr>
+                  </a:glow>
+                  <a:outerShdw blurRad="44450" dist="12700" dir="13860000" algn="tl" rotWithShape="0">
+                    <a:srgbClr val="000000">
+                      <a:alpha val="20000"/>
+                    </a:srgbClr>
+                  </a:outerShdw>
+                </a:effectLst>
+                <a:latin typeface="+mn-lt"/>
+                <a:ea typeface="+mn-ea"/>
+                <a:cs typeface="+mn-cs"/>
+              </a:defRPr>
+            </a:lvl6pPr>
+            <a:lvl7pPr marL="2971800" indent="-228600" algn="l" defTabSz="457200" rtl="0" eaLnBrk="1" latinLnBrk="0" hangingPunct="1">
+              <a:spcBef>
+                <a:spcPct val="20000"/>
+              </a:spcBef>
+              <a:spcAft>
+                <a:spcPts val="600"/>
+              </a:spcAft>
+              <a:buClr>
+                <a:schemeClr val="accent1"/>
+              </a:buClr>
+              <a:buSzPct val="100000"/>
+              <a:buFont typeface="Arial"/>
+              <a:buChar char="•"/>
+              <a:defRPr sz="1200" kern="1200" cap="small">
+                <a:solidFill>
+                  <a:schemeClr val="tx1"/>
+                </a:solidFill>
+                <a:effectLst>
+                  <a:glow rad="38100">
+                    <a:schemeClr val="bg1">
+                      <a:lumMod val="50000"/>
+                      <a:lumOff val="50000"/>
+                      <a:alpha val="20000"/>
+                    </a:schemeClr>
+                  </a:glow>
+                  <a:outerShdw blurRad="44450" dist="12700" dir="13860000" algn="tl" rotWithShape="0">
+                    <a:srgbClr val="000000">
+                      <a:alpha val="20000"/>
+                    </a:srgbClr>
+                  </a:outerShdw>
+                </a:effectLst>
+                <a:latin typeface="+mn-lt"/>
+                <a:ea typeface="+mn-ea"/>
+                <a:cs typeface="+mn-cs"/>
+              </a:defRPr>
+            </a:lvl7pPr>
+            <a:lvl8pPr marL="3429000" indent="-228600" algn="l" defTabSz="457200" rtl="0" eaLnBrk="1" latinLnBrk="0" hangingPunct="1">
+              <a:spcBef>
+                <a:spcPct val="20000"/>
+              </a:spcBef>
+              <a:spcAft>
+                <a:spcPts val="600"/>
+              </a:spcAft>
+              <a:buClr>
+                <a:schemeClr val="accent1"/>
+              </a:buClr>
+              <a:buSzPct val="100000"/>
+              <a:buFont typeface="Arial"/>
+              <a:buChar char="•"/>
+              <a:defRPr sz="1200" kern="1200" cap="small">
+                <a:solidFill>
+                  <a:schemeClr val="tx1"/>
+                </a:solidFill>
+                <a:effectLst>
+                  <a:glow rad="38100">
+                    <a:schemeClr val="bg1">
+                      <a:lumMod val="50000"/>
+                      <a:lumOff val="50000"/>
+                      <a:alpha val="20000"/>
+                    </a:schemeClr>
+                  </a:glow>
+                  <a:outerShdw blurRad="44450" dist="12700" dir="13860000" algn="tl" rotWithShape="0">
+                    <a:srgbClr val="000000">
+                      <a:alpha val="20000"/>
+                    </a:srgbClr>
+                  </a:outerShdw>
+                </a:effectLst>
+                <a:latin typeface="+mn-lt"/>
+                <a:ea typeface="+mn-ea"/>
+                <a:cs typeface="+mn-cs"/>
+              </a:defRPr>
+            </a:lvl8pPr>
+            <a:lvl9pPr marL="3886200" indent="-228600" algn="l" defTabSz="457200" rtl="0" eaLnBrk="1" latinLnBrk="0" hangingPunct="1">
+              <a:spcBef>
+                <a:spcPct val="20000"/>
+              </a:spcBef>
+              <a:spcAft>
+                <a:spcPts val="600"/>
+              </a:spcAft>
+              <a:buClr>
+                <a:schemeClr val="accent1"/>
+              </a:buClr>
+              <a:buSzPct val="100000"/>
+              <a:buFont typeface="Arial"/>
+              <a:buChar char="•"/>
+              <a:defRPr sz="1200" kern="1200" cap="small">
+                <a:solidFill>
+                  <a:schemeClr val="tx1"/>
+                </a:solidFill>
+                <a:effectLst>
+                  <a:glow rad="38100">
+                    <a:schemeClr val="bg1">
+                      <a:lumMod val="50000"/>
+                      <a:lumOff val="50000"/>
+                      <a:alpha val="20000"/>
+                    </a:schemeClr>
+                  </a:glow>
+                  <a:outerShdw blurRad="44450" dist="12700" dir="13860000" algn="tl" rotWithShape="0">
+                    <a:srgbClr val="000000">
+                      <a:alpha val="20000"/>
+                    </a:srgbClr>
+                  </a:outerShdw>
+                </a:effectLst>
+                <a:latin typeface="+mn-lt"/>
+                <a:ea typeface="+mn-ea"/>
+                <a:cs typeface="+mn-cs"/>
+              </a:defRPr>
+            </a:lvl9pPr>
+          </a:lstStyle>
           <a:p>
             <a:pPr marL="0" indent="0">
+              <a:buFont typeface="Arial"/>
               <a:buNone/>
             </a:pPr>
             <a:r>
               <a:rPr lang="en-US" dirty="0"/>
-              <a:t>Questions Asked:</a:t>
-            </a:r>
-          </a:p>
-          <a:p>
-            <a:r>
-              <a:rPr lang="en-US" dirty="0">
+              <a:t>Question Asked:</a:t>
+            </a:r>
+          </a:p>
+          <a:p>
+            <a:r>
+              <a:rPr lang="en-US" sz="1700" dirty="0">
                 <a:effectLst/>
               </a:rPr>
-              <a:t>Why did we include this slide / data?</a:t>
-            </a:r>
-          </a:p>
-          <a:p>
-            <a:r>
-              <a:rPr lang="en-US" dirty="0">
-                <a:effectLst/>
-              </a:rPr>
-              <a:t>What does the data show on taxi usage?</a:t>
-            </a:r>
-          </a:p>
+              <a:t>How safe is it to drive a car in San Diego or Dallas?</a:t>
+            </a:r>
+          </a:p>
+          <a:p>
+            <a:endParaRPr lang="en-US" dirty="0"/>
+          </a:p>
+        </p:txBody>
+      </p:sp>
+      <p:sp>
+        <p:nvSpPr>
+          <p:cNvPr id="8" name="Content Placeholder 3">
+            <a:extLst>
+              <a:ext uri="{FF2B5EF4-FFF2-40B4-BE49-F238E27FC236}">
+                <a16:creationId xmlns:a16="http://schemas.microsoft.com/office/drawing/2014/main" id="{409994BD-6565-344A-9A17-0882F1CE1F67}"/>
+              </a:ext>
+            </a:extLst>
+          </p:cNvPr>
+          <p:cNvSpPr txBox="1">
+            <a:spLocks/>
+          </p:cNvSpPr>
+          <p:nvPr/>
+        </p:nvSpPr>
+        <p:spPr>
+          <a:xfrm>
+            <a:off x="6324563" y="5430071"/>
+            <a:ext cx="5604926" cy="945573"/>
+          </a:xfrm>
+          <a:prstGeom prst="rect">
+            <a:avLst/>
+          </a:prstGeom>
+        </p:spPr>
+        <p:txBody>
+          <a:bodyPr vert="horz" lIns="91440" tIns="45720" rIns="91440" bIns="45720" rtlCol="0" anchor="t">
+            <a:normAutofit fontScale="92500" lnSpcReduction="20000"/>
+          </a:bodyPr>
+          <a:lstStyle>
+            <a:lvl1pPr marL="285750" indent="-285750" algn="l" defTabSz="457200" rtl="0" eaLnBrk="1" latinLnBrk="0" hangingPunct="1">
+              <a:spcBef>
+                <a:spcPct val="20000"/>
+              </a:spcBef>
+              <a:spcAft>
+                <a:spcPts val="600"/>
+              </a:spcAft>
+              <a:buClr>
+                <a:schemeClr val="accent1"/>
+              </a:buClr>
+              <a:buSzPct val="100000"/>
+              <a:buFont typeface="Arial"/>
+              <a:buChar char="•"/>
+              <a:defRPr sz="1800" kern="1200" cap="small">
+                <a:solidFill>
+                  <a:schemeClr val="tx1"/>
+                </a:solidFill>
+                <a:effectLst>
+                  <a:glow rad="38100">
+                    <a:schemeClr val="bg1">
+                      <a:lumMod val="50000"/>
+                      <a:lumOff val="50000"/>
+                      <a:alpha val="20000"/>
+                    </a:schemeClr>
+                  </a:glow>
+                  <a:outerShdw blurRad="44450" dist="12700" dir="13860000" algn="tl" rotWithShape="0">
+                    <a:srgbClr val="000000">
+                      <a:alpha val="20000"/>
+                    </a:srgbClr>
+                  </a:outerShdw>
+                </a:effectLst>
+                <a:latin typeface="+mn-lt"/>
+                <a:ea typeface="+mn-ea"/>
+                <a:cs typeface="+mn-cs"/>
+              </a:defRPr>
+            </a:lvl1pPr>
+            <a:lvl2pPr marL="742950" indent="-285750" algn="l" defTabSz="457200" rtl="0" eaLnBrk="1" latinLnBrk="0" hangingPunct="1">
+              <a:spcBef>
+                <a:spcPct val="20000"/>
+              </a:spcBef>
+              <a:spcAft>
+                <a:spcPts val="600"/>
+              </a:spcAft>
+              <a:buClr>
+                <a:schemeClr val="accent1"/>
+              </a:buClr>
+              <a:buSzPct val="100000"/>
+              <a:buFont typeface="Arial"/>
+              <a:buChar char="•"/>
+              <a:defRPr sz="1600" kern="1200" cap="small">
+                <a:solidFill>
+                  <a:schemeClr val="tx1"/>
+                </a:solidFill>
+                <a:effectLst>
+                  <a:glow rad="38100">
+                    <a:schemeClr val="bg1">
+                      <a:lumMod val="50000"/>
+                      <a:lumOff val="50000"/>
+                      <a:alpha val="20000"/>
+                    </a:schemeClr>
+                  </a:glow>
+                  <a:outerShdw blurRad="44450" dist="12700" dir="13860000" algn="tl" rotWithShape="0">
+                    <a:srgbClr val="000000">
+                      <a:alpha val="20000"/>
+                    </a:srgbClr>
+                  </a:outerShdw>
+                </a:effectLst>
+                <a:latin typeface="+mn-lt"/>
+                <a:ea typeface="+mn-ea"/>
+                <a:cs typeface="+mn-cs"/>
+              </a:defRPr>
+            </a:lvl2pPr>
+            <a:lvl3pPr marL="1200150" indent="-285750" algn="l" defTabSz="457200" rtl="0" eaLnBrk="1" latinLnBrk="0" hangingPunct="1">
+              <a:spcBef>
+                <a:spcPct val="20000"/>
+              </a:spcBef>
+              <a:spcAft>
+                <a:spcPts val="600"/>
+              </a:spcAft>
+              <a:buClr>
+                <a:schemeClr val="accent1"/>
+              </a:buClr>
+              <a:buSzPct val="100000"/>
+              <a:buFont typeface="Arial"/>
+              <a:buChar char="•"/>
+              <a:defRPr sz="1400" kern="1200" cap="small">
+                <a:solidFill>
+                  <a:schemeClr val="tx1"/>
+                </a:solidFill>
+                <a:effectLst>
+                  <a:glow rad="38100">
+                    <a:schemeClr val="bg1">
+                      <a:lumMod val="50000"/>
+                      <a:lumOff val="50000"/>
+                      <a:alpha val="20000"/>
+                    </a:schemeClr>
+                  </a:glow>
+                  <a:outerShdw blurRad="44450" dist="12700" dir="13860000" algn="tl" rotWithShape="0">
+                    <a:srgbClr val="000000">
+                      <a:alpha val="20000"/>
+                    </a:srgbClr>
+                  </a:outerShdw>
+                </a:effectLst>
+                <a:latin typeface="+mn-lt"/>
+                <a:ea typeface="+mn-ea"/>
+                <a:cs typeface="+mn-cs"/>
+              </a:defRPr>
+            </a:lvl3pPr>
+            <a:lvl4pPr marL="1543050" indent="-171450" algn="l" defTabSz="457200" rtl="0" eaLnBrk="1" latinLnBrk="0" hangingPunct="1">
+              <a:spcBef>
+                <a:spcPct val="20000"/>
+              </a:spcBef>
+              <a:spcAft>
+                <a:spcPts val="600"/>
+              </a:spcAft>
+              <a:buClr>
+                <a:schemeClr val="accent1"/>
+              </a:buClr>
+              <a:buSzPct val="100000"/>
+              <a:buFont typeface="Arial"/>
+              <a:buChar char="•"/>
+              <a:defRPr sz="1200" kern="1200" cap="small">
+                <a:solidFill>
+                  <a:schemeClr val="tx1"/>
+                </a:solidFill>
+                <a:effectLst>
+                  <a:glow rad="38100">
+                    <a:schemeClr val="bg1">
+                      <a:lumMod val="50000"/>
+                      <a:lumOff val="50000"/>
+                      <a:alpha val="20000"/>
+                    </a:schemeClr>
+                  </a:glow>
+                  <a:outerShdw blurRad="44450" dist="12700" dir="13860000" algn="tl" rotWithShape="0">
+                    <a:srgbClr val="000000">
+                      <a:alpha val="20000"/>
+                    </a:srgbClr>
+                  </a:outerShdw>
+                </a:effectLst>
+                <a:latin typeface="+mn-lt"/>
+                <a:ea typeface="+mn-ea"/>
+                <a:cs typeface="+mn-cs"/>
+              </a:defRPr>
+            </a:lvl4pPr>
+            <a:lvl5pPr marL="2000250" indent="-171450" algn="l" defTabSz="457200" rtl="0" eaLnBrk="1" latinLnBrk="0" hangingPunct="1">
+              <a:spcBef>
+                <a:spcPct val="20000"/>
+              </a:spcBef>
+              <a:spcAft>
+                <a:spcPts val="600"/>
+              </a:spcAft>
+              <a:buClr>
+                <a:schemeClr val="accent1"/>
+              </a:buClr>
+              <a:buSzPct val="100000"/>
+              <a:buFont typeface="Arial"/>
+              <a:buChar char="•"/>
+              <a:defRPr sz="1200" kern="1200" cap="small">
+                <a:solidFill>
+                  <a:schemeClr val="tx1"/>
+                </a:solidFill>
+                <a:effectLst>
+                  <a:glow rad="38100">
+                    <a:schemeClr val="bg1">
+                      <a:lumMod val="50000"/>
+                      <a:lumOff val="50000"/>
+                      <a:alpha val="20000"/>
+                    </a:schemeClr>
+                  </a:glow>
+                  <a:outerShdw blurRad="44450" dist="12700" dir="13860000" algn="tl" rotWithShape="0">
+                    <a:srgbClr val="000000">
+                      <a:alpha val="20000"/>
+                    </a:srgbClr>
+                  </a:outerShdw>
+                </a:effectLst>
+                <a:latin typeface="+mn-lt"/>
+                <a:ea typeface="+mn-ea"/>
+                <a:cs typeface="+mn-cs"/>
+              </a:defRPr>
+            </a:lvl5pPr>
+            <a:lvl6pPr marL="2514600" indent="-228600" algn="l" defTabSz="457200" rtl="0" eaLnBrk="1" latinLnBrk="0" hangingPunct="1">
+              <a:spcBef>
+                <a:spcPct val="20000"/>
+              </a:spcBef>
+              <a:spcAft>
+                <a:spcPts val="600"/>
+              </a:spcAft>
+              <a:buClr>
+                <a:schemeClr val="accent1"/>
+              </a:buClr>
+              <a:buSzPct val="100000"/>
+              <a:buFont typeface="Arial"/>
+              <a:buChar char="•"/>
+              <a:defRPr sz="1200" kern="1200" cap="small">
+                <a:solidFill>
+                  <a:schemeClr val="tx1"/>
+                </a:solidFill>
+                <a:effectLst>
+                  <a:glow rad="38100">
+                    <a:schemeClr val="bg1">
+                      <a:lumMod val="50000"/>
+                      <a:lumOff val="50000"/>
+                      <a:alpha val="20000"/>
+                    </a:schemeClr>
+                  </a:glow>
+                  <a:outerShdw blurRad="44450" dist="12700" dir="13860000" algn="tl" rotWithShape="0">
+                    <a:srgbClr val="000000">
+                      <a:alpha val="20000"/>
+                    </a:srgbClr>
+                  </a:outerShdw>
+                </a:effectLst>
+                <a:latin typeface="+mn-lt"/>
+                <a:ea typeface="+mn-ea"/>
+                <a:cs typeface="+mn-cs"/>
+              </a:defRPr>
+            </a:lvl6pPr>
+            <a:lvl7pPr marL="2971800" indent="-228600" algn="l" defTabSz="457200" rtl="0" eaLnBrk="1" latinLnBrk="0" hangingPunct="1">
+              <a:spcBef>
+                <a:spcPct val="20000"/>
+              </a:spcBef>
+              <a:spcAft>
+                <a:spcPts val="600"/>
+              </a:spcAft>
+              <a:buClr>
+                <a:schemeClr val="accent1"/>
+              </a:buClr>
+              <a:buSzPct val="100000"/>
+              <a:buFont typeface="Arial"/>
+              <a:buChar char="•"/>
+              <a:defRPr sz="1200" kern="1200" cap="small">
+                <a:solidFill>
+                  <a:schemeClr val="tx1"/>
+                </a:solidFill>
+                <a:effectLst>
+                  <a:glow rad="38100">
+                    <a:schemeClr val="bg1">
+                      <a:lumMod val="50000"/>
+                      <a:lumOff val="50000"/>
+                      <a:alpha val="20000"/>
+                    </a:schemeClr>
+                  </a:glow>
+                  <a:outerShdw blurRad="44450" dist="12700" dir="13860000" algn="tl" rotWithShape="0">
+                    <a:srgbClr val="000000">
+                      <a:alpha val="20000"/>
+                    </a:srgbClr>
+                  </a:outerShdw>
+                </a:effectLst>
+                <a:latin typeface="+mn-lt"/>
+                <a:ea typeface="+mn-ea"/>
+                <a:cs typeface="+mn-cs"/>
+              </a:defRPr>
+            </a:lvl7pPr>
+            <a:lvl8pPr marL="3429000" indent="-228600" algn="l" defTabSz="457200" rtl="0" eaLnBrk="1" latinLnBrk="0" hangingPunct="1">
+              <a:spcBef>
+                <a:spcPct val="20000"/>
+              </a:spcBef>
+              <a:spcAft>
+                <a:spcPts val="600"/>
+              </a:spcAft>
+              <a:buClr>
+                <a:schemeClr val="accent1"/>
+              </a:buClr>
+              <a:buSzPct val="100000"/>
+              <a:buFont typeface="Arial"/>
+              <a:buChar char="•"/>
+              <a:defRPr sz="1200" kern="1200" cap="small">
+                <a:solidFill>
+                  <a:schemeClr val="tx1"/>
+                </a:solidFill>
+                <a:effectLst>
+                  <a:glow rad="38100">
+                    <a:schemeClr val="bg1">
+                      <a:lumMod val="50000"/>
+                      <a:lumOff val="50000"/>
+                      <a:alpha val="20000"/>
+                    </a:schemeClr>
+                  </a:glow>
+                  <a:outerShdw blurRad="44450" dist="12700" dir="13860000" algn="tl" rotWithShape="0">
+                    <a:srgbClr val="000000">
+                      <a:alpha val="20000"/>
+                    </a:srgbClr>
+                  </a:outerShdw>
+                </a:effectLst>
+                <a:latin typeface="+mn-lt"/>
+                <a:ea typeface="+mn-ea"/>
+                <a:cs typeface="+mn-cs"/>
+              </a:defRPr>
+            </a:lvl8pPr>
+            <a:lvl9pPr marL="3886200" indent="-228600" algn="l" defTabSz="457200" rtl="0" eaLnBrk="1" latinLnBrk="0" hangingPunct="1">
+              <a:spcBef>
+                <a:spcPct val="20000"/>
+              </a:spcBef>
+              <a:spcAft>
+                <a:spcPts val="600"/>
+              </a:spcAft>
+              <a:buClr>
+                <a:schemeClr val="accent1"/>
+              </a:buClr>
+              <a:buSzPct val="100000"/>
+              <a:buFont typeface="Arial"/>
+              <a:buChar char="•"/>
+              <a:defRPr sz="1200" kern="1200" cap="small">
+                <a:solidFill>
+                  <a:schemeClr val="tx1"/>
+                </a:solidFill>
+                <a:effectLst>
+                  <a:glow rad="38100">
+                    <a:schemeClr val="bg1">
+                      <a:lumMod val="50000"/>
+                      <a:lumOff val="50000"/>
+                      <a:alpha val="20000"/>
+                    </a:schemeClr>
+                  </a:glow>
+                  <a:outerShdw blurRad="44450" dist="12700" dir="13860000" algn="tl" rotWithShape="0">
+                    <a:srgbClr val="000000">
+                      <a:alpha val="20000"/>
+                    </a:srgbClr>
+                  </a:outerShdw>
+                </a:effectLst>
+                <a:latin typeface="+mn-lt"/>
+                <a:ea typeface="+mn-ea"/>
+                <a:cs typeface="+mn-cs"/>
+              </a:defRPr>
+            </a:lvl9pPr>
+          </a:lstStyle>
           <a:p>
             <a:pPr marL="0" indent="0">
-              <a:buNone/>
-            </a:pPr>
-            <a:endParaRPr lang="en-US" dirty="0"/>
-          </a:p>
-          <a:p>
-            <a:pPr marL="0" indent="0">
+              <a:buFont typeface="Arial"/>
               <a:buNone/>
             </a:pPr>
             <a:r>
@@ -9499,37 +9551,21 @@
           </a:p>
           <a:p>
             <a:r>
-              <a:rPr lang="en-US" dirty="0">
-                <a:effectLst/>
-              </a:rPr>
-              <a:t>Taxi driving is well defined and regulated in cities like New York. We collected yellow taxi data to understand recent trends in fares and miles driven. </a:t>
-            </a:r>
-          </a:p>
-          <a:p>
-            <a:r>
-              <a:rPr lang="en-US" i="1" dirty="0">
-                <a:effectLst/>
-              </a:rPr>
-              <a:t>On average, a taxi driver drives 3 miles and charges around $15 per trip. </a:t>
-            </a:r>
-            <a:endParaRPr lang="en-US" dirty="0">
-              <a:effectLst/>
-            </a:endParaRPr>
-          </a:p>
-          <a:p>
-            <a:pPr marL="0" indent="0">
-              <a:buNone/>
-            </a:pPr>
+              <a:rPr lang="en-US" sz="1700" dirty="0"/>
+              <a:t>The number of Accidents with fatalities is trending upwards in Dallas, while San Diego’s trend is neutral.</a:t>
+            </a:r>
+          </a:p>
+          <a:p>
             <a:endParaRPr lang="en-US" dirty="0"/>
           </a:p>
         </p:txBody>
       </p:sp>
       <p:sp>
         <p:nvSpPr>
-          <p:cNvPr id="15" name="TextBox 14">
+          <p:cNvPr id="10" name="TextBox 9">
             <a:extLst>
               <a:ext uri="{FF2B5EF4-FFF2-40B4-BE49-F238E27FC236}">
-                <a16:creationId xmlns:a16="http://schemas.microsoft.com/office/drawing/2014/main" id="{B239CC83-BE04-D243-9487-985E3A9E8D08}"/>
+                <a16:creationId xmlns:a16="http://schemas.microsoft.com/office/drawing/2014/main" id="{940778FD-6E87-FD43-B986-32F8D66F54C6}"/>
               </a:ext>
             </a:extLst>
           </p:cNvPr>
@@ -9553,23 +9589,23 @@
           <a:lstStyle/>
           <a:p>
             <a:r>
-              <a:rPr lang="en-US" sz="1200" dirty="0"/>
+              <a:rPr lang="en-US" sz="1200" i="1" dirty="0"/>
               <a:t>source:   https://</a:t>
             </a:r>
             <a:r>
-              <a:rPr lang="en-US" sz="1200" dirty="0" err="1"/>
-              <a:t>opendata.cityofnewyork.us</a:t>
-            </a:r>
-            <a:endParaRPr lang="en-US" sz="1200" dirty="0"/>
+              <a:rPr lang="en-US" sz="1200" i="1" dirty="0" err="1"/>
+              <a:t>crashviewer.nhtsa.dot.gov</a:t>
+            </a:r>
+            <a:endParaRPr lang="en-US" sz="1200" i="1" dirty="0"/>
           </a:p>
         </p:txBody>
       </p:sp>
       <p:pic>
         <p:nvPicPr>
-          <p:cNvPr id="5" name="Picture 4">
+          <p:cNvPr id="4" name="Picture 3" descr="A screenshot of a cell phone&#10;&#10;Description automatically generated">
             <a:extLst>
               <a:ext uri="{FF2B5EF4-FFF2-40B4-BE49-F238E27FC236}">
-                <a16:creationId xmlns:a16="http://schemas.microsoft.com/office/drawing/2014/main" id="{8EDFB280-ACB2-2149-B3B8-6AB49A2398B4}"/>
+                <a16:creationId xmlns:a16="http://schemas.microsoft.com/office/drawing/2014/main" id="{2B25A7C4-102E-EE42-A141-6479C61D87C9}"/>
               </a:ext>
             </a:extLst>
           </p:cNvPr>
@@ -9579,15 +9615,15 @@
           <p:nvPr/>
         </p:nvPicPr>
         <p:blipFill>
-          <a:blip r:embed="rId3"/>
+          <a:blip r:embed="rId4"/>
           <a:stretch>
             <a:fillRect/>
           </a:stretch>
         </p:blipFill>
         <p:spPr>
           <a:xfrm>
-            <a:off x="254758" y="1828800"/>
-            <a:ext cx="5486400" cy="3657600"/>
+            <a:off x="6324563" y="419099"/>
+            <a:ext cx="5622720" cy="3362956"/>
           </a:xfrm>
           <a:prstGeom prst="rect">
             <a:avLst/>
@@ -9597,7 +9633,7 @@
     </p:spTree>
     <p:extLst>
       <p:ext uri="{BB962C8B-B14F-4D97-AF65-F5344CB8AC3E}">
-        <p14:creationId xmlns:p14="http://schemas.microsoft.com/office/powerpoint/2010/main" val="2551876641"/>
+        <p14:creationId xmlns:p14="http://schemas.microsoft.com/office/powerpoint/2010/main" val="1595918270"/>
       </p:ext>
     </p:extLst>
   </p:cSld>
